--- a/books/Презентация для индивидуального проекта по ИКТ. Орен Сюлейман.pptx
+++ b/books/Презентация для индивидуального проекта по ИКТ. Орен Сюлейман.pptx
@@ -2,17 +2,25 @@
 <file path=ppt/presentation.xml><?xml version="1.0" encoding="utf-8"?>
 <p:presentation xmlns:a="http://schemas.openxmlformats.org/drawingml/2006/main" xmlns:r="http://schemas.openxmlformats.org/officeDocument/2006/relationships" xmlns:p="http://schemas.openxmlformats.org/presentationml/2006/main" saveSubsetFonts="1">
   <p:sldMasterIdLst>
-    <p:sldMasterId id="2147483648" r:id="rId1"/>
+    <p:sldMasterId id="2147483709" r:id="rId1"/>
   </p:sldMasterIdLst>
   <p:sldIdLst>
     <p:sldId id="256" r:id="rId2"/>
     <p:sldId id="258" r:id="rId3"/>
-    <p:sldId id="257" r:id="rId4"/>
-    <p:sldId id="259" r:id="rId5"/>
-    <p:sldId id="260" r:id="rId6"/>
-    <p:sldId id="261" r:id="rId7"/>
-    <p:sldId id="262" r:id="rId8"/>
-    <p:sldId id="263" r:id="rId9"/>
+    <p:sldId id="272" r:id="rId4"/>
+    <p:sldId id="257" r:id="rId5"/>
+    <p:sldId id="259" r:id="rId6"/>
+    <p:sldId id="260" r:id="rId7"/>
+    <p:sldId id="261" r:id="rId8"/>
+    <p:sldId id="273" r:id="rId9"/>
+    <p:sldId id="262" r:id="rId10"/>
+    <p:sldId id="266" r:id="rId11"/>
+    <p:sldId id="267" r:id="rId12"/>
+    <p:sldId id="268" r:id="rId13"/>
+    <p:sldId id="269" r:id="rId14"/>
+    <p:sldId id="270" r:id="rId15"/>
+    <p:sldId id="271" r:id="rId16"/>
+    <p:sldId id="265" r:id="rId17"/>
   </p:sldIdLst>
   <p:sldSz cx="12192000" cy="6858000"/>
   <p:notesSz cx="6858000" cy="9144000"/>
@@ -141,7 +149,7 @@
           <p:cNvPr id="2" name="Заголовок 1">
             <a:extLst>
               <a:ext uri="{FF2B5EF4-FFF2-40B4-BE49-F238E27FC236}">
-                <a16:creationId xmlns:a16="http://schemas.microsoft.com/office/drawing/2014/main" id="{144DE796-8A5B-4E16-A07E-FBAFEDA84CC1}"/>
+                <a16:creationId xmlns:a16="http://schemas.microsoft.com/office/drawing/2014/main" id="{48849BAF-8DB4-4B02-9CFA-FE43D33F9021}"/>
               </a:ext>
             </a:extLst>
           </p:cNvPr>
@@ -178,7 +186,7 @@
           <p:cNvPr id="3" name="Подзаголовок 2">
             <a:extLst>
               <a:ext uri="{FF2B5EF4-FFF2-40B4-BE49-F238E27FC236}">
-                <a16:creationId xmlns:a16="http://schemas.microsoft.com/office/drawing/2014/main" id="{0912E82A-3537-4E57-A681-76B519AFA07D}"/>
+                <a16:creationId xmlns:a16="http://schemas.microsoft.com/office/drawing/2014/main" id="{95A85B1B-A948-4B9D-8F85-846CEF108870}"/>
               </a:ext>
             </a:extLst>
           </p:cNvPr>
@@ -248,7 +256,7 @@
           <p:cNvPr id="4" name="Дата 3">
             <a:extLst>
               <a:ext uri="{FF2B5EF4-FFF2-40B4-BE49-F238E27FC236}">
-                <a16:creationId xmlns:a16="http://schemas.microsoft.com/office/drawing/2014/main" id="{667955B0-244E-41F7-942B-D529C3A93BFC}"/>
+                <a16:creationId xmlns:a16="http://schemas.microsoft.com/office/drawing/2014/main" id="{ACFFB690-ACB0-4F26-8509-C614ABCBB166}"/>
               </a:ext>
             </a:extLst>
           </p:cNvPr>
@@ -266,7 +274,7 @@
           <a:p>
             <a:fld id="{3F3A34D6-8620-4747-946B-372F6CC623DF}" type="datetimeFigureOut">
               <a:rPr lang="ru-RU" smtClean="0"/>
-              <a:t>26.10.2023</a:t>
+              <a:t>02.11.2023</a:t>
             </a:fld>
             <a:endParaRPr lang="ru-RU"/>
           </a:p>
@@ -277,7 +285,7 @@
           <p:cNvPr id="5" name="Нижний колонтитул 4">
             <a:extLst>
               <a:ext uri="{FF2B5EF4-FFF2-40B4-BE49-F238E27FC236}">
-                <a16:creationId xmlns:a16="http://schemas.microsoft.com/office/drawing/2014/main" id="{193777DF-B9B6-45ED-96B9-B54D72D55148}"/>
+                <a16:creationId xmlns:a16="http://schemas.microsoft.com/office/drawing/2014/main" id="{63FDE87F-98A4-4332-93F2-72FCC9FC9685}"/>
               </a:ext>
             </a:extLst>
           </p:cNvPr>
@@ -302,7 +310,7 @@
           <p:cNvPr id="6" name="Номер слайда 5">
             <a:extLst>
               <a:ext uri="{FF2B5EF4-FFF2-40B4-BE49-F238E27FC236}">
-                <a16:creationId xmlns:a16="http://schemas.microsoft.com/office/drawing/2014/main" id="{3F8CD961-536F-4E39-8864-CF20D625FCB6}"/>
+                <a16:creationId xmlns:a16="http://schemas.microsoft.com/office/drawing/2014/main" id="{ABC0D5D1-6475-45A1-9544-C67E3C6AC98A}"/>
               </a:ext>
             </a:extLst>
           </p:cNvPr>
@@ -329,7 +337,7 @@
     </p:spTree>
     <p:extLst>
       <p:ext uri="{BB962C8B-B14F-4D97-AF65-F5344CB8AC3E}">
-        <p14:creationId xmlns:p14="http://schemas.microsoft.com/office/powerpoint/2010/main" val="818982758"/>
+        <p14:creationId xmlns:p14="http://schemas.microsoft.com/office/powerpoint/2010/main" val="404143333"/>
       </p:ext>
     </p:extLst>
   </p:cSld>
@@ -361,7 +369,7 @@
           <p:cNvPr id="2" name="Заголовок 1">
             <a:extLst>
               <a:ext uri="{FF2B5EF4-FFF2-40B4-BE49-F238E27FC236}">
-                <a16:creationId xmlns:a16="http://schemas.microsoft.com/office/drawing/2014/main" id="{335CA123-04F4-4FF5-B9C3-0F76BB7ADD0A}"/>
+                <a16:creationId xmlns:a16="http://schemas.microsoft.com/office/drawing/2014/main" id="{209CC54A-E8D0-4AEA-AD0C-3578FB8B01A7}"/>
               </a:ext>
             </a:extLst>
           </p:cNvPr>
@@ -389,7 +397,7 @@
           <p:cNvPr id="3" name="Вертикальный текст 2">
             <a:extLst>
               <a:ext uri="{FF2B5EF4-FFF2-40B4-BE49-F238E27FC236}">
-                <a16:creationId xmlns:a16="http://schemas.microsoft.com/office/drawing/2014/main" id="{17215EDB-84C4-4725-8255-A29F709535B0}"/>
+                <a16:creationId xmlns:a16="http://schemas.microsoft.com/office/drawing/2014/main" id="{AA70CC33-1FF4-457D-8F18-FD1723EA65CB}"/>
               </a:ext>
             </a:extLst>
           </p:cNvPr>
@@ -446,7 +454,7 @@
           <p:cNvPr id="4" name="Дата 3">
             <a:extLst>
               <a:ext uri="{FF2B5EF4-FFF2-40B4-BE49-F238E27FC236}">
-                <a16:creationId xmlns:a16="http://schemas.microsoft.com/office/drawing/2014/main" id="{90406C70-8B86-44AA-9E83-510291CE518C}"/>
+                <a16:creationId xmlns:a16="http://schemas.microsoft.com/office/drawing/2014/main" id="{85CEDF4A-5F9E-4846-AB83-28CB28857635}"/>
               </a:ext>
             </a:extLst>
           </p:cNvPr>
@@ -464,7 +472,7 @@
           <a:p>
             <a:fld id="{3F3A34D6-8620-4747-946B-372F6CC623DF}" type="datetimeFigureOut">
               <a:rPr lang="ru-RU" smtClean="0"/>
-              <a:t>26.10.2023</a:t>
+              <a:t>02.11.2023</a:t>
             </a:fld>
             <a:endParaRPr lang="ru-RU"/>
           </a:p>
@@ -475,7 +483,7 @@
           <p:cNvPr id="5" name="Нижний колонтитул 4">
             <a:extLst>
               <a:ext uri="{FF2B5EF4-FFF2-40B4-BE49-F238E27FC236}">
-                <a16:creationId xmlns:a16="http://schemas.microsoft.com/office/drawing/2014/main" id="{2A81BAC8-CAD5-49CF-A762-929C07354EF9}"/>
+                <a16:creationId xmlns:a16="http://schemas.microsoft.com/office/drawing/2014/main" id="{46DA7612-097F-42E9-A86B-83C567034CA7}"/>
               </a:ext>
             </a:extLst>
           </p:cNvPr>
@@ -500,7 +508,7 @@
           <p:cNvPr id="6" name="Номер слайда 5">
             <a:extLst>
               <a:ext uri="{FF2B5EF4-FFF2-40B4-BE49-F238E27FC236}">
-                <a16:creationId xmlns:a16="http://schemas.microsoft.com/office/drawing/2014/main" id="{A3DF3B17-72AF-44C3-ACBF-643194E0B0E9}"/>
+                <a16:creationId xmlns:a16="http://schemas.microsoft.com/office/drawing/2014/main" id="{0F51E219-3FA0-42D5-A879-EBCE466FD684}"/>
               </a:ext>
             </a:extLst>
           </p:cNvPr>
@@ -527,7 +535,7 @@
     </p:spTree>
     <p:extLst>
       <p:ext uri="{BB962C8B-B14F-4D97-AF65-F5344CB8AC3E}">
-        <p14:creationId xmlns:p14="http://schemas.microsoft.com/office/powerpoint/2010/main" val="2628304166"/>
+        <p14:creationId xmlns:p14="http://schemas.microsoft.com/office/powerpoint/2010/main" val="3268265073"/>
       </p:ext>
     </p:extLst>
   </p:cSld>
@@ -559,7 +567,7 @@
           <p:cNvPr id="2" name="Вертикальный заголовок 1">
             <a:extLst>
               <a:ext uri="{FF2B5EF4-FFF2-40B4-BE49-F238E27FC236}">
-                <a16:creationId xmlns:a16="http://schemas.microsoft.com/office/drawing/2014/main" id="{0410030F-FEE5-4EA5-897C-48D88506621E}"/>
+                <a16:creationId xmlns:a16="http://schemas.microsoft.com/office/drawing/2014/main" id="{81A4002F-3CD1-4570-8146-6DDA2D970CA5}"/>
               </a:ext>
             </a:extLst>
           </p:cNvPr>
@@ -592,7 +600,7 @@
           <p:cNvPr id="3" name="Вертикальный текст 2">
             <a:extLst>
               <a:ext uri="{FF2B5EF4-FFF2-40B4-BE49-F238E27FC236}">
-                <a16:creationId xmlns:a16="http://schemas.microsoft.com/office/drawing/2014/main" id="{F98E2C20-FAC4-4C98-9358-E97C098F9CF0}"/>
+                <a16:creationId xmlns:a16="http://schemas.microsoft.com/office/drawing/2014/main" id="{5886344B-6EF8-496B-9B4F-D8B93F8905CF}"/>
               </a:ext>
             </a:extLst>
           </p:cNvPr>
@@ -654,7 +662,7 @@
           <p:cNvPr id="4" name="Дата 3">
             <a:extLst>
               <a:ext uri="{FF2B5EF4-FFF2-40B4-BE49-F238E27FC236}">
-                <a16:creationId xmlns:a16="http://schemas.microsoft.com/office/drawing/2014/main" id="{70053E25-99FF-4B71-904A-1A51A2000197}"/>
+                <a16:creationId xmlns:a16="http://schemas.microsoft.com/office/drawing/2014/main" id="{C955BC16-1C92-450A-B59C-66522FBF4263}"/>
               </a:ext>
             </a:extLst>
           </p:cNvPr>
@@ -672,7 +680,7 @@
           <a:p>
             <a:fld id="{3F3A34D6-8620-4747-946B-372F6CC623DF}" type="datetimeFigureOut">
               <a:rPr lang="ru-RU" smtClean="0"/>
-              <a:t>26.10.2023</a:t>
+              <a:t>02.11.2023</a:t>
             </a:fld>
             <a:endParaRPr lang="ru-RU"/>
           </a:p>
@@ -683,7 +691,7 @@
           <p:cNvPr id="5" name="Нижний колонтитул 4">
             <a:extLst>
               <a:ext uri="{FF2B5EF4-FFF2-40B4-BE49-F238E27FC236}">
-                <a16:creationId xmlns:a16="http://schemas.microsoft.com/office/drawing/2014/main" id="{597DF907-D4A6-4052-B965-47EC858331B4}"/>
+                <a16:creationId xmlns:a16="http://schemas.microsoft.com/office/drawing/2014/main" id="{68DE037A-3B20-43F8-BD8D-71F9E301AA0D}"/>
               </a:ext>
             </a:extLst>
           </p:cNvPr>
@@ -708,7 +716,7 @@
           <p:cNvPr id="6" name="Номер слайда 5">
             <a:extLst>
               <a:ext uri="{FF2B5EF4-FFF2-40B4-BE49-F238E27FC236}">
-                <a16:creationId xmlns:a16="http://schemas.microsoft.com/office/drawing/2014/main" id="{33AC5677-4A94-4877-9F1E-C3BBA7602C29}"/>
+                <a16:creationId xmlns:a16="http://schemas.microsoft.com/office/drawing/2014/main" id="{21EE3433-7541-465B-8248-AE4F56582E50}"/>
               </a:ext>
             </a:extLst>
           </p:cNvPr>
@@ -735,7 +743,7 @@
     </p:spTree>
     <p:extLst>
       <p:ext uri="{BB962C8B-B14F-4D97-AF65-F5344CB8AC3E}">
-        <p14:creationId xmlns:p14="http://schemas.microsoft.com/office/powerpoint/2010/main" val="1031269936"/>
+        <p14:creationId xmlns:p14="http://schemas.microsoft.com/office/powerpoint/2010/main" val="2683334701"/>
       </p:ext>
     </p:extLst>
   </p:cSld>
@@ -767,7 +775,7 @@
           <p:cNvPr id="2" name="Заголовок 1">
             <a:extLst>
               <a:ext uri="{FF2B5EF4-FFF2-40B4-BE49-F238E27FC236}">
-                <a16:creationId xmlns:a16="http://schemas.microsoft.com/office/drawing/2014/main" id="{D08A04BA-C076-4322-B560-1C40574541B8}"/>
+                <a16:creationId xmlns:a16="http://schemas.microsoft.com/office/drawing/2014/main" id="{992BD9D9-0A3E-4324-BA74-EFE95812CC10}"/>
               </a:ext>
             </a:extLst>
           </p:cNvPr>
@@ -795,7 +803,7 @@
           <p:cNvPr id="3" name="Объект 2">
             <a:extLst>
               <a:ext uri="{FF2B5EF4-FFF2-40B4-BE49-F238E27FC236}">
-                <a16:creationId xmlns:a16="http://schemas.microsoft.com/office/drawing/2014/main" id="{A318265C-654C-48BE-A745-66940072BBEC}"/>
+                <a16:creationId xmlns:a16="http://schemas.microsoft.com/office/drawing/2014/main" id="{049EA040-D34C-44AA-A1B3-6A5B5D85DE1A}"/>
               </a:ext>
             </a:extLst>
           </p:cNvPr>
@@ -852,7 +860,7 @@
           <p:cNvPr id="4" name="Дата 3">
             <a:extLst>
               <a:ext uri="{FF2B5EF4-FFF2-40B4-BE49-F238E27FC236}">
-                <a16:creationId xmlns:a16="http://schemas.microsoft.com/office/drawing/2014/main" id="{F4704262-1DEF-4958-B0E3-62456CE72C26}"/>
+                <a16:creationId xmlns:a16="http://schemas.microsoft.com/office/drawing/2014/main" id="{53FE1BDD-F9AF-4316-BAA1-DA01E6770014}"/>
               </a:ext>
             </a:extLst>
           </p:cNvPr>
@@ -870,7 +878,7 @@
           <a:p>
             <a:fld id="{3F3A34D6-8620-4747-946B-372F6CC623DF}" type="datetimeFigureOut">
               <a:rPr lang="ru-RU" smtClean="0"/>
-              <a:t>26.10.2023</a:t>
+              <a:t>02.11.2023</a:t>
             </a:fld>
             <a:endParaRPr lang="ru-RU"/>
           </a:p>
@@ -881,7 +889,7 @@
           <p:cNvPr id="5" name="Нижний колонтитул 4">
             <a:extLst>
               <a:ext uri="{FF2B5EF4-FFF2-40B4-BE49-F238E27FC236}">
-                <a16:creationId xmlns:a16="http://schemas.microsoft.com/office/drawing/2014/main" id="{2D7677D9-347F-4B75-A029-FE3896DFA39A}"/>
+                <a16:creationId xmlns:a16="http://schemas.microsoft.com/office/drawing/2014/main" id="{5D4D1AD0-9C9D-41EB-884E-DBC37410D6A4}"/>
               </a:ext>
             </a:extLst>
           </p:cNvPr>
@@ -906,7 +914,7 @@
           <p:cNvPr id="6" name="Номер слайда 5">
             <a:extLst>
               <a:ext uri="{FF2B5EF4-FFF2-40B4-BE49-F238E27FC236}">
-                <a16:creationId xmlns:a16="http://schemas.microsoft.com/office/drawing/2014/main" id="{9906619A-8F1A-4853-BD7D-E1B9B6B282E6}"/>
+                <a16:creationId xmlns:a16="http://schemas.microsoft.com/office/drawing/2014/main" id="{16B3ACE2-6DDA-4580-BAAD-75B00342C5C4}"/>
               </a:ext>
             </a:extLst>
           </p:cNvPr>
@@ -933,7 +941,7 @@
     </p:spTree>
     <p:extLst>
       <p:ext uri="{BB962C8B-B14F-4D97-AF65-F5344CB8AC3E}">
-        <p14:creationId xmlns:p14="http://schemas.microsoft.com/office/powerpoint/2010/main" val="4020562918"/>
+        <p14:creationId xmlns:p14="http://schemas.microsoft.com/office/powerpoint/2010/main" val="3021930632"/>
       </p:ext>
     </p:extLst>
   </p:cSld>
@@ -965,7 +973,7 @@
           <p:cNvPr id="2" name="Заголовок 1">
             <a:extLst>
               <a:ext uri="{FF2B5EF4-FFF2-40B4-BE49-F238E27FC236}">
-                <a16:creationId xmlns:a16="http://schemas.microsoft.com/office/drawing/2014/main" id="{C19530A0-2684-46D7-8C8F-A6C1ADF0CDC8}"/>
+                <a16:creationId xmlns:a16="http://schemas.microsoft.com/office/drawing/2014/main" id="{1144E794-EAD9-4708-A05A-D0F6AA088BE4}"/>
               </a:ext>
             </a:extLst>
           </p:cNvPr>
@@ -1002,7 +1010,7 @@
           <p:cNvPr id="3" name="Текст 2">
             <a:extLst>
               <a:ext uri="{FF2B5EF4-FFF2-40B4-BE49-F238E27FC236}">
-                <a16:creationId xmlns:a16="http://schemas.microsoft.com/office/drawing/2014/main" id="{D7A4BFC7-15F9-4848-9265-433D9FA41E34}"/>
+                <a16:creationId xmlns:a16="http://schemas.microsoft.com/office/drawing/2014/main" id="{D6604CB3-E9CE-4842-A640-66803944BEC9}"/>
               </a:ext>
             </a:extLst>
           </p:cNvPr>
@@ -1127,7 +1135,7 @@
           <p:cNvPr id="4" name="Дата 3">
             <a:extLst>
               <a:ext uri="{FF2B5EF4-FFF2-40B4-BE49-F238E27FC236}">
-                <a16:creationId xmlns:a16="http://schemas.microsoft.com/office/drawing/2014/main" id="{AFF63038-8162-412F-BD34-C740E41C70B8}"/>
+                <a16:creationId xmlns:a16="http://schemas.microsoft.com/office/drawing/2014/main" id="{C052DAA4-2625-40F5-B5D2-126600CA5649}"/>
               </a:ext>
             </a:extLst>
           </p:cNvPr>
@@ -1145,7 +1153,7 @@
           <a:p>
             <a:fld id="{3F3A34D6-8620-4747-946B-372F6CC623DF}" type="datetimeFigureOut">
               <a:rPr lang="ru-RU" smtClean="0"/>
-              <a:t>26.10.2023</a:t>
+              <a:t>02.11.2023</a:t>
             </a:fld>
             <a:endParaRPr lang="ru-RU"/>
           </a:p>
@@ -1156,7 +1164,7 @@
           <p:cNvPr id="5" name="Нижний колонтитул 4">
             <a:extLst>
               <a:ext uri="{FF2B5EF4-FFF2-40B4-BE49-F238E27FC236}">
-                <a16:creationId xmlns:a16="http://schemas.microsoft.com/office/drawing/2014/main" id="{76443218-09FE-44B4-AFE2-17272F06F0F2}"/>
+                <a16:creationId xmlns:a16="http://schemas.microsoft.com/office/drawing/2014/main" id="{C8CE25DA-E521-4370-9CF7-A5BB76237A60}"/>
               </a:ext>
             </a:extLst>
           </p:cNvPr>
@@ -1181,7 +1189,7 @@
           <p:cNvPr id="6" name="Номер слайда 5">
             <a:extLst>
               <a:ext uri="{FF2B5EF4-FFF2-40B4-BE49-F238E27FC236}">
-                <a16:creationId xmlns:a16="http://schemas.microsoft.com/office/drawing/2014/main" id="{66756B74-1025-4124-8927-D2F6FC414A84}"/>
+                <a16:creationId xmlns:a16="http://schemas.microsoft.com/office/drawing/2014/main" id="{C6D8F86C-3B17-4259-8971-8F1766183791}"/>
               </a:ext>
             </a:extLst>
           </p:cNvPr>
@@ -1208,7 +1216,7 @@
     </p:spTree>
     <p:extLst>
       <p:ext uri="{BB962C8B-B14F-4D97-AF65-F5344CB8AC3E}">
-        <p14:creationId xmlns:p14="http://schemas.microsoft.com/office/powerpoint/2010/main" val="1052054058"/>
+        <p14:creationId xmlns:p14="http://schemas.microsoft.com/office/powerpoint/2010/main" val="2317139324"/>
       </p:ext>
     </p:extLst>
   </p:cSld>
@@ -1240,7 +1248,7 @@
           <p:cNvPr id="2" name="Заголовок 1">
             <a:extLst>
               <a:ext uri="{FF2B5EF4-FFF2-40B4-BE49-F238E27FC236}">
-                <a16:creationId xmlns:a16="http://schemas.microsoft.com/office/drawing/2014/main" id="{D9562819-B664-442A-9750-A84079AC864B}"/>
+                <a16:creationId xmlns:a16="http://schemas.microsoft.com/office/drawing/2014/main" id="{4EEC7033-7F3B-4024-B57B-8405AE76FF2F}"/>
               </a:ext>
             </a:extLst>
           </p:cNvPr>
@@ -1268,7 +1276,7 @@
           <p:cNvPr id="3" name="Объект 2">
             <a:extLst>
               <a:ext uri="{FF2B5EF4-FFF2-40B4-BE49-F238E27FC236}">
-                <a16:creationId xmlns:a16="http://schemas.microsoft.com/office/drawing/2014/main" id="{405F8375-E64F-43FD-BC47-7C6E5DC8E089}"/>
+                <a16:creationId xmlns:a16="http://schemas.microsoft.com/office/drawing/2014/main" id="{F3E33243-808F-432C-A45F-78CECD27150B}"/>
               </a:ext>
             </a:extLst>
           </p:cNvPr>
@@ -1330,7 +1338,7 @@
           <p:cNvPr id="4" name="Объект 3">
             <a:extLst>
               <a:ext uri="{FF2B5EF4-FFF2-40B4-BE49-F238E27FC236}">
-                <a16:creationId xmlns:a16="http://schemas.microsoft.com/office/drawing/2014/main" id="{A6F9F30E-840C-4641-B7A9-B9021B4892C3}"/>
+                <a16:creationId xmlns:a16="http://schemas.microsoft.com/office/drawing/2014/main" id="{ACB278E8-861C-4447-BE1E-0F3FA24A9F78}"/>
               </a:ext>
             </a:extLst>
           </p:cNvPr>
@@ -1392,7 +1400,7 @@
           <p:cNvPr id="5" name="Дата 4">
             <a:extLst>
               <a:ext uri="{FF2B5EF4-FFF2-40B4-BE49-F238E27FC236}">
-                <a16:creationId xmlns:a16="http://schemas.microsoft.com/office/drawing/2014/main" id="{D644219E-3755-42CD-95B5-C5D070C9FF1B}"/>
+                <a16:creationId xmlns:a16="http://schemas.microsoft.com/office/drawing/2014/main" id="{095C22E3-B378-4C8D-AC24-846743FBE592}"/>
               </a:ext>
             </a:extLst>
           </p:cNvPr>
@@ -1410,7 +1418,7 @@
           <a:p>
             <a:fld id="{3F3A34D6-8620-4747-946B-372F6CC623DF}" type="datetimeFigureOut">
               <a:rPr lang="ru-RU" smtClean="0"/>
-              <a:t>26.10.2023</a:t>
+              <a:t>02.11.2023</a:t>
             </a:fld>
             <a:endParaRPr lang="ru-RU"/>
           </a:p>
@@ -1421,7 +1429,7 @@
           <p:cNvPr id="6" name="Нижний колонтитул 5">
             <a:extLst>
               <a:ext uri="{FF2B5EF4-FFF2-40B4-BE49-F238E27FC236}">
-                <a16:creationId xmlns:a16="http://schemas.microsoft.com/office/drawing/2014/main" id="{CAE898D7-3C29-4BC0-9DE3-F9E7D3ED9022}"/>
+                <a16:creationId xmlns:a16="http://schemas.microsoft.com/office/drawing/2014/main" id="{A6D9523C-81AD-440B-9F73-F48D1CBF56CE}"/>
               </a:ext>
             </a:extLst>
           </p:cNvPr>
@@ -1446,7 +1454,7 @@
           <p:cNvPr id="7" name="Номер слайда 6">
             <a:extLst>
               <a:ext uri="{FF2B5EF4-FFF2-40B4-BE49-F238E27FC236}">
-                <a16:creationId xmlns:a16="http://schemas.microsoft.com/office/drawing/2014/main" id="{8B613462-2999-45EE-BD46-8DE567B119A4}"/>
+                <a16:creationId xmlns:a16="http://schemas.microsoft.com/office/drawing/2014/main" id="{C1BA08B1-BF79-4BBA-9F08-1D550ACBAA82}"/>
               </a:ext>
             </a:extLst>
           </p:cNvPr>
@@ -1473,7 +1481,7 @@
     </p:spTree>
     <p:extLst>
       <p:ext uri="{BB962C8B-B14F-4D97-AF65-F5344CB8AC3E}">
-        <p14:creationId xmlns:p14="http://schemas.microsoft.com/office/powerpoint/2010/main" val="903784817"/>
+        <p14:creationId xmlns:p14="http://schemas.microsoft.com/office/powerpoint/2010/main" val="1167948174"/>
       </p:ext>
     </p:extLst>
   </p:cSld>
@@ -1505,7 +1513,7 @@
           <p:cNvPr id="2" name="Заголовок 1">
             <a:extLst>
               <a:ext uri="{FF2B5EF4-FFF2-40B4-BE49-F238E27FC236}">
-                <a16:creationId xmlns:a16="http://schemas.microsoft.com/office/drawing/2014/main" id="{EB2F8109-191D-4EC5-BF6B-7F4928E7A805}"/>
+                <a16:creationId xmlns:a16="http://schemas.microsoft.com/office/drawing/2014/main" id="{E57C81E9-258F-466B-AF1C-53CF702D4E45}"/>
               </a:ext>
             </a:extLst>
           </p:cNvPr>
@@ -1538,7 +1546,7 @@
           <p:cNvPr id="3" name="Текст 2">
             <a:extLst>
               <a:ext uri="{FF2B5EF4-FFF2-40B4-BE49-F238E27FC236}">
-                <a16:creationId xmlns:a16="http://schemas.microsoft.com/office/drawing/2014/main" id="{D3CAC374-A7AE-4E66-9D96-A873C5D23BDD}"/>
+                <a16:creationId xmlns:a16="http://schemas.microsoft.com/office/drawing/2014/main" id="{8436F721-C18E-4773-B819-6B92B21B9FAD}"/>
               </a:ext>
             </a:extLst>
           </p:cNvPr>
@@ -1609,7 +1617,7 @@
           <p:cNvPr id="4" name="Объект 3">
             <a:extLst>
               <a:ext uri="{FF2B5EF4-FFF2-40B4-BE49-F238E27FC236}">
-                <a16:creationId xmlns:a16="http://schemas.microsoft.com/office/drawing/2014/main" id="{EBD7FD7D-B353-4637-AF5C-2F637A635151}"/>
+                <a16:creationId xmlns:a16="http://schemas.microsoft.com/office/drawing/2014/main" id="{A2F2B660-523F-4F29-A70E-2D6275C3A018}"/>
               </a:ext>
             </a:extLst>
           </p:cNvPr>
@@ -1671,7 +1679,7 @@
           <p:cNvPr id="5" name="Текст 4">
             <a:extLst>
               <a:ext uri="{FF2B5EF4-FFF2-40B4-BE49-F238E27FC236}">
-                <a16:creationId xmlns:a16="http://schemas.microsoft.com/office/drawing/2014/main" id="{29E8391E-A37F-4B6E-89CC-AEB73D414154}"/>
+                <a16:creationId xmlns:a16="http://schemas.microsoft.com/office/drawing/2014/main" id="{06CAD0D2-B997-44DA-B508-905EAEC46A20}"/>
               </a:ext>
             </a:extLst>
           </p:cNvPr>
@@ -1742,7 +1750,7 @@
           <p:cNvPr id="6" name="Объект 5">
             <a:extLst>
               <a:ext uri="{FF2B5EF4-FFF2-40B4-BE49-F238E27FC236}">
-                <a16:creationId xmlns:a16="http://schemas.microsoft.com/office/drawing/2014/main" id="{FF0737C9-8E9E-44D0-AD7F-95636E24BFC1}"/>
+                <a16:creationId xmlns:a16="http://schemas.microsoft.com/office/drawing/2014/main" id="{A914BDFB-E9D9-4E10-B0F8-0009EDF1B540}"/>
               </a:ext>
             </a:extLst>
           </p:cNvPr>
@@ -1804,7 +1812,7 @@
           <p:cNvPr id="7" name="Дата 6">
             <a:extLst>
               <a:ext uri="{FF2B5EF4-FFF2-40B4-BE49-F238E27FC236}">
-                <a16:creationId xmlns:a16="http://schemas.microsoft.com/office/drawing/2014/main" id="{98AEAFD0-3F9F-48C1-9E58-FDB425B66CA2}"/>
+                <a16:creationId xmlns:a16="http://schemas.microsoft.com/office/drawing/2014/main" id="{0E5F5362-7F84-4F18-B2A9-52FC70EBA97D}"/>
               </a:ext>
             </a:extLst>
           </p:cNvPr>
@@ -1822,7 +1830,7 @@
           <a:p>
             <a:fld id="{3F3A34D6-8620-4747-946B-372F6CC623DF}" type="datetimeFigureOut">
               <a:rPr lang="ru-RU" smtClean="0"/>
-              <a:t>26.10.2023</a:t>
+              <a:t>02.11.2023</a:t>
             </a:fld>
             <a:endParaRPr lang="ru-RU"/>
           </a:p>
@@ -1833,7 +1841,7 @@
           <p:cNvPr id="8" name="Нижний колонтитул 7">
             <a:extLst>
               <a:ext uri="{FF2B5EF4-FFF2-40B4-BE49-F238E27FC236}">
-                <a16:creationId xmlns:a16="http://schemas.microsoft.com/office/drawing/2014/main" id="{FFE36B0B-243B-49A7-B872-8D1514482099}"/>
+                <a16:creationId xmlns:a16="http://schemas.microsoft.com/office/drawing/2014/main" id="{A9FE0F69-945F-4F89-AE87-820EECBDF233}"/>
               </a:ext>
             </a:extLst>
           </p:cNvPr>
@@ -1858,7 +1866,7 @@
           <p:cNvPr id="9" name="Номер слайда 8">
             <a:extLst>
               <a:ext uri="{FF2B5EF4-FFF2-40B4-BE49-F238E27FC236}">
-                <a16:creationId xmlns:a16="http://schemas.microsoft.com/office/drawing/2014/main" id="{BB1C6236-BB1D-4BE4-BFE8-A0CD0A248B8D}"/>
+                <a16:creationId xmlns:a16="http://schemas.microsoft.com/office/drawing/2014/main" id="{43B28885-B431-4DBC-9D40-73F8AAF9C93F}"/>
               </a:ext>
             </a:extLst>
           </p:cNvPr>
@@ -1885,7 +1893,7 @@
     </p:spTree>
     <p:extLst>
       <p:ext uri="{BB962C8B-B14F-4D97-AF65-F5344CB8AC3E}">
-        <p14:creationId xmlns:p14="http://schemas.microsoft.com/office/powerpoint/2010/main" val="4050975916"/>
+        <p14:creationId xmlns:p14="http://schemas.microsoft.com/office/powerpoint/2010/main" val="3042108013"/>
       </p:ext>
     </p:extLst>
   </p:cSld>
@@ -1917,7 +1925,7 @@
           <p:cNvPr id="2" name="Заголовок 1">
             <a:extLst>
               <a:ext uri="{FF2B5EF4-FFF2-40B4-BE49-F238E27FC236}">
-                <a16:creationId xmlns:a16="http://schemas.microsoft.com/office/drawing/2014/main" id="{953B36C0-846E-4A7B-B95B-957DC270243B}"/>
+                <a16:creationId xmlns:a16="http://schemas.microsoft.com/office/drawing/2014/main" id="{D58A3842-0286-4E90-AF65-1AC3F07D1831}"/>
               </a:ext>
             </a:extLst>
           </p:cNvPr>
@@ -1945,7 +1953,7 @@
           <p:cNvPr id="3" name="Дата 2">
             <a:extLst>
               <a:ext uri="{FF2B5EF4-FFF2-40B4-BE49-F238E27FC236}">
-                <a16:creationId xmlns:a16="http://schemas.microsoft.com/office/drawing/2014/main" id="{2057CB8E-92D3-4115-A478-42EE442A03AC}"/>
+                <a16:creationId xmlns:a16="http://schemas.microsoft.com/office/drawing/2014/main" id="{F258BFE4-350F-4C31-BAC2-F94D40A044C6}"/>
               </a:ext>
             </a:extLst>
           </p:cNvPr>
@@ -1963,7 +1971,7 @@
           <a:p>
             <a:fld id="{3F3A34D6-8620-4747-946B-372F6CC623DF}" type="datetimeFigureOut">
               <a:rPr lang="ru-RU" smtClean="0"/>
-              <a:t>26.10.2023</a:t>
+              <a:t>02.11.2023</a:t>
             </a:fld>
             <a:endParaRPr lang="ru-RU"/>
           </a:p>
@@ -1974,7 +1982,7 @@
           <p:cNvPr id="4" name="Нижний колонтитул 3">
             <a:extLst>
               <a:ext uri="{FF2B5EF4-FFF2-40B4-BE49-F238E27FC236}">
-                <a16:creationId xmlns:a16="http://schemas.microsoft.com/office/drawing/2014/main" id="{DB11A695-0A2D-4E59-B1A1-604BCB571C8C}"/>
+                <a16:creationId xmlns:a16="http://schemas.microsoft.com/office/drawing/2014/main" id="{FD71D9EF-E073-46AF-9337-7061CDF6D8B4}"/>
               </a:ext>
             </a:extLst>
           </p:cNvPr>
@@ -1999,7 +2007,7 @@
           <p:cNvPr id="5" name="Номер слайда 4">
             <a:extLst>
               <a:ext uri="{FF2B5EF4-FFF2-40B4-BE49-F238E27FC236}">
-                <a16:creationId xmlns:a16="http://schemas.microsoft.com/office/drawing/2014/main" id="{8D46C128-0287-4DB8-BB6E-3BF6B16A1802}"/>
+                <a16:creationId xmlns:a16="http://schemas.microsoft.com/office/drawing/2014/main" id="{1A8EBAA2-A734-4E14-A05F-2C367652B043}"/>
               </a:ext>
             </a:extLst>
           </p:cNvPr>
@@ -2026,7 +2034,7 @@
     </p:spTree>
     <p:extLst>
       <p:ext uri="{BB962C8B-B14F-4D97-AF65-F5344CB8AC3E}">
-        <p14:creationId xmlns:p14="http://schemas.microsoft.com/office/powerpoint/2010/main" val="4046696447"/>
+        <p14:creationId xmlns:p14="http://schemas.microsoft.com/office/powerpoint/2010/main" val="3280733090"/>
       </p:ext>
     </p:extLst>
   </p:cSld>
@@ -2058,7 +2066,7 @@
           <p:cNvPr id="2" name="Дата 1">
             <a:extLst>
               <a:ext uri="{FF2B5EF4-FFF2-40B4-BE49-F238E27FC236}">
-                <a16:creationId xmlns:a16="http://schemas.microsoft.com/office/drawing/2014/main" id="{9DC2A2EB-96FB-4FA7-9A5E-39E32D7AA47C}"/>
+                <a16:creationId xmlns:a16="http://schemas.microsoft.com/office/drawing/2014/main" id="{9475AEF9-B048-47C7-A6F8-D4A0AB82D26B}"/>
               </a:ext>
             </a:extLst>
           </p:cNvPr>
@@ -2076,7 +2084,7 @@
           <a:p>
             <a:fld id="{3F3A34D6-8620-4747-946B-372F6CC623DF}" type="datetimeFigureOut">
               <a:rPr lang="ru-RU" smtClean="0"/>
-              <a:t>26.10.2023</a:t>
+              <a:t>02.11.2023</a:t>
             </a:fld>
             <a:endParaRPr lang="ru-RU"/>
           </a:p>
@@ -2087,7 +2095,7 @@
           <p:cNvPr id="3" name="Нижний колонтитул 2">
             <a:extLst>
               <a:ext uri="{FF2B5EF4-FFF2-40B4-BE49-F238E27FC236}">
-                <a16:creationId xmlns:a16="http://schemas.microsoft.com/office/drawing/2014/main" id="{56B724D9-9AD4-4344-9D31-3135C5228DB2}"/>
+                <a16:creationId xmlns:a16="http://schemas.microsoft.com/office/drawing/2014/main" id="{EAADF552-81F1-46BC-BD7F-06831158976B}"/>
               </a:ext>
             </a:extLst>
           </p:cNvPr>
@@ -2112,7 +2120,7 @@
           <p:cNvPr id="4" name="Номер слайда 3">
             <a:extLst>
               <a:ext uri="{FF2B5EF4-FFF2-40B4-BE49-F238E27FC236}">
-                <a16:creationId xmlns:a16="http://schemas.microsoft.com/office/drawing/2014/main" id="{A224B88E-614E-4CA0-89E5-9BDE0820BC3C}"/>
+                <a16:creationId xmlns:a16="http://schemas.microsoft.com/office/drawing/2014/main" id="{5B9A5D5A-20DD-4A7D-9B38-60040639C325}"/>
               </a:ext>
             </a:extLst>
           </p:cNvPr>
@@ -2139,7 +2147,7 @@
     </p:spTree>
     <p:extLst>
       <p:ext uri="{BB962C8B-B14F-4D97-AF65-F5344CB8AC3E}">
-        <p14:creationId xmlns:p14="http://schemas.microsoft.com/office/powerpoint/2010/main" val="2524358195"/>
+        <p14:creationId xmlns:p14="http://schemas.microsoft.com/office/powerpoint/2010/main" val="433131919"/>
       </p:ext>
     </p:extLst>
   </p:cSld>
@@ -2171,7 +2179,7 @@
           <p:cNvPr id="2" name="Заголовок 1">
             <a:extLst>
               <a:ext uri="{FF2B5EF4-FFF2-40B4-BE49-F238E27FC236}">
-                <a16:creationId xmlns:a16="http://schemas.microsoft.com/office/drawing/2014/main" id="{9204808E-2B63-4FC7-9EC3-6BF0A0893620}"/>
+                <a16:creationId xmlns:a16="http://schemas.microsoft.com/office/drawing/2014/main" id="{EEE88CF5-99BD-4724-87DF-9751CFEB2DA8}"/>
               </a:ext>
             </a:extLst>
           </p:cNvPr>
@@ -2208,7 +2216,7 @@
           <p:cNvPr id="3" name="Объект 2">
             <a:extLst>
               <a:ext uri="{FF2B5EF4-FFF2-40B4-BE49-F238E27FC236}">
-                <a16:creationId xmlns:a16="http://schemas.microsoft.com/office/drawing/2014/main" id="{3C8C9B20-E689-4E37-BD8E-347144AD35E8}"/>
+                <a16:creationId xmlns:a16="http://schemas.microsoft.com/office/drawing/2014/main" id="{4FECA9FE-9225-4BAB-BD26-EEEEB5BCC70B}"/>
               </a:ext>
             </a:extLst>
           </p:cNvPr>
@@ -2298,7 +2306,7 @@
           <p:cNvPr id="4" name="Текст 3">
             <a:extLst>
               <a:ext uri="{FF2B5EF4-FFF2-40B4-BE49-F238E27FC236}">
-                <a16:creationId xmlns:a16="http://schemas.microsoft.com/office/drawing/2014/main" id="{8D1C874F-0432-4518-9964-76DD690D56A0}"/>
+                <a16:creationId xmlns:a16="http://schemas.microsoft.com/office/drawing/2014/main" id="{8A8CFD5E-60BE-4327-B37F-385EDA6B9818}"/>
               </a:ext>
             </a:extLst>
           </p:cNvPr>
@@ -2369,7 +2377,7 @@
           <p:cNvPr id="5" name="Дата 4">
             <a:extLst>
               <a:ext uri="{FF2B5EF4-FFF2-40B4-BE49-F238E27FC236}">
-                <a16:creationId xmlns:a16="http://schemas.microsoft.com/office/drawing/2014/main" id="{DC68E221-262B-4214-B3BE-87FDDAB96521}"/>
+                <a16:creationId xmlns:a16="http://schemas.microsoft.com/office/drawing/2014/main" id="{CBD533B4-7815-4680-AB42-6805B2635404}"/>
               </a:ext>
             </a:extLst>
           </p:cNvPr>
@@ -2387,7 +2395,7 @@
           <a:p>
             <a:fld id="{3F3A34D6-8620-4747-946B-372F6CC623DF}" type="datetimeFigureOut">
               <a:rPr lang="ru-RU" smtClean="0"/>
-              <a:t>26.10.2023</a:t>
+              <a:t>02.11.2023</a:t>
             </a:fld>
             <a:endParaRPr lang="ru-RU"/>
           </a:p>
@@ -2398,7 +2406,7 @@
           <p:cNvPr id="6" name="Нижний колонтитул 5">
             <a:extLst>
               <a:ext uri="{FF2B5EF4-FFF2-40B4-BE49-F238E27FC236}">
-                <a16:creationId xmlns:a16="http://schemas.microsoft.com/office/drawing/2014/main" id="{9514549A-C200-44EA-829D-8DAE4FD12843}"/>
+                <a16:creationId xmlns:a16="http://schemas.microsoft.com/office/drawing/2014/main" id="{1C57C798-2440-4E76-AE01-E908283E04EC}"/>
               </a:ext>
             </a:extLst>
           </p:cNvPr>
@@ -2423,7 +2431,7 @@
           <p:cNvPr id="7" name="Номер слайда 6">
             <a:extLst>
               <a:ext uri="{FF2B5EF4-FFF2-40B4-BE49-F238E27FC236}">
-                <a16:creationId xmlns:a16="http://schemas.microsoft.com/office/drawing/2014/main" id="{B5CEFFC5-2D24-4CB8-AA26-0E7836680104}"/>
+                <a16:creationId xmlns:a16="http://schemas.microsoft.com/office/drawing/2014/main" id="{8F801956-1E5C-4E2A-9523-58ECB434E79C}"/>
               </a:ext>
             </a:extLst>
           </p:cNvPr>
@@ -2450,7 +2458,7 @@
     </p:spTree>
     <p:extLst>
       <p:ext uri="{BB962C8B-B14F-4D97-AF65-F5344CB8AC3E}">
-        <p14:creationId xmlns:p14="http://schemas.microsoft.com/office/powerpoint/2010/main" val="3463143163"/>
+        <p14:creationId xmlns:p14="http://schemas.microsoft.com/office/powerpoint/2010/main" val="1113445124"/>
       </p:ext>
     </p:extLst>
   </p:cSld>
@@ -2482,7 +2490,7 @@
           <p:cNvPr id="2" name="Заголовок 1">
             <a:extLst>
               <a:ext uri="{FF2B5EF4-FFF2-40B4-BE49-F238E27FC236}">
-                <a16:creationId xmlns:a16="http://schemas.microsoft.com/office/drawing/2014/main" id="{5ABFBE78-4005-470A-8E1E-320353502DF6}"/>
+                <a16:creationId xmlns:a16="http://schemas.microsoft.com/office/drawing/2014/main" id="{B44DED62-FB6A-4BAA-BB4B-9A3C7FCE8C7E}"/>
               </a:ext>
             </a:extLst>
           </p:cNvPr>
@@ -2519,7 +2527,7 @@
           <p:cNvPr id="3" name="Рисунок 2">
             <a:extLst>
               <a:ext uri="{FF2B5EF4-FFF2-40B4-BE49-F238E27FC236}">
-                <a16:creationId xmlns:a16="http://schemas.microsoft.com/office/drawing/2014/main" id="{0327F430-84A0-47B0-8F34-5E229D2E30ED}"/>
+                <a16:creationId xmlns:a16="http://schemas.microsoft.com/office/drawing/2014/main" id="{474F7851-FED7-4DB5-AE40-21ED7E70D137}"/>
               </a:ext>
             </a:extLst>
           </p:cNvPr>
@@ -2586,7 +2594,7 @@
           <p:cNvPr id="4" name="Текст 3">
             <a:extLst>
               <a:ext uri="{FF2B5EF4-FFF2-40B4-BE49-F238E27FC236}">
-                <a16:creationId xmlns:a16="http://schemas.microsoft.com/office/drawing/2014/main" id="{0F625628-7D9C-4AF5-B36A-75B59A7AD35A}"/>
+                <a16:creationId xmlns:a16="http://schemas.microsoft.com/office/drawing/2014/main" id="{24B0C2E2-2328-4E75-8A9C-65FE536E7AB1}"/>
               </a:ext>
             </a:extLst>
           </p:cNvPr>
@@ -2657,7 +2665,7 @@
           <p:cNvPr id="5" name="Дата 4">
             <a:extLst>
               <a:ext uri="{FF2B5EF4-FFF2-40B4-BE49-F238E27FC236}">
-                <a16:creationId xmlns:a16="http://schemas.microsoft.com/office/drawing/2014/main" id="{B822721A-AABE-461B-BAE6-D9002EC98DF5}"/>
+                <a16:creationId xmlns:a16="http://schemas.microsoft.com/office/drawing/2014/main" id="{F5C11675-0F3F-4675-B432-64CC553D51D7}"/>
               </a:ext>
             </a:extLst>
           </p:cNvPr>
@@ -2675,7 +2683,7 @@
           <a:p>
             <a:fld id="{3F3A34D6-8620-4747-946B-372F6CC623DF}" type="datetimeFigureOut">
               <a:rPr lang="ru-RU" smtClean="0"/>
-              <a:t>26.10.2023</a:t>
+              <a:t>02.11.2023</a:t>
             </a:fld>
             <a:endParaRPr lang="ru-RU"/>
           </a:p>
@@ -2686,7 +2694,7 @@
           <p:cNvPr id="6" name="Нижний колонтитул 5">
             <a:extLst>
               <a:ext uri="{FF2B5EF4-FFF2-40B4-BE49-F238E27FC236}">
-                <a16:creationId xmlns:a16="http://schemas.microsoft.com/office/drawing/2014/main" id="{2DDBBA6B-99F6-4DFF-8330-813A35D079B0}"/>
+                <a16:creationId xmlns:a16="http://schemas.microsoft.com/office/drawing/2014/main" id="{D63A37A7-B216-4864-9F0F-10721C149C77}"/>
               </a:ext>
             </a:extLst>
           </p:cNvPr>
@@ -2711,7 +2719,7 @@
           <p:cNvPr id="7" name="Номер слайда 6">
             <a:extLst>
               <a:ext uri="{FF2B5EF4-FFF2-40B4-BE49-F238E27FC236}">
-                <a16:creationId xmlns:a16="http://schemas.microsoft.com/office/drawing/2014/main" id="{3F081D56-13FE-40D0-B05B-47D730B44D06}"/>
+                <a16:creationId xmlns:a16="http://schemas.microsoft.com/office/drawing/2014/main" id="{3E129FF6-91FF-49AF-B0F2-9609BE898A0C}"/>
               </a:ext>
             </a:extLst>
           </p:cNvPr>
@@ -2738,7 +2746,7 @@
     </p:spTree>
     <p:extLst>
       <p:ext uri="{BB962C8B-B14F-4D97-AF65-F5344CB8AC3E}">
-        <p14:creationId xmlns:p14="http://schemas.microsoft.com/office/powerpoint/2010/main" val="4103595881"/>
+        <p14:creationId xmlns:p14="http://schemas.microsoft.com/office/powerpoint/2010/main" val="1698636074"/>
       </p:ext>
     </p:extLst>
   </p:cSld>
@@ -2775,7 +2783,7 @@
           <p:cNvPr id="2" name="Заголовок 1">
             <a:extLst>
               <a:ext uri="{FF2B5EF4-FFF2-40B4-BE49-F238E27FC236}">
-                <a16:creationId xmlns:a16="http://schemas.microsoft.com/office/drawing/2014/main" id="{366AC96E-0E81-436A-B068-AF06D6D0EE73}"/>
+                <a16:creationId xmlns:a16="http://schemas.microsoft.com/office/drawing/2014/main" id="{B6D6221B-D840-4D41-8BC2-28C3B5007BCD}"/>
               </a:ext>
             </a:extLst>
           </p:cNvPr>
@@ -2813,7 +2821,7 @@
           <p:cNvPr id="3" name="Текст 2">
             <a:extLst>
               <a:ext uri="{FF2B5EF4-FFF2-40B4-BE49-F238E27FC236}">
-                <a16:creationId xmlns:a16="http://schemas.microsoft.com/office/drawing/2014/main" id="{A99734EC-7ED6-4133-8AFA-B24492CFB0A9}"/>
+                <a16:creationId xmlns:a16="http://schemas.microsoft.com/office/drawing/2014/main" id="{A85DC9FC-7F6F-41B6-A06F-50F88CBB4FE3}"/>
               </a:ext>
             </a:extLst>
           </p:cNvPr>
@@ -2880,7 +2888,7 @@
           <p:cNvPr id="4" name="Дата 3">
             <a:extLst>
               <a:ext uri="{FF2B5EF4-FFF2-40B4-BE49-F238E27FC236}">
-                <a16:creationId xmlns:a16="http://schemas.microsoft.com/office/drawing/2014/main" id="{383CA6E1-B175-4742-A029-585C6772EE64}"/>
+                <a16:creationId xmlns:a16="http://schemas.microsoft.com/office/drawing/2014/main" id="{C71ADC2D-F29F-4E66-A135-976E118FAD9D}"/>
               </a:ext>
             </a:extLst>
           </p:cNvPr>
@@ -2916,7 +2924,7 @@
           <a:p>
             <a:fld id="{3F3A34D6-8620-4747-946B-372F6CC623DF}" type="datetimeFigureOut">
               <a:rPr lang="ru-RU" smtClean="0"/>
-              <a:t>26.10.2023</a:t>
+              <a:t>02.11.2023</a:t>
             </a:fld>
             <a:endParaRPr lang="ru-RU"/>
           </a:p>
@@ -2927,7 +2935,7 @@
           <p:cNvPr id="5" name="Нижний колонтитул 4">
             <a:extLst>
               <a:ext uri="{FF2B5EF4-FFF2-40B4-BE49-F238E27FC236}">
-                <a16:creationId xmlns:a16="http://schemas.microsoft.com/office/drawing/2014/main" id="{E2A51F53-CCF7-4842-BCBC-14B73D7311F7}"/>
+                <a16:creationId xmlns:a16="http://schemas.microsoft.com/office/drawing/2014/main" id="{2AC0EB69-D4AB-45CC-B9F1-4EEECCAFE6ED}"/>
               </a:ext>
             </a:extLst>
           </p:cNvPr>
@@ -2970,7 +2978,7 @@
           <p:cNvPr id="6" name="Номер слайда 5">
             <a:extLst>
               <a:ext uri="{FF2B5EF4-FFF2-40B4-BE49-F238E27FC236}">
-                <a16:creationId xmlns:a16="http://schemas.microsoft.com/office/drawing/2014/main" id="{C6F935F0-0909-4350-A952-869EE09211AF}"/>
+                <a16:creationId xmlns:a16="http://schemas.microsoft.com/office/drawing/2014/main" id="{8D24C489-F401-4302-9BBB-B3EF7CCD5EE8}"/>
               </a:ext>
             </a:extLst>
           </p:cNvPr>
@@ -3015,23 +3023,23 @@
     </p:spTree>
     <p:extLst>
       <p:ext uri="{BB962C8B-B14F-4D97-AF65-F5344CB8AC3E}">
-        <p14:creationId xmlns:p14="http://schemas.microsoft.com/office/powerpoint/2010/main" val="3483215296"/>
+        <p14:creationId xmlns:p14="http://schemas.microsoft.com/office/powerpoint/2010/main" val="1864278288"/>
       </p:ext>
     </p:extLst>
   </p:cSld>
   <p:clrMap bg1="lt1" tx1="dk1" bg2="lt2" tx2="dk2" accent1="accent1" accent2="accent2" accent3="accent3" accent4="accent4" accent5="accent5" accent6="accent6" hlink="hlink" folHlink="folHlink"/>
   <p:sldLayoutIdLst>
-    <p:sldLayoutId id="2147483649" r:id="rId1"/>
-    <p:sldLayoutId id="2147483650" r:id="rId2"/>
-    <p:sldLayoutId id="2147483651" r:id="rId3"/>
-    <p:sldLayoutId id="2147483652" r:id="rId4"/>
-    <p:sldLayoutId id="2147483653" r:id="rId5"/>
-    <p:sldLayoutId id="2147483654" r:id="rId6"/>
-    <p:sldLayoutId id="2147483655" r:id="rId7"/>
-    <p:sldLayoutId id="2147483656" r:id="rId8"/>
-    <p:sldLayoutId id="2147483657" r:id="rId9"/>
-    <p:sldLayoutId id="2147483658" r:id="rId10"/>
-    <p:sldLayoutId id="2147483659" r:id="rId11"/>
+    <p:sldLayoutId id="2147483710" r:id="rId1"/>
+    <p:sldLayoutId id="2147483711" r:id="rId2"/>
+    <p:sldLayoutId id="2147483712" r:id="rId3"/>
+    <p:sldLayoutId id="2147483713" r:id="rId4"/>
+    <p:sldLayoutId id="2147483714" r:id="rId5"/>
+    <p:sldLayoutId id="2147483715" r:id="rId6"/>
+    <p:sldLayoutId id="2147483716" r:id="rId7"/>
+    <p:sldLayoutId id="2147483717" r:id="rId8"/>
+    <p:sldLayoutId id="2147483718" r:id="rId9"/>
+    <p:sldLayoutId id="2147483719" r:id="rId10"/>
+    <p:sldLayoutId id="2147483720" r:id="rId11"/>
   </p:sldLayoutIdLst>
   <p:txStyles>
     <p:titleStyle>
@@ -3371,14 +3379,16 @@
                 <a:effectLst/>
                 <a:latin typeface="Times New Roman" panose="02020603050405020304" pitchFamily="18" charset="0"/>
                 <a:ea typeface="Times New Roman" panose="02020603050405020304" pitchFamily="18" charset="0"/>
+                <a:cs typeface="Times New Roman" panose="02020603050405020304" pitchFamily="18" charset="0"/>
               </a:rPr>
               <a:t>Индивидуальный проект</a:t>
             </a:r>
             <a:br>
               <a:rPr lang="ru-RU" sz="1800" dirty="0">
                 <a:effectLst/>
-                <a:latin typeface="Arial" panose="020B0604020202020204" pitchFamily="34" charset="0"/>
-                <a:ea typeface="Arial" panose="020B0604020202020204" pitchFamily="34" charset="0"/>
+                <a:latin typeface="Times New Roman" panose="02020603050405020304" pitchFamily="18" charset="0"/>
+                <a:ea typeface="Arial" panose="020B0604020202020204" pitchFamily="34" charset="0"/>
+                <a:cs typeface="Times New Roman" panose="02020603050405020304" pitchFamily="18" charset="0"/>
               </a:rPr>
             </a:br>
             <a:r>
@@ -3386,14 +3396,16 @@
                 <a:effectLst/>
                 <a:latin typeface="Times New Roman" panose="02020603050405020304" pitchFamily="18" charset="0"/>
                 <a:ea typeface="Times New Roman" panose="02020603050405020304" pitchFamily="18" charset="0"/>
+                <a:cs typeface="Times New Roman" panose="02020603050405020304" pitchFamily="18" charset="0"/>
               </a:rPr>
               <a:t>по ИКТ</a:t>
             </a:r>
             <a:br>
               <a:rPr lang="ru-RU" sz="1800" dirty="0">
                 <a:effectLst/>
-                <a:latin typeface="Arial" panose="020B0604020202020204" pitchFamily="34" charset="0"/>
-                <a:ea typeface="Arial" panose="020B0604020202020204" pitchFamily="34" charset="0"/>
+                <a:latin typeface="Times New Roman" panose="02020603050405020304" pitchFamily="18" charset="0"/>
+                <a:ea typeface="Arial" panose="020B0604020202020204" pitchFamily="34" charset="0"/>
+                <a:cs typeface="Times New Roman" panose="02020603050405020304" pitchFamily="18" charset="0"/>
               </a:rPr>
             </a:br>
             <a:r>
@@ -3401,14 +3413,16 @@
                 <a:effectLst/>
                 <a:latin typeface="Times New Roman" panose="02020603050405020304" pitchFamily="18" charset="0"/>
                 <a:ea typeface="Times New Roman" panose="02020603050405020304" pitchFamily="18" charset="0"/>
+                <a:cs typeface="Times New Roman" panose="02020603050405020304" pitchFamily="18" charset="0"/>
               </a:rPr>
               <a:t>на тему: </a:t>
             </a:r>
             <a:br>
               <a:rPr lang="ru-RU" sz="1600" dirty="0">
                 <a:effectLst/>
-                <a:latin typeface="Arial" panose="020B0604020202020204" pitchFamily="34" charset="0"/>
-                <a:ea typeface="Arial" panose="020B0604020202020204" pitchFamily="34" charset="0"/>
+                <a:latin typeface="Times New Roman" panose="02020603050405020304" pitchFamily="18" charset="0"/>
+                <a:ea typeface="Arial" panose="020B0604020202020204" pitchFamily="34" charset="0"/>
+                <a:cs typeface="Times New Roman" panose="02020603050405020304" pitchFamily="18" charset="0"/>
               </a:rPr>
             </a:br>
             <a:r>
@@ -3416,6 +3430,7 @@
                 <a:effectLst/>
                 <a:latin typeface="Times New Roman" panose="02020603050405020304" pitchFamily="18" charset="0"/>
                 <a:ea typeface="Times New Roman" panose="02020603050405020304" pitchFamily="18" charset="0"/>
+                <a:cs typeface="Times New Roman" panose="02020603050405020304" pitchFamily="18" charset="0"/>
               </a:rPr>
               <a:t>“</a:t>
             </a:r>
@@ -3424,6 +3439,7 @@
                 <a:effectLst/>
                 <a:latin typeface="Times New Roman" panose="02020603050405020304" pitchFamily="18" charset="0"/>
                 <a:ea typeface="Arial" panose="020B0604020202020204" pitchFamily="34" charset="0"/>
+                <a:cs typeface="Times New Roman" panose="02020603050405020304" pitchFamily="18" charset="0"/>
               </a:rPr>
               <a:t>IT в сфере образования: разработка программы для изучения признаков химических соединений</a:t>
             </a:r>
@@ -3432,10 +3448,14 @@
                 <a:effectLst/>
                 <a:latin typeface="Times New Roman" panose="02020603050405020304" pitchFamily="18" charset="0"/>
                 <a:ea typeface="Times New Roman" panose="02020603050405020304" pitchFamily="18" charset="0"/>
+                <a:cs typeface="Times New Roman" panose="02020603050405020304" pitchFamily="18" charset="0"/>
               </a:rPr>
               <a:t>”</a:t>
             </a:r>
-            <a:endParaRPr lang="ru-RU" sz="1600" dirty="0"/>
+            <a:endParaRPr lang="ru-RU" sz="1600" dirty="0">
+              <a:latin typeface="Times New Roman" panose="02020603050405020304" pitchFamily="18" charset="0"/>
+              <a:cs typeface="Times New Roman" panose="02020603050405020304" pitchFamily="18" charset="0"/>
+            </a:endParaRPr>
           </a:p>
         </p:txBody>
       </p:sp>
@@ -3480,13 +3500,15 @@
                 <a:effectLst/>
                 <a:latin typeface="Times New Roman" panose="02020603050405020304" pitchFamily="18" charset="0"/>
                 <a:ea typeface="Times New Roman" panose="02020603050405020304" pitchFamily="18" charset="0"/>
+                <a:cs typeface="Times New Roman" panose="02020603050405020304" pitchFamily="18" charset="0"/>
               </a:rPr>
               <a:t>Автор работы: ученик 10 класса</a:t>
             </a:r>
             <a:endParaRPr lang="ru-RU" sz="1400" dirty="0">
               <a:effectLst/>
-              <a:latin typeface="Arial" panose="020B0604020202020204" pitchFamily="34" charset="0"/>
+              <a:latin typeface="Times New Roman" panose="02020603050405020304" pitchFamily="18" charset="0"/>
               <a:ea typeface="Arial" panose="020B0604020202020204" pitchFamily="34" charset="0"/>
+              <a:cs typeface="Times New Roman" panose="02020603050405020304" pitchFamily="18" charset="0"/>
             </a:endParaRPr>
           </a:p>
           <a:p>
@@ -3503,13 +3525,15 @@
                 <a:effectLst/>
                 <a:latin typeface="Times New Roman" panose="02020603050405020304" pitchFamily="18" charset="0"/>
                 <a:ea typeface="Times New Roman" panose="02020603050405020304" pitchFamily="18" charset="0"/>
+                <a:cs typeface="Times New Roman" panose="02020603050405020304" pitchFamily="18" charset="0"/>
               </a:rPr>
               <a:t>ОРЕН СЮЛЕЙМАН</a:t>
             </a:r>
             <a:endParaRPr lang="ru-RU" sz="1400" dirty="0">
               <a:effectLst/>
-              <a:latin typeface="Arial" panose="020B0604020202020204" pitchFamily="34" charset="0"/>
+              <a:latin typeface="Times New Roman" panose="02020603050405020304" pitchFamily="18" charset="0"/>
               <a:ea typeface="Arial" panose="020B0604020202020204" pitchFamily="34" charset="0"/>
+              <a:cs typeface="Times New Roman" panose="02020603050405020304" pitchFamily="18" charset="0"/>
             </a:endParaRPr>
           </a:p>
           <a:p>
@@ -3526,13 +3550,15 @@
                 <a:effectLst/>
                 <a:latin typeface="Times New Roman" panose="02020603050405020304" pitchFamily="18" charset="0"/>
                 <a:ea typeface="Times New Roman" panose="02020603050405020304" pitchFamily="18" charset="0"/>
+                <a:cs typeface="Times New Roman" panose="02020603050405020304" pitchFamily="18" charset="0"/>
               </a:rPr>
               <a:t>Научный руководитель: ...</a:t>
             </a:r>
             <a:endParaRPr lang="ru-RU" sz="1400" dirty="0">
               <a:effectLst/>
-              <a:latin typeface="Arial" panose="020B0604020202020204" pitchFamily="34" charset="0"/>
+              <a:latin typeface="Times New Roman" panose="02020603050405020304" pitchFamily="18" charset="0"/>
               <a:ea typeface="Arial" panose="020B0604020202020204" pitchFamily="34" charset="0"/>
+              <a:cs typeface="Times New Roman" panose="02020603050405020304" pitchFamily="18" charset="0"/>
             </a:endParaRPr>
           </a:p>
         </p:txBody>
@@ -3657,6 +3683,3651 @@
     <p:extLst>
       <p:ext uri="{BB962C8B-B14F-4D97-AF65-F5344CB8AC3E}">
         <p14:creationId xmlns:p14="http://schemas.microsoft.com/office/powerpoint/2010/main" val="2737581821"/>
+      </p:ext>
+    </p:extLst>
+  </p:cSld>
+  <p:clrMapOvr>
+    <a:masterClrMapping/>
+  </p:clrMapOvr>
+</p:sld>
+</file>
+
+<file path=ppt/slides/slide10.xml><?xml version="1.0" encoding="utf-8"?>
+<p:sld xmlns:a="http://schemas.openxmlformats.org/drawingml/2006/main" xmlns:r="http://schemas.openxmlformats.org/officeDocument/2006/relationships" xmlns:p="http://schemas.openxmlformats.org/presentationml/2006/main">
+  <p:cSld>
+    <p:spTree>
+      <p:nvGrpSpPr>
+        <p:cNvPr id="1" name=""/>
+        <p:cNvGrpSpPr/>
+        <p:nvPr/>
+      </p:nvGrpSpPr>
+      <p:grpSpPr>
+        <a:xfrm>
+          <a:off x="0" y="0"/>
+          <a:ext cx="0" cy="0"/>
+          <a:chOff x="0" y="0"/>
+          <a:chExt cx="0" cy="0"/>
+        </a:xfrm>
+      </p:grpSpPr>
+      <p:sp>
+        <p:nvSpPr>
+          <p:cNvPr id="2" name="Заголовок 1">
+            <a:extLst>
+              <a:ext uri="{FF2B5EF4-FFF2-40B4-BE49-F238E27FC236}">
+                <a16:creationId xmlns:a16="http://schemas.microsoft.com/office/drawing/2014/main" id="{71E6FFDA-642F-4FFA-9564-F11287C20576}"/>
+              </a:ext>
+            </a:extLst>
+          </p:cNvPr>
+          <p:cNvSpPr>
+            <a:spLocks noGrp="1"/>
+          </p:cNvSpPr>
+          <p:nvPr>
+            <p:ph type="title"/>
+          </p:nvPr>
+        </p:nvSpPr>
+        <p:spPr>
+          <a:xfrm>
+            <a:off x="838200" y="238355"/>
+            <a:ext cx="10515600" cy="525125"/>
+          </a:xfrm>
+        </p:spPr>
+        <p:txBody>
+          <a:bodyPr>
+            <a:noAutofit/>
+          </a:bodyPr>
+          <a:lstStyle/>
+          <a:p>
+            <a:pPr algn="ctr"/>
+            <a:r>
+              <a:rPr lang="ru-RU" sz="3600" dirty="0">
+                <a:latin typeface="Times New Roman" panose="02020603050405020304" pitchFamily="18" charset="0"/>
+                <a:cs typeface="Times New Roman" panose="02020603050405020304" pitchFamily="18" charset="0"/>
+              </a:rPr>
+              <a:t>Создание начального меню</a:t>
+            </a:r>
+          </a:p>
+        </p:txBody>
+      </p:sp>
+      <p:sp>
+        <p:nvSpPr>
+          <p:cNvPr id="3" name="Объект 2">
+            <a:extLst>
+              <a:ext uri="{FF2B5EF4-FFF2-40B4-BE49-F238E27FC236}">
+                <a16:creationId xmlns:a16="http://schemas.microsoft.com/office/drawing/2014/main" id="{6C24FF60-81B5-455F-947F-455267CB930C}"/>
+              </a:ext>
+            </a:extLst>
+          </p:cNvPr>
+          <p:cNvSpPr>
+            <a:spLocks noGrp="1"/>
+          </p:cNvSpPr>
+          <p:nvPr>
+            <p:ph idx="1"/>
+          </p:nvPr>
+        </p:nvSpPr>
+        <p:spPr>
+          <a:xfrm>
+            <a:off x="550416" y="1100831"/>
+            <a:ext cx="6977847" cy="5228948"/>
+          </a:xfrm>
+        </p:spPr>
+        <p:txBody>
+          <a:bodyPr>
+            <a:noAutofit/>
+          </a:bodyPr>
+          <a:lstStyle/>
+          <a:p>
+            <a:pPr>
+              <a:lnSpc>
+                <a:spcPct val="100000"/>
+              </a:lnSpc>
+            </a:pPr>
+            <a:r>
+              <a:rPr lang="ru-RU" sz="2200" dirty="0">
+                <a:solidFill>
+                  <a:srgbClr val="000000"/>
+                </a:solidFill>
+                <a:latin typeface="Times New Roman" panose="02020603050405020304" pitchFamily="18" charset="0"/>
+                <a:ea typeface="Arial" panose="020B0604020202020204" pitchFamily="34" charset="0"/>
+                <a:cs typeface="Times New Roman" panose="02020603050405020304" pitchFamily="18" charset="0"/>
+              </a:rPr>
+              <a:t>Создадим</a:t>
+            </a:r>
+            <a:r>
+              <a:rPr lang="ru-RU" sz="2200" dirty="0">
+                <a:solidFill>
+                  <a:srgbClr val="000000"/>
+                </a:solidFill>
+                <a:effectLst/>
+                <a:latin typeface="Times New Roman" panose="02020603050405020304" pitchFamily="18" charset="0"/>
+                <a:ea typeface="Arial" panose="020B0604020202020204" pitchFamily="34" charset="0"/>
+                <a:cs typeface="Times New Roman" panose="02020603050405020304" pitchFamily="18" charset="0"/>
+              </a:rPr>
+              <a:t> три кнопки: </a:t>
+            </a:r>
+            <a:r>
+              <a:rPr lang="ru-RU" sz="2200" i="1" dirty="0">
+                <a:solidFill>
+                  <a:srgbClr val="000000"/>
+                </a:solidFill>
+                <a:effectLst/>
+                <a:latin typeface="Times New Roman" panose="02020603050405020304" pitchFamily="18" charset="0"/>
+                <a:ea typeface="Arial" panose="020B0604020202020204" pitchFamily="34" charset="0"/>
+                <a:cs typeface="Times New Roman" panose="02020603050405020304" pitchFamily="18" charset="0"/>
+              </a:rPr>
+              <a:t>“</a:t>
+            </a:r>
+            <a:r>
+              <a:rPr lang="ru-RU" sz="2200" i="1" dirty="0" err="1">
+                <a:solidFill>
+                  <a:srgbClr val="000000"/>
+                </a:solidFill>
+                <a:effectLst/>
+                <a:latin typeface="Times New Roman" panose="02020603050405020304" pitchFamily="18" charset="0"/>
+                <a:ea typeface="Arial" panose="020B0604020202020204" pitchFamily="34" charset="0"/>
+                <a:cs typeface="Times New Roman" panose="02020603050405020304" pitchFamily="18" charset="0"/>
+              </a:rPr>
+              <a:t>btn_OGE</a:t>
+            </a:r>
+            <a:r>
+              <a:rPr lang="ru-RU" sz="2200" i="1" dirty="0">
+                <a:solidFill>
+                  <a:srgbClr val="000000"/>
+                </a:solidFill>
+                <a:effectLst/>
+                <a:latin typeface="Times New Roman" panose="02020603050405020304" pitchFamily="18" charset="0"/>
+                <a:ea typeface="Arial" panose="020B0604020202020204" pitchFamily="34" charset="0"/>
+                <a:cs typeface="Times New Roman" panose="02020603050405020304" pitchFamily="18" charset="0"/>
+              </a:rPr>
+              <a:t>”</a:t>
+            </a:r>
+            <a:r>
+              <a:rPr lang="ru-RU" sz="2200" dirty="0">
+                <a:solidFill>
+                  <a:srgbClr val="000000"/>
+                </a:solidFill>
+                <a:effectLst/>
+                <a:latin typeface="Times New Roman" panose="02020603050405020304" pitchFamily="18" charset="0"/>
+                <a:ea typeface="Arial" panose="020B0604020202020204" pitchFamily="34" charset="0"/>
+                <a:cs typeface="Times New Roman" panose="02020603050405020304" pitchFamily="18" charset="0"/>
+              </a:rPr>
+              <a:t>, </a:t>
+            </a:r>
+            <a:r>
+              <a:rPr lang="ru-RU" sz="2200" i="1" dirty="0">
+                <a:solidFill>
+                  <a:srgbClr val="000000"/>
+                </a:solidFill>
+                <a:effectLst/>
+                <a:latin typeface="Times New Roman" panose="02020603050405020304" pitchFamily="18" charset="0"/>
+                <a:ea typeface="Arial" panose="020B0604020202020204" pitchFamily="34" charset="0"/>
+                <a:cs typeface="Times New Roman" panose="02020603050405020304" pitchFamily="18" charset="0"/>
+              </a:rPr>
+              <a:t>“</a:t>
+            </a:r>
+            <a:r>
+              <a:rPr lang="ru-RU" sz="2200" i="1" dirty="0" err="1">
+                <a:solidFill>
+                  <a:srgbClr val="000000"/>
+                </a:solidFill>
+                <a:effectLst/>
+                <a:latin typeface="Times New Roman" panose="02020603050405020304" pitchFamily="18" charset="0"/>
+                <a:ea typeface="Arial" panose="020B0604020202020204" pitchFamily="34" charset="0"/>
+                <a:cs typeface="Times New Roman" panose="02020603050405020304" pitchFamily="18" charset="0"/>
+              </a:rPr>
+              <a:t>btn_EGE</a:t>
+            </a:r>
+            <a:r>
+              <a:rPr lang="ru-RU" sz="2200" i="1" dirty="0">
+                <a:solidFill>
+                  <a:srgbClr val="000000"/>
+                </a:solidFill>
+                <a:effectLst/>
+                <a:latin typeface="Times New Roman" panose="02020603050405020304" pitchFamily="18" charset="0"/>
+                <a:ea typeface="Arial" panose="020B0604020202020204" pitchFamily="34" charset="0"/>
+                <a:cs typeface="Times New Roman" panose="02020603050405020304" pitchFamily="18" charset="0"/>
+              </a:rPr>
+              <a:t>”</a:t>
+            </a:r>
+            <a:r>
+              <a:rPr lang="ru-RU" sz="2200" dirty="0">
+                <a:solidFill>
+                  <a:srgbClr val="000000"/>
+                </a:solidFill>
+                <a:effectLst/>
+                <a:latin typeface="Times New Roman" panose="02020603050405020304" pitchFamily="18" charset="0"/>
+                <a:ea typeface="Arial" panose="020B0604020202020204" pitchFamily="34" charset="0"/>
+                <a:cs typeface="Times New Roman" panose="02020603050405020304" pitchFamily="18" charset="0"/>
+              </a:rPr>
+              <a:t>, </a:t>
+            </a:r>
+            <a:r>
+              <a:rPr lang="ru-RU" sz="2200" i="1" dirty="0">
+                <a:solidFill>
+                  <a:srgbClr val="000000"/>
+                </a:solidFill>
+                <a:effectLst/>
+                <a:latin typeface="Times New Roman" panose="02020603050405020304" pitchFamily="18" charset="0"/>
+                <a:ea typeface="Arial" panose="020B0604020202020204" pitchFamily="34" charset="0"/>
+                <a:cs typeface="Times New Roman" panose="02020603050405020304" pitchFamily="18" charset="0"/>
+              </a:rPr>
+              <a:t>“</a:t>
+            </a:r>
+            <a:r>
+              <a:rPr lang="ru-RU" sz="2200" i="1" dirty="0" err="1">
+                <a:solidFill>
+                  <a:srgbClr val="000000"/>
+                </a:solidFill>
+                <a:effectLst/>
+                <a:latin typeface="Times New Roman" panose="02020603050405020304" pitchFamily="18" charset="0"/>
+                <a:ea typeface="Arial" panose="020B0604020202020204" pitchFamily="34" charset="0"/>
+                <a:cs typeface="Times New Roman" panose="02020603050405020304" pitchFamily="18" charset="0"/>
+              </a:rPr>
+              <a:t>btn_All</a:t>
+            </a:r>
+            <a:r>
+              <a:rPr lang="ru-RU" sz="2200" i="1" dirty="0">
+                <a:solidFill>
+                  <a:srgbClr val="000000"/>
+                </a:solidFill>
+                <a:effectLst/>
+                <a:latin typeface="Times New Roman" panose="02020603050405020304" pitchFamily="18" charset="0"/>
+                <a:ea typeface="Arial" panose="020B0604020202020204" pitchFamily="34" charset="0"/>
+                <a:cs typeface="Times New Roman" panose="02020603050405020304" pitchFamily="18" charset="0"/>
+              </a:rPr>
+              <a:t>”.</a:t>
+            </a:r>
+          </a:p>
+          <a:p>
+            <a:pPr>
+              <a:lnSpc>
+                <a:spcPct val="100000"/>
+              </a:lnSpc>
+            </a:pPr>
+            <a:r>
+              <a:rPr lang="ru-RU" sz="2200" dirty="0">
+                <a:solidFill>
+                  <a:srgbClr val="000000"/>
+                </a:solidFill>
+                <a:effectLst/>
+                <a:latin typeface="Times New Roman" panose="02020603050405020304" pitchFamily="18" charset="0"/>
+                <a:ea typeface="Arial" panose="020B0604020202020204" pitchFamily="34" charset="0"/>
+                <a:cs typeface="Times New Roman" panose="02020603050405020304" pitchFamily="18" charset="0"/>
+              </a:rPr>
+              <a:t>Пропишем в функции </a:t>
+            </a:r>
+            <a:r>
+              <a:rPr lang="ru-RU" sz="2200" i="1" dirty="0">
+                <a:solidFill>
+                  <a:srgbClr val="000000"/>
+                </a:solidFill>
+                <a:effectLst/>
+                <a:latin typeface="Times New Roman" panose="02020603050405020304" pitchFamily="18" charset="0"/>
+                <a:ea typeface="Arial" panose="020B0604020202020204" pitchFamily="34" charset="0"/>
+                <a:cs typeface="Times New Roman" panose="02020603050405020304" pitchFamily="18" charset="0"/>
+              </a:rPr>
+              <a:t>“</a:t>
+            </a:r>
+            <a:r>
+              <a:rPr lang="ru-RU" sz="2200" i="1" dirty="0" err="1">
+                <a:solidFill>
+                  <a:srgbClr val="000000"/>
+                </a:solidFill>
+                <a:effectLst/>
+                <a:latin typeface="Times New Roman" panose="02020603050405020304" pitchFamily="18" charset="0"/>
+                <a:ea typeface="Arial" panose="020B0604020202020204" pitchFamily="34" charset="0"/>
+                <a:cs typeface="Times New Roman" panose="02020603050405020304" pitchFamily="18" charset="0"/>
+              </a:rPr>
+              <a:t>setupUi</a:t>
+            </a:r>
+            <a:r>
+              <a:rPr lang="ru-RU" sz="2200" i="1" dirty="0">
+                <a:solidFill>
+                  <a:srgbClr val="000000"/>
+                </a:solidFill>
+                <a:effectLst/>
+                <a:latin typeface="Times New Roman" panose="02020603050405020304" pitchFamily="18" charset="0"/>
+                <a:ea typeface="Arial" panose="020B0604020202020204" pitchFamily="34" charset="0"/>
+                <a:cs typeface="Times New Roman" panose="02020603050405020304" pitchFamily="18" charset="0"/>
+              </a:rPr>
+              <a:t>”</a:t>
+            </a:r>
+            <a:r>
+              <a:rPr lang="ru-RU" sz="2200" dirty="0">
+                <a:solidFill>
+                  <a:srgbClr val="000000"/>
+                </a:solidFill>
+                <a:effectLst/>
+                <a:latin typeface="Times New Roman" panose="02020603050405020304" pitchFamily="18" charset="0"/>
+                <a:ea typeface="Arial" panose="020B0604020202020204" pitchFamily="34" charset="0"/>
+                <a:cs typeface="Times New Roman" panose="02020603050405020304" pitchFamily="18" charset="0"/>
+              </a:rPr>
+              <a:t> запуск функции </a:t>
+            </a:r>
+            <a:r>
+              <a:rPr lang="ru-RU" sz="2200" i="1" dirty="0">
+                <a:solidFill>
+                  <a:srgbClr val="000000"/>
+                </a:solidFill>
+                <a:effectLst/>
+                <a:latin typeface="Times New Roman" panose="02020603050405020304" pitchFamily="18" charset="0"/>
+                <a:ea typeface="Arial" panose="020B0604020202020204" pitchFamily="34" charset="0"/>
+                <a:cs typeface="Times New Roman" panose="02020603050405020304" pitchFamily="18" charset="0"/>
+              </a:rPr>
+              <a:t>“</a:t>
+            </a:r>
+            <a:r>
+              <a:rPr lang="ru-RU" sz="2200" i="1" dirty="0" err="1">
+                <a:solidFill>
+                  <a:srgbClr val="000000"/>
+                </a:solidFill>
+                <a:effectLst/>
+                <a:latin typeface="Times New Roman" panose="02020603050405020304" pitchFamily="18" charset="0"/>
+                <a:ea typeface="Arial" panose="020B0604020202020204" pitchFamily="34" charset="0"/>
+                <a:cs typeface="Times New Roman" panose="02020603050405020304" pitchFamily="18" charset="0"/>
+              </a:rPr>
+              <a:t>createElements</a:t>
+            </a:r>
+            <a:r>
+              <a:rPr lang="ru-RU" sz="2200" i="1" dirty="0">
+                <a:solidFill>
+                  <a:srgbClr val="000000"/>
+                </a:solidFill>
+                <a:effectLst/>
+                <a:latin typeface="Times New Roman" panose="02020603050405020304" pitchFamily="18" charset="0"/>
+                <a:ea typeface="Arial" panose="020B0604020202020204" pitchFamily="34" charset="0"/>
+                <a:cs typeface="Times New Roman" panose="02020603050405020304" pitchFamily="18" charset="0"/>
+              </a:rPr>
+              <a:t>”</a:t>
+            </a:r>
+            <a:r>
+              <a:rPr lang="ru-RU" sz="2200" dirty="0">
+                <a:solidFill>
+                  <a:srgbClr val="000000"/>
+                </a:solidFill>
+                <a:effectLst/>
+                <a:latin typeface="Times New Roman" panose="02020603050405020304" pitchFamily="18" charset="0"/>
+                <a:ea typeface="Arial" panose="020B0604020202020204" pitchFamily="34" charset="0"/>
+                <a:cs typeface="Times New Roman" panose="02020603050405020304" pitchFamily="18" charset="0"/>
+              </a:rPr>
+              <a:t>, чтобы при запуске программы сразу создавались все элементы. Все последующие элементы будем создавать невидимыми, чтобы при запуске программы были видны только три начальные кнопки.</a:t>
+            </a:r>
+            <a:endParaRPr lang="en-US" sz="2200" dirty="0">
+              <a:solidFill>
+                <a:srgbClr val="000000"/>
+              </a:solidFill>
+              <a:effectLst/>
+              <a:latin typeface="Times New Roman" panose="02020603050405020304" pitchFamily="18" charset="0"/>
+              <a:ea typeface="Arial" panose="020B0604020202020204" pitchFamily="34" charset="0"/>
+              <a:cs typeface="Times New Roman" panose="02020603050405020304" pitchFamily="18" charset="0"/>
+            </a:endParaRPr>
+          </a:p>
+          <a:p>
+            <a:pPr>
+              <a:lnSpc>
+                <a:spcPct val="100000"/>
+              </a:lnSpc>
+            </a:pPr>
+            <a:r>
+              <a:rPr lang="ru-RU" sz="2200" dirty="0">
+                <a:solidFill>
+                  <a:srgbClr val="000000"/>
+                </a:solidFill>
+                <a:effectLst/>
+                <a:latin typeface="Times New Roman" panose="02020603050405020304" pitchFamily="18" charset="0"/>
+                <a:ea typeface="Arial" panose="020B0604020202020204" pitchFamily="34" charset="0"/>
+                <a:cs typeface="Times New Roman" panose="02020603050405020304" pitchFamily="18" charset="0"/>
+              </a:rPr>
+              <a:t>Добавим функцию </a:t>
+            </a:r>
+            <a:r>
+              <a:rPr lang="ru-RU" sz="2200" i="1" dirty="0">
+                <a:solidFill>
+                  <a:srgbClr val="000000"/>
+                </a:solidFill>
+                <a:effectLst/>
+                <a:latin typeface="Times New Roman" panose="02020603050405020304" pitchFamily="18" charset="0"/>
+                <a:ea typeface="Arial" panose="020B0604020202020204" pitchFamily="34" charset="0"/>
+                <a:cs typeface="Times New Roman" panose="02020603050405020304" pitchFamily="18" charset="0"/>
+              </a:rPr>
+              <a:t>“</a:t>
+            </a:r>
+            <a:r>
+              <a:rPr lang="ru-RU" sz="2200" i="1" dirty="0" err="1">
+                <a:solidFill>
+                  <a:srgbClr val="000000"/>
+                </a:solidFill>
+                <a:effectLst/>
+                <a:latin typeface="Times New Roman" panose="02020603050405020304" pitchFamily="18" charset="0"/>
+                <a:ea typeface="Arial" panose="020B0604020202020204" pitchFamily="34" charset="0"/>
+                <a:cs typeface="Times New Roman" panose="02020603050405020304" pitchFamily="18" charset="0"/>
+              </a:rPr>
+              <a:t>retranslateUi</a:t>
+            </a:r>
+            <a:r>
+              <a:rPr lang="ru-RU" sz="2200" i="1" dirty="0">
+                <a:solidFill>
+                  <a:srgbClr val="000000"/>
+                </a:solidFill>
+                <a:effectLst/>
+                <a:latin typeface="Times New Roman" panose="02020603050405020304" pitchFamily="18" charset="0"/>
+                <a:ea typeface="Arial" panose="020B0604020202020204" pitchFamily="34" charset="0"/>
+                <a:cs typeface="Times New Roman" panose="02020603050405020304" pitchFamily="18" charset="0"/>
+              </a:rPr>
+              <a:t>”</a:t>
+            </a:r>
+            <a:r>
+              <a:rPr lang="ru-RU" sz="2200" dirty="0">
+                <a:solidFill>
+                  <a:srgbClr val="000000"/>
+                </a:solidFill>
+                <a:effectLst/>
+                <a:latin typeface="Times New Roman" panose="02020603050405020304" pitchFamily="18" charset="0"/>
+                <a:ea typeface="Arial" panose="020B0604020202020204" pitchFamily="34" charset="0"/>
+                <a:cs typeface="Times New Roman" panose="02020603050405020304" pitchFamily="18" charset="0"/>
+              </a:rPr>
+              <a:t>, которая будет задавать названия для кнопок, которые будут отображаться на них, и название для нашей программы. Присвоим трём, созданным кнопкам названия “ОГЭ”, “ЕГЭ”, “Весь список”. Пропишем в функции </a:t>
+            </a:r>
+            <a:r>
+              <a:rPr lang="ru-RU" sz="2200" i="1" dirty="0">
+                <a:solidFill>
+                  <a:srgbClr val="000000"/>
+                </a:solidFill>
+                <a:effectLst/>
+                <a:latin typeface="Times New Roman" panose="02020603050405020304" pitchFamily="18" charset="0"/>
+                <a:ea typeface="Arial" panose="020B0604020202020204" pitchFamily="34" charset="0"/>
+                <a:cs typeface="Times New Roman" panose="02020603050405020304" pitchFamily="18" charset="0"/>
+              </a:rPr>
+              <a:t>“</a:t>
+            </a:r>
+            <a:r>
+              <a:rPr lang="ru-RU" sz="2200" i="1" dirty="0" err="1">
+                <a:solidFill>
+                  <a:srgbClr val="000000"/>
+                </a:solidFill>
+                <a:effectLst/>
+                <a:latin typeface="Times New Roman" panose="02020603050405020304" pitchFamily="18" charset="0"/>
+                <a:ea typeface="Arial" panose="020B0604020202020204" pitchFamily="34" charset="0"/>
+                <a:cs typeface="Times New Roman" panose="02020603050405020304" pitchFamily="18" charset="0"/>
+              </a:rPr>
+              <a:t>setupUi</a:t>
+            </a:r>
+            <a:r>
+              <a:rPr lang="ru-RU" sz="2200" i="1" dirty="0">
+                <a:solidFill>
+                  <a:srgbClr val="000000"/>
+                </a:solidFill>
+                <a:effectLst/>
+                <a:latin typeface="Times New Roman" panose="02020603050405020304" pitchFamily="18" charset="0"/>
+                <a:ea typeface="Arial" panose="020B0604020202020204" pitchFamily="34" charset="0"/>
+                <a:cs typeface="Times New Roman" panose="02020603050405020304" pitchFamily="18" charset="0"/>
+              </a:rPr>
+              <a:t>”</a:t>
+            </a:r>
+            <a:r>
+              <a:rPr lang="ru-RU" sz="2200" dirty="0">
+                <a:solidFill>
+                  <a:srgbClr val="000000"/>
+                </a:solidFill>
+                <a:effectLst/>
+                <a:latin typeface="Times New Roman" panose="02020603050405020304" pitchFamily="18" charset="0"/>
+                <a:ea typeface="Arial" panose="020B0604020202020204" pitchFamily="34" charset="0"/>
+                <a:cs typeface="Times New Roman" panose="02020603050405020304" pitchFamily="18" charset="0"/>
+              </a:rPr>
+              <a:t> запуск функции </a:t>
+            </a:r>
+            <a:r>
+              <a:rPr lang="ru-RU" sz="2200" i="1" dirty="0">
+                <a:solidFill>
+                  <a:srgbClr val="000000"/>
+                </a:solidFill>
+                <a:effectLst/>
+                <a:latin typeface="Times New Roman" panose="02020603050405020304" pitchFamily="18" charset="0"/>
+                <a:ea typeface="Arial" panose="020B0604020202020204" pitchFamily="34" charset="0"/>
+                <a:cs typeface="Times New Roman" panose="02020603050405020304" pitchFamily="18" charset="0"/>
+              </a:rPr>
+              <a:t>“</a:t>
+            </a:r>
+            <a:r>
+              <a:rPr lang="ru-RU" sz="2200" i="1" dirty="0" err="1">
+                <a:solidFill>
+                  <a:srgbClr val="000000"/>
+                </a:solidFill>
+                <a:effectLst/>
+                <a:latin typeface="Times New Roman" panose="02020603050405020304" pitchFamily="18" charset="0"/>
+                <a:ea typeface="Arial" panose="020B0604020202020204" pitchFamily="34" charset="0"/>
+                <a:cs typeface="Times New Roman" panose="02020603050405020304" pitchFamily="18" charset="0"/>
+              </a:rPr>
+              <a:t>retranslateUi</a:t>
+            </a:r>
+            <a:r>
+              <a:rPr lang="ru-RU" sz="2200" i="1" dirty="0">
+                <a:solidFill>
+                  <a:srgbClr val="000000"/>
+                </a:solidFill>
+                <a:effectLst/>
+                <a:latin typeface="Times New Roman" panose="02020603050405020304" pitchFamily="18" charset="0"/>
+                <a:ea typeface="Arial" panose="020B0604020202020204" pitchFamily="34" charset="0"/>
+                <a:cs typeface="Times New Roman" panose="02020603050405020304" pitchFamily="18" charset="0"/>
+              </a:rPr>
+              <a:t>”</a:t>
+            </a:r>
+            <a:r>
+              <a:rPr lang="ru-RU" sz="2200" dirty="0">
+                <a:solidFill>
+                  <a:srgbClr val="000000"/>
+                </a:solidFill>
+                <a:effectLst/>
+                <a:latin typeface="Times New Roman" panose="02020603050405020304" pitchFamily="18" charset="0"/>
+                <a:ea typeface="Arial" panose="020B0604020202020204" pitchFamily="34" charset="0"/>
+                <a:cs typeface="Times New Roman" panose="02020603050405020304" pitchFamily="18" charset="0"/>
+              </a:rPr>
+              <a:t>.</a:t>
+            </a:r>
+            <a:endParaRPr lang="ru-RU" sz="2200" dirty="0">
+              <a:latin typeface="Times New Roman" panose="02020603050405020304" pitchFamily="18" charset="0"/>
+              <a:cs typeface="Times New Roman" panose="02020603050405020304" pitchFamily="18" charset="0"/>
+            </a:endParaRPr>
+          </a:p>
+        </p:txBody>
+      </p:sp>
+      <p:pic>
+        <p:nvPicPr>
+          <p:cNvPr id="5" name="Рисунок 4">
+            <a:extLst>
+              <a:ext uri="{FF2B5EF4-FFF2-40B4-BE49-F238E27FC236}">
+                <a16:creationId xmlns:a16="http://schemas.microsoft.com/office/drawing/2014/main" id="{468B8F1F-0C19-46A6-95C2-9848FCCBBF61}"/>
+              </a:ext>
+            </a:extLst>
+          </p:cNvPr>
+          <p:cNvPicPr>
+            <a:picLocks noChangeAspect="1"/>
+          </p:cNvPicPr>
+          <p:nvPr/>
+        </p:nvPicPr>
+        <p:blipFill>
+          <a:blip r:embed="rId2">
+            <a:extLst>
+              <a:ext uri="{28A0092B-C50C-407E-A947-70E740481C1C}">
+                <a14:useLocalDpi xmlns:a14="http://schemas.microsoft.com/office/drawing/2010/main" val="0"/>
+              </a:ext>
+            </a:extLst>
+          </a:blip>
+          <a:stretch>
+            <a:fillRect/>
+          </a:stretch>
+        </p:blipFill>
+        <p:spPr>
+          <a:xfrm>
+            <a:off x="7599285" y="1239444"/>
+            <a:ext cx="4377231" cy="4754961"/>
+          </a:xfrm>
+          <a:prstGeom prst="rect">
+            <a:avLst/>
+          </a:prstGeom>
+        </p:spPr>
+      </p:pic>
+    </p:spTree>
+    <p:extLst>
+      <p:ext uri="{BB962C8B-B14F-4D97-AF65-F5344CB8AC3E}">
+        <p14:creationId xmlns:p14="http://schemas.microsoft.com/office/powerpoint/2010/main" val="4008500011"/>
+      </p:ext>
+    </p:extLst>
+  </p:cSld>
+  <p:clrMapOvr>
+    <a:masterClrMapping/>
+  </p:clrMapOvr>
+</p:sld>
+</file>
+
+<file path=ppt/slides/slide11.xml><?xml version="1.0" encoding="utf-8"?>
+<p:sld xmlns:a="http://schemas.openxmlformats.org/drawingml/2006/main" xmlns:r="http://schemas.openxmlformats.org/officeDocument/2006/relationships" xmlns:p="http://schemas.openxmlformats.org/presentationml/2006/main">
+  <p:cSld>
+    <p:spTree>
+      <p:nvGrpSpPr>
+        <p:cNvPr id="1" name=""/>
+        <p:cNvGrpSpPr/>
+        <p:nvPr/>
+      </p:nvGrpSpPr>
+      <p:grpSpPr>
+        <a:xfrm>
+          <a:off x="0" y="0"/>
+          <a:ext cx="0" cy="0"/>
+          <a:chOff x="0" y="0"/>
+          <a:chExt cx="0" cy="0"/>
+        </a:xfrm>
+      </p:grpSpPr>
+      <p:sp>
+        <p:nvSpPr>
+          <p:cNvPr id="2" name="Заголовок 1">
+            <a:extLst>
+              <a:ext uri="{FF2B5EF4-FFF2-40B4-BE49-F238E27FC236}">
+                <a16:creationId xmlns:a16="http://schemas.microsoft.com/office/drawing/2014/main" id="{9A0965ED-51B2-498B-AC45-E99A274DA496}"/>
+              </a:ext>
+            </a:extLst>
+          </p:cNvPr>
+          <p:cNvSpPr>
+            <a:spLocks noGrp="1"/>
+          </p:cNvSpPr>
+          <p:nvPr>
+            <p:ph type="title"/>
+          </p:nvPr>
+        </p:nvSpPr>
+        <p:spPr>
+          <a:xfrm>
+            <a:off x="838200" y="365125"/>
+            <a:ext cx="10515600" cy="611419"/>
+          </a:xfrm>
+        </p:spPr>
+        <p:txBody>
+          <a:bodyPr>
+            <a:normAutofit/>
+          </a:bodyPr>
+          <a:lstStyle/>
+          <a:p>
+            <a:pPr algn="ctr"/>
+            <a:r>
+              <a:rPr lang="ru-RU" sz="3600" dirty="0">
+                <a:latin typeface="Times New Roman" panose="02020603050405020304" pitchFamily="18" charset="0"/>
+                <a:cs typeface="Times New Roman" panose="02020603050405020304" pitchFamily="18" charset="0"/>
+              </a:rPr>
+              <a:t>Создание тренировочного меню </a:t>
+            </a:r>
+          </a:p>
+        </p:txBody>
+      </p:sp>
+      <p:sp>
+        <p:nvSpPr>
+          <p:cNvPr id="3" name="Объект 2">
+            <a:extLst>
+              <a:ext uri="{FF2B5EF4-FFF2-40B4-BE49-F238E27FC236}">
+                <a16:creationId xmlns:a16="http://schemas.microsoft.com/office/drawing/2014/main" id="{95EE0649-5F48-43AF-9107-4FF79CBB246C}"/>
+              </a:ext>
+            </a:extLst>
+          </p:cNvPr>
+          <p:cNvSpPr>
+            <a:spLocks noGrp="1"/>
+          </p:cNvSpPr>
+          <p:nvPr>
+            <p:ph idx="1"/>
+          </p:nvPr>
+        </p:nvSpPr>
+        <p:spPr>
+          <a:xfrm>
+            <a:off x="562993" y="1198486"/>
+            <a:ext cx="6814351" cy="5584054"/>
+          </a:xfrm>
+        </p:spPr>
+        <p:txBody>
+          <a:bodyPr>
+            <a:normAutofit/>
+          </a:bodyPr>
+          <a:lstStyle/>
+          <a:p>
+            <a:pPr>
+              <a:lnSpc>
+                <a:spcPct val="100000"/>
+              </a:lnSpc>
+            </a:pPr>
+            <a:r>
+              <a:rPr lang="ru-RU" sz="2200" dirty="0">
+                <a:solidFill>
+                  <a:srgbClr val="000000"/>
+                </a:solidFill>
+                <a:effectLst/>
+                <a:latin typeface="Times New Roman" panose="02020603050405020304" pitchFamily="18" charset="0"/>
+                <a:ea typeface="Arial" panose="020B0604020202020204" pitchFamily="34" charset="0"/>
+                <a:cs typeface="Times New Roman" panose="02020603050405020304" pitchFamily="18" charset="0"/>
+              </a:rPr>
+              <a:t>Добавим функцию </a:t>
+            </a:r>
+            <a:r>
+              <a:rPr lang="ru-RU" sz="2200" i="1" dirty="0">
+                <a:solidFill>
+                  <a:srgbClr val="000000"/>
+                </a:solidFill>
+                <a:effectLst/>
+                <a:latin typeface="Times New Roman" panose="02020603050405020304" pitchFamily="18" charset="0"/>
+                <a:ea typeface="Arial" panose="020B0604020202020204" pitchFamily="34" charset="0"/>
+                <a:cs typeface="Times New Roman" panose="02020603050405020304" pitchFamily="18" charset="0"/>
+              </a:rPr>
+              <a:t>“</a:t>
+            </a:r>
+            <a:r>
+              <a:rPr lang="ru-RU" sz="2200" i="1" dirty="0" err="1">
+                <a:solidFill>
+                  <a:srgbClr val="000000"/>
+                </a:solidFill>
+                <a:effectLst/>
+                <a:latin typeface="Times New Roman" panose="02020603050405020304" pitchFamily="18" charset="0"/>
+                <a:ea typeface="Arial" panose="020B0604020202020204" pitchFamily="34" charset="0"/>
+                <a:cs typeface="Times New Roman" panose="02020603050405020304" pitchFamily="18" charset="0"/>
+              </a:rPr>
+              <a:t>addFunctions</a:t>
+            </a:r>
+            <a:r>
+              <a:rPr lang="ru-RU" sz="2200" i="1" dirty="0">
+                <a:solidFill>
+                  <a:srgbClr val="000000"/>
+                </a:solidFill>
+                <a:effectLst/>
+                <a:latin typeface="Times New Roman" panose="02020603050405020304" pitchFamily="18" charset="0"/>
+                <a:ea typeface="Arial" panose="020B0604020202020204" pitchFamily="34" charset="0"/>
+                <a:cs typeface="Times New Roman" panose="02020603050405020304" pitchFamily="18" charset="0"/>
+              </a:rPr>
+              <a:t>”</a:t>
+            </a:r>
+            <a:r>
+              <a:rPr lang="ru-RU" sz="2200" dirty="0">
+                <a:solidFill>
+                  <a:srgbClr val="000000"/>
+                </a:solidFill>
+                <a:effectLst/>
+                <a:latin typeface="Times New Roman" panose="02020603050405020304" pitchFamily="18" charset="0"/>
+                <a:ea typeface="Arial" panose="020B0604020202020204" pitchFamily="34" charset="0"/>
+                <a:cs typeface="Times New Roman" panose="02020603050405020304" pitchFamily="18" charset="0"/>
+              </a:rPr>
+              <a:t>. Она будет привязывать к кнопкам функции, которые будут выполняться при нажатии на кнопки. Пропишем в функции </a:t>
+            </a:r>
+            <a:r>
+              <a:rPr lang="ru-RU" sz="2200" i="1" dirty="0">
+                <a:solidFill>
+                  <a:srgbClr val="000000"/>
+                </a:solidFill>
+                <a:effectLst/>
+                <a:latin typeface="Times New Roman" panose="02020603050405020304" pitchFamily="18" charset="0"/>
+                <a:ea typeface="Arial" panose="020B0604020202020204" pitchFamily="34" charset="0"/>
+                <a:cs typeface="Times New Roman" panose="02020603050405020304" pitchFamily="18" charset="0"/>
+              </a:rPr>
+              <a:t>“</a:t>
+            </a:r>
+            <a:r>
+              <a:rPr lang="ru-RU" sz="2200" i="1" dirty="0" err="1">
+                <a:solidFill>
+                  <a:srgbClr val="000000"/>
+                </a:solidFill>
+                <a:effectLst/>
+                <a:latin typeface="Times New Roman" panose="02020603050405020304" pitchFamily="18" charset="0"/>
+                <a:ea typeface="Arial" panose="020B0604020202020204" pitchFamily="34" charset="0"/>
+                <a:cs typeface="Times New Roman" panose="02020603050405020304" pitchFamily="18" charset="0"/>
+              </a:rPr>
+              <a:t>setupUi</a:t>
+            </a:r>
+            <a:r>
+              <a:rPr lang="ru-RU" sz="2200" i="1" dirty="0">
+                <a:solidFill>
+                  <a:srgbClr val="000000"/>
+                </a:solidFill>
+                <a:effectLst/>
+                <a:latin typeface="Times New Roman" panose="02020603050405020304" pitchFamily="18" charset="0"/>
+                <a:ea typeface="Arial" panose="020B0604020202020204" pitchFamily="34" charset="0"/>
+                <a:cs typeface="Times New Roman" panose="02020603050405020304" pitchFamily="18" charset="0"/>
+              </a:rPr>
+              <a:t>”</a:t>
+            </a:r>
+            <a:r>
+              <a:rPr lang="ru-RU" sz="2200" dirty="0">
+                <a:solidFill>
+                  <a:srgbClr val="000000"/>
+                </a:solidFill>
+                <a:effectLst/>
+                <a:latin typeface="Times New Roman" panose="02020603050405020304" pitchFamily="18" charset="0"/>
+                <a:ea typeface="Arial" panose="020B0604020202020204" pitchFamily="34" charset="0"/>
+                <a:cs typeface="Times New Roman" panose="02020603050405020304" pitchFamily="18" charset="0"/>
+              </a:rPr>
+              <a:t> запуск функции </a:t>
+            </a:r>
+            <a:r>
+              <a:rPr lang="ru-RU" sz="2200" i="1" dirty="0">
+                <a:solidFill>
+                  <a:srgbClr val="000000"/>
+                </a:solidFill>
+                <a:effectLst/>
+                <a:latin typeface="Times New Roman" panose="02020603050405020304" pitchFamily="18" charset="0"/>
+                <a:ea typeface="Arial" panose="020B0604020202020204" pitchFamily="34" charset="0"/>
+                <a:cs typeface="Times New Roman" panose="02020603050405020304" pitchFamily="18" charset="0"/>
+              </a:rPr>
+              <a:t>“</a:t>
+            </a:r>
+            <a:r>
+              <a:rPr lang="ru-RU" sz="2200" i="1" dirty="0" err="1">
+                <a:solidFill>
+                  <a:srgbClr val="000000"/>
+                </a:solidFill>
+                <a:effectLst/>
+                <a:latin typeface="Times New Roman" panose="02020603050405020304" pitchFamily="18" charset="0"/>
+                <a:ea typeface="Arial" panose="020B0604020202020204" pitchFamily="34" charset="0"/>
+                <a:cs typeface="Times New Roman" panose="02020603050405020304" pitchFamily="18" charset="0"/>
+              </a:rPr>
+              <a:t>addFunctions</a:t>
+            </a:r>
+            <a:r>
+              <a:rPr lang="ru-RU" sz="2200" i="1" dirty="0">
+                <a:solidFill>
+                  <a:srgbClr val="000000"/>
+                </a:solidFill>
+                <a:effectLst/>
+                <a:latin typeface="Times New Roman" panose="02020603050405020304" pitchFamily="18" charset="0"/>
+                <a:ea typeface="Arial" panose="020B0604020202020204" pitchFamily="34" charset="0"/>
+                <a:cs typeface="Times New Roman" panose="02020603050405020304" pitchFamily="18" charset="0"/>
+              </a:rPr>
+              <a:t>”</a:t>
+            </a:r>
+            <a:r>
+              <a:rPr lang="ru-RU" sz="2200" dirty="0">
+                <a:solidFill>
+                  <a:srgbClr val="000000"/>
+                </a:solidFill>
+                <a:effectLst/>
+                <a:latin typeface="Times New Roman" panose="02020603050405020304" pitchFamily="18" charset="0"/>
+                <a:ea typeface="Arial" panose="020B0604020202020204" pitchFamily="34" charset="0"/>
+                <a:cs typeface="Times New Roman" panose="02020603050405020304" pitchFamily="18" charset="0"/>
+              </a:rPr>
+              <a:t>.</a:t>
+            </a:r>
+            <a:endParaRPr lang="en-US" sz="2200" dirty="0">
+              <a:solidFill>
+                <a:srgbClr val="000000"/>
+              </a:solidFill>
+              <a:effectLst/>
+              <a:latin typeface="Times New Roman" panose="02020603050405020304" pitchFamily="18" charset="0"/>
+              <a:ea typeface="Arial" panose="020B0604020202020204" pitchFamily="34" charset="0"/>
+              <a:cs typeface="Times New Roman" panose="02020603050405020304" pitchFamily="18" charset="0"/>
+            </a:endParaRPr>
+          </a:p>
+          <a:p>
+            <a:pPr>
+              <a:lnSpc>
+                <a:spcPct val="100000"/>
+              </a:lnSpc>
+            </a:pPr>
+            <a:r>
+              <a:rPr lang="ru-RU" sz="2200" dirty="0">
+                <a:solidFill>
+                  <a:srgbClr val="000000"/>
+                </a:solidFill>
+                <a:effectLst/>
+                <a:latin typeface="Times New Roman" panose="02020603050405020304" pitchFamily="18" charset="0"/>
+                <a:ea typeface="Arial" panose="020B0604020202020204" pitchFamily="34" charset="0"/>
+                <a:cs typeface="Times New Roman" panose="02020603050405020304" pitchFamily="18" charset="0"/>
+              </a:rPr>
+              <a:t>Добавим функцию </a:t>
+            </a:r>
+            <a:r>
+              <a:rPr lang="ru-RU" sz="2200" i="1" dirty="0">
+                <a:solidFill>
+                  <a:srgbClr val="000000"/>
+                </a:solidFill>
+                <a:effectLst/>
+                <a:latin typeface="Times New Roman" panose="02020603050405020304" pitchFamily="18" charset="0"/>
+                <a:ea typeface="Arial" panose="020B0604020202020204" pitchFamily="34" charset="0"/>
+                <a:cs typeface="Times New Roman" panose="02020603050405020304" pitchFamily="18" charset="0"/>
+              </a:rPr>
+              <a:t>“</a:t>
+            </a:r>
+            <a:r>
+              <a:rPr lang="ru-RU" sz="2200" i="1" dirty="0" err="1">
+                <a:solidFill>
+                  <a:srgbClr val="000000"/>
+                </a:solidFill>
+                <a:effectLst/>
+                <a:latin typeface="Times New Roman" panose="02020603050405020304" pitchFamily="18" charset="0"/>
+                <a:ea typeface="Arial" panose="020B0604020202020204" pitchFamily="34" charset="0"/>
+                <a:cs typeface="Times New Roman" panose="02020603050405020304" pitchFamily="18" charset="0"/>
+              </a:rPr>
+              <a:t>MainProtocol</a:t>
+            </a:r>
+            <a:r>
+              <a:rPr lang="ru-RU" sz="2200" i="1" dirty="0">
+                <a:solidFill>
+                  <a:srgbClr val="000000"/>
+                </a:solidFill>
+                <a:effectLst/>
+                <a:latin typeface="Times New Roman" panose="02020603050405020304" pitchFamily="18" charset="0"/>
+                <a:ea typeface="Arial" panose="020B0604020202020204" pitchFamily="34" charset="0"/>
+                <a:cs typeface="Times New Roman" panose="02020603050405020304" pitchFamily="18" charset="0"/>
+              </a:rPr>
+              <a:t>”</a:t>
+            </a:r>
+            <a:r>
+              <a:rPr lang="ru-RU" sz="2200" dirty="0">
+                <a:solidFill>
+                  <a:srgbClr val="000000"/>
+                </a:solidFill>
+                <a:effectLst/>
+                <a:latin typeface="Times New Roman" panose="02020603050405020304" pitchFamily="18" charset="0"/>
+                <a:ea typeface="Arial" panose="020B0604020202020204" pitchFamily="34" charset="0"/>
+                <a:cs typeface="Times New Roman" panose="02020603050405020304" pitchFamily="18" charset="0"/>
+              </a:rPr>
+              <a:t>, которая будет скрывать начальные кнопки и показывать элементы тренировочного меню. В функции </a:t>
+            </a:r>
+            <a:r>
+              <a:rPr lang="ru-RU" sz="2200" i="1" dirty="0">
+                <a:solidFill>
+                  <a:srgbClr val="000000"/>
+                </a:solidFill>
+                <a:effectLst/>
+                <a:latin typeface="Times New Roman" panose="02020603050405020304" pitchFamily="18" charset="0"/>
+                <a:ea typeface="Arial" panose="020B0604020202020204" pitchFamily="34" charset="0"/>
+                <a:cs typeface="Times New Roman" panose="02020603050405020304" pitchFamily="18" charset="0"/>
+              </a:rPr>
+              <a:t>“</a:t>
+            </a:r>
+            <a:r>
+              <a:rPr lang="ru-RU" sz="2200" i="1" dirty="0" err="1">
+                <a:solidFill>
+                  <a:srgbClr val="000000"/>
+                </a:solidFill>
+                <a:effectLst/>
+                <a:latin typeface="Times New Roman" panose="02020603050405020304" pitchFamily="18" charset="0"/>
+                <a:ea typeface="Arial" panose="020B0604020202020204" pitchFamily="34" charset="0"/>
+                <a:cs typeface="Times New Roman" panose="02020603050405020304" pitchFamily="18" charset="0"/>
+              </a:rPr>
+              <a:t>addFunctions</a:t>
+            </a:r>
+            <a:r>
+              <a:rPr lang="ru-RU" sz="2200" i="1" dirty="0">
+                <a:solidFill>
+                  <a:srgbClr val="000000"/>
+                </a:solidFill>
+                <a:effectLst/>
+                <a:latin typeface="Times New Roman" panose="02020603050405020304" pitchFamily="18" charset="0"/>
+                <a:ea typeface="Arial" panose="020B0604020202020204" pitchFamily="34" charset="0"/>
+                <a:cs typeface="Times New Roman" panose="02020603050405020304" pitchFamily="18" charset="0"/>
+              </a:rPr>
+              <a:t>”</a:t>
+            </a:r>
+            <a:r>
+              <a:rPr lang="ru-RU" sz="2200" dirty="0">
+                <a:solidFill>
+                  <a:srgbClr val="000000"/>
+                </a:solidFill>
+                <a:effectLst/>
+                <a:latin typeface="Times New Roman" panose="02020603050405020304" pitchFamily="18" charset="0"/>
+                <a:ea typeface="Arial" panose="020B0604020202020204" pitchFamily="34" charset="0"/>
+                <a:cs typeface="Times New Roman" panose="02020603050405020304" pitchFamily="18" charset="0"/>
+              </a:rPr>
+              <a:t> привяжем функцию </a:t>
+            </a:r>
+            <a:r>
+              <a:rPr lang="ru-RU" sz="2200" i="1" dirty="0">
+                <a:solidFill>
+                  <a:srgbClr val="000000"/>
+                </a:solidFill>
+                <a:effectLst/>
+                <a:latin typeface="Times New Roman" panose="02020603050405020304" pitchFamily="18" charset="0"/>
+                <a:ea typeface="Arial" panose="020B0604020202020204" pitchFamily="34" charset="0"/>
+                <a:cs typeface="Times New Roman" panose="02020603050405020304" pitchFamily="18" charset="0"/>
+              </a:rPr>
+              <a:t>“</a:t>
+            </a:r>
+            <a:r>
+              <a:rPr lang="ru-RU" sz="2200" i="1" dirty="0" err="1">
+                <a:solidFill>
+                  <a:srgbClr val="000000"/>
+                </a:solidFill>
+                <a:effectLst/>
+                <a:latin typeface="Times New Roman" panose="02020603050405020304" pitchFamily="18" charset="0"/>
+                <a:ea typeface="Arial" panose="020B0604020202020204" pitchFamily="34" charset="0"/>
+                <a:cs typeface="Times New Roman" panose="02020603050405020304" pitchFamily="18" charset="0"/>
+              </a:rPr>
+              <a:t>MainProtocol</a:t>
+            </a:r>
+            <a:r>
+              <a:rPr lang="ru-RU" sz="2200" i="1" dirty="0">
+                <a:solidFill>
+                  <a:srgbClr val="000000"/>
+                </a:solidFill>
+                <a:effectLst/>
+                <a:latin typeface="Times New Roman" panose="02020603050405020304" pitchFamily="18" charset="0"/>
+                <a:ea typeface="Arial" panose="020B0604020202020204" pitchFamily="34" charset="0"/>
+                <a:cs typeface="Times New Roman" panose="02020603050405020304" pitchFamily="18" charset="0"/>
+              </a:rPr>
+              <a:t>”</a:t>
+            </a:r>
+            <a:r>
+              <a:rPr lang="ru-RU" sz="2200" dirty="0">
+                <a:solidFill>
+                  <a:srgbClr val="000000"/>
+                </a:solidFill>
+                <a:effectLst/>
+                <a:latin typeface="Times New Roman" panose="02020603050405020304" pitchFamily="18" charset="0"/>
+                <a:ea typeface="Arial" panose="020B0604020202020204" pitchFamily="34" charset="0"/>
+                <a:cs typeface="Times New Roman" panose="02020603050405020304" pitchFamily="18" charset="0"/>
+              </a:rPr>
+              <a:t> к кнопкам начального меню. Пропишем скрывание начальных кнопок.</a:t>
+            </a:r>
+            <a:endParaRPr lang="en-US" sz="2200" dirty="0">
+              <a:solidFill>
+                <a:srgbClr val="000000"/>
+              </a:solidFill>
+              <a:effectLst/>
+              <a:latin typeface="Times New Roman" panose="02020603050405020304" pitchFamily="18" charset="0"/>
+              <a:ea typeface="Arial" panose="020B0604020202020204" pitchFamily="34" charset="0"/>
+              <a:cs typeface="Times New Roman" panose="02020603050405020304" pitchFamily="18" charset="0"/>
+            </a:endParaRPr>
+          </a:p>
+          <a:p>
+            <a:pPr>
+              <a:lnSpc>
+                <a:spcPct val="100000"/>
+              </a:lnSpc>
+            </a:pPr>
+            <a:r>
+              <a:rPr lang="ru-RU" sz="2200" dirty="0">
+                <a:solidFill>
+                  <a:srgbClr val="000000"/>
+                </a:solidFill>
+                <a:effectLst/>
+                <a:latin typeface="Times New Roman" panose="02020603050405020304" pitchFamily="18" charset="0"/>
+                <a:ea typeface="Arial" panose="020B0604020202020204" pitchFamily="34" charset="0"/>
+                <a:cs typeface="Times New Roman" panose="02020603050405020304" pitchFamily="18" charset="0"/>
+              </a:rPr>
+              <a:t>Создадим элементы тренировочного меню</a:t>
+            </a:r>
+            <a:r>
+              <a:rPr lang="en-US" sz="2200" dirty="0">
+                <a:solidFill>
+                  <a:srgbClr val="000000"/>
+                </a:solidFill>
+                <a:effectLst/>
+                <a:latin typeface="Times New Roman" panose="02020603050405020304" pitchFamily="18" charset="0"/>
+                <a:ea typeface="Arial" panose="020B0604020202020204" pitchFamily="34" charset="0"/>
+                <a:cs typeface="Times New Roman" panose="02020603050405020304" pitchFamily="18" charset="0"/>
+              </a:rPr>
+              <a:t>: </a:t>
+            </a:r>
+            <a:r>
+              <a:rPr lang="ru-RU" sz="2200" dirty="0">
+                <a:solidFill>
+                  <a:srgbClr val="000000"/>
+                </a:solidFill>
+                <a:effectLst/>
+                <a:latin typeface="Times New Roman" panose="02020603050405020304" pitchFamily="18" charset="0"/>
+                <a:ea typeface="Arial" panose="020B0604020202020204" pitchFamily="34" charset="0"/>
+                <a:cs typeface="Times New Roman" panose="02020603050405020304" pitchFamily="18" charset="0"/>
+              </a:rPr>
+              <a:t>поле вывода химического соединения </a:t>
+            </a:r>
+            <a:r>
+              <a:rPr lang="ru-RU" sz="2200" i="1" dirty="0">
+                <a:solidFill>
+                  <a:srgbClr val="000000"/>
+                </a:solidFill>
+                <a:effectLst/>
+                <a:latin typeface="Times New Roman" panose="02020603050405020304" pitchFamily="18" charset="0"/>
+                <a:ea typeface="Arial" panose="020B0604020202020204" pitchFamily="34" charset="0"/>
+                <a:cs typeface="Times New Roman" panose="02020603050405020304" pitchFamily="18" charset="0"/>
+              </a:rPr>
+              <a:t>“</a:t>
+            </a:r>
+            <a:r>
+              <a:rPr lang="ru-RU" sz="2200" i="1" dirty="0" err="1">
+                <a:solidFill>
+                  <a:srgbClr val="000000"/>
+                </a:solidFill>
+                <a:effectLst/>
+                <a:latin typeface="Times New Roman" panose="02020603050405020304" pitchFamily="18" charset="0"/>
+                <a:ea typeface="Arial" panose="020B0604020202020204" pitchFamily="34" charset="0"/>
+                <a:cs typeface="Times New Roman" panose="02020603050405020304" pitchFamily="18" charset="0"/>
+              </a:rPr>
+              <a:t>gameLabel</a:t>
+            </a:r>
+            <a:r>
+              <a:rPr lang="ru-RU" sz="2200" i="1" dirty="0">
+                <a:solidFill>
+                  <a:srgbClr val="000000"/>
+                </a:solidFill>
+                <a:effectLst/>
+                <a:latin typeface="Times New Roman" panose="02020603050405020304" pitchFamily="18" charset="0"/>
+                <a:ea typeface="Arial" panose="020B0604020202020204" pitchFamily="34" charset="0"/>
+                <a:cs typeface="Times New Roman" panose="02020603050405020304" pitchFamily="18" charset="0"/>
+              </a:rPr>
+              <a:t>”</a:t>
+            </a:r>
+            <a:r>
+              <a:rPr lang="ru-RU" sz="2200" dirty="0">
+                <a:solidFill>
+                  <a:srgbClr val="000000"/>
+                </a:solidFill>
+                <a:effectLst/>
+                <a:latin typeface="Times New Roman" panose="02020603050405020304" pitchFamily="18" charset="0"/>
+                <a:ea typeface="Arial" panose="020B0604020202020204" pitchFamily="34" charset="0"/>
+                <a:cs typeface="Times New Roman" panose="02020603050405020304" pitchFamily="18" charset="0"/>
+              </a:rPr>
+              <a:t>, поле для ввода ответа </a:t>
+            </a:r>
+            <a:r>
+              <a:rPr lang="ru-RU" sz="2200" i="1" dirty="0">
+                <a:solidFill>
+                  <a:srgbClr val="000000"/>
+                </a:solidFill>
+                <a:effectLst/>
+                <a:latin typeface="Times New Roman" panose="02020603050405020304" pitchFamily="18" charset="0"/>
+                <a:ea typeface="Arial" panose="020B0604020202020204" pitchFamily="34" charset="0"/>
+                <a:cs typeface="Times New Roman" panose="02020603050405020304" pitchFamily="18" charset="0"/>
+              </a:rPr>
+              <a:t>“</a:t>
+            </a:r>
+            <a:r>
+              <a:rPr lang="ru-RU" sz="2200" i="1" dirty="0" err="1">
+                <a:solidFill>
+                  <a:srgbClr val="000000"/>
+                </a:solidFill>
+                <a:effectLst/>
+                <a:latin typeface="Times New Roman" panose="02020603050405020304" pitchFamily="18" charset="0"/>
+                <a:ea typeface="Arial" panose="020B0604020202020204" pitchFamily="34" charset="0"/>
+                <a:cs typeface="Times New Roman" panose="02020603050405020304" pitchFamily="18" charset="0"/>
+              </a:rPr>
+              <a:t>requestLine</a:t>
+            </a:r>
+            <a:r>
+              <a:rPr lang="ru-RU" sz="2200" i="1" dirty="0">
+                <a:solidFill>
+                  <a:srgbClr val="000000"/>
+                </a:solidFill>
+                <a:effectLst/>
+                <a:latin typeface="Times New Roman" panose="02020603050405020304" pitchFamily="18" charset="0"/>
+                <a:ea typeface="Arial" panose="020B0604020202020204" pitchFamily="34" charset="0"/>
+                <a:cs typeface="Times New Roman" panose="02020603050405020304" pitchFamily="18" charset="0"/>
+              </a:rPr>
+              <a:t>”</a:t>
+            </a:r>
+            <a:r>
+              <a:rPr lang="ru-RU" sz="2200" dirty="0">
+                <a:solidFill>
+                  <a:srgbClr val="000000"/>
+                </a:solidFill>
+                <a:effectLst/>
+                <a:latin typeface="Times New Roman" panose="02020603050405020304" pitchFamily="18" charset="0"/>
+                <a:ea typeface="Arial" panose="020B0604020202020204" pitchFamily="34" charset="0"/>
+                <a:cs typeface="Times New Roman" panose="02020603050405020304" pitchFamily="18" charset="0"/>
+              </a:rPr>
+              <a:t>, кнопку для проверки ответа </a:t>
+            </a:r>
+            <a:r>
+              <a:rPr lang="ru-RU" sz="2200" i="1" dirty="0">
+                <a:solidFill>
+                  <a:srgbClr val="000000"/>
+                </a:solidFill>
+                <a:effectLst/>
+                <a:latin typeface="Times New Roman" panose="02020603050405020304" pitchFamily="18" charset="0"/>
+                <a:ea typeface="Arial" panose="020B0604020202020204" pitchFamily="34" charset="0"/>
+                <a:cs typeface="Times New Roman" panose="02020603050405020304" pitchFamily="18" charset="0"/>
+              </a:rPr>
+              <a:t>“</a:t>
+            </a:r>
+            <a:r>
+              <a:rPr lang="ru-RU" sz="2200" i="1" dirty="0" err="1">
+                <a:solidFill>
+                  <a:srgbClr val="000000"/>
+                </a:solidFill>
+                <a:effectLst/>
+                <a:latin typeface="Times New Roman" panose="02020603050405020304" pitchFamily="18" charset="0"/>
+                <a:ea typeface="Arial" panose="020B0604020202020204" pitchFamily="34" charset="0"/>
+                <a:cs typeface="Times New Roman" panose="02020603050405020304" pitchFamily="18" charset="0"/>
+              </a:rPr>
+              <a:t>btn_go</a:t>
+            </a:r>
+            <a:r>
+              <a:rPr lang="ru-RU" sz="2200" i="1" dirty="0">
+                <a:solidFill>
+                  <a:srgbClr val="000000"/>
+                </a:solidFill>
+                <a:effectLst/>
+                <a:latin typeface="Times New Roman" panose="02020603050405020304" pitchFamily="18" charset="0"/>
+                <a:ea typeface="Arial" panose="020B0604020202020204" pitchFamily="34" charset="0"/>
+                <a:cs typeface="Times New Roman" panose="02020603050405020304" pitchFamily="18" charset="0"/>
+              </a:rPr>
+              <a:t>”</a:t>
+            </a:r>
+            <a:r>
+              <a:rPr lang="ru-RU" sz="2200" dirty="0">
+                <a:solidFill>
+                  <a:srgbClr val="000000"/>
+                </a:solidFill>
+                <a:effectLst/>
+                <a:latin typeface="Times New Roman" panose="02020603050405020304" pitchFamily="18" charset="0"/>
+                <a:ea typeface="Arial" panose="020B0604020202020204" pitchFamily="34" charset="0"/>
+                <a:cs typeface="Times New Roman" panose="02020603050405020304" pitchFamily="18" charset="0"/>
+              </a:rPr>
+              <a:t> и кнопку для возврата к начальному меню </a:t>
+            </a:r>
+            <a:r>
+              <a:rPr lang="ru-RU" sz="2200" i="1" dirty="0">
+                <a:solidFill>
+                  <a:srgbClr val="000000"/>
+                </a:solidFill>
+                <a:effectLst/>
+                <a:latin typeface="Times New Roman" panose="02020603050405020304" pitchFamily="18" charset="0"/>
+                <a:ea typeface="Arial" panose="020B0604020202020204" pitchFamily="34" charset="0"/>
+                <a:cs typeface="Times New Roman" panose="02020603050405020304" pitchFamily="18" charset="0"/>
+              </a:rPr>
+              <a:t>“</a:t>
+            </a:r>
+            <a:r>
+              <a:rPr lang="ru-RU" sz="2200" i="1" dirty="0" err="1">
+                <a:solidFill>
+                  <a:srgbClr val="000000"/>
+                </a:solidFill>
+                <a:effectLst/>
+                <a:latin typeface="Times New Roman" panose="02020603050405020304" pitchFamily="18" charset="0"/>
+                <a:ea typeface="Arial" panose="020B0604020202020204" pitchFamily="34" charset="0"/>
+                <a:cs typeface="Times New Roman" panose="02020603050405020304" pitchFamily="18" charset="0"/>
+              </a:rPr>
+              <a:t>btn_Back</a:t>
+            </a:r>
+            <a:r>
+              <a:rPr lang="ru-RU" sz="2200" i="1" dirty="0">
+                <a:solidFill>
+                  <a:srgbClr val="000000"/>
+                </a:solidFill>
+                <a:effectLst/>
+                <a:latin typeface="Times New Roman" panose="02020603050405020304" pitchFamily="18" charset="0"/>
+                <a:ea typeface="Arial" panose="020B0604020202020204" pitchFamily="34" charset="0"/>
+                <a:cs typeface="Times New Roman" panose="02020603050405020304" pitchFamily="18" charset="0"/>
+              </a:rPr>
+              <a:t>”</a:t>
+            </a:r>
+            <a:r>
+              <a:rPr lang="ru-RU" sz="2200" dirty="0">
+                <a:solidFill>
+                  <a:srgbClr val="000000"/>
+                </a:solidFill>
+                <a:effectLst/>
+                <a:latin typeface="Times New Roman" panose="02020603050405020304" pitchFamily="18" charset="0"/>
+                <a:ea typeface="Arial" panose="020B0604020202020204" pitchFamily="34" charset="0"/>
+                <a:cs typeface="Times New Roman" panose="02020603050405020304" pitchFamily="18" charset="0"/>
+              </a:rPr>
+              <a:t>.</a:t>
+            </a:r>
+            <a:endParaRPr lang="ru-RU" sz="2200" dirty="0">
+              <a:latin typeface="Times New Roman" panose="02020603050405020304" pitchFamily="18" charset="0"/>
+              <a:cs typeface="Times New Roman" panose="02020603050405020304" pitchFamily="18" charset="0"/>
+            </a:endParaRPr>
+          </a:p>
+        </p:txBody>
+      </p:sp>
+      <p:pic>
+        <p:nvPicPr>
+          <p:cNvPr id="7" name="Рисунок 6">
+            <a:extLst>
+              <a:ext uri="{FF2B5EF4-FFF2-40B4-BE49-F238E27FC236}">
+                <a16:creationId xmlns:a16="http://schemas.microsoft.com/office/drawing/2014/main" id="{F34D7CC6-234D-4FE6-BFAD-49DF13C3AA43}"/>
+              </a:ext>
+            </a:extLst>
+          </p:cNvPr>
+          <p:cNvPicPr>
+            <a:picLocks noChangeAspect="1"/>
+          </p:cNvPicPr>
+          <p:nvPr/>
+        </p:nvPicPr>
+        <p:blipFill>
+          <a:blip r:embed="rId2">
+            <a:extLst>
+              <a:ext uri="{28A0092B-C50C-407E-A947-70E740481C1C}">
+                <a14:useLocalDpi xmlns:a14="http://schemas.microsoft.com/office/drawing/2010/main" val="0"/>
+              </a:ext>
+            </a:extLst>
+          </a:blip>
+          <a:stretch>
+            <a:fillRect/>
+          </a:stretch>
+        </p:blipFill>
+        <p:spPr>
+          <a:xfrm>
+            <a:off x="7377344" y="1453158"/>
+            <a:ext cx="4538212" cy="4894375"/>
+          </a:xfrm>
+          <a:prstGeom prst="rect">
+            <a:avLst/>
+          </a:prstGeom>
+        </p:spPr>
+      </p:pic>
+    </p:spTree>
+    <p:extLst>
+      <p:ext uri="{BB962C8B-B14F-4D97-AF65-F5344CB8AC3E}">
+        <p14:creationId xmlns:p14="http://schemas.microsoft.com/office/powerpoint/2010/main" val="2613310092"/>
+      </p:ext>
+    </p:extLst>
+  </p:cSld>
+  <p:clrMapOvr>
+    <a:masterClrMapping/>
+  </p:clrMapOvr>
+</p:sld>
+</file>
+
+<file path=ppt/slides/slide12.xml><?xml version="1.0" encoding="utf-8"?>
+<p:sld xmlns:a="http://schemas.openxmlformats.org/drawingml/2006/main" xmlns:r="http://schemas.openxmlformats.org/officeDocument/2006/relationships" xmlns:p="http://schemas.openxmlformats.org/presentationml/2006/main">
+  <p:cSld>
+    <p:spTree>
+      <p:nvGrpSpPr>
+        <p:cNvPr id="1" name=""/>
+        <p:cNvGrpSpPr/>
+        <p:nvPr/>
+      </p:nvGrpSpPr>
+      <p:grpSpPr>
+        <a:xfrm>
+          <a:off x="0" y="0"/>
+          <a:ext cx="0" cy="0"/>
+          <a:chOff x="0" y="0"/>
+          <a:chExt cx="0" cy="0"/>
+        </a:xfrm>
+      </p:grpSpPr>
+      <p:sp>
+        <p:nvSpPr>
+          <p:cNvPr id="2" name="Заголовок 1">
+            <a:extLst>
+              <a:ext uri="{FF2B5EF4-FFF2-40B4-BE49-F238E27FC236}">
+                <a16:creationId xmlns:a16="http://schemas.microsoft.com/office/drawing/2014/main" id="{C9117489-2676-4BD6-AD98-3ACF4360CFDD}"/>
+              </a:ext>
+            </a:extLst>
+          </p:cNvPr>
+          <p:cNvSpPr>
+            <a:spLocks noGrp="1"/>
+          </p:cNvSpPr>
+          <p:nvPr>
+            <p:ph type="title"/>
+          </p:nvPr>
+        </p:nvSpPr>
+        <p:spPr>
+          <a:xfrm>
+            <a:off x="838200" y="239697"/>
+            <a:ext cx="9619695" cy="935454"/>
+          </a:xfrm>
+        </p:spPr>
+        <p:txBody>
+          <a:bodyPr>
+            <a:noAutofit/>
+          </a:bodyPr>
+          <a:lstStyle/>
+          <a:p>
+            <a:pPr algn="ctr"/>
+            <a:r>
+              <a:rPr lang="ru-RU" sz="3600" dirty="0">
+                <a:latin typeface="Times New Roman" panose="02020603050405020304" pitchFamily="18" charset="0"/>
+                <a:cs typeface="Times New Roman" panose="02020603050405020304" pitchFamily="18" charset="0"/>
+              </a:rPr>
+              <a:t>Создание алгоритма </a:t>
+            </a:r>
+            <a:r>
+              <a:rPr lang="ru-RU" sz="3600" dirty="0">
+                <a:solidFill>
+                  <a:srgbClr val="000000"/>
+                </a:solidFill>
+                <a:effectLst/>
+                <a:latin typeface="Times New Roman" panose="02020603050405020304" pitchFamily="18" charset="0"/>
+                <a:ea typeface="Times New Roman" panose="02020603050405020304" pitchFamily="18" charset="0"/>
+                <a:cs typeface="Times New Roman" panose="02020603050405020304" pitchFamily="18" charset="0"/>
+              </a:rPr>
+              <a:t>выбора файла с соединениями и их признаками. </a:t>
+            </a:r>
+            <a:endParaRPr lang="ru-RU" sz="3600" dirty="0">
+              <a:latin typeface="Times New Roman" panose="02020603050405020304" pitchFamily="18" charset="0"/>
+              <a:cs typeface="Times New Roman" panose="02020603050405020304" pitchFamily="18" charset="0"/>
+            </a:endParaRPr>
+          </a:p>
+        </p:txBody>
+      </p:sp>
+      <p:sp>
+        <p:nvSpPr>
+          <p:cNvPr id="3" name="Объект 2">
+            <a:extLst>
+              <a:ext uri="{FF2B5EF4-FFF2-40B4-BE49-F238E27FC236}">
+                <a16:creationId xmlns:a16="http://schemas.microsoft.com/office/drawing/2014/main" id="{1A56721E-10B5-4884-A8A9-89610B6A634D}"/>
+              </a:ext>
+            </a:extLst>
+          </p:cNvPr>
+          <p:cNvSpPr>
+            <a:spLocks noGrp="1"/>
+          </p:cNvSpPr>
+          <p:nvPr>
+            <p:ph idx="1"/>
+          </p:nvPr>
+        </p:nvSpPr>
+        <p:spPr>
+          <a:xfrm>
+            <a:off x="506027" y="1500326"/>
+            <a:ext cx="11354540" cy="4873841"/>
+          </a:xfrm>
+        </p:spPr>
+        <p:txBody>
+          <a:bodyPr>
+            <a:noAutofit/>
+          </a:bodyPr>
+          <a:lstStyle/>
+          <a:p>
+            <a:pPr>
+              <a:lnSpc>
+                <a:spcPct val="100000"/>
+              </a:lnSpc>
+            </a:pPr>
+            <a:r>
+              <a:rPr lang="ru-RU" sz="2200" dirty="0">
+                <a:solidFill>
+                  <a:srgbClr val="000000"/>
+                </a:solidFill>
+                <a:effectLst/>
+                <a:latin typeface="Times New Roman" panose="02020603050405020304" pitchFamily="18" charset="0"/>
+                <a:ea typeface="Times New Roman" panose="02020603050405020304" pitchFamily="18" charset="0"/>
+              </a:rPr>
+              <a:t>Дальше создадим алгоритм выбора файла с соединениями и их признаками. В зависимости от нажатой на начальном меню кнопки будет выбран соответствующий файл. </a:t>
+            </a:r>
+            <a:endParaRPr lang="en-US" sz="2200" dirty="0">
+              <a:solidFill>
+                <a:srgbClr val="000000"/>
+              </a:solidFill>
+              <a:effectLst/>
+              <a:latin typeface="Times New Roman" panose="02020603050405020304" pitchFamily="18" charset="0"/>
+              <a:ea typeface="Times New Roman" panose="02020603050405020304" pitchFamily="18" charset="0"/>
+            </a:endParaRPr>
+          </a:p>
+          <a:p>
+            <a:pPr>
+              <a:lnSpc>
+                <a:spcPct val="100000"/>
+              </a:lnSpc>
+            </a:pPr>
+            <a:r>
+              <a:rPr lang="ru-RU" sz="2200" dirty="0">
+                <a:solidFill>
+                  <a:srgbClr val="000000"/>
+                </a:solidFill>
+                <a:effectLst/>
+                <a:latin typeface="Times New Roman" panose="02020603050405020304" pitchFamily="18" charset="0"/>
+                <a:ea typeface="Times New Roman" panose="02020603050405020304" pitchFamily="18" charset="0"/>
+              </a:rPr>
+              <a:t>При нажатии на кнопку </a:t>
+            </a:r>
+            <a:r>
+              <a:rPr lang="ru-RU" sz="2200" i="1" dirty="0">
+                <a:solidFill>
+                  <a:srgbClr val="000000"/>
+                </a:solidFill>
+                <a:effectLst/>
+                <a:latin typeface="Times New Roman" panose="02020603050405020304" pitchFamily="18" charset="0"/>
+                <a:ea typeface="Times New Roman" panose="02020603050405020304" pitchFamily="18" charset="0"/>
+              </a:rPr>
+              <a:t>“</a:t>
+            </a:r>
+            <a:r>
+              <a:rPr lang="ru-RU" sz="2200" i="1" dirty="0" err="1">
+                <a:solidFill>
+                  <a:srgbClr val="000000"/>
+                </a:solidFill>
+                <a:effectLst/>
+                <a:latin typeface="Times New Roman" panose="02020603050405020304" pitchFamily="18" charset="0"/>
+                <a:ea typeface="Times New Roman" panose="02020603050405020304" pitchFamily="18" charset="0"/>
+              </a:rPr>
+              <a:t>btn_All</a:t>
+            </a:r>
+            <a:r>
+              <a:rPr lang="ru-RU" sz="2200" i="1" dirty="0">
+                <a:solidFill>
+                  <a:srgbClr val="000000"/>
+                </a:solidFill>
+                <a:effectLst/>
+                <a:latin typeface="Times New Roman" panose="02020603050405020304" pitchFamily="18" charset="0"/>
+                <a:ea typeface="Times New Roman" panose="02020603050405020304" pitchFamily="18" charset="0"/>
+              </a:rPr>
+              <a:t>”</a:t>
+            </a:r>
+            <a:r>
+              <a:rPr lang="ru-RU" sz="2200" dirty="0">
+                <a:solidFill>
+                  <a:srgbClr val="000000"/>
+                </a:solidFill>
+                <a:effectLst/>
+                <a:latin typeface="Times New Roman" panose="02020603050405020304" pitchFamily="18" charset="0"/>
+                <a:ea typeface="Times New Roman" panose="02020603050405020304" pitchFamily="18" charset="0"/>
+              </a:rPr>
+              <a:t> (С надписью “Весь список”) будет выбран файл “FullProtocol.txt”, в котором находятся все собранные соединения и их признаки. </a:t>
+            </a:r>
+            <a:endParaRPr lang="en-US" sz="2200" dirty="0">
+              <a:solidFill>
+                <a:srgbClr val="000000"/>
+              </a:solidFill>
+              <a:effectLst/>
+              <a:latin typeface="Times New Roman" panose="02020603050405020304" pitchFamily="18" charset="0"/>
+              <a:ea typeface="Times New Roman" panose="02020603050405020304" pitchFamily="18" charset="0"/>
+            </a:endParaRPr>
+          </a:p>
+          <a:p>
+            <a:pPr>
+              <a:lnSpc>
+                <a:spcPct val="100000"/>
+              </a:lnSpc>
+            </a:pPr>
+            <a:r>
+              <a:rPr lang="ru-RU" sz="2200" dirty="0">
+                <a:solidFill>
+                  <a:srgbClr val="000000"/>
+                </a:solidFill>
+                <a:effectLst/>
+                <a:latin typeface="Times New Roman" panose="02020603050405020304" pitchFamily="18" charset="0"/>
+                <a:ea typeface="Times New Roman" panose="02020603050405020304" pitchFamily="18" charset="0"/>
+              </a:rPr>
+              <a:t>Аналогично для кнопки </a:t>
+            </a:r>
+            <a:r>
+              <a:rPr lang="ru-RU" sz="2200" i="1" dirty="0">
+                <a:solidFill>
+                  <a:srgbClr val="000000"/>
+                </a:solidFill>
+                <a:effectLst/>
+                <a:latin typeface="Times New Roman" panose="02020603050405020304" pitchFamily="18" charset="0"/>
+                <a:ea typeface="Times New Roman" panose="02020603050405020304" pitchFamily="18" charset="0"/>
+              </a:rPr>
+              <a:t>“</a:t>
+            </a:r>
+            <a:r>
+              <a:rPr lang="ru-RU" sz="2200" i="1" dirty="0" err="1">
+                <a:solidFill>
+                  <a:srgbClr val="000000"/>
+                </a:solidFill>
+                <a:effectLst/>
+                <a:latin typeface="Times New Roman" panose="02020603050405020304" pitchFamily="18" charset="0"/>
+                <a:ea typeface="Times New Roman" panose="02020603050405020304" pitchFamily="18" charset="0"/>
+              </a:rPr>
+              <a:t>btn_OGE</a:t>
+            </a:r>
+            <a:r>
+              <a:rPr lang="ru-RU" sz="2200" i="1" dirty="0">
+                <a:solidFill>
+                  <a:srgbClr val="000000"/>
+                </a:solidFill>
+                <a:effectLst/>
+                <a:latin typeface="Times New Roman" panose="02020603050405020304" pitchFamily="18" charset="0"/>
+                <a:ea typeface="Times New Roman" panose="02020603050405020304" pitchFamily="18" charset="0"/>
+              </a:rPr>
+              <a:t>”</a:t>
+            </a:r>
+            <a:r>
+              <a:rPr lang="ru-RU" sz="2200" dirty="0">
+                <a:solidFill>
+                  <a:srgbClr val="000000"/>
+                </a:solidFill>
+                <a:effectLst/>
+                <a:latin typeface="Times New Roman" panose="02020603050405020304" pitchFamily="18" charset="0"/>
+                <a:ea typeface="Times New Roman" panose="02020603050405020304" pitchFamily="18" charset="0"/>
+              </a:rPr>
+              <a:t> (С надписью “ОГЭ”) будет выбран файл “OGEProtocol.txt”, в котором находятся все соединения и их признаки, нужные для сдачи основного государственного экзамена.</a:t>
+            </a:r>
+            <a:endParaRPr lang="en-US" sz="2200" dirty="0">
+              <a:solidFill>
+                <a:srgbClr val="000000"/>
+              </a:solidFill>
+              <a:effectLst/>
+              <a:latin typeface="Times New Roman" panose="02020603050405020304" pitchFamily="18" charset="0"/>
+              <a:ea typeface="Times New Roman" panose="02020603050405020304" pitchFamily="18" charset="0"/>
+            </a:endParaRPr>
+          </a:p>
+          <a:p>
+            <a:pPr>
+              <a:lnSpc>
+                <a:spcPct val="100000"/>
+              </a:lnSpc>
+            </a:pPr>
+            <a:r>
+              <a:rPr lang="ru-RU" sz="2200" dirty="0">
+                <a:solidFill>
+                  <a:srgbClr val="000000"/>
+                </a:solidFill>
+                <a:effectLst/>
+                <a:latin typeface="Times New Roman" panose="02020603050405020304" pitchFamily="18" charset="0"/>
+                <a:ea typeface="Times New Roman" panose="02020603050405020304" pitchFamily="18" charset="0"/>
+              </a:rPr>
+              <a:t>Для кнопки </a:t>
+            </a:r>
+            <a:r>
+              <a:rPr lang="ru-RU" sz="2200" i="1" dirty="0">
+                <a:solidFill>
+                  <a:srgbClr val="000000"/>
+                </a:solidFill>
+                <a:effectLst/>
+                <a:latin typeface="Times New Roman" panose="02020603050405020304" pitchFamily="18" charset="0"/>
+                <a:ea typeface="Times New Roman" panose="02020603050405020304" pitchFamily="18" charset="0"/>
+              </a:rPr>
+              <a:t>“</a:t>
+            </a:r>
+            <a:r>
+              <a:rPr lang="ru-RU" sz="2200" i="1" dirty="0" err="1">
+                <a:solidFill>
+                  <a:srgbClr val="000000"/>
+                </a:solidFill>
+                <a:effectLst/>
+                <a:latin typeface="Times New Roman" panose="02020603050405020304" pitchFamily="18" charset="0"/>
+                <a:ea typeface="Times New Roman" panose="02020603050405020304" pitchFamily="18" charset="0"/>
+              </a:rPr>
+              <a:t>btn_EGE</a:t>
+            </a:r>
+            <a:r>
+              <a:rPr lang="ru-RU" sz="2200" i="1" dirty="0">
+                <a:solidFill>
+                  <a:srgbClr val="000000"/>
+                </a:solidFill>
+                <a:effectLst/>
+                <a:latin typeface="Times New Roman" panose="02020603050405020304" pitchFamily="18" charset="0"/>
+                <a:ea typeface="Times New Roman" panose="02020603050405020304" pitchFamily="18" charset="0"/>
+              </a:rPr>
+              <a:t>”</a:t>
+            </a:r>
+            <a:r>
+              <a:rPr lang="ru-RU" sz="2200" dirty="0">
+                <a:solidFill>
+                  <a:srgbClr val="000000"/>
+                </a:solidFill>
+                <a:effectLst/>
+                <a:latin typeface="Times New Roman" panose="02020603050405020304" pitchFamily="18" charset="0"/>
+                <a:ea typeface="Times New Roman" panose="02020603050405020304" pitchFamily="18" charset="0"/>
+              </a:rPr>
+              <a:t> (С надписью “ЕГЭ”) будет выбран файл “EGEProtocol.txt”, в котором находятся все соединения и их признаки, нужные для сдачи единого государственного экзамена. </a:t>
+            </a:r>
+            <a:endParaRPr lang="en-US" sz="2200" dirty="0">
+              <a:solidFill>
+                <a:srgbClr val="000000"/>
+              </a:solidFill>
+              <a:effectLst/>
+              <a:latin typeface="Times New Roman" panose="02020603050405020304" pitchFamily="18" charset="0"/>
+              <a:ea typeface="Times New Roman" panose="02020603050405020304" pitchFamily="18" charset="0"/>
+            </a:endParaRPr>
+          </a:p>
+          <a:p>
+            <a:pPr>
+              <a:lnSpc>
+                <a:spcPct val="100000"/>
+              </a:lnSpc>
+            </a:pPr>
+            <a:r>
+              <a:rPr lang="ru-RU" sz="2200" dirty="0">
+                <a:solidFill>
+                  <a:srgbClr val="000000"/>
+                </a:solidFill>
+                <a:effectLst/>
+                <a:latin typeface="Times New Roman" panose="02020603050405020304" pitchFamily="18" charset="0"/>
+                <a:ea typeface="Times New Roman" panose="02020603050405020304" pitchFamily="18" charset="0"/>
+              </a:rPr>
+              <a:t>Далее будет случайно выбрано соединение и показано в поле для вывода химического соединения </a:t>
+            </a:r>
+            <a:r>
+              <a:rPr lang="ru-RU" sz="2200" i="1" dirty="0">
+                <a:solidFill>
+                  <a:srgbClr val="000000"/>
+                </a:solidFill>
+                <a:effectLst/>
+                <a:latin typeface="Times New Roman" panose="02020603050405020304" pitchFamily="18" charset="0"/>
+                <a:ea typeface="Times New Roman" panose="02020603050405020304" pitchFamily="18" charset="0"/>
+              </a:rPr>
+              <a:t>“</a:t>
+            </a:r>
+            <a:r>
+              <a:rPr lang="ru-RU" sz="2200" i="1" dirty="0" err="1">
+                <a:solidFill>
+                  <a:srgbClr val="000000"/>
+                </a:solidFill>
+                <a:effectLst/>
+                <a:latin typeface="Times New Roman" panose="02020603050405020304" pitchFamily="18" charset="0"/>
+                <a:ea typeface="Times New Roman" panose="02020603050405020304" pitchFamily="18" charset="0"/>
+              </a:rPr>
+              <a:t>gameLabel</a:t>
+            </a:r>
+            <a:r>
+              <a:rPr lang="ru-RU" sz="2200" i="1" dirty="0">
+                <a:solidFill>
+                  <a:srgbClr val="000000"/>
+                </a:solidFill>
+                <a:effectLst/>
+                <a:latin typeface="Times New Roman" panose="02020603050405020304" pitchFamily="18" charset="0"/>
+                <a:ea typeface="Times New Roman" panose="02020603050405020304" pitchFamily="18" charset="0"/>
+              </a:rPr>
+              <a:t>”</a:t>
+            </a:r>
+            <a:r>
+              <a:rPr lang="ru-RU" sz="2200" dirty="0">
+                <a:solidFill>
+                  <a:srgbClr val="000000"/>
+                </a:solidFill>
+                <a:effectLst/>
+                <a:latin typeface="Times New Roman" panose="02020603050405020304" pitchFamily="18" charset="0"/>
+                <a:ea typeface="Times New Roman" panose="02020603050405020304" pitchFamily="18" charset="0"/>
+              </a:rPr>
+              <a:t>.</a:t>
+            </a:r>
+            <a:endParaRPr lang="ru-RU" sz="2200" dirty="0">
+              <a:effectLst/>
+              <a:latin typeface="Times New Roman" panose="02020603050405020304" pitchFamily="18" charset="0"/>
+              <a:ea typeface="Times New Roman" panose="02020603050405020304" pitchFamily="18" charset="0"/>
+            </a:endParaRPr>
+          </a:p>
+        </p:txBody>
+      </p:sp>
+    </p:spTree>
+    <p:extLst>
+      <p:ext uri="{BB962C8B-B14F-4D97-AF65-F5344CB8AC3E}">
+        <p14:creationId xmlns:p14="http://schemas.microsoft.com/office/powerpoint/2010/main" val="3678486801"/>
+      </p:ext>
+    </p:extLst>
+  </p:cSld>
+  <p:clrMapOvr>
+    <a:masterClrMapping/>
+  </p:clrMapOvr>
+</p:sld>
+</file>
+
+<file path=ppt/slides/slide13.xml><?xml version="1.0" encoding="utf-8"?>
+<p:sld xmlns:a="http://schemas.openxmlformats.org/drawingml/2006/main" xmlns:r="http://schemas.openxmlformats.org/officeDocument/2006/relationships" xmlns:p="http://schemas.openxmlformats.org/presentationml/2006/main">
+  <p:cSld>
+    <p:spTree>
+      <p:nvGrpSpPr>
+        <p:cNvPr id="1" name=""/>
+        <p:cNvGrpSpPr/>
+        <p:nvPr/>
+      </p:nvGrpSpPr>
+      <p:grpSpPr>
+        <a:xfrm>
+          <a:off x="0" y="0"/>
+          <a:ext cx="0" cy="0"/>
+          <a:chOff x="0" y="0"/>
+          <a:chExt cx="0" cy="0"/>
+        </a:xfrm>
+      </p:grpSpPr>
+      <p:sp>
+        <p:nvSpPr>
+          <p:cNvPr id="2" name="Заголовок 1">
+            <a:extLst>
+              <a:ext uri="{FF2B5EF4-FFF2-40B4-BE49-F238E27FC236}">
+                <a16:creationId xmlns:a16="http://schemas.microsoft.com/office/drawing/2014/main" id="{39DE74BA-07EA-4E6D-BEB1-43370574E6EA}"/>
+              </a:ext>
+            </a:extLst>
+          </p:cNvPr>
+          <p:cNvSpPr>
+            <a:spLocks noGrp="1"/>
+          </p:cNvSpPr>
+          <p:nvPr>
+            <p:ph type="title"/>
+          </p:nvPr>
+        </p:nvSpPr>
+        <p:spPr>
+          <a:xfrm>
+            <a:off x="838200" y="436146"/>
+            <a:ext cx="10515600" cy="451621"/>
+          </a:xfrm>
+        </p:spPr>
+        <p:txBody>
+          <a:bodyPr>
+            <a:noAutofit/>
+          </a:bodyPr>
+          <a:lstStyle/>
+          <a:p>
+            <a:pPr algn="ctr"/>
+            <a:r>
+              <a:rPr lang="ru-RU" sz="3600" dirty="0">
+                <a:latin typeface="Times New Roman" panose="02020603050405020304" pitchFamily="18" charset="0"/>
+                <a:cs typeface="Times New Roman" panose="02020603050405020304" pitchFamily="18" charset="0"/>
+              </a:rPr>
+              <a:t>Создание элементов итогового окна</a:t>
+            </a:r>
+          </a:p>
+        </p:txBody>
+      </p:sp>
+      <p:sp>
+        <p:nvSpPr>
+          <p:cNvPr id="3" name="Объект 2">
+            <a:extLst>
+              <a:ext uri="{FF2B5EF4-FFF2-40B4-BE49-F238E27FC236}">
+                <a16:creationId xmlns:a16="http://schemas.microsoft.com/office/drawing/2014/main" id="{2763EE3A-F32E-430D-B4BF-08D3105766B7}"/>
+              </a:ext>
+            </a:extLst>
+          </p:cNvPr>
+          <p:cNvSpPr>
+            <a:spLocks noGrp="1"/>
+          </p:cNvSpPr>
+          <p:nvPr>
+            <p:ph idx="1"/>
+          </p:nvPr>
+        </p:nvSpPr>
+        <p:spPr>
+          <a:xfrm>
+            <a:off x="1308716" y="1403812"/>
+            <a:ext cx="9371120" cy="5454188"/>
+          </a:xfrm>
+        </p:spPr>
+        <p:txBody>
+          <a:bodyPr>
+            <a:normAutofit/>
+          </a:bodyPr>
+          <a:lstStyle/>
+          <a:p>
+            <a:pPr>
+              <a:lnSpc>
+                <a:spcPct val="100000"/>
+              </a:lnSpc>
+            </a:pPr>
+            <a:r>
+              <a:rPr lang="ru-RU" sz="2200" dirty="0">
+                <a:solidFill>
+                  <a:srgbClr val="000000"/>
+                </a:solidFill>
+                <a:effectLst/>
+                <a:latin typeface="Times New Roman" panose="02020603050405020304" pitchFamily="18" charset="0"/>
+                <a:ea typeface="Arial" panose="020B0604020202020204" pitchFamily="34" charset="0"/>
+                <a:cs typeface="Times New Roman" panose="02020603050405020304" pitchFamily="18" charset="0"/>
+              </a:rPr>
+              <a:t>Теперь добавим функцию </a:t>
+            </a:r>
+            <a:r>
+              <a:rPr lang="ru-RU" sz="2200" i="1" dirty="0">
+                <a:solidFill>
+                  <a:srgbClr val="000000"/>
+                </a:solidFill>
+                <a:effectLst/>
+                <a:latin typeface="Times New Roman" panose="02020603050405020304" pitchFamily="18" charset="0"/>
+                <a:ea typeface="Arial" panose="020B0604020202020204" pitchFamily="34" charset="0"/>
+                <a:cs typeface="Times New Roman" panose="02020603050405020304" pitchFamily="18" charset="0"/>
+              </a:rPr>
+              <a:t>“</a:t>
+            </a:r>
+            <a:r>
+              <a:rPr lang="ru-RU" sz="2200" i="1" dirty="0" err="1">
+                <a:solidFill>
+                  <a:srgbClr val="000000"/>
+                </a:solidFill>
+                <a:effectLst/>
+                <a:latin typeface="Times New Roman" panose="02020603050405020304" pitchFamily="18" charset="0"/>
+                <a:ea typeface="Arial" panose="020B0604020202020204" pitchFamily="34" charset="0"/>
+                <a:cs typeface="Times New Roman" panose="02020603050405020304" pitchFamily="18" charset="0"/>
+              </a:rPr>
+              <a:t>checkRequest</a:t>
+            </a:r>
+            <a:r>
+              <a:rPr lang="ru-RU" sz="2200" i="1" dirty="0">
+                <a:solidFill>
+                  <a:srgbClr val="000000"/>
+                </a:solidFill>
+                <a:effectLst/>
+                <a:latin typeface="Times New Roman" panose="02020603050405020304" pitchFamily="18" charset="0"/>
+                <a:ea typeface="Arial" panose="020B0604020202020204" pitchFamily="34" charset="0"/>
+                <a:cs typeface="Times New Roman" panose="02020603050405020304" pitchFamily="18" charset="0"/>
+              </a:rPr>
+              <a:t>”</a:t>
+            </a:r>
+            <a:r>
+              <a:rPr lang="ru-RU" sz="2200" dirty="0">
+                <a:solidFill>
+                  <a:srgbClr val="000000"/>
+                </a:solidFill>
+                <a:effectLst/>
+                <a:latin typeface="Times New Roman" panose="02020603050405020304" pitchFamily="18" charset="0"/>
+                <a:ea typeface="Arial" panose="020B0604020202020204" pitchFamily="34" charset="0"/>
+                <a:cs typeface="Times New Roman" panose="02020603050405020304" pitchFamily="18" charset="0"/>
+              </a:rPr>
+              <a:t>, которая будет проверять ответ от пользователя из поля для ввода ответа </a:t>
+            </a:r>
+            <a:r>
+              <a:rPr lang="ru-RU" sz="2200" i="1" dirty="0">
+                <a:solidFill>
+                  <a:srgbClr val="000000"/>
+                </a:solidFill>
+                <a:effectLst/>
+                <a:latin typeface="Times New Roman" panose="02020603050405020304" pitchFamily="18" charset="0"/>
+                <a:ea typeface="Arial" panose="020B0604020202020204" pitchFamily="34" charset="0"/>
+                <a:cs typeface="Times New Roman" panose="02020603050405020304" pitchFamily="18" charset="0"/>
+              </a:rPr>
+              <a:t>“</a:t>
+            </a:r>
+            <a:r>
+              <a:rPr lang="ru-RU" sz="2200" i="1" dirty="0" err="1">
+                <a:solidFill>
+                  <a:srgbClr val="000000"/>
+                </a:solidFill>
+                <a:effectLst/>
+                <a:latin typeface="Times New Roman" panose="02020603050405020304" pitchFamily="18" charset="0"/>
+                <a:ea typeface="Arial" panose="020B0604020202020204" pitchFamily="34" charset="0"/>
+                <a:cs typeface="Times New Roman" panose="02020603050405020304" pitchFamily="18" charset="0"/>
+              </a:rPr>
+              <a:t>requestLine</a:t>
+            </a:r>
+            <a:r>
+              <a:rPr lang="ru-RU" sz="2200" i="1" dirty="0">
+                <a:solidFill>
+                  <a:srgbClr val="000000"/>
+                </a:solidFill>
+                <a:effectLst/>
+                <a:latin typeface="Times New Roman" panose="02020603050405020304" pitchFamily="18" charset="0"/>
+                <a:ea typeface="Arial" panose="020B0604020202020204" pitchFamily="34" charset="0"/>
+                <a:cs typeface="Times New Roman" panose="02020603050405020304" pitchFamily="18" charset="0"/>
+              </a:rPr>
+              <a:t>”</a:t>
+            </a:r>
+            <a:r>
+              <a:rPr lang="ru-RU" sz="2200" dirty="0">
+                <a:solidFill>
+                  <a:srgbClr val="000000"/>
+                </a:solidFill>
+                <a:effectLst/>
+                <a:latin typeface="Times New Roman" panose="02020603050405020304" pitchFamily="18" charset="0"/>
+                <a:ea typeface="Arial" panose="020B0604020202020204" pitchFamily="34" charset="0"/>
+                <a:cs typeface="Times New Roman" panose="02020603050405020304" pitchFamily="18" charset="0"/>
+              </a:rPr>
+              <a:t>. Далее функция будет проверять правильность ответа. Она будет брать ответ от пользователя и сравнивать с правильным ответом из соответствующего списка соединений и их признаков. Далее будет выводится итоговое меню, которое будет немного отличатся в зависимости от того, совпали ли ответы или нет.</a:t>
+            </a:r>
+            <a:endParaRPr lang="en-US" sz="2200" dirty="0">
+              <a:solidFill>
+                <a:srgbClr val="000000"/>
+              </a:solidFill>
+              <a:effectLst/>
+              <a:latin typeface="Times New Roman" panose="02020603050405020304" pitchFamily="18" charset="0"/>
+              <a:ea typeface="Arial" panose="020B0604020202020204" pitchFamily="34" charset="0"/>
+              <a:cs typeface="Times New Roman" panose="02020603050405020304" pitchFamily="18" charset="0"/>
+            </a:endParaRPr>
+          </a:p>
+          <a:p>
+            <a:pPr>
+              <a:lnSpc>
+                <a:spcPct val="100000"/>
+              </a:lnSpc>
+            </a:pPr>
+            <a:r>
+              <a:rPr lang="ru-RU" sz="2200" dirty="0">
+                <a:solidFill>
+                  <a:srgbClr val="000000"/>
+                </a:solidFill>
+                <a:effectLst/>
+                <a:latin typeface="Times New Roman" panose="02020603050405020304" pitchFamily="18" charset="0"/>
+                <a:ea typeface="Arial" panose="020B0604020202020204" pitchFamily="34" charset="0"/>
+                <a:cs typeface="Times New Roman" panose="02020603050405020304" pitchFamily="18" charset="0"/>
+              </a:rPr>
+              <a:t>Создадим элементы итогового меню. Для этого в функции </a:t>
+            </a:r>
+            <a:r>
+              <a:rPr lang="ru-RU" sz="2200" i="1" dirty="0">
+                <a:solidFill>
+                  <a:srgbClr val="000000"/>
+                </a:solidFill>
+                <a:effectLst/>
+                <a:latin typeface="Times New Roman" panose="02020603050405020304" pitchFamily="18" charset="0"/>
+                <a:ea typeface="Arial" panose="020B0604020202020204" pitchFamily="34" charset="0"/>
+                <a:cs typeface="Times New Roman" panose="02020603050405020304" pitchFamily="18" charset="0"/>
+              </a:rPr>
+              <a:t>“</a:t>
+            </a:r>
+            <a:r>
+              <a:rPr lang="ru-RU" sz="2200" i="1" dirty="0" err="1">
+                <a:solidFill>
+                  <a:srgbClr val="000000"/>
+                </a:solidFill>
+                <a:effectLst/>
+                <a:latin typeface="Times New Roman" panose="02020603050405020304" pitchFamily="18" charset="0"/>
+                <a:ea typeface="Arial" panose="020B0604020202020204" pitchFamily="34" charset="0"/>
+                <a:cs typeface="Times New Roman" panose="02020603050405020304" pitchFamily="18" charset="0"/>
+              </a:rPr>
+              <a:t>createElements</a:t>
+            </a:r>
+            <a:r>
+              <a:rPr lang="ru-RU" sz="2200" i="1" dirty="0">
+                <a:solidFill>
+                  <a:srgbClr val="000000"/>
+                </a:solidFill>
+                <a:effectLst/>
+                <a:latin typeface="Times New Roman" panose="02020603050405020304" pitchFamily="18" charset="0"/>
+                <a:ea typeface="Arial" panose="020B0604020202020204" pitchFamily="34" charset="0"/>
+                <a:cs typeface="Times New Roman" panose="02020603050405020304" pitchFamily="18" charset="0"/>
+              </a:rPr>
+              <a:t>”</a:t>
+            </a:r>
+            <a:r>
+              <a:rPr lang="ru-RU" sz="2200" dirty="0">
+                <a:solidFill>
+                  <a:srgbClr val="000000"/>
+                </a:solidFill>
+                <a:effectLst/>
+                <a:latin typeface="Times New Roman" panose="02020603050405020304" pitchFamily="18" charset="0"/>
+                <a:ea typeface="Arial" panose="020B0604020202020204" pitchFamily="34" charset="0"/>
+                <a:cs typeface="Times New Roman" panose="02020603050405020304" pitchFamily="18" charset="0"/>
+              </a:rPr>
+              <a:t> пропишем создание поддерживающего поля </a:t>
+            </a:r>
+            <a:r>
+              <a:rPr lang="ru-RU" sz="2200" i="1" dirty="0">
+                <a:solidFill>
+                  <a:srgbClr val="000000"/>
+                </a:solidFill>
+                <a:effectLst/>
+                <a:latin typeface="Times New Roman" panose="02020603050405020304" pitchFamily="18" charset="0"/>
+                <a:ea typeface="Arial" panose="020B0604020202020204" pitchFamily="34" charset="0"/>
+                <a:cs typeface="Times New Roman" panose="02020603050405020304" pitchFamily="18" charset="0"/>
+              </a:rPr>
+              <a:t>“</a:t>
+            </a:r>
+            <a:r>
+              <a:rPr lang="ru-RU" sz="2200" i="1" dirty="0" err="1">
+                <a:solidFill>
+                  <a:srgbClr val="000000"/>
+                </a:solidFill>
+                <a:effectLst/>
+                <a:latin typeface="Times New Roman" panose="02020603050405020304" pitchFamily="18" charset="0"/>
+                <a:ea typeface="Arial" panose="020B0604020202020204" pitchFamily="34" charset="0"/>
+                <a:cs typeface="Times New Roman" panose="02020603050405020304" pitchFamily="18" charset="0"/>
+              </a:rPr>
+              <a:t>solaceLabel</a:t>
+            </a:r>
+            <a:r>
+              <a:rPr lang="ru-RU" sz="2200" i="1" dirty="0">
+                <a:solidFill>
+                  <a:srgbClr val="000000"/>
+                </a:solidFill>
+                <a:effectLst/>
+                <a:latin typeface="Times New Roman" panose="02020603050405020304" pitchFamily="18" charset="0"/>
+                <a:ea typeface="Arial" panose="020B0604020202020204" pitchFamily="34" charset="0"/>
+                <a:cs typeface="Times New Roman" panose="02020603050405020304" pitchFamily="18" charset="0"/>
+              </a:rPr>
+              <a:t>”</a:t>
+            </a:r>
+            <a:r>
+              <a:rPr lang="ru-RU" sz="2200" dirty="0">
+                <a:solidFill>
+                  <a:srgbClr val="000000"/>
+                </a:solidFill>
+                <a:effectLst/>
+                <a:latin typeface="Times New Roman" panose="02020603050405020304" pitchFamily="18" charset="0"/>
+                <a:ea typeface="Arial" panose="020B0604020202020204" pitchFamily="34" charset="0"/>
+                <a:cs typeface="Times New Roman" panose="02020603050405020304" pitchFamily="18" charset="0"/>
+              </a:rPr>
+              <a:t>, в котором будет выводится поддерживающие слова, поля с правильным ответом </a:t>
+            </a:r>
+            <a:r>
+              <a:rPr lang="ru-RU" sz="2200" i="1" dirty="0">
+                <a:solidFill>
+                  <a:srgbClr val="000000"/>
+                </a:solidFill>
+                <a:effectLst/>
+                <a:latin typeface="Times New Roman" panose="02020603050405020304" pitchFamily="18" charset="0"/>
+                <a:ea typeface="Arial" panose="020B0604020202020204" pitchFamily="34" charset="0"/>
+                <a:cs typeface="Times New Roman" panose="02020603050405020304" pitchFamily="18" charset="0"/>
+              </a:rPr>
+              <a:t>“</a:t>
+            </a:r>
+            <a:r>
+              <a:rPr lang="ru-RU" sz="2200" i="1" dirty="0" err="1">
+                <a:solidFill>
+                  <a:srgbClr val="000000"/>
+                </a:solidFill>
+                <a:effectLst/>
+                <a:latin typeface="Times New Roman" panose="02020603050405020304" pitchFamily="18" charset="0"/>
+                <a:ea typeface="Arial" panose="020B0604020202020204" pitchFamily="34" charset="0"/>
+                <a:cs typeface="Times New Roman" panose="02020603050405020304" pitchFamily="18" charset="0"/>
+              </a:rPr>
+              <a:t>correctAnswerLabel</a:t>
+            </a:r>
+            <a:r>
+              <a:rPr lang="ru-RU" sz="2200" i="1" dirty="0">
+                <a:solidFill>
+                  <a:srgbClr val="000000"/>
+                </a:solidFill>
+                <a:effectLst/>
+                <a:latin typeface="Times New Roman" panose="02020603050405020304" pitchFamily="18" charset="0"/>
+                <a:ea typeface="Arial" panose="020B0604020202020204" pitchFamily="34" charset="0"/>
+                <a:cs typeface="Times New Roman" panose="02020603050405020304" pitchFamily="18" charset="0"/>
+              </a:rPr>
+              <a:t>”</a:t>
+            </a:r>
+            <a:r>
+              <a:rPr lang="ru-RU" sz="2200" dirty="0">
+                <a:solidFill>
+                  <a:srgbClr val="000000"/>
+                </a:solidFill>
+                <a:effectLst/>
+                <a:latin typeface="Times New Roman" panose="02020603050405020304" pitchFamily="18" charset="0"/>
+                <a:ea typeface="Arial" panose="020B0604020202020204" pitchFamily="34" charset="0"/>
+                <a:cs typeface="Times New Roman" panose="02020603050405020304" pitchFamily="18" charset="0"/>
+              </a:rPr>
+              <a:t>, кнопка для повтора тренировочного цикла </a:t>
+            </a:r>
+            <a:r>
+              <a:rPr lang="ru-RU" sz="2200" i="1" dirty="0">
+                <a:solidFill>
+                  <a:srgbClr val="000000"/>
+                </a:solidFill>
+                <a:effectLst/>
+                <a:latin typeface="Times New Roman" panose="02020603050405020304" pitchFamily="18" charset="0"/>
+                <a:ea typeface="Arial" panose="020B0604020202020204" pitchFamily="34" charset="0"/>
+                <a:cs typeface="Times New Roman" panose="02020603050405020304" pitchFamily="18" charset="0"/>
+              </a:rPr>
+              <a:t>“</a:t>
+            </a:r>
+            <a:r>
+              <a:rPr lang="ru-RU" sz="2200" i="1" dirty="0" err="1">
+                <a:solidFill>
+                  <a:srgbClr val="000000"/>
+                </a:solidFill>
+                <a:effectLst/>
+                <a:latin typeface="Times New Roman" panose="02020603050405020304" pitchFamily="18" charset="0"/>
+                <a:ea typeface="Arial" panose="020B0604020202020204" pitchFamily="34" charset="0"/>
+                <a:cs typeface="Times New Roman" panose="02020603050405020304" pitchFamily="18" charset="0"/>
+              </a:rPr>
+              <a:t>btn_retry</a:t>
+            </a:r>
+            <a:r>
+              <a:rPr lang="ru-RU" sz="2200" i="1" dirty="0">
+                <a:solidFill>
+                  <a:srgbClr val="000000"/>
+                </a:solidFill>
+                <a:effectLst/>
+                <a:latin typeface="Times New Roman" panose="02020603050405020304" pitchFamily="18" charset="0"/>
+                <a:ea typeface="Arial" panose="020B0604020202020204" pitchFamily="34" charset="0"/>
+                <a:cs typeface="Times New Roman" panose="02020603050405020304" pitchFamily="18" charset="0"/>
+              </a:rPr>
+              <a:t>”</a:t>
+            </a:r>
+            <a:r>
+              <a:rPr lang="ru-RU" sz="2200" dirty="0">
+                <a:solidFill>
+                  <a:srgbClr val="000000"/>
+                </a:solidFill>
+                <a:effectLst/>
+                <a:latin typeface="Times New Roman" panose="02020603050405020304" pitchFamily="18" charset="0"/>
+                <a:ea typeface="Arial" panose="020B0604020202020204" pitchFamily="34" charset="0"/>
+                <a:cs typeface="Times New Roman" panose="02020603050405020304" pitchFamily="18" charset="0"/>
+              </a:rPr>
+              <a:t>.</a:t>
+            </a:r>
+            <a:endParaRPr lang="ru-RU" sz="2200" dirty="0">
+              <a:latin typeface="Times New Roman" panose="02020603050405020304" pitchFamily="18" charset="0"/>
+              <a:cs typeface="Times New Roman" panose="02020603050405020304" pitchFamily="18" charset="0"/>
+            </a:endParaRPr>
+          </a:p>
+        </p:txBody>
+      </p:sp>
+    </p:spTree>
+    <p:extLst>
+      <p:ext uri="{BB962C8B-B14F-4D97-AF65-F5344CB8AC3E}">
+        <p14:creationId xmlns:p14="http://schemas.microsoft.com/office/powerpoint/2010/main" val="3807933337"/>
+      </p:ext>
+    </p:extLst>
+  </p:cSld>
+  <p:clrMapOvr>
+    <a:masterClrMapping/>
+  </p:clrMapOvr>
+</p:sld>
+</file>
+
+<file path=ppt/slides/slide14.xml><?xml version="1.0" encoding="utf-8"?>
+<p:sld xmlns:a="http://schemas.openxmlformats.org/drawingml/2006/main" xmlns:r="http://schemas.openxmlformats.org/officeDocument/2006/relationships" xmlns:p="http://schemas.openxmlformats.org/presentationml/2006/main">
+  <p:cSld>
+    <p:spTree>
+      <p:nvGrpSpPr>
+        <p:cNvPr id="1" name=""/>
+        <p:cNvGrpSpPr/>
+        <p:nvPr/>
+      </p:nvGrpSpPr>
+      <p:grpSpPr>
+        <a:xfrm>
+          <a:off x="0" y="0"/>
+          <a:ext cx="0" cy="0"/>
+          <a:chOff x="0" y="0"/>
+          <a:chExt cx="0" cy="0"/>
+        </a:xfrm>
+      </p:grpSpPr>
+      <p:sp>
+        <p:nvSpPr>
+          <p:cNvPr id="8" name="Заголовок 1">
+            <a:extLst>
+              <a:ext uri="{FF2B5EF4-FFF2-40B4-BE49-F238E27FC236}">
+                <a16:creationId xmlns:a16="http://schemas.microsoft.com/office/drawing/2014/main" id="{84D56EE1-140E-42EF-B0D8-2E3871FFFAF8}"/>
+              </a:ext>
+            </a:extLst>
+          </p:cNvPr>
+          <p:cNvSpPr>
+            <a:spLocks noGrp="1"/>
+          </p:cNvSpPr>
+          <p:nvPr>
+            <p:ph type="title"/>
+          </p:nvPr>
+        </p:nvSpPr>
+        <p:spPr>
+          <a:xfrm>
+            <a:off x="528590" y="156567"/>
+            <a:ext cx="10963183" cy="451621"/>
+          </a:xfrm>
+        </p:spPr>
+        <p:txBody>
+          <a:bodyPr>
+            <a:noAutofit/>
+          </a:bodyPr>
+          <a:lstStyle/>
+          <a:p>
+            <a:pPr algn="ctr"/>
+            <a:r>
+              <a:rPr lang="ru-RU" sz="3600" dirty="0">
+                <a:latin typeface="Times New Roman" panose="02020603050405020304" pitchFamily="18" charset="0"/>
+                <a:cs typeface="Times New Roman" panose="02020603050405020304" pitchFamily="18" charset="0"/>
+              </a:rPr>
+              <a:t>Создание алгоритма выбора варианта итогового меню</a:t>
+            </a:r>
+          </a:p>
+        </p:txBody>
+      </p:sp>
+      <p:sp>
+        <p:nvSpPr>
+          <p:cNvPr id="3" name="Объект 2">
+            <a:extLst>
+              <a:ext uri="{FF2B5EF4-FFF2-40B4-BE49-F238E27FC236}">
+                <a16:creationId xmlns:a16="http://schemas.microsoft.com/office/drawing/2014/main" id="{FB0EF51A-5DE0-412B-88C3-BE4B77F767EE}"/>
+              </a:ext>
+            </a:extLst>
+          </p:cNvPr>
+          <p:cNvSpPr>
+            <a:spLocks noGrp="1"/>
+          </p:cNvSpPr>
+          <p:nvPr>
+            <p:ph idx="1"/>
+          </p:nvPr>
+        </p:nvSpPr>
+        <p:spPr>
+          <a:xfrm>
+            <a:off x="171638" y="810500"/>
+            <a:ext cx="5924362" cy="2880283"/>
+          </a:xfrm>
+        </p:spPr>
+        <p:txBody>
+          <a:bodyPr>
+            <a:normAutofit/>
+          </a:bodyPr>
+          <a:lstStyle/>
+          <a:p>
+            <a:pPr>
+              <a:lnSpc>
+                <a:spcPct val="100000"/>
+              </a:lnSpc>
+            </a:pPr>
+            <a:r>
+              <a:rPr lang="ru-RU" sz="2000" dirty="0">
+                <a:solidFill>
+                  <a:srgbClr val="000000"/>
+                </a:solidFill>
+                <a:effectLst/>
+                <a:latin typeface="Times New Roman" panose="02020603050405020304" pitchFamily="18" charset="0"/>
+                <a:ea typeface="Arial" panose="020B0604020202020204" pitchFamily="34" charset="0"/>
+                <a:cs typeface="Times New Roman" panose="02020603050405020304" pitchFamily="18" charset="0"/>
+              </a:rPr>
+              <a:t>И так в случае, когда ответы совпали, будет показываться поддерживающее поле </a:t>
+            </a:r>
+            <a:r>
+              <a:rPr lang="ru-RU" sz="2000" i="1" dirty="0">
+                <a:solidFill>
+                  <a:srgbClr val="000000"/>
+                </a:solidFill>
+                <a:effectLst/>
+                <a:latin typeface="Times New Roman" panose="02020603050405020304" pitchFamily="18" charset="0"/>
+                <a:ea typeface="Arial" panose="020B0604020202020204" pitchFamily="34" charset="0"/>
+                <a:cs typeface="Times New Roman" panose="02020603050405020304" pitchFamily="18" charset="0"/>
+              </a:rPr>
+              <a:t>“</a:t>
+            </a:r>
+            <a:r>
+              <a:rPr lang="ru-RU" sz="2000" i="1" dirty="0" err="1">
+                <a:solidFill>
+                  <a:srgbClr val="000000"/>
+                </a:solidFill>
+                <a:effectLst/>
+                <a:latin typeface="Times New Roman" panose="02020603050405020304" pitchFamily="18" charset="0"/>
+                <a:ea typeface="Arial" panose="020B0604020202020204" pitchFamily="34" charset="0"/>
+                <a:cs typeface="Times New Roman" panose="02020603050405020304" pitchFamily="18" charset="0"/>
+              </a:rPr>
+              <a:t>solaceLabel</a:t>
+            </a:r>
+            <a:r>
+              <a:rPr lang="ru-RU" sz="2000" i="1" dirty="0">
+                <a:solidFill>
+                  <a:srgbClr val="000000"/>
+                </a:solidFill>
+                <a:effectLst/>
+                <a:latin typeface="Times New Roman" panose="02020603050405020304" pitchFamily="18" charset="0"/>
+                <a:ea typeface="Arial" panose="020B0604020202020204" pitchFamily="34" charset="0"/>
+                <a:cs typeface="Times New Roman" panose="02020603050405020304" pitchFamily="18" charset="0"/>
+              </a:rPr>
+              <a:t>”</a:t>
+            </a:r>
+            <a:r>
+              <a:rPr lang="ru-RU" sz="2000" dirty="0">
+                <a:solidFill>
+                  <a:srgbClr val="000000"/>
+                </a:solidFill>
+                <a:effectLst/>
+                <a:latin typeface="Times New Roman" panose="02020603050405020304" pitchFamily="18" charset="0"/>
+                <a:ea typeface="Arial" panose="020B0604020202020204" pitchFamily="34" charset="0"/>
+                <a:cs typeface="Times New Roman" panose="02020603050405020304" pitchFamily="18" charset="0"/>
+              </a:rPr>
+              <a:t> с надписью “Всё верно! Молодец!”, будет выключена возможность взаимодействовать с полем для ввода ответа </a:t>
+            </a:r>
+            <a:r>
+              <a:rPr lang="ru-RU" sz="2000" i="1" dirty="0">
+                <a:solidFill>
+                  <a:srgbClr val="000000"/>
+                </a:solidFill>
+                <a:effectLst/>
+                <a:latin typeface="Times New Roman" panose="02020603050405020304" pitchFamily="18" charset="0"/>
+                <a:ea typeface="Arial" panose="020B0604020202020204" pitchFamily="34" charset="0"/>
+                <a:cs typeface="Times New Roman" panose="02020603050405020304" pitchFamily="18" charset="0"/>
+              </a:rPr>
+              <a:t>“</a:t>
+            </a:r>
+            <a:r>
+              <a:rPr lang="ru-RU" sz="2000" i="1" dirty="0" err="1">
+                <a:solidFill>
+                  <a:srgbClr val="000000"/>
+                </a:solidFill>
+                <a:effectLst/>
+                <a:latin typeface="Times New Roman" panose="02020603050405020304" pitchFamily="18" charset="0"/>
+                <a:ea typeface="Arial" panose="020B0604020202020204" pitchFamily="34" charset="0"/>
+                <a:cs typeface="Times New Roman" panose="02020603050405020304" pitchFamily="18" charset="0"/>
+              </a:rPr>
+              <a:t>requestLine</a:t>
+            </a:r>
+            <a:r>
+              <a:rPr lang="ru-RU" sz="2000" i="1" dirty="0">
+                <a:solidFill>
+                  <a:srgbClr val="000000"/>
+                </a:solidFill>
+                <a:effectLst/>
+                <a:latin typeface="Times New Roman" panose="02020603050405020304" pitchFamily="18" charset="0"/>
+                <a:ea typeface="Arial" panose="020B0604020202020204" pitchFamily="34" charset="0"/>
+                <a:cs typeface="Times New Roman" panose="02020603050405020304" pitchFamily="18" charset="0"/>
+              </a:rPr>
+              <a:t>”</a:t>
+            </a:r>
+            <a:r>
+              <a:rPr lang="ru-RU" sz="2000" dirty="0">
+                <a:solidFill>
+                  <a:srgbClr val="000000"/>
+                </a:solidFill>
+                <a:effectLst/>
+                <a:latin typeface="Times New Roman" panose="02020603050405020304" pitchFamily="18" charset="0"/>
+                <a:ea typeface="Arial" panose="020B0604020202020204" pitchFamily="34" charset="0"/>
+                <a:cs typeface="Times New Roman" panose="02020603050405020304" pitchFamily="18" charset="0"/>
+              </a:rPr>
+              <a:t> и кнопкой для проверки ответа </a:t>
+            </a:r>
+            <a:r>
+              <a:rPr lang="ru-RU" sz="2000" i="1" dirty="0">
+                <a:solidFill>
+                  <a:srgbClr val="000000"/>
+                </a:solidFill>
+                <a:effectLst/>
+                <a:latin typeface="Times New Roman" panose="02020603050405020304" pitchFamily="18" charset="0"/>
+                <a:ea typeface="Arial" panose="020B0604020202020204" pitchFamily="34" charset="0"/>
+                <a:cs typeface="Times New Roman" panose="02020603050405020304" pitchFamily="18" charset="0"/>
+              </a:rPr>
+              <a:t>“</a:t>
+            </a:r>
+            <a:r>
+              <a:rPr lang="ru-RU" sz="2000" i="1" dirty="0" err="1">
+                <a:solidFill>
+                  <a:srgbClr val="000000"/>
+                </a:solidFill>
+                <a:effectLst/>
+                <a:latin typeface="Times New Roman" panose="02020603050405020304" pitchFamily="18" charset="0"/>
+                <a:ea typeface="Arial" panose="020B0604020202020204" pitchFamily="34" charset="0"/>
+                <a:cs typeface="Times New Roman" panose="02020603050405020304" pitchFamily="18" charset="0"/>
+              </a:rPr>
+              <a:t>btn_go</a:t>
+            </a:r>
+            <a:r>
+              <a:rPr lang="ru-RU" sz="2000" i="1" dirty="0">
+                <a:solidFill>
+                  <a:srgbClr val="000000"/>
+                </a:solidFill>
+                <a:effectLst/>
+                <a:latin typeface="Times New Roman" panose="02020603050405020304" pitchFamily="18" charset="0"/>
+                <a:ea typeface="Arial" panose="020B0604020202020204" pitchFamily="34" charset="0"/>
+                <a:cs typeface="Times New Roman" panose="02020603050405020304" pitchFamily="18" charset="0"/>
+              </a:rPr>
+              <a:t>”</a:t>
+            </a:r>
+            <a:r>
+              <a:rPr lang="ru-RU" sz="2000" dirty="0">
+                <a:solidFill>
+                  <a:srgbClr val="000000"/>
+                </a:solidFill>
+                <a:effectLst/>
+                <a:latin typeface="Times New Roman" panose="02020603050405020304" pitchFamily="18" charset="0"/>
+                <a:ea typeface="Arial" panose="020B0604020202020204" pitchFamily="34" charset="0"/>
+                <a:cs typeface="Times New Roman" panose="02020603050405020304" pitchFamily="18" charset="0"/>
+              </a:rPr>
+              <a:t>, будет показываться кнопка для повтора тренировочного цикла </a:t>
+            </a:r>
+            <a:r>
+              <a:rPr lang="ru-RU" sz="2000" i="1" dirty="0">
+                <a:solidFill>
+                  <a:srgbClr val="000000"/>
+                </a:solidFill>
+                <a:effectLst/>
+                <a:latin typeface="Times New Roman" panose="02020603050405020304" pitchFamily="18" charset="0"/>
+                <a:ea typeface="Arial" panose="020B0604020202020204" pitchFamily="34" charset="0"/>
+                <a:cs typeface="Times New Roman" panose="02020603050405020304" pitchFamily="18" charset="0"/>
+              </a:rPr>
+              <a:t>“</a:t>
+            </a:r>
+            <a:r>
+              <a:rPr lang="ru-RU" sz="2000" i="1" dirty="0" err="1">
+                <a:solidFill>
+                  <a:srgbClr val="000000"/>
+                </a:solidFill>
+                <a:effectLst/>
+                <a:latin typeface="Times New Roman" panose="02020603050405020304" pitchFamily="18" charset="0"/>
+                <a:ea typeface="Arial" panose="020B0604020202020204" pitchFamily="34" charset="0"/>
+                <a:cs typeface="Times New Roman" panose="02020603050405020304" pitchFamily="18" charset="0"/>
+              </a:rPr>
+              <a:t>btn_retry</a:t>
+            </a:r>
+            <a:r>
+              <a:rPr lang="ru-RU" sz="2000" i="1" dirty="0">
+                <a:solidFill>
+                  <a:srgbClr val="000000"/>
+                </a:solidFill>
+                <a:effectLst/>
+                <a:latin typeface="Times New Roman" panose="02020603050405020304" pitchFamily="18" charset="0"/>
+                <a:ea typeface="Arial" panose="020B0604020202020204" pitchFamily="34" charset="0"/>
+                <a:cs typeface="Times New Roman" panose="02020603050405020304" pitchFamily="18" charset="0"/>
+              </a:rPr>
+              <a:t>”</a:t>
+            </a:r>
+            <a:r>
+              <a:rPr lang="ru-RU" sz="2000" dirty="0">
+                <a:solidFill>
+                  <a:srgbClr val="000000"/>
+                </a:solidFill>
+                <a:effectLst/>
+                <a:latin typeface="Times New Roman" panose="02020603050405020304" pitchFamily="18" charset="0"/>
+                <a:ea typeface="Arial" panose="020B0604020202020204" pitchFamily="34" charset="0"/>
+                <a:cs typeface="Times New Roman" panose="02020603050405020304" pitchFamily="18" charset="0"/>
+              </a:rPr>
+              <a:t>. </a:t>
+            </a:r>
+            <a:endParaRPr lang="ru-RU" sz="2000" dirty="0">
+              <a:latin typeface="Times New Roman" panose="02020603050405020304" pitchFamily="18" charset="0"/>
+              <a:cs typeface="Times New Roman" panose="02020603050405020304" pitchFamily="18" charset="0"/>
+            </a:endParaRPr>
+          </a:p>
+        </p:txBody>
+      </p:sp>
+      <p:sp>
+        <p:nvSpPr>
+          <p:cNvPr id="9" name="TextBox 8">
+            <a:extLst>
+              <a:ext uri="{FF2B5EF4-FFF2-40B4-BE49-F238E27FC236}">
+                <a16:creationId xmlns:a16="http://schemas.microsoft.com/office/drawing/2014/main" id="{C31FD072-AD46-4EAE-AB83-F8A535840008}"/>
+              </a:ext>
+            </a:extLst>
+          </p:cNvPr>
+          <p:cNvSpPr txBox="1"/>
+          <p:nvPr/>
+        </p:nvSpPr>
+        <p:spPr>
+          <a:xfrm>
+            <a:off x="6010182" y="4547029"/>
+            <a:ext cx="6181818" cy="2246769"/>
+          </a:xfrm>
+          <a:prstGeom prst="rect">
+            <a:avLst/>
+          </a:prstGeom>
+          <a:noFill/>
+        </p:spPr>
+        <p:txBody>
+          <a:bodyPr wrap="square">
+            <a:spAutoFit/>
+          </a:bodyPr>
+          <a:lstStyle/>
+          <a:p>
+            <a:r>
+              <a:rPr lang="ru-RU" sz="2000" dirty="0">
+                <a:solidFill>
+                  <a:srgbClr val="000000"/>
+                </a:solidFill>
+                <a:effectLst/>
+                <a:latin typeface="Times New Roman" panose="02020603050405020304" pitchFamily="18" charset="0"/>
+                <a:ea typeface="Arial" panose="020B0604020202020204" pitchFamily="34" charset="0"/>
+                <a:cs typeface="Times New Roman" panose="02020603050405020304" pitchFamily="18" charset="0"/>
+              </a:rPr>
+              <a:t>Если же ответы не совпадут, то будут показыват</a:t>
+            </a:r>
+            <a:r>
+              <a:rPr lang="ru-RU" sz="2000" dirty="0">
+                <a:solidFill>
+                  <a:srgbClr val="000000"/>
+                </a:solidFill>
+                <a:latin typeface="Times New Roman" panose="02020603050405020304" pitchFamily="18" charset="0"/>
+                <a:ea typeface="Arial" panose="020B0604020202020204" pitchFamily="34" charset="0"/>
+                <a:cs typeface="Times New Roman" panose="02020603050405020304" pitchFamily="18" charset="0"/>
+              </a:rPr>
+              <a:t>ь</a:t>
+            </a:r>
+            <a:r>
+              <a:rPr lang="ru-RU" sz="2000" dirty="0">
+                <a:solidFill>
+                  <a:srgbClr val="000000"/>
+                </a:solidFill>
+                <a:effectLst/>
+                <a:latin typeface="Times New Roman" panose="02020603050405020304" pitchFamily="18" charset="0"/>
+                <a:ea typeface="Arial" panose="020B0604020202020204" pitchFamily="34" charset="0"/>
+                <a:cs typeface="Times New Roman" panose="02020603050405020304" pitchFamily="18" charset="0"/>
+              </a:rPr>
+              <a:t>ся поддерживающее поле </a:t>
+            </a:r>
+            <a:r>
+              <a:rPr lang="ru-RU" sz="2000" i="1" dirty="0">
+                <a:solidFill>
+                  <a:srgbClr val="000000"/>
+                </a:solidFill>
+                <a:effectLst/>
+                <a:latin typeface="Times New Roman" panose="02020603050405020304" pitchFamily="18" charset="0"/>
+                <a:ea typeface="Arial" panose="020B0604020202020204" pitchFamily="34" charset="0"/>
+                <a:cs typeface="Times New Roman" panose="02020603050405020304" pitchFamily="18" charset="0"/>
+              </a:rPr>
+              <a:t>“</a:t>
+            </a:r>
+            <a:r>
+              <a:rPr lang="ru-RU" sz="2000" i="1" dirty="0" err="1">
+                <a:solidFill>
+                  <a:srgbClr val="000000"/>
+                </a:solidFill>
+                <a:effectLst/>
+                <a:latin typeface="Times New Roman" panose="02020603050405020304" pitchFamily="18" charset="0"/>
+                <a:ea typeface="Arial" panose="020B0604020202020204" pitchFamily="34" charset="0"/>
+                <a:cs typeface="Times New Roman" panose="02020603050405020304" pitchFamily="18" charset="0"/>
+              </a:rPr>
+              <a:t>solaceLabel</a:t>
+            </a:r>
+            <a:r>
+              <a:rPr lang="ru-RU" sz="2000" i="1" dirty="0">
+                <a:solidFill>
+                  <a:srgbClr val="000000"/>
+                </a:solidFill>
+                <a:effectLst/>
+                <a:latin typeface="Times New Roman" panose="02020603050405020304" pitchFamily="18" charset="0"/>
+                <a:ea typeface="Arial" panose="020B0604020202020204" pitchFamily="34" charset="0"/>
+                <a:cs typeface="Times New Roman" panose="02020603050405020304" pitchFamily="18" charset="0"/>
+              </a:rPr>
+              <a:t>”</a:t>
+            </a:r>
+            <a:r>
+              <a:rPr lang="ru-RU" sz="2000" dirty="0">
+                <a:solidFill>
+                  <a:srgbClr val="000000"/>
+                </a:solidFill>
+                <a:effectLst/>
+                <a:latin typeface="Times New Roman" panose="02020603050405020304" pitchFamily="18" charset="0"/>
+                <a:ea typeface="Arial" panose="020B0604020202020204" pitchFamily="34" charset="0"/>
+                <a:cs typeface="Times New Roman" panose="02020603050405020304" pitchFamily="18" charset="0"/>
+              </a:rPr>
+              <a:t> с надписью “Почти верно. Не переживай, ты ещё учишься!”, поле с правильным ответом </a:t>
+            </a:r>
+            <a:r>
+              <a:rPr lang="ru-RU" sz="2000" i="1" dirty="0">
+                <a:solidFill>
+                  <a:srgbClr val="000000"/>
+                </a:solidFill>
+                <a:effectLst/>
+                <a:latin typeface="Times New Roman" panose="02020603050405020304" pitchFamily="18" charset="0"/>
+                <a:ea typeface="Arial" panose="020B0604020202020204" pitchFamily="34" charset="0"/>
+                <a:cs typeface="Times New Roman" panose="02020603050405020304" pitchFamily="18" charset="0"/>
+              </a:rPr>
+              <a:t>“</a:t>
+            </a:r>
+            <a:r>
+              <a:rPr lang="ru-RU" sz="2000" i="1" dirty="0" err="1">
+                <a:solidFill>
+                  <a:srgbClr val="000000"/>
+                </a:solidFill>
+                <a:effectLst/>
+                <a:latin typeface="Times New Roman" panose="02020603050405020304" pitchFamily="18" charset="0"/>
+                <a:ea typeface="Arial" panose="020B0604020202020204" pitchFamily="34" charset="0"/>
+                <a:cs typeface="Times New Roman" panose="02020603050405020304" pitchFamily="18" charset="0"/>
+              </a:rPr>
+              <a:t>correctAnswerLabel</a:t>
+            </a:r>
+            <a:r>
+              <a:rPr lang="ru-RU" sz="2000" i="1" dirty="0">
+                <a:solidFill>
+                  <a:srgbClr val="000000"/>
+                </a:solidFill>
+                <a:effectLst/>
+                <a:latin typeface="Times New Roman" panose="02020603050405020304" pitchFamily="18" charset="0"/>
+                <a:ea typeface="Arial" panose="020B0604020202020204" pitchFamily="34" charset="0"/>
+                <a:cs typeface="Times New Roman" panose="02020603050405020304" pitchFamily="18" charset="0"/>
+              </a:rPr>
+              <a:t>”</a:t>
+            </a:r>
+            <a:r>
+              <a:rPr lang="ru-RU" sz="2000" dirty="0">
+                <a:solidFill>
+                  <a:srgbClr val="000000"/>
+                </a:solidFill>
+                <a:effectLst/>
+                <a:latin typeface="Times New Roman" panose="02020603050405020304" pitchFamily="18" charset="0"/>
+                <a:ea typeface="Arial" panose="020B0604020202020204" pitchFamily="34" charset="0"/>
+                <a:cs typeface="Times New Roman" panose="02020603050405020304" pitchFamily="18" charset="0"/>
+              </a:rPr>
+              <a:t>, будут скрыты поле для ввода ответа </a:t>
+            </a:r>
+            <a:r>
+              <a:rPr lang="ru-RU" sz="2000" i="1" dirty="0">
+                <a:solidFill>
+                  <a:srgbClr val="000000"/>
+                </a:solidFill>
+                <a:effectLst/>
+                <a:latin typeface="Times New Roman" panose="02020603050405020304" pitchFamily="18" charset="0"/>
+                <a:ea typeface="Arial" panose="020B0604020202020204" pitchFamily="34" charset="0"/>
+                <a:cs typeface="Times New Roman" panose="02020603050405020304" pitchFamily="18" charset="0"/>
+              </a:rPr>
+              <a:t>“</a:t>
+            </a:r>
+            <a:r>
+              <a:rPr lang="ru-RU" sz="2000" i="1" dirty="0" err="1">
+                <a:solidFill>
+                  <a:srgbClr val="000000"/>
+                </a:solidFill>
+                <a:effectLst/>
+                <a:latin typeface="Times New Roman" panose="02020603050405020304" pitchFamily="18" charset="0"/>
+                <a:ea typeface="Arial" panose="020B0604020202020204" pitchFamily="34" charset="0"/>
+                <a:cs typeface="Times New Roman" panose="02020603050405020304" pitchFamily="18" charset="0"/>
+              </a:rPr>
+              <a:t>requestLine</a:t>
+            </a:r>
+            <a:r>
+              <a:rPr lang="ru-RU" sz="2000" i="1" dirty="0">
+                <a:solidFill>
+                  <a:srgbClr val="000000"/>
+                </a:solidFill>
+                <a:effectLst/>
+                <a:latin typeface="Times New Roman" panose="02020603050405020304" pitchFamily="18" charset="0"/>
+                <a:ea typeface="Arial" panose="020B0604020202020204" pitchFamily="34" charset="0"/>
+                <a:cs typeface="Times New Roman" panose="02020603050405020304" pitchFamily="18" charset="0"/>
+              </a:rPr>
+              <a:t>”</a:t>
+            </a:r>
+            <a:r>
+              <a:rPr lang="ru-RU" sz="2000" dirty="0">
+                <a:solidFill>
+                  <a:srgbClr val="000000"/>
+                </a:solidFill>
+                <a:effectLst/>
+                <a:latin typeface="Times New Roman" panose="02020603050405020304" pitchFamily="18" charset="0"/>
+                <a:ea typeface="Arial" panose="020B0604020202020204" pitchFamily="34" charset="0"/>
+                <a:cs typeface="Times New Roman" panose="02020603050405020304" pitchFamily="18" charset="0"/>
+              </a:rPr>
+              <a:t> и кнопка для проверки ответа </a:t>
+            </a:r>
+            <a:r>
+              <a:rPr lang="ru-RU" sz="2000" i="1" dirty="0">
+                <a:solidFill>
+                  <a:srgbClr val="000000"/>
+                </a:solidFill>
+                <a:effectLst/>
+                <a:latin typeface="Times New Roman" panose="02020603050405020304" pitchFamily="18" charset="0"/>
+                <a:ea typeface="Arial" panose="020B0604020202020204" pitchFamily="34" charset="0"/>
+                <a:cs typeface="Times New Roman" panose="02020603050405020304" pitchFamily="18" charset="0"/>
+              </a:rPr>
+              <a:t>“</a:t>
+            </a:r>
+            <a:r>
+              <a:rPr lang="ru-RU" sz="2000" i="1" dirty="0" err="1">
+                <a:solidFill>
+                  <a:srgbClr val="000000"/>
+                </a:solidFill>
+                <a:effectLst/>
+                <a:latin typeface="Times New Roman" panose="02020603050405020304" pitchFamily="18" charset="0"/>
+                <a:ea typeface="Arial" panose="020B0604020202020204" pitchFamily="34" charset="0"/>
+                <a:cs typeface="Times New Roman" panose="02020603050405020304" pitchFamily="18" charset="0"/>
+              </a:rPr>
+              <a:t>btn_go</a:t>
+            </a:r>
+            <a:r>
+              <a:rPr lang="ru-RU" sz="2000" i="1" dirty="0">
+                <a:solidFill>
+                  <a:srgbClr val="000000"/>
+                </a:solidFill>
+                <a:effectLst/>
+                <a:latin typeface="Times New Roman" panose="02020603050405020304" pitchFamily="18" charset="0"/>
+                <a:ea typeface="Arial" panose="020B0604020202020204" pitchFamily="34" charset="0"/>
+                <a:cs typeface="Times New Roman" panose="02020603050405020304" pitchFamily="18" charset="0"/>
+              </a:rPr>
+              <a:t>”</a:t>
+            </a:r>
+            <a:r>
+              <a:rPr lang="ru-RU" sz="2000" dirty="0">
+                <a:solidFill>
+                  <a:srgbClr val="000000"/>
+                </a:solidFill>
+                <a:effectLst/>
+                <a:latin typeface="Times New Roman" panose="02020603050405020304" pitchFamily="18" charset="0"/>
+                <a:ea typeface="Arial" panose="020B0604020202020204" pitchFamily="34" charset="0"/>
+                <a:cs typeface="Times New Roman" panose="02020603050405020304" pitchFamily="18" charset="0"/>
+              </a:rPr>
+              <a:t>, будет показываться кнопка для повтора тренировочного цикла </a:t>
+            </a:r>
+            <a:r>
+              <a:rPr lang="ru-RU" sz="2000" i="1" dirty="0">
+                <a:solidFill>
+                  <a:srgbClr val="000000"/>
+                </a:solidFill>
+                <a:effectLst/>
+                <a:latin typeface="Times New Roman" panose="02020603050405020304" pitchFamily="18" charset="0"/>
+                <a:ea typeface="Arial" panose="020B0604020202020204" pitchFamily="34" charset="0"/>
+                <a:cs typeface="Times New Roman" panose="02020603050405020304" pitchFamily="18" charset="0"/>
+              </a:rPr>
+              <a:t>“</a:t>
+            </a:r>
+            <a:r>
+              <a:rPr lang="ru-RU" sz="2000" i="1" dirty="0" err="1">
+                <a:solidFill>
+                  <a:srgbClr val="000000"/>
+                </a:solidFill>
+                <a:effectLst/>
+                <a:latin typeface="Times New Roman" panose="02020603050405020304" pitchFamily="18" charset="0"/>
+                <a:ea typeface="Arial" panose="020B0604020202020204" pitchFamily="34" charset="0"/>
+                <a:cs typeface="Times New Roman" panose="02020603050405020304" pitchFamily="18" charset="0"/>
+              </a:rPr>
+              <a:t>btn_retry</a:t>
+            </a:r>
+            <a:r>
+              <a:rPr lang="ru-RU" sz="2000" i="1" dirty="0">
+                <a:solidFill>
+                  <a:srgbClr val="000000"/>
+                </a:solidFill>
+                <a:effectLst/>
+                <a:latin typeface="Times New Roman" panose="02020603050405020304" pitchFamily="18" charset="0"/>
+                <a:ea typeface="Arial" panose="020B0604020202020204" pitchFamily="34" charset="0"/>
+                <a:cs typeface="Times New Roman" panose="02020603050405020304" pitchFamily="18" charset="0"/>
+              </a:rPr>
+              <a:t>”</a:t>
+            </a:r>
+            <a:r>
+              <a:rPr lang="ru-RU" sz="2000" dirty="0">
+                <a:solidFill>
+                  <a:srgbClr val="000000"/>
+                </a:solidFill>
+                <a:effectLst/>
+                <a:latin typeface="Times New Roman" panose="02020603050405020304" pitchFamily="18" charset="0"/>
+                <a:ea typeface="Arial" panose="020B0604020202020204" pitchFamily="34" charset="0"/>
+                <a:cs typeface="Times New Roman" panose="02020603050405020304" pitchFamily="18" charset="0"/>
+              </a:rPr>
+              <a:t>.</a:t>
+            </a:r>
+            <a:endParaRPr lang="ru-RU" sz="2000" dirty="0"/>
+          </a:p>
+        </p:txBody>
+      </p:sp>
+      <p:pic>
+        <p:nvPicPr>
+          <p:cNvPr id="11" name="Рисунок 10">
+            <a:extLst>
+              <a:ext uri="{FF2B5EF4-FFF2-40B4-BE49-F238E27FC236}">
+                <a16:creationId xmlns:a16="http://schemas.microsoft.com/office/drawing/2014/main" id="{9438D651-F695-499F-932A-C8B576938870}"/>
+              </a:ext>
+            </a:extLst>
+          </p:cNvPr>
+          <p:cNvPicPr>
+            <a:picLocks noChangeAspect="1"/>
+          </p:cNvPicPr>
+          <p:nvPr/>
+        </p:nvPicPr>
+        <p:blipFill>
+          <a:blip r:embed="rId2">
+            <a:extLst>
+              <a:ext uri="{28A0092B-C50C-407E-A947-70E740481C1C}">
+                <a14:useLocalDpi xmlns:a14="http://schemas.microsoft.com/office/drawing/2010/main" val="0"/>
+              </a:ext>
+            </a:extLst>
+          </a:blip>
+          <a:stretch>
+            <a:fillRect/>
+          </a:stretch>
+        </p:blipFill>
+        <p:spPr>
+          <a:xfrm>
+            <a:off x="7513241" y="1139352"/>
+            <a:ext cx="3175700" cy="3407677"/>
+          </a:xfrm>
+          <a:prstGeom prst="rect">
+            <a:avLst/>
+          </a:prstGeom>
+        </p:spPr>
+      </p:pic>
+      <p:pic>
+        <p:nvPicPr>
+          <p:cNvPr id="13" name="Рисунок 12">
+            <a:extLst>
+              <a:ext uri="{FF2B5EF4-FFF2-40B4-BE49-F238E27FC236}">
+                <a16:creationId xmlns:a16="http://schemas.microsoft.com/office/drawing/2014/main" id="{0DD99A7C-910B-4D22-B65F-6FF505F4B0FF}"/>
+              </a:ext>
+            </a:extLst>
+          </p:cNvPr>
+          <p:cNvPicPr>
+            <a:picLocks noChangeAspect="1"/>
+          </p:cNvPicPr>
+          <p:nvPr/>
+        </p:nvPicPr>
+        <p:blipFill>
+          <a:blip r:embed="rId3">
+            <a:extLst>
+              <a:ext uri="{28A0092B-C50C-407E-A947-70E740481C1C}">
+                <a14:useLocalDpi xmlns:a14="http://schemas.microsoft.com/office/drawing/2010/main" val="0"/>
+              </a:ext>
+            </a:extLst>
+          </a:blip>
+          <a:stretch>
+            <a:fillRect/>
+          </a:stretch>
+        </p:blipFill>
+        <p:spPr>
+          <a:xfrm>
+            <a:off x="1333278" y="3402117"/>
+            <a:ext cx="3167701" cy="3391681"/>
+          </a:xfrm>
+          <a:prstGeom prst="rect">
+            <a:avLst/>
+          </a:prstGeom>
+        </p:spPr>
+      </p:pic>
+    </p:spTree>
+    <p:extLst>
+      <p:ext uri="{BB962C8B-B14F-4D97-AF65-F5344CB8AC3E}">
+        <p14:creationId xmlns:p14="http://schemas.microsoft.com/office/powerpoint/2010/main" val="2233954983"/>
+      </p:ext>
+    </p:extLst>
+  </p:cSld>
+  <p:clrMapOvr>
+    <a:masterClrMapping/>
+  </p:clrMapOvr>
+</p:sld>
+</file>
+
+<file path=ppt/slides/slide15.xml><?xml version="1.0" encoding="utf-8"?>
+<p:sld xmlns:a="http://schemas.openxmlformats.org/drawingml/2006/main" xmlns:r="http://schemas.openxmlformats.org/officeDocument/2006/relationships" xmlns:p="http://schemas.openxmlformats.org/presentationml/2006/main">
+  <p:cSld>
+    <p:spTree>
+      <p:nvGrpSpPr>
+        <p:cNvPr id="1" name=""/>
+        <p:cNvGrpSpPr/>
+        <p:nvPr/>
+      </p:nvGrpSpPr>
+      <p:grpSpPr>
+        <a:xfrm>
+          <a:off x="0" y="0"/>
+          <a:ext cx="0" cy="0"/>
+          <a:chOff x="0" y="0"/>
+          <a:chExt cx="0" cy="0"/>
+        </a:xfrm>
+      </p:grpSpPr>
+      <p:sp>
+        <p:nvSpPr>
+          <p:cNvPr id="4" name="Заголовок 1">
+            <a:extLst>
+              <a:ext uri="{FF2B5EF4-FFF2-40B4-BE49-F238E27FC236}">
+                <a16:creationId xmlns:a16="http://schemas.microsoft.com/office/drawing/2014/main" id="{2093D672-8E2B-4F54-B2C0-54259E5B09BE}"/>
+              </a:ext>
+            </a:extLst>
+          </p:cNvPr>
+          <p:cNvSpPr>
+            <a:spLocks noGrp="1"/>
+          </p:cNvSpPr>
+          <p:nvPr>
+            <p:ph type="title"/>
+          </p:nvPr>
+        </p:nvSpPr>
+        <p:spPr>
+          <a:xfrm>
+            <a:off x="528590" y="198622"/>
+            <a:ext cx="10963183" cy="451621"/>
+          </a:xfrm>
+        </p:spPr>
+        <p:txBody>
+          <a:bodyPr>
+            <a:noAutofit/>
+          </a:bodyPr>
+          <a:lstStyle/>
+          <a:p>
+            <a:pPr algn="ctr"/>
+            <a:r>
+              <a:rPr lang="ru-RU" sz="3600" dirty="0">
+                <a:latin typeface="Times New Roman" panose="02020603050405020304" pitchFamily="18" charset="0"/>
+                <a:cs typeface="Times New Roman" panose="02020603050405020304" pitchFamily="18" charset="0"/>
+              </a:rPr>
+              <a:t>Создание кнопки возврата в начальное меню</a:t>
+            </a:r>
+          </a:p>
+        </p:txBody>
+      </p:sp>
+      <p:sp>
+        <p:nvSpPr>
+          <p:cNvPr id="3" name="Объект 2">
+            <a:extLst>
+              <a:ext uri="{FF2B5EF4-FFF2-40B4-BE49-F238E27FC236}">
+                <a16:creationId xmlns:a16="http://schemas.microsoft.com/office/drawing/2014/main" id="{280B666F-D125-471F-B826-770BBC4DF87D}"/>
+              </a:ext>
+            </a:extLst>
+          </p:cNvPr>
+          <p:cNvSpPr>
+            <a:spLocks noGrp="1"/>
+          </p:cNvSpPr>
+          <p:nvPr>
+            <p:ph idx="1"/>
+          </p:nvPr>
+        </p:nvSpPr>
+        <p:spPr>
+          <a:xfrm>
+            <a:off x="1" y="990640"/>
+            <a:ext cx="8238478" cy="5812867"/>
+          </a:xfrm>
+        </p:spPr>
+        <p:txBody>
+          <a:bodyPr>
+            <a:noAutofit/>
+          </a:bodyPr>
+          <a:lstStyle/>
+          <a:p>
+            <a:pPr marR="53975" indent="450215" algn="just">
+              <a:lnSpc>
+                <a:spcPct val="100000"/>
+              </a:lnSpc>
+            </a:pPr>
+            <a:r>
+              <a:rPr lang="ru-RU" sz="2200" dirty="0">
+                <a:solidFill>
+                  <a:srgbClr val="000000"/>
+                </a:solidFill>
+                <a:effectLst/>
+                <a:latin typeface="Times New Roman" panose="02020603050405020304" pitchFamily="18" charset="0"/>
+                <a:ea typeface="Times New Roman" panose="02020603050405020304" pitchFamily="18" charset="0"/>
+              </a:rPr>
+              <a:t>Добавим функцию </a:t>
+            </a:r>
+            <a:r>
+              <a:rPr lang="ru-RU" sz="2200" i="1" dirty="0">
+                <a:solidFill>
+                  <a:srgbClr val="000000"/>
+                </a:solidFill>
+                <a:effectLst/>
+                <a:latin typeface="Times New Roman" panose="02020603050405020304" pitchFamily="18" charset="0"/>
+                <a:ea typeface="Times New Roman" panose="02020603050405020304" pitchFamily="18" charset="0"/>
+              </a:rPr>
+              <a:t>“</a:t>
+            </a:r>
+            <a:r>
+              <a:rPr lang="ru-RU" sz="2200" i="1" dirty="0" err="1">
+                <a:solidFill>
+                  <a:srgbClr val="000000"/>
+                </a:solidFill>
+                <a:effectLst/>
+                <a:latin typeface="Times New Roman" panose="02020603050405020304" pitchFamily="18" charset="0"/>
+                <a:ea typeface="Times New Roman" panose="02020603050405020304" pitchFamily="18" charset="0"/>
+              </a:rPr>
+              <a:t>retry</a:t>
+            </a:r>
+            <a:r>
+              <a:rPr lang="ru-RU" sz="2200" i="1" dirty="0">
+                <a:solidFill>
+                  <a:srgbClr val="000000"/>
+                </a:solidFill>
+                <a:effectLst/>
+                <a:latin typeface="Times New Roman" panose="02020603050405020304" pitchFamily="18" charset="0"/>
+                <a:ea typeface="Times New Roman" panose="02020603050405020304" pitchFamily="18" charset="0"/>
+              </a:rPr>
+              <a:t>”</a:t>
+            </a:r>
+            <a:r>
+              <a:rPr lang="ru-RU" sz="2200" dirty="0">
+                <a:solidFill>
+                  <a:srgbClr val="000000"/>
+                </a:solidFill>
+                <a:effectLst/>
+                <a:latin typeface="Times New Roman" panose="02020603050405020304" pitchFamily="18" charset="0"/>
+                <a:ea typeface="Times New Roman" panose="02020603050405020304" pitchFamily="18" charset="0"/>
+              </a:rPr>
+              <a:t>, которая будет повторять тренировочный цикл. Для начала скроем все элементы итогового меню. Дальше будет выполняться функция </a:t>
+            </a:r>
+            <a:r>
+              <a:rPr lang="ru-RU" sz="2200" i="1" dirty="0">
+                <a:solidFill>
+                  <a:srgbClr val="000000"/>
+                </a:solidFill>
+                <a:effectLst/>
+                <a:latin typeface="Times New Roman" panose="02020603050405020304" pitchFamily="18" charset="0"/>
+                <a:ea typeface="Times New Roman" panose="02020603050405020304" pitchFamily="18" charset="0"/>
+              </a:rPr>
+              <a:t>“</a:t>
+            </a:r>
+            <a:r>
+              <a:rPr lang="ru-RU" sz="2200" i="1" dirty="0" err="1">
+                <a:solidFill>
+                  <a:srgbClr val="000000"/>
+                </a:solidFill>
+                <a:effectLst/>
+                <a:latin typeface="Times New Roman" panose="02020603050405020304" pitchFamily="18" charset="0"/>
+                <a:ea typeface="Times New Roman" panose="02020603050405020304" pitchFamily="18" charset="0"/>
+              </a:rPr>
+              <a:t>MainProtocol</a:t>
+            </a:r>
+            <a:r>
+              <a:rPr lang="ru-RU" sz="2200" i="1" dirty="0">
+                <a:solidFill>
+                  <a:srgbClr val="000000"/>
+                </a:solidFill>
+                <a:effectLst/>
+                <a:latin typeface="Times New Roman" panose="02020603050405020304" pitchFamily="18" charset="0"/>
+                <a:ea typeface="Times New Roman" panose="02020603050405020304" pitchFamily="18" charset="0"/>
+              </a:rPr>
+              <a:t>”</a:t>
+            </a:r>
+            <a:r>
+              <a:rPr lang="ru-RU" sz="2200" dirty="0">
+                <a:solidFill>
+                  <a:srgbClr val="000000"/>
+                </a:solidFill>
+                <a:effectLst/>
+                <a:latin typeface="Times New Roman" panose="02020603050405020304" pitchFamily="18" charset="0"/>
+                <a:ea typeface="Times New Roman" panose="02020603050405020304" pitchFamily="18" charset="0"/>
+              </a:rPr>
+              <a:t> с последним выбранным списком соединений и их признаков. </a:t>
+            </a:r>
+            <a:endParaRPr lang="en-US" sz="2200" dirty="0">
+              <a:solidFill>
+                <a:srgbClr val="000000"/>
+              </a:solidFill>
+              <a:effectLst/>
+              <a:latin typeface="Times New Roman" panose="02020603050405020304" pitchFamily="18" charset="0"/>
+              <a:ea typeface="Times New Roman" panose="02020603050405020304" pitchFamily="18" charset="0"/>
+            </a:endParaRPr>
+          </a:p>
+          <a:p>
+            <a:pPr marR="53975" indent="450215" algn="just">
+              <a:lnSpc>
+                <a:spcPct val="100000"/>
+              </a:lnSpc>
+            </a:pPr>
+            <a:r>
+              <a:rPr lang="ru-RU" sz="2200" dirty="0">
+                <a:solidFill>
+                  <a:srgbClr val="000000"/>
+                </a:solidFill>
+                <a:effectLst/>
+                <a:latin typeface="Times New Roman" panose="02020603050405020304" pitchFamily="18" charset="0"/>
+                <a:ea typeface="Times New Roman" panose="02020603050405020304" pitchFamily="18" charset="0"/>
+              </a:rPr>
+              <a:t>Добавим функцию </a:t>
+            </a:r>
+            <a:r>
+              <a:rPr lang="ru-RU" sz="2200" i="1" dirty="0">
+                <a:solidFill>
+                  <a:srgbClr val="000000"/>
+                </a:solidFill>
+                <a:effectLst/>
+                <a:latin typeface="Times New Roman" panose="02020603050405020304" pitchFamily="18" charset="0"/>
+                <a:ea typeface="Times New Roman" panose="02020603050405020304" pitchFamily="18" charset="0"/>
+              </a:rPr>
+              <a:t>“</a:t>
+            </a:r>
+            <a:r>
+              <a:rPr lang="ru-RU" sz="2200" i="1" dirty="0" err="1">
+                <a:solidFill>
+                  <a:srgbClr val="000000"/>
+                </a:solidFill>
+                <a:effectLst/>
+                <a:latin typeface="Times New Roman" panose="02020603050405020304" pitchFamily="18" charset="0"/>
+                <a:ea typeface="Times New Roman" panose="02020603050405020304" pitchFamily="18" charset="0"/>
+              </a:rPr>
+              <a:t>BackToMainMenu</a:t>
+            </a:r>
+            <a:r>
+              <a:rPr lang="ru-RU" sz="2200" i="1" dirty="0">
+                <a:solidFill>
+                  <a:srgbClr val="000000"/>
+                </a:solidFill>
+                <a:effectLst/>
+                <a:latin typeface="Times New Roman" panose="02020603050405020304" pitchFamily="18" charset="0"/>
+                <a:ea typeface="Times New Roman" panose="02020603050405020304" pitchFamily="18" charset="0"/>
+              </a:rPr>
+              <a:t>”</a:t>
+            </a:r>
+            <a:r>
+              <a:rPr lang="ru-RU" sz="2200" dirty="0">
+                <a:solidFill>
+                  <a:srgbClr val="000000"/>
+                </a:solidFill>
+                <a:effectLst/>
+                <a:latin typeface="Times New Roman" panose="02020603050405020304" pitchFamily="18" charset="0"/>
+                <a:ea typeface="Times New Roman" panose="02020603050405020304" pitchFamily="18" charset="0"/>
+              </a:rPr>
+              <a:t>, которая будет возвращать пользователя к начальному меню. Для начала скроем кнопку для возврата к начальному меню </a:t>
+            </a:r>
+            <a:r>
+              <a:rPr lang="ru-RU" sz="2200" i="1" dirty="0">
+                <a:solidFill>
+                  <a:srgbClr val="000000"/>
+                </a:solidFill>
+                <a:effectLst/>
+                <a:latin typeface="Times New Roman" panose="02020603050405020304" pitchFamily="18" charset="0"/>
+                <a:ea typeface="Times New Roman" panose="02020603050405020304" pitchFamily="18" charset="0"/>
+              </a:rPr>
+              <a:t>“</a:t>
+            </a:r>
+            <a:r>
+              <a:rPr lang="ru-RU" sz="2200" i="1" dirty="0" err="1">
+                <a:solidFill>
+                  <a:srgbClr val="000000"/>
+                </a:solidFill>
+                <a:effectLst/>
+                <a:latin typeface="Times New Roman" panose="02020603050405020304" pitchFamily="18" charset="0"/>
+                <a:ea typeface="Times New Roman" panose="02020603050405020304" pitchFamily="18" charset="0"/>
+              </a:rPr>
+              <a:t>btn_Back</a:t>
+            </a:r>
+            <a:r>
+              <a:rPr lang="ru-RU" sz="2200" i="1" dirty="0">
+                <a:solidFill>
+                  <a:srgbClr val="000000"/>
+                </a:solidFill>
+                <a:effectLst/>
+                <a:latin typeface="Times New Roman" panose="02020603050405020304" pitchFamily="18" charset="0"/>
+                <a:ea typeface="Times New Roman" panose="02020603050405020304" pitchFamily="18" charset="0"/>
+              </a:rPr>
+              <a:t>”</a:t>
+            </a:r>
+            <a:r>
+              <a:rPr lang="ru-RU" sz="2200" dirty="0">
+                <a:solidFill>
+                  <a:srgbClr val="000000"/>
+                </a:solidFill>
+                <a:effectLst/>
+                <a:latin typeface="Times New Roman" panose="02020603050405020304" pitchFamily="18" charset="0"/>
+                <a:ea typeface="Times New Roman" panose="02020603050405020304" pitchFamily="18" charset="0"/>
+              </a:rPr>
+              <a:t> и поле для вывода химического соединения </a:t>
+            </a:r>
+            <a:r>
+              <a:rPr lang="ru-RU" sz="2200" i="1" dirty="0">
+                <a:solidFill>
+                  <a:srgbClr val="000000"/>
+                </a:solidFill>
+                <a:effectLst/>
+                <a:latin typeface="Times New Roman" panose="02020603050405020304" pitchFamily="18" charset="0"/>
+                <a:ea typeface="Times New Roman" panose="02020603050405020304" pitchFamily="18" charset="0"/>
+              </a:rPr>
+              <a:t>“</a:t>
+            </a:r>
+            <a:r>
+              <a:rPr lang="ru-RU" sz="2200" i="1" dirty="0" err="1">
+                <a:solidFill>
+                  <a:srgbClr val="000000"/>
+                </a:solidFill>
+                <a:effectLst/>
+                <a:latin typeface="Times New Roman" panose="02020603050405020304" pitchFamily="18" charset="0"/>
+                <a:ea typeface="Times New Roman" panose="02020603050405020304" pitchFamily="18" charset="0"/>
+              </a:rPr>
+              <a:t>gameLabel</a:t>
+            </a:r>
+            <a:r>
+              <a:rPr lang="ru-RU" sz="2200" i="1" dirty="0">
+                <a:solidFill>
+                  <a:srgbClr val="000000"/>
+                </a:solidFill>
+                <a:effectLst/>
+                <a:latin typeface="Times New Roman" panose="02020603050405020304" pitchFamily="18" charset="0"/>
+                <a:ea typeface="Times New Roman" panose="02020603050405020304" pitchFamily="18" charset="0"/>
+              </a:rPr>
+              <a:t>”</a:t>
+            </a:r>
+            <a:r>
+              <a:rPr lang="ru-RU" sz="2200" dirty="0">
+                <a:solidFill>
+                  <a:srgbClr val="000000"/>
+                </a:solidFill>
+                <a:effectLst/>
+                <a:latin typeface="Times New Roman" panose="02020603050405020304" pitchFamily="18" charset="0"/>
+                <a:ea typeface="Times New Roman" panose="02020603050405020304" pitchFamily="18" charset="0"/>
+              </a:rPr>
+              <a:t>. Далее будут показываться элементы начального меню. При необходимости так же будут скрыты поля </a:t>
+            </a:r>
+            <a:r>
+              <a:rPr lang="ru-RU" sz="2200" i="1" dirty="0">
+                <a:solidFill>
+                  <a:srgbClr val="000000"/>
+                </a:solidFill>
+                <a:effectLst/>
+                <a:latin typeface="Times New Roman" panose="02020603050405020304" pitchFamily="18" charset="0"/>
+                <a:ea typeface="Times New Roman" panose="02020603050405020304" pitchFamily="18" charset="0"/>
+              </a:rPr>
+              <a:t>“</a:t>
+            </a:r>
+            <a:r>
+              <a:rPr lang="ru-RU" sz="2200" i="1" dirty="0" err="1">
+                <a:solidFill>
+                  <a:srgbClr val="000000"/>
+                </a:solidFill>
+                <a:effectLst/>
+                <a:latin typeface="Times New Roman" panose="02020603050405020304" pitchFamily="18" charset="0"/>
+                <a:ea typeface="Times New Roman" panose="02020603050405020304" pitchFamily="18" charset="0"/>
+              </a:rPr>
+              <a:t>requestLine</a:t>
+            </a:r>
+            <a:r>
+              <a:rPr lang="ru-RU" sz="2200" i="1" dirty="0">
+                <a:solidFill>
+                  <a:srgbClr val="000000"/>
+                </a:solidFill>
+                <a:effectLst/>
+                <a:latin typeface="Times New Roman" panose="02020603050405020304" pitchFamily="18" charset="0"/>
+                <a:ea typeface="Times New Roman" panose="02020603050405020304" pitchFamily="18" charset="0"/>
+              </a:rPr>
+              <a:t>”</a:t>
+            </a:r>
+            <a:r>
+              <a:rPr lang="ru-RU" sz="2200" dirty="0">
+                <a:solidFill>
+                  <a:srgbClr val="000000"/>
+                </a:solidFill>
+                <a:effectLst/>
+                <a:latin typeface="Times New Roman" panose="02020603050405020304" pitchFamily="18" charset="0"/>
+                <a:ea typeface="Times New Roman" panose="02020603050405020304" pitchFamily="18" charset="0"/>
+              </a:rPr>
+              <a:t>, </a:t>
+            </a:r>
+            <a:r>
+              <a:rPr lang="ru-RU" sz="2200" i="1" dirty="0">
+                <a:solidFill>
+                  <a:srgbClr val="000000"/>
+                </a:solidFill>
+                <a:effectLst/>
+                <a:latin typeface="Times New Roman" panose="02020603050405020304" pitchFamily="18" charset="0"/>
+                <a:ea typeface="Times New Roman" panose="02020603050405020304" pitchFamily="18" charset="0"/>
+              </a:rPr>
+              <a:t>“</a:t>
+            </a:r>
+            <a:r>
+              <a:rPr lang="ru-RU" sz="2200" i="1" dirty="0" err="1">
+                <a:solidFill>
+                  <a:srgbClr val="000000"/>
+                </a:solidFill>
+                <a:effectLst/>
+                <a:latin typeface="Times New Roman" panose="02020603050405020304" pitchFamily="18" charset="0"/>
+                <a:ea typeface="Times New Roman" panose="02020603050405020304" pitchFamily="18" charset="0"/>
+              </a:rPr>
+              <a:t>solaceLabel</a:t>
+            </a:r>
+            <a:r>
+              <a:rPr lang="ru-RU" sz="2200" i="1" dirty="0">
+                <a:solidFill>
+                  <a:srgbClr val="000000"/>
+                </a:solidFill>
+                <a:effectLst/>
+                <a:latin typeface="Times New Roman" panose="02020603050405020304" pitchFamily="18" charset="0"/>
+                <a:ea typeface="Times New Roman" panose="02020603050405020304" pitchFamily="18" charset="0"/>
+              </a:rPr>
+              <a:t>”</a:t>
+            </a:r>
+            <a:r>
+              <a:rPr lang="ru-RU" sz="2200" dirty="0">
+                <a:solidFill>
+                  <a:srgbClr val="000000"/>
+                </a:solidFill>
+                <a:effectLst/>
+                <a:latin typeface="Times New Roman" panose="02020603050405020304" pitchFamily="18" charset="0"/>
+                <a:ea typeface="Times New Roman" panose="02020603050405020304" pitchFamily="18" charset="0"/>
+              </a:rPr>
+              <a:t>, </a:t>
+            </a:r>
+            <a:r>
+              <a:rPr lang="ru-RU" sz="2200" i="1" dirty="0">
+                <a:solidFill>
+                  <a:srgbClr val="000000"/>
+                </a:solidFill>
+                <a:effectLst/>
+                <a:latin typeface="Times New Roman" panose="02020603050405020304" pitchFamily="18" charset="0"/>
+                <a:ea typeface="Times New Roman" panose="02020603050405020304" pitchFamily="18" charset="0"/>
+              </a:rPr>
+              <a:t>“</a:t>
+            </a:r>
+            <a:r>
+              <a:rPr lang="ru-RU" sz="2200" i="1" dirty="0" err="1">
+                <a:solidFill>
+                  <a:srgbClr val="000000"/>
+                </a:solidFill>
+                <a:effectLst/>
+                <a:latin typeface="Times New Roman" panose="02020603050405020304" pitchFamily="18" charset="0"/>
+                <a:ea typeface="Times New Roman" panose="02020603050405020304" pitchFamily="18" charset="0"/>
+              </a:rPr>
+              <a:t>correctAnswerLabel</a:t>
+            </a:r>
+            <a:r>
+              <a:rPr lang="ru-RU" sz="2200" i="1" dirty="0">
+                <a:solidFill>
+                  <a:srgbClr val="000000"/>
+                </a:solidFill>
+                <a:effectLst/>
+                <a:latin typeface="Times New Roman" panose="02020603050405020304" pitchFamily="18" charset="0"/>
+                <a:ea typeface="Times New Roman" panose="02020603050405020304" pitchFamily="18" charset="0"/>
+              </a:rPr>
+              <a:t>”</a:t>
+            </a:r>
+            <a:r>
+              <a:rPr lang="ru-RU" sz="2200" dirty="0">
+                <a:solidFill>
+                  <a:srgbClr val="000000"/>
+                </a:solidFill>
+                <a:effectLst/>
+                <a:latin typeface="Times New Roman" panose="02020603050405020304" pitchFamily="18" charset="0"/>
+                <a:ea typeface="Times New Roman" panose="02020603050405020304" pitchFamily="18" charset="0"/>
+              </a:rPr>
+              <a:t> и кнопки </a:t>
+            </a:r>
+            <a:r>
+              <a:rPr lang="ru-RU" sz="2200" i="1" dirty="0">
+                <a:solidFill>
+                  <a:srgbClr val="000000"/>
+                </a:solidFill>
+                <a:effectLst/>
+                <a:latin typeface="Times New Roman" panose="02020603050405020304" pitchFamily="18" charset="0"/>
+                <a:ea typeface="Times New Roman" panose="02020603050405020304" pitchFamily="18" charset="0"/>
+              </a:rPr>
+              <a:t>“</a:t>
+            </a:r>
+            <a:r>
+              <a:rPr lang="ru-RU" sz="2200" i="1" dirty="0" err="1">
+                <a:solidFill>
+                  <a:srgbClr val="000000"/>
+                </a:solidFill>
+                <a:effectLst/>
+                <a:latin typeface="Times New Roman" panose="02020603050405020304" pitchFamily="18" charset="0"/>
+                <a:ea typeface="Times New Roman" panose="02020603050405020304" pitchFamily="18" charset="0"/>
+              </a:rPr>
+              <a:t>btn_go</a:t>
+            </a:r>
+            <a:r>
+              <a:rPr lang="ru-RU" sz="2200" i="1" dirty="0">
+                <a:solidFill>
+                  <a:srgbClr val="000000"/>
+                </a:solidFill>
+                <a:effectLst/>
+                <a:latin typeface="Times New Roman" panose="02020603050405020304" pitchFamily="18" charset="0"/>
+                <a:ea typeface="Times New Roman" panose="02020603050405020304" pitchFamily="18" charset="0"/>
+              </a:rPr>
+              <a:t>”</a:t>
+            </a:r>
+            <a:r>
+              <a:rPr lang="ru-RU" sz="2200" dirty="0">
+                <a:solidFill>
+                  <a:srgbClr val="000000"/>
+                </a:solidFill>
+                <a:effectLst/>
+                <a:latin typeface="Times New Roman" panose="02020603050405020304" pitchFamily="18" charset="0"/>
+                <a:ea typeface="Times New Roman" panose="02020603050405020304" pitchFamily="18" charset="0"/>
+              </a:rPr>
+              <a:t>, </a:t>
+            </a:r>
+            <a:r>
+              <a:rPr lang="ru-RU" sz="2200" i="1" dirty="0">
+                <a:solidFill>
+                  <a:srgbClr val="000000"/>
+                </a:solidFill>
+                <a:effectLst/>
+                <a:latin typeface="Times New Roman" panose="02020603050405020304" pitchFamily="18" charset="0"/>
+                <a:ea typeface="Times New Roman" panose="02020603050405020304" pitchFamily="18" charset="0"/>
+              </a:rPr>
+              <a:t>“</a:t>
+            </a:r>
+            <a:r>
+              <a:rPr lang="ru-RU" sz="2200" i="1" dirty="0" err="1">
+                <a:solidFill>
+                  <a:srgbClr val="000000"/>
+                </a:solidFill>
+                <a:effectLst/>
+                <a:latin typeface="Times New Roman" panose="02020603050405020304" pitchFamily="18" charset="0"/>
+                <a:ea typeface="Times New Roman" panose="02020603050405020304" pitchFamily="18" charset="0"/>
+              </a:rPr>
+              <a:t>btn_retry</a:t>
+            </a:r>
+            <a:r>
+              <a:rPr lang="ru-RU" sz="2200" i="1" dirty="0">
+                <a:solidFill>
+                  <a:srgbClr val="000000"/>
+                </a:solidFill>
+                <a:effectLst/>
+                <a:latin typeface="Times New Roman" panose="02020603050405020304" pitchFamily="18" charset="0"/>
+                <a:ea typeface="Times New Roman" panose="02020603050405020304" pitchFamily="18" charset="0"/>
+              </a:rPr>
+              <a:t>”</a:t>
+            </a:r>
+            <a:r>
+              <a:rPr lang="ru-RU" sz="2200" dirty="0">
+                <a:solidFill>
+                  <a:srgbClr val="000000"/>
+                </a:solidFill>
+                <a:effectLst/>
+                <a:latin typeface="Times New Roman" panose="02020603050405020304" pitchFamily="18" charset="0"/>
+                <a:ea typeface="Times New Roman" panose="02020603050405020304" pitchFamily="18" charset="0"/>
+              </a:rPr>
+              <a:t>.</a:t>
+            </a:r>
+            <a:endParaRPr lang="ru-RU" sz="2200" dirty="0">
+              <a:effectLst/>
+              <a:latin typeface="Times New Roman" panose="02020603050405020304" pitchFamily="18" charset="0"/>
+              <a:ea typeface="Times New Roman" panose="02020603050405020304" pitchFamily="18" charset="0"/>
+            </a:endParaRPr>
+          </a:p>
+          <a:p>
+            <a:pPr marR="53975" indent="450215" algn="just">
+              <a:lnSpc>
+                <a:spcPct val="100000"/>
+              </a:lnSpc>
+            </a:pPr>
+            <a:r>
+              <a:rPr lang="ru-RU" sz="2200" dirty="0">
+                <a:solidFill>
+                  <a:srgbClr val="000000"/>
+                </a:solidFill>
+                <a:effectLst/>
+                <a:latin typeface="Times New Roman" panose="02020603050405020304" pitchFamily="18" charset="0"/>
+                <a:ea typeface="Times New Roman" panose="02020603050405020304" pitchFamily="18" charset="0"/>
+              </a:rPr>
+              <a:t>В завершении создадим файлы “FullProtocol.txt”, “OGEProtocol.txt”, “EGEProtocol.txt”, запишем туда необходимые соединения и их признаки, создадим исполняемый файл “ChemistryGame.exe”, для запуска нашей программы.</a:t>
+            </a:r>
+            <a:endParaRPr lang="ru-RU" sz="2200" dirty="0">
+              <a:effectLst/>
+              <a:latin typeface="Times New Roman" panose="02020603050405020304" pitchFamily="18" charset="0"/>
+              <a:ea typeface="Times New Roman" panose="02020603050405020304" pitchFamily="18" charset="0"/>
+            </a:endParaRPr>
+          </a:p>
+        </p:txBody>
+      </p:sp>
+      <p:pic>
+        <p:nvPicPr>
+          <p:cNvPr id="7" name="Рисунок 6">
+            <a:extLst>
+              <a:ext uri="{FF2B5EF4-FFF2-40B4-BE49-F238E27FC236}">
+                <a16:creationId xmlns:a16="http://schemas.microsoft.com/office/drawing/2014/main" id="{635BCAD2-CF84-44A0-B839-AE5E0EE241F3}"/>
+              </a:ext>
+            </a:extLst>
+          </p:cNvPr>
+          <p:cNvPicPr>
+            <a:picLocks noChangeAspect="1"/>
+          </p:cNvPicPr>
+          <p:nvPr/>
+        </p:nvPicPr>
+        <p:blipFill>
+          <a:blip r:embed="rId2">
+            <a:extLst>
+              <a:ext uri="{28A0092B-C50C-407E-A947-70E740481C1C}">
+                <a14:useLocalDpi xmlns:a14="http://schemas.microsoft.com/office/drawing/2010/main" val="0"/>
+              </a:ext>
+            </a:extLst>
+          </a:blip>
+          <a:stretch>
+            <a:fillRect/>
+          </a:stretch>
+        </p:blipFill>
+        <p:spPr>
+          <a:xfrm>
+            <a:off x="8238479" y="1671434"/>
+            <a:ext cx="3860251" cy="4195926"/>
+          </a:xfrm>
+          <a:prstGeom prst="rect">
+            <a:avLst/>
+          </a:prstGeom>
+        </p:spPr>
+      </p:pic>
+    </p:spTree>
+    <p:extLst>
+      <p:ext uri="{BB962C8B-B14F-4D97-AF65-F5344CB8AC3E}">
+        <p14:creationId xmlns:p14="http://schemas.microsoft.com/office/powerpoint/2010/main" val="2096535094"/>
+      </p:ext>
+    </p:extLst>
+  </p:cSld>
+  <p:clrMapOvr>
+    <a:masterClrMapping/>
+  </p:clrMapOvr>
+</p:sld>
+</file>
+
+<file path=ppt/slides/slide16.xml><?xml version="1.0" encoding="utf-8"?>
+<p:sld xmlns:a="http://schemas.openxmlformats.org/drawingml/2006/main" xmlns:r="http://schemas.openxmlformats.org/officeDocument/2006/relationships" xmlns:p="http://schemas.openxmlformats.org/presentationml/2006/main">
+  <p:cSld>
+    <p:spTree>
+      <p:nvGrpSpPr>
+        <p:cNvPr id="1" name=""/>
+        <p:cNvGrpSpPr/>
+        <p:nvPr/>
+      </p:nvGrpSpPr>
+      <p:grpSpPr>
+        <a:xfrm>
+          <a:off x="0" y="0"/>
+          <a:ext cx="0" cy="0"/>
+          <a:chOff x="0" y="0"/>
+          <a:chExt cx="0" cy="0"/>
+        </a:xfrm>
+      </p:grpSpPr>
+      <p:sp>
+        <p:nvSpPr>
+          <p:cNvPr id="2" name="Заголовок 1">
+            <a:extLst>
+              <a:ext uri="{FF2B5EF4-FFF2-40B4-BE49-F238E27FC236}">
+                <a16:creationId xmlns:a16="http://schemas.microsoft.com/office/drawing/2014/main" id="{1C7C7102-A861-48A6-9FDC-F2E3B5880033}"/>
+              </a:ext>
+            </a:extLst>
+          </p:cNvPr>
+          <p:cNvSpPr>
+            <a:spLocks noGrp="1"/>
+          </p:cNvSpPr>
+          <p:nvPr>
+            <p:ph type="title"/>
+          </p:nvPr>
+        </p:nvSpPr>
+        <p:spPr>
+          <a:xfrm>
+            <a:off x="838200" y="357002"/>
+            <a:ext cx="10515600" cy="648070"/>
+          </a:xfrm>
+        </p:spPr>
+        <p:txBody>
+          <a:bodyPr/>
+          <a:lstStyle/>
+          <a:p>
+            <a:pPr algn="ctr"/>
+            <a:r>
+              <a:rPr lang="ru-RU" sz="3600" b="1" dirty="0">
+                <a:solidFill>
+                  <a:srgbClr val="000000"/>
+                </a:solidFill>
+                <a:effectLst/>
+                <a:latin typeface="Times New Roman" panose="02020603050405020304" pitchFamily="18" charset="0"/>
+                <a:ea typeface="Times New Roman" panose="02020603050405020304" pitchFamily="18" charset="0"/>
+              </a:rPr>
+              <a:t>ЗАКЛЮЧЕНИЕ</a:t>
+            </a:r>
+            <a:endParaRPr lang="ru-RU" sz="3600" dirty="0"/>
+          </a:p>
+        </p:txBody>
+      </p:sp>
+      <p:sp>
+        <p:nvSpPr>
+          <p:cNvPr id="3" name="Объект 2">
+            <a:extLst>
+              <a:ext uri="{FF2B5EF4-FFF2-40B4-BE49-F238E27FC236}">
+                <a16:creationId xmlns:a16="http://schemas.microsoft.com/office/drawing/2014/main" id="{D912E0CE-FCD1-435B-8320-C2D97989D87B}"/>
+              </a:ext>
+            </a:extLst>
+          </p:cNvPr>
+          <p:cNvSpPr>
+            <a:spLocks noGrp="1"/>
+          </p:cNvSpPr>
+          <p:nvPr>
+            <p:ph idx="1"/>
+          </p:nvPr>
+        </p:nvSpPr>
+        <p:spPr>
+          <a:xfrm>
+            <a:off x="1060141" y="1481940"/>
+            <a:ext cx="10515600" cy="5019058"/>
+          </a:xfrm>
+        </p:spPr>
+        <p:txBody>
+          <a:bodyPr>
+            <a:normAutofit/>
+          </a:bodyPr>
+          <a:lstStyle/>
+          <a:p>
+            <a:pPr>
+              <a:lnSpc>
+                <a:spcPct val="100000"/>
+              </a:lnSpc>
+            </a:pPr>
+            <a:r>
+              <a:rPr lang="ru-RU" sz="2200" dirty="0">
+                <a:effectLst/>
+                <a:latin typeface="Times New Roman" panose="02020603050405020304" pitchFamily="18" charset="0"/>
+                <a:ea typeface="Arial" panose="020B0604020202020204" pitchFamily="34" charset="0"/>
+                <a:cs typeface="Times New Roman" panose="02020603050405020304" pitchFamily="18" charset="0"/>
+              </a:rPr>
+              <a:t>Современные ИКТ обладают всеми необходимыми возможностями для разработки новых технологий обучения на основе дидактических принципов организации и управления образовательным процессом, основных положений личностно-деятельностного и личностно-ориентированного подходов к обучению, учета индивидуальных особенностей обучаемых. </a:t>
+            </a:r>
+          </a:p>
+          <a:p>
+            <a:pPr>
+              <a:lnSpc>
+                <a:spcPct val="100000"/>
+              </a:lnSpc>
+            </a:pPr>
+            <a:r>
+              <a:rPr lang="ru-RU" sz="2200" dirty="0">
+                <a:effectLst/>
+                <a:latin typeface="Times New Roman" panose="02020603050405020304" pitchFamily="18" charset="0"/>
+                <a:ea typeface="Arial" panose="020B0604020202020204" pitchFamily="34" charset="0"/>
+                <a:cs typeface="Times New Roman" panose="02020603050405020304" pitchFamily="18" charset="0"/>
+              </a:rPr>
+              <a:t>Можно также с уверенностью говорить о дальнейшем развитии информационных технологий в обучении, которые имеют большие перспективы и могут оптимизировать образовательный процесс за счет его персонализации.</a:t>
+            </a:r>
+          </a:p>
+          <a:p>
+            <a:pPr>
+              <a:lnSpc>
+                <a:spcPct val="100000"/>
+              </a:lnSpc>
+            </a:pPr>
+            <a:r>
+              <a:rPr lang="ru-RU" sz="2200" dirty="0">
+                <a:effectLst/>
+                <a:latin typeface="Times New Roman" panose="02020603050405020304" pitchFamily="18" charset="0"/>
+                <a:ea typeface="Arial" panose="020B0604020202020204" pitchFamily="34" charset="0"/>
+                <a:cs typeface="Times New Roman" panose="02020603050405020304" pitchFamily="18" charset="0"/>
+              </a:rPr>
+              <a:t>Ещё много направлений, которые можно развивать в данной области. Надеюсь, что разработанная мной программа поможет не только мне, но и другим ученикам, а, может, даже станет примером и другим школьникам захочется также начать свои разработки программ и приложений, которые сделаю процесс обучения более эффективным.</a:t>
+            </a:r>
+          </a:p>
+        </p:txBody>
+      </p:sp>
+    </p:spTree>
+    <p:extLst>
+      <p:ext uri="{BB962C8B-B14F-4D97-AF65-F5344CB8AC3E}">
+        <p14:creationId xmlns:p14="http://schemas.microsoft.com/office/powerpoint/2010/main" val="2658232714"/>
       </p:ext>
     </p:extLst>
   </p:cSld>
@@ -3699,12 +7370,26 @@
             <p:ph type="title"/>
           </p:nvPr>
         </p:nvSpPr>
-        <p:spPr/>
+        <p:spPr>
+          <a:xfrm>
+            <a:off x="838200" y="301841"/>
+            <a:ext cx="10515600" cy="781235"/>
+          </a:xfrm>
+        </p:spPr>
         <p:txBody>
-          <a:bodyPr/>
+          <a:bodyPr>
+            <a:normAutofit/>
+          </a:bodyPr>
           <a:lstStyle/>
           <a:p>
-            <a:endParaRPr lang="ru-RU" dirty="0"/>
+            <a:pPr algn="ctr"/>
+            <a:r>
+              <a:rPr lang="ru-RU" sz="3600" dirty="0">
+                <a:latin typeface="Times New Roman" panose="02020603050405020304" pitchFamily="18" charset="0"/>
+                <a:cs typeface="Times New Roman" panose="02020603050405020304" pitchFamily="18" charset="0"/>
+              </a:rPr>
+              <a:t>Введение</a:t>
+            </a:r>
           </a:p>
         </p:txBody>
       </p:sp>
@@ -3726,70 +7411,89 @@
         </p:nvSpPr>
         <p:spPr>
           <a:xfrm>
-            <a:off x="926976" y="1923280"/>
-            <a:ext cx="10515600" cy="4351338"/>
+            <a:off x="301841" y="1686757"/>
+            <a:ext cx="11487705" cy="4110361"/>
           </a:xfrm>
         </p:spPr>
         <p:txBody>
-          <a:bodyPr/>
+          <a:bodyPr>
+            <a:normAutofit/>
+          </a:bodyPr>
           <a:lstStyle/>
           <a:p>
-            <a:r>
-              <a:rPr lang="ru-RU" sz="1800" dirty="0">
-                <a:solidFill>
-                  <a:srgbClr val="000000"/>
-                </a:solidFill>
-                <a:effectLst/>
-                <a:latin typeface="Times New Roman" panose="02020603050405020304" pitchFamily="18" charset="0"/>
-                <a:ea typeface="Arial" panose="020B0604020202020204" pitchFamily="34" charset="0"/>
+            <a:pPr>
+              <a:lnSpc>
+                <a:spcPct val="100000"/>
+              </a:lnSpc>
+            </a:pPr>
+            <a:r>
+              <a:rPr lang="ru-RU" sz="2200" dirty="0">
+                <a:solidFill>
+                  <a:srgbClr val="000000"/>
+                </a:solidFill>
+                <a:effectLst/>
+                <a:latin typeface="Times New Roman" panose="02020603050405020304" pitchFamily="18" charset="0"/>
+                <a:ea typeface="Arial" panose="020B0604020202020204" pitchFamily="34" charset="0"/>
+                <a:cs typeface="Times New Roman" panose="02020603050405020304" pitchFamily="18" charset="0"/>
               </a:rPr>
               <a:t>В связи с такими нынешними проблемами учебного процесса, как сниженная заинтересованность учеников в учёбе, сложность восприятия изучаемой информации, отсутствие подходящих инструментов для изучения информации остро встаёт вопрос об улучшении и модернизации современных средств освоения изучаемого материала.</a:t>
             </a:r>
           </a:p>
           <a:p>
-            <a:r>
-              <a:rPr lang="ru-RU" sz="1800" dirty="0">
-                <a:solidFill>
-                  <a:srgbClr val="000000"/>
-                </a:solidFill>
-                <a:effectLst/>
-                <a:latin typeface="Times New Roman" panose="02020603050405020304" pitchFamily="18" charset="0"/>
-                <a:ea typeface="Arial" panose="020B0604020202020204" pitchFamily="34" charset="0"/>
+            <a:pPr>
+              <a:lnSpc>
+                <a:spcPct val="100000"/>
+              </a:lnSpc>
+            </a:pPr>
+            <a:r>
+              <a:rPr lang="ru-RU" sz="2200" dirty="0">
+                <a:solidFill>
+                  <a:srgbClr val="000000"/>
+                </a:solidFill>
+                <a:effectLst/>
+                <a:latin typeface="Times New Roman" panose="02020603050405020304" pitchFamily="18" charset="0"/>
+                <a:ea typeface="Arial" panose="020B0604020202020204" pitchFamily="34" charset="0"/>
+                <a:cs typeface="Times New Roman" panose="02020603050405020304" pitchFamily="18" charset="0"/>
               </a:rPr>
               <a:t>Целью данной работы является исследование имеющихся и новых возможностей применения информационных технологий в учебном процессе и </a:t>
             </a:r>
             <a:r>
-              <a:rPr lang="ru-RU" sz="1800" dirty="0">
+              <a:rPr lang="ru-RU" sz="2200" dirty="0">
                 <a:solidFill>
                   <a:srgbClr val="000000"/>
                 </a:solidFill>
                 <a:effectLst/>
                 <a:latin typeface="Times New Roman" panose="02020603050405020304" pitchFamily="18" charset="0"/>
                 <a:ea typeface="Times New Roman" panose="02020603050405020304" pitchFamily="18" charset="0"/>
+                <a:cs typeface="Times New Roman" panose="02020603050405020304" pitchFamily="18" charset="0"/>
               </a:rPr>
               <a:t>разработка программы для улучшения эффективности и удобства образования в области химии с помощью информационных технологий.</a:t>
             </a:r>
           </a:p>
           <a:p>
-            <a:r>
-              <a:rPr lang="ru-RU" sz="1800" dirty="0">
-                <a:solidFill>
-                  <a:srgbClr val="000000"/>
-                </a:solidFill>
-                <a:effectLst/>
-                <a:latin typeface="Times New Roman" panose="02020603050405020304" pitchFamily="18" charset="0"/>
-                <a:ea typeface="Arial" panose="020B0604020202020204" pitchFamily="34" charset="0"/>
-              </a:rPr>
-              <a:t>Методической основой исследования являются литературные источники по внедрению цифровых информационных технологий в образовательный процесс, а также, открытые аналитические материалы. </a:t>
-            </a:r>
-            <a:endParaRPr lang="ru-RU" sz="1800" dirty="0">
+            <a:pPr>
+              <a:lnSpc>
+                <a:spcPct val="100000"/>
+              </a:lnSpc>
+            </a:pPr>
+            <a:r>
+              <a:rPr lang="ru-RU" sz="2200" dirty="0">
+                <a:solidFill>
+                  <a:srgbClr val="000000"/>
+                </a:solidFill>
+                <a:effectLst/>
+                <a:latin typeface="Times New Roman" panose="02020603050405020304" pitchFamily="18" charset="0"/>
+                <a:ea typeface="Arial" panose="020B0604020202020204" pitchFamily="34" charset="0"/>
+                <a:cs typeface="Times New Roman" panose="02020603050405020304" pitchFamily="18" charset="0"/>
+              </a:rPr>
+              <a:t>Методической основой исследования являются литературные источники по внедрению цифровых информационных технологий в образовательный процесс, а также, открытые аналитические материалы.</a:t>
+            </a:r>
+            <a:endParaRPr lang="ru-RU" sz="2200" dirty="0">
               <a:effectLst/>
-              <a:latin typeface="Arial" panose="020B0604020202020204" pitchFamily="34" charset="0"/>
+              <a:latin typeface="Times New Roman" panose="02020603050405020304" pitchFamily="18" charset="0"/>
               <a:ea typeface="Arial" panose="020B0604020202020204" pitchFamily="34" charset="0"/>
+              <a:cs typeface="Times New Roman" panose="02020603050405020304" pitchFamily="18" charset="0"/>
             </a:endParaRPr>
-          </a:p>
-          <a:p>
-            <a:endParaRPr lang="ru-RU" dirty="0"/>
           </a:p>
         </p:txBody>
       </p:sp>
@@ -3828,7 +7532,7 @@
           <p:cNvPr id="2" name="Заголовок 1">
             <a:extLst>
               <a:ext uri="{FF2B5EF4-FFF2-40B4-BE49-F238E27FC236}">
-                <a16:creationId xmlns:a16="http://schemas.microsoft.com/office/drawing/2014/main" id="{C14246C1-6563-4318-B6F2-311469BE1C8E}"/>
+                <a16:creationId xmlns:a16="http://schemas.microsoft.com/office/drawing/2014/main" id="{E6B9A7DF-8959-44BB-8C9E-23B26AEA1D47}"/>
               </a:ext>
             </a:extLst>
           </p:cNvPr>
@@ -3841,36 +7545,24 @@
         </p:nvSpPr>
         <p:spPr>
           <a:xfrm>
-            <a:off x="1099905" y="294104"/>
-            <a:ext cx="9011945" cy="1459869"/>
+            <a:off x="838200" y="365126"/>
+            <a:ext cx="10515600" cy="513764"/>
           </a:xfrm>
         </p:spPr>
         <p:txBody>
           <a:bodyPr>
-            <a:noAutofit/>
+            <a:normAutofit fontScale="90000"/>
           </a:bodyPr>
           <a:lstStyle/>
           <a:p>
             <a:pPr algn="ctr"/>
             <a:r>
               <a:rPr lang="ru-RU" sz="3600" dirty="0">
-                <a:solidFill>
-                  <a:srgbClr val="000000"/>
-                </a:solidFill>
-                <a:effectLst/>
-                <a:latin typeface="Times New Roman" panose="02020603050405020304" pitchFamily="18" charset="0"/>
-                <a:ea typeface="Times New Roman" panose="02020603050405020304" pitchFamily="18" charset="0"/>
-              </a:rPr>
-              <a:t>Для достижения данной цели решим следующий ряд задач:</a:t>
-            </a:r>
-            <a:br>
-              <a:rPr lang="ru-RU" sz="3600" dirty="0">
-                <a:effectLst/>
-                <a:latin typeface="Arial" panose="020B0604020202020204" pitchFamily="34" charset="0"/>
-                <a:ea typeface="Arial" panose="020B0604020202020204" pitchFamily="34" charset="0"/>
-              </a:rPr>
-            </a:br>
-            <a:endParaRPr lang="ru-RU" sz="3600" dirty="0"/>
+                <a:latin typeface="Times New Roman" panose="02020603050405020304" pitchFamily="18" charset="0"/>
+                <a:cs typeface="Times New Roman" panose="02020603050405020304" pitchFamily="18" charset="0"/>
+              </a:rPr>
+              <a:t>Значимость и новизна проекта</a:t>
+            </a:r>
           </a:p>
         </p:txBody>
       </p:sp>
@@ -3879,7 +7571,7 @@
           <p:cNvPr id="3" name="Объект 2">
             <a:extLst>
               <a:ext uri="{FF2B5EF4-FFF2-40B4-BE49-F238E27FC236}">
-                <a16:creationId xmlns:a16="http://schemas.microsoft.com/office/drawing/2014/main" id="{EBA005CE-C023-4AB6-8447-49081A9BAD7D}"/>
+                <a16:creationId xmlns:a16="http://schemas.microsoft.com/office/drawing/2014/main" id="{1DF7ECA9-FB6E-4EB7-B587-B549DB6294FB}"/>
               </a:ext>
             </a:extLst>
           </p:cNvPr>
@@ -3892,8 +7584,8 @@
         </p:nvSpPr>
         <p:spPr>
           <a:xfrm>
-            <a:off x="479393" y="2038181"/>
-            <a:ext cx="9897862" cy="4525715"/>
+            <a:off x="838200" y="1748901"/>
+            <a:ext cx="10515600" cy="4241631"/>
           </a:xfrm>
         </p:spPr>
         <p:txBody>
@@ -3902,239 +7594,71 @@
           </a:bodyPr>
           <a:lstStyle/>
           <a:p>
-            <a:pPr marL="342900" marR="53975" lvl="0" indent="-342900" fontAlgn="base">
+            <a:pPr>
               <a:lnSpc>
-                <a:spcPct val="150000"/>
+                <a:spcPct val="100000"/>
               </a:lnSpc>
-              <a:spcAft>
-                <a:spcPts val="0"/>
-              </a:spcAft>
-              <a:buSzPts val="1000"/>
-              <a:buFont typeface="Symbol" panose="05050102010706020507" pitchFamily="18" charset="2"/>
-              <a:buChar char=""/>
-              <a:tabLst>
-                <a:tab pos="457200" algn="l"/>
-              </a:tabLst>
             </a:pPr>
             <a:r>
-              <a:rPr lang="ru-RU" sz="1800" dirty="0">
-                <a:solidFill>
-                  <a:srgbClr val="000000"/>
-                </a:solidFill>
-                <a:effectLst/>
-                <a:latin typeface="Times New Roman" panose="02020603050405020304" pitchFamily="18" charset="0"/>
-                <a:ea typeface="Times New Roman" panose="02020603050405020304" pitchFamily="18" charset="0"/>
-              </a:rPr>
-              <a:t>Изучить тенденции развития и совершенствования информационных технологий;</a:t>
-            </a:r>
-            <a:endParaRPr lang="ru-RU" sz="1800" dirty="0">
-              <a:effectLst/>
-              <a:latin typeface="Arial" panose="020B0604020202020204" pitchFamily="34" charset="0"/>
-              <a:ea typeface="Arial" panose="020B0604020202020204" pitchFamily="34" charset="0"/>
-            </a:endParaRPr>
-          </a:p>
-          <a:p>
-            <a:pPr marL="342900" marR="53975" lvl="0" indent="-342900" fontAlgn="base">
+              <a:rPr lang="ru-RU" sz="2200" dirty="0">
+                <a:solidFill>
+                  <a:srgbClr val="000000"/>
+                </a:solidFill>
+                <a:effectLst/>
+                <a:latin typeface="Times New Roman" panose="02020603050405020304" pitchFamily="18" charset="0"/>
+                <a:ea typeface="Arial" panose="020B0604020202020204" pitchFamily="34" charset="0"/>
+                <a:cs typeface="Times New Roman" panose="02020603050405020304" pitchFamily="18" charset="0"/>
+              </a:rPr>
+              <a:t>Теоретическая значимость проекта заключается в том, что в рамках его написания произведено изучение основных тенденций развития IT и внедрения их в систему образования с возможностью масштабирования в школах и Сузах.</a:t>
+            </a:r>
+          </a:p>
+          <a:p>
+            <a:pPr>
               <a:lnSpc>
-                <a:spcPct val="150000"/>
+                <a:spcPct val="100000"/>
               </a:lnSpc>
-              <a:spcAft>
-                <a:spcPts val="0"/>
-              </a:spcAft>
-              <a:buSzPts val="1000"/>
-              <a:buFont typeface="Symbol" panose="05050102010706020507" pitchFamily="18" charset="2"/>
-              <a:buChar char=""/>
-              <a:tabLst>
-                <a:tab pos="457200" algn="l"/>
-              </a:tabLst>
             </a:pPr>
             <a:r>
-              <a:rPr lang="ru-RU" sz="1800" dirty="0">
-                <a:solidFill>
-                  <a:srgbClr val="000000"/>
-                </a:solidFill>
-                <a:effectLst/>
-                <a:latin typeface="Times New Roman" panose="02020603050405020304" pitchFamily="18" charset="0"/>
-                <a:ea typeface="Times New Roman" panose="02020603050405020304" pitchFamily="18" charset="0"/>
-              </a:rPr>
-              <a:t>Проанализировать теоретическую базу и практические разработки по данной теме;</a:t>
-            </a:r>
-            <a:endParaRPr lang="ru-RU" sz="1800" dirty="0">
-              <a:effectLst/>
-              <a:latin typeface="Arial" panose="020B0604020202020204" pitchFamily="34" charset="0"/>
-              <a:ea typeface="Arial" panose="020B0604020202020204" pitchFamily="34" charset="0"/>
-            </a:endParaRPr>
-          </a:p>
-          <a:p>
-            <a:pPr marL="342900" marR="53975" lvl="0" indent="-342900" fontAlgn="base">
+              <a:rPr lang="ru-RU" sz="2200" dirty="0">
+                <a:solidFill>
+                  <a:srgbClr val="000000"/>
+                </a:solidFill>
+                <a:effectLst/>
+                <a:latin typeface="Times New Roman" panose="02020603050405020304" pitchFamily="18" charset="0"/>
+                <a:ea typeface="Arial" panose="020B0604020202020204" pitchFamily="34" charset="0"/>
+                <a:cs typeface="Times New Roman" panose="02020603050405020304" pitchFamily="18" charset="0"/>
+              </a:rPr>
+              <a:t>Практическая значимость проекта определяется тем, что созданная программа может быть использована для изучения химии. К тому же описанный мной процесс создания программы может заинтересовать учеников и привлечь их к созданию своей программы для улучшения учебного процесса.</a:t>
+            </a:r>
+          </a:p>
+          <a:p>
+            <a:pPr>
               <a:lnSpc>
-                <a:spcPct val="150000"/>
+                <a:spcPct val="100000"/>
               </a:lnSpc>
-              <a:spcAft>
-                <a:spcPts val="0"/>
-              </a:spcAft>
-              <a:buSzPts val="1000"/>
-              <a:buFont typeface="Symbol" panose="05050102010706020507" pitchFamily="18" charset="2"/>
-              <a:buChar char=""/>
-              <a:tabLst>
-                <a:tab pos="457200" algn="l"/>
-              </a:tabLst>
             </a:pPr>
             <a:r>
-              <a:rPr lang="ru-RU" sz="1800" dirty="0">
-                <a:solidFill>
-                  <a:srgbClr val="000000"/>
-                </a:solidFill>
-                <a:effectLst/>
-                <a:latin typeface="Times New Roman" panose="02020603050405020304" pitchFamily="18" charset="0"/>
-                <a:ea typeface="Times New Roman" panose="02020603050405020304" pitchFamily="18" charset="0"/>
-              </a:rPr>
-              <a:t>Изучить уровень компьютерной грамотности в обществе, в т.ч. в системе образования;</a:t>
-            </a:r>
-            <a:endParaRPr lang="ru-RU" sz="1800" dirty="0">
-              <a:effectLst/>
-              <a:latin typeface="Arial" panose="020B0604020202020204" pitchFamily="34" charset="0"/>
-              <a:ea typeface="Arial" panose="020B0604020202020204" pitchFamily="34" charset="0"/>
-            </a:endParaRPr>
-          </a:p>
-          <a:p>
-            <a:pPr marL="342900" marR="53975" lvl="0" indent="-342900" fontAlgn="base">
-              <a:lnSpc>
-                <a:spcPct val="150000"/>
-              </a:lnSpc>
-              <a:spcAft>
-                <a:spcPts val="0"/>
-              </a:spcAft>
-              <a:buSzPts val="1000"/>
-              <a:buFont typeface="Symbol" panose="05050102010706020507" pitchFamily="18" charset="2"/>
-              <a:buChar char=""/>
-              <a:tabLst>
-                <a:tab pos="457200" algn="l"/>
-              </a:tabLst>
-            </a:pPr>
-            <a:r>
-              <a:rPr lang="ru-RU" sz="1800" dirty="0">
-                <a:solidFill>
-                  <a:srgbClr val="000000"/>
-                </a:solidFill>
-                <a:effectLst/>
-                <a:latin typeface="Times New Roman" panose="02020603050405020304" pitchFamily="18" charset="0"/>
-                <a:ea typeface="Times New Roman" panose="02020603050405020304" pitchFamily="18" charset="0"/>
-              </a:rPr>
-              <a:t>Описать важность применения </a:t>
-            </a:r>
-            <a:r>
-              <a:rPr lang="en-US" sz="1800" dirty="0">
-                <a:solidFill>
-                  <a:srgbClr val="000000"/>
-                </a:solidFill>
-                <a:effectLst/>
-                <a:latin typeface="Times New Roman" panose="02020603050405020304" pitchFamily="18" charset="0"/>
-                <a:ea typeface="Times New Roman" panose="02020603050405020304" pitchFamily="18" charset="0"/>
-              </a:rPr>
-              <a:t>IT </a:t>
-            </a:r>
-            <a:r>
-              <a:rPr lang="ru-RU" sz="1800" dirty="0">
-                <a:solidFill>
-                  <a:srgbClr val="000000"/>
-                </a:solidFill>
-                <a:effectLst/>
-                <a:latin typeface="Times New Roman" panose="02020603050405020304" pitchFamily="18" charset="0"/>
-                <a:ea typeface="Times New Roman" panose="02020603050405020304" pitchFamily="18" charset="0"/>
-              </a:rPr>
-              <a:t>и современных программ и приложений в образовательном процессе;</a:t>
-            </a:r>
-            <a:endParaRPr lang="ru-RU" sz="1800" dirty="0">
-              <a:effectLst/>
-              <a:latin typeface="Arial" panose="020B0604020202020204" pitchFamily="34" charset="0"/>
-              <a:ea typeface="Arial" panose="020B0604020202020204" pitchFamily="34" charset="0"/>
-            </a:endParaRPr>
-          </a:p>
-          <a:p>
-            <a:pPr marL="342900" marR="53975" lvl="0" indent="-342900" fontAlgn="base">
-              <a:lnSpc>
-                <a:spcPct val="150000"/>
-              </a:lnSpc>
-              <a:spcAft>
-                <a:spcPts val="0"/>
-              </a:spcAft>
-              <a:buSzPts val="1000"/>
-              <a:buFont typeface="Symbol" panose="05050102010706020507" pitchFamily="18" charset="2"/>
-              <a:buChar char=""/>
-              <a:tabLst>
-                <a:tab pos="457200" algn="l"/>
-              </a:tabLst>
-            </a:pPr>
-            <a:r>
-              <a:rPr lang="ru-RU" sz="1800" dirty="0">
-                <a:solidFill>
-                  <a:srgbClr val="000000"/>
-                </a:solidFill>
-                <a:effectLst/>
-                <a:latin typeface="Times New Roman" panose="02020603050405020304" pitchFamily="18" charset="0"/>
-                <a:ea typeface="Times New Roman" panose="02020603050405020304" pitchFamily="18" charset="0"/>
-              </a:rPr>
-              <a:t>Разработать инструмент эффективного изучения химии с помощью информационных технологий (</a:t>
-            </a:r>
-            <a:r>
-              <a:rPr lang="ru-RU" sz="1800" dirty="0">
-                <a:effectLst/>
-                <a:latin typeface="Times New Roman" panose="02020603050405020304" pitchFamily="18" charset="0"/>
-                <a:ea typeface="Arial" panose="020B0604020202020204" pitchFamily="34" charset="0"/>
-              </a:rPr>
-              <a:t>программа</a:t>
-            </a:r>
-            <a:r>
-              <a:rPr lang="ru-RU" sz="1800" b="1" dirty="0">
-                <a:effectLst/>
-                <a:latin typeface="Times New Roman" panose="02020603050405020304" pitchFamily="18" charset="0"/>
-                <a:ea typeface="Arial" panose="020B0604020202020204" pitchFamily="34" charset="0"/>
-              </a:rPr>
-              <a:t> </a:t>
-            </a:r>
-            <a:r>
-              <a:rPr lang="ru-RU" sz="1800" dirty="0">
-                <a:effectLst/>
-                <a:latin typeface="Times New Roman" panose="02020603050405020304" pitchFamily="18" charset="0"/>
-                <a:ea typeface="Arial" panose="020B0604020202020204" pitchFamily="34" charset="0"/>
-              </a:rPr>
-              <a:t>для изучения признаков </a:t>
-            </a:r>
-            <a:r>
-              <a:rPr lang="ru-RU" sz="1800" dirty="0">
-                <a:effectLst/>
-                <a:latin typeface="Times New Roman" panose="02020603050405020304" pitchFamily="18" charset="0"/>
-                <a:ea typeface="Times New Roman" panose="02020603050405020304" pitchFamily="18" charset="0"/>
-              </a:rPr>
-              <a:t>химических соединений)</a:t>
-            </a:r>
-            <a:r>
-              <a:rPr lang="ru-RU" sz="1800" dirty="0">
-                <a:solidFill>
-                  <a:srgbClr val="000000"/>
-                </a:solidFill>
-                <a:effectLst/>
-                <a:latin typeface="Times New Roman" panose="02020603050405020304" pitchFamily="18" charset="0"/>
-                <a:ea typeface="Times New Roman" panose="02020603050405020304" pitchFamily="18" charset="0"/>
-              </a:rPr>
-              <a:t>.</a:t>
-            </a:r>
-            <a:endParaRPr lang="ru-RU" sz="1800" dirty="0">
-              <a:effectLst/>
-              <a:latin typeface="Arial" panose="020B0604020202020204" pitchFamily="34" charset="0"/>
-              <a:ea typeface="Arial" panose="020B0604020202020204" pitchFamily="34" charset="0"/>
-            </a:endParaRPr>
-          </a:p>
-          <a:p>
-            <a:endParaRPr lang="ru-RU" dirty="0"/>
+              <a:rPr lang="ru-RU" sz="2200" dirty="0">
+                <a:solidFill>
+                  <a:srgbClr val="000000"/>
+                </a:solidFill>
+                <a:effectLst/>
+                <a:latin typeface="Times New Roman" panose="02020603050405020304" pitchFamily="18" charset="0"/>
+                <a:ea typeface="Arial" panose="020B0604020202020204" pitchFamily="34" charset="0"/>
+                <a:cs typeface="Times New Roman" panose="02020603050405020304" pitchFamily="18" charset="0"/>
+              </a:rPr>
+              <a:t>Новизна данного проекта определяется переосмыслением существующих тенденций в развитии и внедрении IT в области образования, обзором основных программ и приложений по химии и описанием новой программы по изучению химии в образовательный процесс.</a:t>
+            </a:r>
+          </a:p>
+          <a:p>
+            <a:endParaRPr lang="ru-RU" sz="2200" dirty="0"/>
           </a:p>
         </p:txBody>
       </p:sp>
     </p:spTree>
     <p:extLst>
       <p:ext uri="{BB962C8B-B14F-4D97-AF65-F5344CB8AC3E}">
-        <p14:creationId xmlns:p14="http://schemas.microsoft.com/office/powerpoint/2010/main" val="1891297821"/>
+        <p14:creationId xmlns:p14="http://schemas.microsoft.com/office/powerpoint/2010/main" val="3241136380"/>
       </p:ext>
     </p:extLst>
   </p:cSld>
@@ -4166,7 +7690,7 @@
           <p:cNvPr id="2" name="Заголовок 1">
             <a:extLst>
               <a:ext uri="{FF2B5EF4-FFF2-40B4-BE49-F238E27FC236}">
-                <a16:creationId xmlns:a16="http://schemas.microsoft.com/office/drawing/2014/main" id="{F57CA598-DE8A-4F4A-8B41-604EF07B406F}"/>
+                <a16:creationId xmlns:a16="http://schemas.microsoft.com/office/drawing/2014/main" id="{C14246C1-6563-4318-B6F2-311469BE1C8E}"/>
               </a:ext>
             </a:extLst>
           </p:cNvPr>
@@ -4177,15 +7701,43 @@
             <p:ph type="title"/>
           </p:nvPr>
         </p:nvSpPr>
-        <p:spPr/>
+        <p:spPr>
+          <a:xfrm>
+            <a:off x="1099905" y="453902"/>
+            <a:ext cx="9011945" cy="1459869"/>
+          </a:xfrm>
+        </p:spPr>
         <p:txBody>
-          <a:bodyPr/>
+          <a:bodyPr>
+            <a:noAutofit/>
+          </a:bodyPr>
           <a:lstStyle/>
           <a:p>
-            <a:r>
-              <a:rPr lang="ru-RU" dirty="0"/>
-              <a:t>Теоретическая часть</a:t>
-            </a:r>
+            <a:pPr algn="ctr"/>
+            <a:r>
+              <a:rPr lang="ru-RU" sz="3600" dirty="0">
+                <a:solidFill>
+                  <a:srgbClr val="000000"/>
+                </a:solidFill>
+                <a:effectLst/>
+                <a:latin typeface="Times New Roman" panose="02020603050405020304" pitchFamily="18" charset="0"/>
+                <a:ea typeface="Times New Roman" panose="02020603050405020304" pitchFamily="18" charset="0"/>
+                <a:cs typeface="Times New Roman" panose="02020603050405020304" pitchFamily="18" charset="0"/>
+              </a:rPr>
+              <a:t>Основные задачи проекта</a:t>
+            </a:r>
+            <a:br>
+              <a:rPr lang="ru-RU" sz="3600" dirty="0">
+                <a:effectLst/>
+                <a:latin typeface="Times New Roman" panose="02020603050405020304" pitchFamily="18" charset="0"/>
+                <a:ea typeface="Arial" panose="020B0604020202020204" pitchFamily="34" charset="0"/>
+                <a:cs typeface="Times New Roman" panose="02020603050405020304" pitchFamily="18" charset="0"/>
+              </a:rPr>
+            </a:br>
+            <a:endParaRPr lang="ru-RU" sz="3600" dirty="0">
+              <a:latin typeface="Times New Roman" panose="02020603050405020304" pitchFamily="18" charset="0"/>
+              <a:cs typeface="Times New Roman" panose="02020603050405020304" pitchFamily="18" charset="0"/>
+            </a:endParaRPr>
           </a:p>
         </p:txBody>
       </p:sp>
@@ -4194,7 +7746,7 @@
           <p:cNvPr id="3" name="Объект 2">
             <a:extLst>
               <a:ext uri="{FF2B5EF4-FFF2-40B4-BE49-F238E27FC236}">
-                <a16:creationId xmlns:a16="http://schemas.microsoft.com/office/drawing/2014/main" id="{59850D5A-5F0D-442A-901A-AF03C8C9BA9B}"/>
+                <a16:creationId xmlns:a16="http://schemas.microsoft.com/office/drawing/2014/main" id="{EBA005CE-C023-4AB6-8447-49081A9BAD7D}"/>
               </a:ext>
             </a:extLst>
           </p:cNvPr>
@@ -4205,54 +7757,265 @@
             <p:ph idx="1"/>
           </p:nvPr>
         </p:nvSpPr>
-        <p:spPr/>
+        <p:spPr>
+          <a:xfrm>
+            <a:off x="479393" y="1753973"/>
+            <a:ext cx="10475652" cy="4525715"/>
+          </a:xfrm>
+        </p:spPr>
         <p:txBody>
-          <a:bodyPr/>
+          <a:bodyPr>
+            <a:normAutofit/>
+          </a:bodyPr>
           <a:lstStyle/>
           <a:p>
-            <a:r>
-              <a:rPr lang="ru-RU" sz="1800" dirty="0">
-                <a:effectLst/>
-                <a:latin typeface="Arial" panose="020B0604020202020204" pitchFamily="34" charset="0"/>
-                <a:ea typeface="Arial" panose="020B0604020202020204" pitchFamily="34" charset="0"/>
-              </a:rPr>
-              <a:t>Развитие информационных технологий</a:t>
-            </a:r>
-          </a:p>
-          <a:p>
-            <a:r>
-              <a:rPr lang="ru-RU" sz="1800" dirty="0">
-                <a:effectLst/>
-                <a:latin typeface="Arial" panose="020B0604020202020204" pitchFamily="34" charset="0"/>
-                <a:ea typeface="Arial" panose="020B0604020202020204" pitchFamily="34" charset="0"/>
-              </a:rPr>
-              <a:t>Виды информационных технологий и их совершенствование</a:t>
-            </a:r>
-            <a:endParaRPr lang="ru-RU" sz="1800" dirty="0">
-              <a:latin typeface="Arial" panose="020B0604020202020204" pitchFamily="34" charset="0"/>
+            <a:pPr marL="342900" marR="53975" lvl="0" indent="-342900" fontAlgn="base">
+              <a:lnSpc>
+                <a:spcPct val="100000"/>
+              </a:lnSpc>
+              <a:spcAft>
+                <a:spcPts val="0"/>
+              </a:spcAft>
+              <a:buSzPts val="1000"/>
+              <a:buFont typeface="Symbol" panose="05050102010706020507" pitchFamily="18" charset="2"/>
+              <a:buChar char=""/>
+              <a:tabLst>
+                <a:tab pos="457200" algn="l"/>
+              </a:tabLst>
+            </a:pPr>
+            <a:r>
+              <a:rPr lang="ru-RU" sz="2200" dirty="0">
+                <a:solidFill>
+                  <a:srgbClr val="000000"/>
+                </a:solidFill>
+                <a:effectLst/>
+                <a:latin typeface="Times New Roman" panose="02020603050405020304" pitchFamily="18" charset="0"/>
+                <a:ea typeface="Times New Roman" panose="02020603050405020304" pitchFamily="18" charset="0"/>
+                <a:cs typeface="Times New Roman" panose="02020603050405020304" pitchFamily="18" charset="0"/>
+              </a:rPr>
+              <a:t>Изучить тенденции развития и совершенствования информационных технологий;</a:t>
+            </a:r>
+            <a:endParaRPr lang="ru-RU" sz="2200" dirty="0">
+              <a:effectLst/>
+              <a:latin typeface="Times New Roman" panose="02020603050405020304" pitchFamily="18" charset="0"/>
               <a:ea typeface="Arial" panose="020B0604020202020204" pitchFamily="34" charset="0"/>
+              <a:cs typeface="Times New Roman" panose="02020603050405020304" pitchFamily="18" charset="0"/>
             </a:endParaRPr>
           </a:p>
           <a:p>
-            <a:r>
-              <a:rPr lang="ru-RU" sz="1800" dirty="0">
-                <a:solidFill>
-                  <a:srgbClr val="000000"/>
-                </a:solidFill>
-                <a:effectLst/>
-                <a:latin typeface="Arial" panose="020B0604020202020204" pitchFamily="34" charset="0"/>
-                <a:ea typeface="Arial" panose="020B0604020202020204" pitchFamily="34" charset="0"/>
-              </a:rPr>
-              <a:t>Применение обучающих приложений в процессе обучения</a:t>
-            </a:r>
-            <a:endParaRPr lang="ru-RU" dirty="0"/>
+            <a:pPr marL="342900" marR="53975" lvl="0" indent="-342900" fontAlgn="base">
+              <a:lnSpc>
+                <a:spcPct val="100000"/>
+              </a:lnSpc>
+              <a:spcAft>
+                <a:spcPts val="0"/>
+              </a:spcAft>
+              <a:buSzPts val="1000"/>
+              <a:buFont typeface="Symbol" panose="05050102010706020507" pitchFamily="18" charset="2"/>
+              <a:buChar char=""/>
+              <a:tabLst>
+                <a:tab pos="457200" algn="l"/>
+              </a:tabLst>
+            </a:pPr>
+            <a:r>
+              <a:rPr lang="ru-RU" sz="2200" dirty="0">
+                <a:solidFill>
+                  <a:srgbClr val="000000"/>
+                </a:solidFill>
+                <a:effectLst/>
+                <a:latin typeface="Times New Roman" panose="02020603050405020304" pitchFamily="18" charset="0"/>
+                <a:ea typeface="Times New Roman" panose="02020603050405020304" pitchFamily="18" charset="0"/>
+                <a:cs typeface="Times New Roman" panose="02020603050405020304" pitchFamily="18" charset="0"/>
+              </a:rPr>
+              <a:t>Проанализировать теоретическую базу и практические разработки по данной теме;</a:t>
+            </a:r>
+            <a:endParaRPr lang="ru-RU" sz="2200" dirty="0">
+              <a:effectLst/>
+              <a:latin typeface="Times New Roman" panose="02020603050405020304" pitchFamily="18" charset="0"/>
+              <a:ea typeface="Arial" panose="020B0604020202020204" pitchFamily="34" charset="0"/>
+              <a:cs typeface="Times New Roman" panose="02020603050405020304" pitchFamily="18" charset="0"/>
+            </a:endParaRPr>
+          </a:p>
+          <a:p>
+            <a:pPr marL="342900" marR="53975" lvl="0" indent="-342900" fontAlgn="base">
+              <a:lnSpc>
+                <a:spcPct val="100000"/>
+              </a:lnSpc>
+              <a:spcAft>
+                <a:spcPts val="0"/>
+              </a:spcAft>
+              <a:buSzPts val="1000"/>
+              <a:buFont typeface="Symbol" panose="05050102010706020507" pitchFamily="18" charset="2"/>
+              <a:buChar char=""/>
+              <a:tabLst>
+                <a:tab pos="457200" algn="l"/>
+              </a:tabLst>
+            </a:pPr>
+            <a:r>
+              <a:rPr lang="ru-RU" sz="2200" dirty="0">
+                <a:solidFill>
+                  <a:srgbClr val="000000"/>
+                </a:solidFill>
+                <a:effectLst/>
+                <a:latin typeface="Times New Roman" panose="02020603050405020304" pitchFamily="18" charset="0"/>
+                <a:ea typeface="Times New Roman" panose="02020603050405020304" pitchFamily="18" charset="0"/>
+                <a:cs typeface="Times New Roman" panose="02020603050405020304" pitchFamily="18" charset="0"/>
+              </a:rPr>
+              <a:t>Изучить уровень компьютерной грамотности в обществе, в т.ч. в системе образования;</a:t>
+            </a:r>
+            <a:endParaRPr lang="ru-RU" sz="2200" dirty="0">
+              <a:effectLst/>
+              <a:latin typeface="Times New Roman" panose="02020603050405020304" pitchFamily="18" charset="0"/>
+              <a:ea typeface="Arial" panose="020B0604020202020204" pitchFamily="34" charset="0"/>
+              <a:cs typeface="Times New Roman" panose="02020603050405020304" pitchFamily="18" charset="0"/>
+            </a:endParaRPr>
+          </a:p>
+          <a:p>
+            <a:pPr marL="342900" marR="53975" lvl="0" indent="-342900" fontAlgn="base">
+              <a:lnSpc>
+                <a:spcPct val="100000"/>
+              </a:lnSpc>
+              <a:spcAft>
+                <a:spcPts val="0"/>
+              </a:spcAft>
+              <a:buSzPts val="1000"/>
+              <a:buFont typeface="Symbol" panose="05050102010706020507" pitchFamily="18" charset="2"/>
+              <a:buChar char=""/>
+              <a:tabLst>
+                <a:tab pos="457200" algn="l"/>
+              </a:tabLst>
+            </a:pPr>
+            <a:r>
+              <a:rPr lang="ru-RU" sz="2200" dirty="0">
+                <a:solidFill>
+                  <a:srgbClr val="000000"/>
+                </a:solidFill>
+                <a:effectLst/>
+                <a:latin typeface="Times New Roman" panose="02020603050405020304" pitchFamily="18" charset="0"/>
+                <a:ea typeface="Times New Roman" panose="02020603050405020304" pitchFamily="18" charset="0"/>
+                <a:cs typeface="Times New Roman" panose="02020603050405020304" pitchFamily="18" charset="0"/>
+              </a:rPr>
+              <a:t>Описать важность применения </a:t>
+            </a:r>
+            <a:r>
+              <a:rPr lang="en-US" sz="2200" dirty="0">
+                <a:solidFill>
+                  <a:srgbClr val="000000"/>
+                </a:solidFill>
+                <a:effectLst/>
+                <a:latin typeface="Times New Roman" panose="02020603050405020304" pitchFamily="18" charset="0"/>
+                <a:ea typeface="Times New Roman" panose="02020603050405020304" pitchFamily="18" charset="0"/>
+                <a:cs typeface="Times New Roman" panose="02020603050405020304" pitchFamily="18" charset="0"/>
+              </a:rPr>
+              <a:t>IT </a:t>
+            </a:r>
+            <a:r>
+              <a:rPr lang="ru-RU" sz="2200" dirty="0">
+                <a:solidFill>
+                  <a:srgbClr val="000000"/>
+                </a:solidFill>
+                <a:effectLst/>
+                <a:latin typeface="Times New Roman" panose="02020603050405020304" pitchFamily="18" charset="0"/>
+                <a:ea typeface="Times New Roman" panose="02020603050405020304" pitchFamily="18" charset="0"/>
+                <a:cs typeface="Times New Roman" panose="02020603050405020304" pitchFamily="18" charset="0"/>
+              </a:rPr>
+              <a:t>и современных программ и приложений в образовательном процессе;</a:t>
+            </a:r>
+            <a:endParaRPr lang="ru-RU" sz="2200" dirty="0">
+              <a:effectLst/>
+              <a:latin typeface="Times New Roman" panose="02020603050405020304" pitchFamily="18" charset="0"/>
+              <a:ea typeface="Arial" panose="020B0604020202020204" pitchFamily="34" charset="0"/>
+              <a:cs typeface="Times New Roman" panose="02020603050405020304" pitchFamily="18" charset="0"/>
+            </a:endParaRPr>
+          </a:p>
+          <a:p>
+            <a:pPr marL="342900" marR="53975" lvl="0" indent="-342900" fontAlgn="base">
+              <a:lnSpc>
+                <a:spcPct val="100000"/>
+              </a:lnSpc>
+              <a:spcAft>
+                <a:spcPts val="0"/>
+              </a:spcAft>
+              <a:buSzPts val="1000"/>
+              <a:buFont typeface="Symbol" panose="05050102010706020507" pitchFamily="18" charset="2"/>
+              <a:buChar char=""/>
+              <a:tabLst>
+                <a:tab pos="457200" algn="l"/>
+              </a:tabLst>
+            </a:pPr>
+            <a:r>
+              <a:rPr lang="ru-RU" sz="2200" dirty="0">
+                <a:solidFill>
+                  <a:srgbClr val="000000"/>
+                </a:solidFill>
+                <a:effectLst/>
+                <a:latin typeface="Times New Roman" panose="02020603050405020304" pitchFamily="18" charset="0"/>
+                <a:ea typeface="Times New Roman" panose="02020603050405020304" pitchFamily="18" charset="0"/>
+                <a:cs typeface="Times New Roman" panose="02020603050405020304" pitchFamily="18" charset="0"/>
+              </a:rPr>
+              <a:t>Разработать инструмент эффективного изучения химии с помощью информационных технологий (</a:t>
+            </a:r>
+            <a:r>
+              <a:rPr lang="ru-RU" sz="2200" dirty="0">
+                <a:effectLst/>
+                <a:latin typeface="Times New Roman" panose="02020603050405020304" pitchFamily="18" charset="0"/>
+                <a:ea typeface="Arial" panose="020B0604020202020204" pitchFamily="34" charset="0"/>
+                <a:cs typeface="Times New Roman" panose="02020603050405020304" pitchFamily="18" charset="0"/>
+              </a:rPr>
+              <a:t>программа</a:t>
+            </a:r>
+            <a:r>
+              <a:rPr lang="ru-RU" sz="2200" b="1" dirty="0">
+                <a:effectLst/>
+                <a:latin typeface="Times New Roman" panose="02020603050405020304" pitchFamily="18" charset="0"/>
+                <a:ea typeface="Arial" panose="020B0604020202020204" pitchFamily="34" charset="0"/>
+                <a:cs typeface="Times New Roman" panose="02020603050405020304" pitchFamily="18" charset="0"/>
+              </a:rPr>
+              <a:t> </a:t>
+            </a:r>
+            <a:r>
+              <a:rPr lang="ru-RU" sz="2200" dirty="0">
+                <a:effectLst/>
+                <a:latin typeface="Times New Roman" panose="02020603050405020304" pitchFamily="18" charset="0"/>
+                <a:ea typeface="Arial" panose="020B0604020202020204" pitchFamily="34" charset="0"/>
+                <a:cs typeface="Times New Roman" panose="02020603050405020304" pitchFamily="18" charset="0"/>
+              </a:rPr>
+              <a:t>для изучения признаков </a:t>
+            </a:r>
+            <a:r>
+              <a:rPr lang="ru-RU" sz="2200" dirty="0">
+                <a:effectLst/>
+                <a:latin typeface="Times New Roman" panose="02020603050405020304" pitchFamily="18" charset="0"/>
+                <a:ea typeface="Times New Roman" panose="02020603050405020304" pitchFamily="18" charset="0"/>
+                <a:cs typeface="Times New Roman" panose="02020603050405020304" pitchFamily="18" charset="0"/>
+              </a:rPr>
+              <a:t>химических соединений)</a:t>
+            </a:r>
+            <a:r>
+              <a:rPr lang="ru-RU" sz="2200" dirty="0">
+                <a:solidFill>
+                  <a:srgbClr val="000000"/>
+                </a:solidFill>
+                <a:effectLst/>
+                <a:latin typeface="Times New Roman" panose="02020603050405020304" pitchFamily="18" charset="0"/>
+                <a:ea typeface="Times New Roman" panose="02020603050405020304" pitchFamily="18" charset="0"/>
+                <a:cs typeface="Times New Roman" panose="02020603050405020304" pitchFamily="18" charset="0"/>
+              </a:rPr>
+              <a:t>.</a:t>
+            </a:r>
+            <a:endParaRPr lang="ru-RU" sz="2200" dirty="0">
+              <a:effectLst/>
+              <a:latin typeface="Times New Roman" panose="02020603050405020304" pitchFamily="18" charset="0"/>
+              <a:ea typeface="Arial" panose="020B0604020202020204" pitchFamily="34" charset="0"/>
+              <a:cs typeface="Times New Roman" panose="02020603050405020304" pitchFamily="18" charset="0"/>
+            </a:endParaRPr>
           </a:p>
         </p:txBody>
       </p:sp>
     </p:spTree>
     <p:extLst>
       <p:ext uri="{BB962C8B-B14F-4D97-AF65-F5344CB8AC3E}">
-        <p14:creationId xmlns:p14="http://schemas.microsoft.com/office/powerpoint/2010/main" val="3755110038"/>
+        <p14:creationId xmlns:p14="http://schemas.microsoft.com/office/powerpoint/2010/main" val="1891297821"/>
       </p:ext>
     </p:extLst>
   </p:cSld>
@@ -4284,7 +8047,7 @@
           <p:cNvPr id="2" name="Заголовок 1">
             <a:extLst>
               <a:ext uri="{FF2B5EF4-FFF2-40B4-BE49-F238E27FC236}">
-                <a16:creationId xmlns:a16="http://schemas.microsoft.com/office/drawing/2014/main" id="{02652CBB-9191-448A-B8FB-3590DDA2F673}"/>
+                <a16:creationId xmlns:a16="http://schemas.microsoft.com/office/drawing/2014/main" id="{F57CA598-DE8A-4F4A-8B41-604EF07B406F}"/>
               </a:ext>
             </a:extLst>
           </p:cNvPr>
@@ -4297,12 +8060,18 @@
         </p:nvSpPr>
         <p:spPr/>
         <p:txBody>
-          <a:bodyPr/>
+          <a:bodyPr>
+            <a:normAutofit/>
+          </a:bodyPr>
           <a:lstStyle/>
           <a:p>
-            <a:r>
-              <a:rPr lang="ru-RU" dirty="0"/>
-              <a:t>Аналитическая часть</a:t>
+            <a:pPr algn="ctr"/>
+            <a:r>
+              <a:rPr lang="ru-RU" sz="3600" dirty="0">
+                <a:latin typeface="Times New Roman" panose="02020603050405020304" pitchFamily="18" charset="0"/>
+                <a:cs typeface="Times New Roman" panose="02020603050405020304" pitchFamily="18" charset="0"/>
+              </a:rPr>
+              <a:t>Теоретическая часть</a:t>
             </a:r>
           </a:p>
         </p:txBody>
@@ -4312,7 +8081,7 @@
           <p:cNvPr id="3" name="Объект 2">
             <a:extLst>
               <a:ext uri="{FF2B5EF4-FFF2-40B4-BE49-F238E27FC236}">
-                <a16:creationId xmlns:a16="http://schemas.microsoft.com/office/drawing/2014/main" id="{6711AA9A-295D-4312-BBB7-48A6942C4EFE}"/>
+                <a16:creationId xmlns:a16="http://schemas.microsoft.com/office/drawing/2014/main" id="{59850D5A-5F0D-442A-901A-AF03C8C9BA9B}"/>
               </a:ext>
             </a:extLst>
           </p:cNvPr>
@@ -4323,87 +8092,83 @@
             <p:ph idx="1"/>
           </p:nvPr>
         </p:nvSpPr>
-        <p:spPr/>
+        <p:spPr>
+          <a:xfrm>
+            <a:off x="838200" y="2322775"/>
+            <a:ext cx="10515600" cy="1956262"/>
+          </a:xfrm>
+        </p:spPr>
         <p:txBody>
-          <a:bodyPr/>
+          <a:bodyPr>
+            <a:normAutofit/>
+          </a:bodyPr>
           <a:lstStyle/>
           <a:p>
-            <a:r>
-              <a:rPr lang="ru-RU" sz="1800" dirty="0">
-                <a:effectLst/>
-                <a:latin typeface="Arial" panose="020B0604020202020204" pitchFamily="34" charset="0"/>
-                <a:ea typeface="Arial" panose="020B0604020202020204" pitchFamily="34" charset="0"/>
-              </a:rPr>
-              <a:t>Информационно-коммуникационные технологии</a:t>
-            </a:r>
-          </a:p>
-          <a:p>
-            <a:r>
-              <a:rPr lang="ru-RU" sz="1800" dirty="0">
-                <a:effectLst/>
-                <a:latin typeface="Arial" panose="020B0604020202020204" pitchFamily="34" charset="0"/>
-                <a:ea typeface="Arial" panose="020B0604020202020204" pitchFamily="34" charset="0"/>
-              </a:rPr>
-              <a:t>Компьютерная грамотность педагогов</a:t>
-            </a:r>
-            <a:endParaRPr lang="ru-RU" sz="1800" dirty="0">
-              <a:latin typeface="Arial" panose="020B0604020202020204" pitchFamily="34" charset="0"/>
+            <a:pPr>
+              <a:lnSpc>
+                <a:spcPct val="150000"/>
+              </a:lnSpc>
+            </a:pPr>
+            <a:r>
+              <a:rPr lang="ru-RU" sz="2200" dirty="0">
+                <a:effectLst/>
+                <a:latin typeface="Times New Roman" panose="02020603050405020304" pitchFamily="18" charset="0"/>
+                <a:ea typeface="Arial" panose="020B0604020202020204" pitchFamily="34" charset="0"/>
+                <a:cs typeface="Times New Roman" panose="02020603050405020304" pitchFamily="18" charset="0"/>
+              </a:rPr>
+              <a:t>Развитие информационных технологий</a:t>
+            </a:r>
+          </a:p>
+          <a:p>
+            <a:pPr>
+              <a:lnSpc>
+                <a:spcPct val="150000"/>
+              </a:lnSpc>
+            </a:pPr>
+            <a:r>
+              <a:rPr lang="ru-RU" sz="2200" dirty="0">
+                <a:effectLst/>
+                <a:latin typeface="Times New Roman" panose="02020603050405020304" pitchFamily="18" charset="0"/>
+                <a:ea typeface="Arial" panose="020B0604020202020204" pitchFamily="34" charset="0"/>
+                <a:cs typeface="Times New Roman" panose="02020603050405020304" pitchFamily="18" charset="0"/>
+              </a:rPr>
+              <a:t>Виды информационных технологий и их совершенствование</a:t>
+            </a:r>
+            <a:endParaRPr lang="ru-RU" sz="2200" dirty="0">
+              <a:latin typeface="Times New Roman" panose="02020603050405020304" pitchFamily="18" charset="0"/>
               <a:ea typeface="Arial" panose="020B0604020202020204" pitchFamily="34" charset="0"/>
+              <a:cs typeface="Times New Roman" panose="02020603050405020304" pitchFamily="18" charset="0"/>
             </a:endParaRPr>
           </a:p>
           <a:p>
-            <a:r>
-              <a:rPr lang="ru-RU" sz="1800" dirty="0">
-                <a:effectLst/>
-                <a:latin typeface="Arial" panose="020B0604020202020204" pitchFamily="34" charset="0"/>
-                <a:ea typeface="Arial" panose="020B0604020202020204" pitchFamily="34" charset="0"/>
-              </a:rPr>
-              <a:t>Формы использования </a:t>
-            </a:r>
-            <a:r>
-              <a:rPr lang="en-US" sz="1800" dirty="0">
-                <a:effectLst/>
-                <a:latin typeface="Arial" panose="020B0604020202020204" pitchFamily="34" charset="0"/>
-                <a:ea typeface="Arial" panose="020B0604020202020204" pitchFamily="34" charset="0"/>
-              </a:rPr>
-              <a:t>IT</a:t>
-            </a:r>
-            <a:r>
-              <a:rPr lang="ru-RU" sz="1800" dirty="0">
-                <a:effectLst/>
-                <a:latin typeface="Arial" panose="020B0604020202020204" pitchFamily="34" charset="0"/>
-                <a:ea typeface="Arial" panose="020B0604020202020204" pitchFamily="34" charset="0"/>
-              </a:rPr>
-              <a:t> в образовании</a:t>
-            </a:r>
-          </a:p>
-          <a:p>
-            <a:r>
-              <a:rPr lang="ru-RU" sz="1800" dirty="0">
-                <a:effectLst/>
-                <a:latin typeface="Arial" panose="020B0604020202020204" pitchFamily="34" charset="0"/>
-                <a:ea typeface="Times New Roman" panose="02020603050405020304" pitchFamily="18" charset="0"/>
-              </a:rPr>
-              <a:t>Организация продуктивной учебной деятельности учащихся</a:t>
-            </a:r>
-          </a:p>
-          <a:p>
-            <a:r>
-              <a:rPr lang="ru-RU" sz="1800" dirty="0">
-                <a:effectLst/>
-                <a:latin typeface="Arial" panose="020B0604020202020204" pitchFamily="34" charset="0"/>
-                <a:ea typeface="Arial" panose="020B0604020202020204" pitchFamily="34" charset="0"/>
-              </a:rPr>
-              <a:t>Развивающие игры и приложения</a:t>
-            </a:r>
-            <a:endParaRPr lang="ru-RU" dirty="0"/>
+            <a:pPr>
+              <a:lnSpc>
+                <a:spcPct val="150000"/>
+              </a:lnSpc>
+            </a:pPr>
+            <a:r>
+              <a:rPr lang="ru-RU" sz="2200" dirty="0">
+                <a:solidFill>
+                  <a:srgbClr val="000000"/>
+                </a:solidFill>
+                <a:effectLst/>
+                <a:latin typeface="Times New Roman" panose="02020603050405020304" pitchFamily="18" charset="0"/>
+                <a:ea typeface="Arial" panose="020B0604020202020204" pitchFamily="34" charset="0"/>
+                <a:cs typeface="Times New Roman" panose="02020603050405020304" pitchFamily="18" charset="0"/>
+              </a:rPr>
+              <a:t>Применение обучающих приложений в процессе обучения</a:t>
+            </a:r>
+            <a:endParaRPr lang="ru-RU" sz="2200" dirty="0">
+              <a:latin typeface="Times New Roman" panose="02020603050405020304" pitchFamily="18" charset="0"/>
+              <a:cs typeface="Times New Roman" panose="02020603050405020304" pitchFamily="18" charset="0"/>
+            </a:endParaRPr>
           </a:p>
         </p:txBody>
       </p:sp>
     </p:spTree>
     <p:extLst>
       <p:ext uri="{BB962C8B-B14F-4D97-AF65-F5344CB8AC3E}">
-        <p14:creationId xmlns:p14="http://schemas.microsoft.com/office/powerpoint/2010/main" val="4203685321"/>
+        <p14:creationId xmlns:p14="http://schemas.microsoft.com/office/powerpoint/2010/main" val="3755110038"/>
       </p:ext>
     </p:extLst>
   </p:cSld>
@@ -4435,7 +8200,7 @@
           <p:cNvPr id="2" name="Заголовок 1">
             <a:extLst>
               <a:ext uri="{FF2B5EF4-FFF2-40B4-BE49-F238E27FC236}">
-                <a16:creationId xmlns:a16="http://schemas.microsoft.com/office/drawing/2014/main" id="{C67F3A78-966C-48AC-8612-01DDF9B66A47}"/>
+                <a16:creationId xmlns:a16="http://schemas.microsoft.com/office/drawing/2014/main" id="{02652CBB-9191-448A-B8FB-3590DDA2F673}"/>
               </a:ext>
             </a:extLst>
           </p:cNvPr>
@@ -4448,8 +8213,8 @@
         </p:nvSpPr>
         <p:spPr>
           <a:xfrm>
-            <a:off x="1805866" y="153192"/>
-            <a:ext cx="10515600" cy="1325563"/>
+            <a:off x="625135" y="531075"/>
+            <a:ext cx="6121893" cy="931013"/>
           </a:xfrm>
         </p:spPr>
         <p:txBody>
@@ -4458,15 +8223,14 @@
           </a:bodyPr>
           <a:lstStyle/>
           <a:p>
+            <a:pPr algn="ctr"/>
             <a:r>
               <a:rPr lang="ru-RU" sz="3600" dirty="0">
-                <a:effectLst/>
-                <a:latin typeface="Arial" panose="020B0604020202020204" pitchFamily="34" charset="0"/>
-                <a:ea typeface="Arial" panose="020B0604020202020204" pitchFamily="34" charset="0"/>
-              </a:rPr>
-              <a:t>Обзор основных приложений по химии</a:t>
-            </a:r>
-            <a:endParaRPr lang="ru-RU" sz="3600" dirty="0"/>
+                <a:latin typeface="Times New Roman" panose="02020603050405020304" pitchFamily="18" charset="0"/>
+                <a:cs typeface="Times New Roman" panose="02020603050405020304" pitchFamily="18" charset="0"/>
+              </a:rPr>
+              <a:t>Аналитическая часть</a:t>
+            </a:r>
           </a:p>
         </p:txBody>
       </p:sp>
@@ -4475,7 +8239,7 @@
           <p:cNvPr id="3" name="Объект 2">
             <a:extLst>
               <a:ext uri="{FF2B5EF4-FFF2-40B4-BE49-F238E27FC236}">
-                <a16:creationId xmlns:a16="http://schemas.microsoft.com/office/drawing/2014/main" id="{F3D43C1F-2C9C-4977-ACEC-282CAC03A39A}"/>
+                <a16:creationId xmlns:a16="http://schemas.microsoft.com/office/drawing/2014/main" id="{6711AA9A-295D-4312-BBB7-48A6942C4EFE}"/>
               </a:ext>
             </a:extLst>
           </p:cNvPr>
@@ -4488,749 +8252,200 @@
         </p:nvSpPr>
         <p:spPr>
           <a:xfrm>
-            <a:off x="1412289" y="1690688"/>
-            <a:ext cx="4683711" cy="4351338"/>
+            <a:off x="163497" y="1995389"/>
+            <a:ext cx="7045170" cy="3488924"/>
           </a:xfrm>
         </p:spPr>
         <p:txBody>
           <a:bodyPr>
-            <a:normAutofit/>
+            <a:normAutofit lnSpcReduction="10000"/>
           </a:bodyPr>
           <a:lstStyle/>
           <a:p>
-            <a:r>
-              <a:rPr lang="ru-RU" sz="1800" b="1" dirty="0">
-                <a:solidFill>
-                  <a:srgbClr val="000000"/>
-                </a:solidFill>
-                <a:effectLst/>
-                <a:latin typeface="Times New Roman" panose="02020603050405020304" pitchFamily="18" charset="0"/>
-                <a:ea typeface="Arial" panose="020B0604020202020204" pitchFamily="34" charset="0"/>
-              </a:rPr>
-              <a:t>“</a:t>
-            </a:r>
-            <a:r>
-              <a:rPr lang="ru-RU" sz="1800" b="1" dirty="0" err="1">
-                <a:solidFill>
-                  <a:srgbClr val="000000"/>
-                </a:solidFill>
-                <a:effectLst/>
-                <a:latin typeface="Times New Roman" panose="02020603050405020304" pitchFamily="18" charset="0"/>
-                <a:ea typeface="Arial" panose="020B0604020202020204" pitchFamily="34" charset="0"/>
-              </a:rPr>
-              <a:t>Molecules</a:t>
-            </a:r>
-            <a:r>
-              <a:rPr lang="ru-RU" sz="1800" b="1" dirty="0">
-                <a:solidFill>
-                  <a:srgbClr val="000000"/>
-                </a:solidFill>
-                <a:effectLst/>
-                <a:latin typeface="Times New Roman" panose="02020603050405020304" pitchFamily="18" charset="0"/>
-                <a:ea typeface="Arial" panose="020B0604020202020204" pitchFamily="34" charset="0"/>
-              </a:rPr>
-              <a:t>”</a:t>
-            </a:r>
-            <a:endParaRPr lang="ru-RU" sz="1800" dirty="0">
-              <a:effectLst/>
-              <a:latin typeface="Arial" panose="020B0604020202020204" pitchFamily="34" charset="0"/>
+            <a:pPr>
+              <a:lnSpc>
+                <a:spcPct val="150000"/>
+              </a:lnSpc>
+            </a:pPr>
+            <a:r>
+              <a:rPr lang="ru-RU" sz="2200" dirty="0">
+                <a:effectLst/>
+                <a:latin typeface="Times New Roman" panose="02020603050405020304" pitchFamily="18" charset="0"/>
+                <a:ea typeface="Arial" panose="020B0604020202020204" pitchFamily="34" charset="0"/>
+                <a:cs typeface="Times New Roman" panose="02020603050405020304" pitchFamily="18" charset="0"/>
+              </a:rPr>
+              <a:t>Информационно-коммуникационные технологии</a:t>
+            </a:r>
+          </a:p>
+          <a:p>
+            <a:pPr>
+              <a:lnSpc>
+                <a:spcPct val="150000"/>
+              </a:lnSpc>
+            </a:pPr>
+            <a:r>
+              <a:rPr lang="ru-RU" sz="2200" dirty="0">
+                <a:effectLst/>
+                <a:latin typeface="Times New Roman" panose="02020603050405020304" pitchFamily="18" charset="0"/>
+                <a:ea typeface="Arial" panose="020B0604020202020204" pitchFamily="34" charset="0"/>
+                <a:cs typeface="Times New Roman" panose="02020603050405020304" pitchFamily="18" charset="0"/>
+              </a:rPr>
+              <a:t>Компьютерная грамотность педагогов</a:t>
+            </a:r>
+            <a:endParaRPr lang="ru-RU" sz="2200" dirty="0">
+              <a:latin typeface="Times New Roman" panose="02020603050405020304" pitchFamily="18" charset="0"/>
               <a:ea typeface="Arial" panose="020B0604020202020204" pitchFamily="34" charset="0"/>
+              <a:cs typeface="Times New Roman" panose="02020603050405020304" pitchFamily="18" charset="0"/>
             </a:endParaRPr>
           </a:p>
           <a:p>
-            <a:r>
-              <a:rPr lang="ru-RU" sz="1800" dirty="0">
-                <a:solidFill>
-                  <a:srgbClr val="000000"/>
-                </a:solidFill>
-                <a:effectLst/>
-                <a:latin typeface="Times New Roman" panose="02020603050405020304" pitchFamily="18" charset="0"/>
-                <a:ea typeface="Arial" panose="020B0604020202020204" pitchFamily="34" charset="0"/>
-              </a:rPr>
-              <a:t>“</a:t>
-            </a:r>
-            <a:r>
-              <a:rPr lang="ru-RU" sz="1800" b="1" dirty="0" err="1">
-                <a:solidFill>
-                  <a:srgbClr val="000000"/>
-                </a:solidFill>
-                <a:effectLst/>
-                <a:latin typeface="Times New Roman" panose="02020603050405020304" pitchFamily="18" charset="0"/>
-                <a:ea typeface="Arial" panose="020B0604020202020204" pitchFamily="34" charset="0"/>
-              </a:rPr>
-              <a:t>Chemist</a:t>
-            </a:r>
-            <a:r>
-              <a:rPr lang="ru-RU" sz="1800" dirty="0">
-                <a:solidFill>
-                  <a:srgbClr val="000000"/>
-                </a:solidFill>
-                <a:effectLst/>
-                <a:latin typeface="Times New Roman" panose="02020603050405020304" pitchFamily="18" charset="0"/>
-                <a:ea typeface="Arial" panose="020B0604020202020204" pitchFamily="34" charset="0"/>
-              </a:rPr>
-              <a:t>”</a:t>
-            </a:r>
-            <a:endParaRPr lang="ru-RU" sz="1800" dirty="0">
-              <a:effectLst/>
-              <a:latin typeface="Arial" panose="020B0604020202020204" pitchFamily="34" charset="0"/>
-              <a:ea typeface="Arial" panose="020B0604020202020204" pitchFamily="34" charset="0"/>
+            <a:pPr>
+              <a:lnSpc>
+                <a:spcPct val="150000"/>
+              </a:lnSpc>
+            </a:pPr>
+            <a:r>
+              <a:rPr lang="ru-RU" sz="2200" dirty="0">
+                <a:effectLst/>
+                <a:latin typeface="Times New Roman" panose="02020603050405020304" pitchFamily="18" charset="0"/>
+                <a:ea typeface="Arial" panose="020B0604020202020204" pitchFamily="34" charset="0"/>
+                <a:cs typeface="Times New Roman" panose="02020603050405020304" pitchFamily="18" charset="0"/>
+              </a:rPr>
+              <a:t>Формы использования </a:t>
+            </a:r>
+            <a:r>
+              <a:rPr lang="en-US" sz="2200" dirty="0">
+                <a:effectLst/>
+                <a:latin typeface="Times New Roman" panose="02020603050405020304" pitchFamily="18" charset="0"/>
+                <a:ea typeface="Arial" panose="020B0604020202020204" pitchFamily="34" charset="0"/>
+                <a:cs typeface="Times New Roman" panose="02020603050405020304" pitchFamily="18" charset="0"/>
+              </a:rPr>
+              <a:t>IT</a:t>
+            </a:r>
+            <a:r>
+              <a:rPr lang="ru-RU" sz="2200" dirty="0">
+                <a:effectLst/>
+                <a:latin typeface="Times New Roman" panose="02020603050405020304" pitchFamily="18" charset="0"/>
+                <a:ea typeface="Arial" panose="020B0604020202020204" pitchFamily="34" charset="0"/>
+                <a:cs typeface="Times New Roman" panose="02020603050405020304" pitchFamily="18" charset="0"/>
+              </a:rPr>
+              <a:t> в образовании</a:t>
+            </a:r>
+          </a:p>
+          <a:p>
+            <a:pPr>
+              <a:lnSpc>
+                <a:spcPct val="150000"/>
+              </a:lnSpc>
+            </a:pPr>
+            <a:r>
+              <a:rPr lang="ru-RU" sz="2200" dirty="0">
+                <a:effectLst/>
+                <a:latin typeface="Times New Roman" panose="02020603050405020304" pitchFamily="18" charset="0"/>
+                <a:ea typeface="Times New Roman" panose="02020603050405020304" pitchFamily="18" charset="0"/>
+                <a:cs typeface="Times New Roman" panose="02020603050405020304" pitchFamily="18" charset="0"/>
+              </a:rPr>
+              <a:t>Организация продуктивной учебной деятельности учащихся</a:t>
+            </a:r>
+          </a:p>
+          <a:p>
+            <a:pPr>
+              <a:lnSpc>
+                <a:spcPct val="150000"/>
+              </a:lnSpc>
+            </a:pPr>
+            <a:r>
+              <a:rPr lang="ru-RU" sz="2200" dirty="0">
+                <a:effectLst/>
+                <a:latin typeface="Times New Roman" panose="02020603050405020304" pitchFamily="18" charset="0"/>
+                <a:ea typeface="Arial" panose="020B0604020202020204" pitchFamily="34" charset="0"/>
+                <a:cs typeface="Times New Roman" panose="02020603050405020304" pitchFamily="18" charset="0"/>
+              </a:rPr>
+              <a:t>Развивающие игры и приложения</a:t>
+            </a:r>
+            <a:endParaRPr lang="ru-RU" sz="2200" dirty="0">
+              <a:latin typeface="Times New Roman" panose="02020603050405020304" pitchFamily="18" charset="0"/>
+              <a:cs typeface="Times New Roman" panose="02020603050405020304" pitchFamily="18" charset="0"/>
             </a:endParaRPr>
-          </a:p>
-          <a:p>
-            <a:r>
-              <a:rPr lang="ru-RU" sz="1800" b="1" dirty="0">
-                <a:solidFill>
-                  <a:srgbClr val="000000"/>
-                </a:solidFill>
-                <a:effectLst/>
-                <a:latin typeface="Times New Roman" panose="02020603050405020304" pitchFamily="18" charset="0"/>
-                <a:ea typeface="Arial" panose="020B0604020202020204" pitchFamily="34" charset="0"/>
-              </a:rPr>
-              <a:t>“Chemical </a:t>
-            </a:r>
-            <a:r>
-              <a:rPr lang="ru-RU" sz="1800" b="1" dirty="0" err="1">
-                <a:solidFill>
-                  <a:srgbClr val="000000"/>
-                </a:solidFill>
-                <a:effectLst/>
-                <a:latin typeface="Times New Roman" panose="02020603050405020304" pitchFamily="18" charset="0"/>
-                <a:ea typeface="Arial" panose="020B0604020202020204" pitchFamily="34" charset="0"/>
-              </a:rPr>
-              <a:t>Valence</a:t>
-            </a:r>
-            <a:r>
-              <a:rPr lang="ru-RU" sz="1800" b="1" dirty="0">
-                <a:solidFill>
-                  <a:srgbClr val="000000"/>
-                </a:solidFill>
-                <a:effectLst/>
-                <a:latin typeface="Times New Roman" panose="02020603050405020304" pitchFamily="18" charset="0"/>
-                <a:ea typeface="Arial" panose="020B0604020202020204" pitchFamily="34" charset="0"/>
-              </a:rPr>
-              <a:t>”</a:t>
-            </a:r>
-            <a:endParaRPr lang="ru-RU" sz="1800" dirty="0">
-              <a:effectLst/>
-              <a:latin typeface="Arial" panose="020B0604020202020204" pitchFamily="34" charset="0"/>
-              <a:ea typeface="Arial" panose="020B0604020202020204" pitchFamily="34" charset="0"/>
-            </a:endParaRPr>
-          </a:p>
-          <a:p>
-            <a:r>
-              <a:rPr lang="ru-RU" sz="1800" b="1" dirty="0">
-                <a:solidFill>
-                  <a:srgbClr val="000000"/>
-                </a:solidFill>
-                <a:effectLst/>
-                <a:latin typeface="Times New Roman" panose="02020603050405020304" pitchFamily="18" charset="0"/>
-                <a:ea typeface="Arial" panose="020B0604020202020204" pitchFamily="34" charset="0"/>
-              </a:rPr>
-              <a:t>“Химия X10”</a:t>
-            </a:r>
-            <a:endParaRPr lang="ru-RU" sz="1800" dirty="0">
-              <a:effectLst/>
-              <a:latin typeface="Arial" panose="020B0604020202020204" pitchFamily="34" charset="0"/>
-              <a:ea typeface="Arial" panose="020B0604020202020204" pitchFamily="34" charset="0"/>
-            </a:endParaRPr>
-          </a:p>
-          <a:p>
-            <a:r>
-              <a:rPr lang="ru-RU" sz="1800" b="1" dirty="0">
-                <a:solidFill>
-                  <a:srgbClr val="000000"/>
-                </a:solidFill>
-                <a:effectLst/>
-                <a:latin typeface="Times New Roman" panose="02020603050405020304" pitchFamily="18" charset="0"/>
-                <a:ea typeface="Times New Roman" panose="02020603050405020304" pitchFamily="18" charset="0"/>
-              </a:rPr>
-              <a:t>“</a:t>
-            </a:r>
-            <a:r>
-              <a:rPr lang="ru-RU" sz="1800" b="1" dirty="0" err="1">
-                <a:solidFill>
-                  <a:srgbClr val="000000"/>
-                </a:solidFill>
-                <a:effectLst/>
-                <a:latin typeface="Times New Roman" panose="02020603050405020304" pitchFamily="18" charset="0"/>
-                <a:ea typeface="Times New Roman" panose="02020603050405020304" pitchFamily="18" charset="0"/>
-              </a:rPr>
-              <a:t>Chemik</a:t>
-            </a:r>
-            <a:r>
-              <a:rPr lang="ru-RU" sz="1800" b="1" dirty="0">
-                <a:solidFill>
-                  <a:srgbClr val="000000"/>
-                </a:solidFill>
-                <a:effectLst/>
-                <a:latin typeface="Times New Roman" panose="02020603050405020304" pitchFamily="18" charset="0"/>
-                <a:ea typeface="Times New Roman" panose="02020603050405020304" pitchFamily="18" charset="0"/>
-              </a:rPr>
-              <a:t>”</a:t>
-            </a:r>
-            <a:endParaRPr lang="ru-RU" sz="1800" dirty="0">
-              <a:effectLst/>
-              <a:latin typeface="Times New Roman" panose="02020603050405020304" pitchFamily="18" charset="0"/>
-              <a:ea typeface="Times New Roman" panose="02020603050405020304" pitchFamily="18" charset="0"/>
-            </a:endParaRPr>
-          </a:p>
-          <a:p>
-            <a:r>
-              <a:rPr lang="ru-RU" sz="1800" b="1" dirty="0">
-                <a:solidFill>
-                  <a:srgbClr val="000000"/>
-                </a:solidFill>
-                <a:effectLst/>
-                <a:latin typeface="Times New Roman" panose="02020603050405020304" pitchFamily="18" charset="0"/>
-                <a:ea typeface="Times New Roman" panose="02020603050405020304" pitchFamily="18" charset="0"/>
-              </a:rPr>
-              <a:t>“</a:t>
-            </a:r>
-            <a:r>
-              <a:rPr lang="ru-RU" sz="1800" b="1" dirty="0" err="1">
-                <a:solidFill>
-                  <a:srgbClr val="000000"/>
-                </a:solidFill>
-                <a:effectLst/>
-                <a:latin typeface="Times New Roman" panose="02020603050405020304" pitchFamily="18" charset="0"/>
-                <a:ea typeface="Times New Roman" panose="02020603050405020304" pitchFamily="18" charset="0"/>
-              </a:rPr>
-              <a:t>Chem</a:t>
-            </a:r>
-            <a:r>
-              <a:rPr lang="ru-RU" sz="1800" b="1" dirty="0">
-                <a:solidFill>
-                  <a:srgbClr val="000000"/>
-                </a:solidFill>
-                <a:effectLst/>
-                <a:latin typeface="Times New Roman" panose="02020603050405020304" pitchFamily="18" charset="0"/>
-                <a:ea typeface="Times New Roman" panose="02020603050405020304" pitchFamily="18" charset="0"/>
-              </a:rPr>
-              <a:t> By Design”</a:t>
-            </a:r>
-            <a:endParaRPr lang="ru-RU" sz="1800" dirty="0">
-              <a:effectLst/>
-              <a:latin typeface="Times New Roman" panose="02020603050405020304" pitchFamily="18" charset="0"/>
-              <a:ea typeface="Times New Roman" panose="02020603050405020304" pitchFamily="18" charset="0"/>
-            </a:endParaRPr>
-          </a:p>
-          <a:p>
-            <a:r>
-              <a:rPr lang="ru-RU" sz="1800" b="1" dirty="0">
-                <a:solidFill>
-                  <a:srgbClr val="000000"/>
-                </a:solidFill>
-                <a:effectLst/>
-                <a:latin typeface="Times New Roman" panose="02020603050405020304" pitchFamily="18" charset="0"/>
-                <a:ea typeface="Times New Roman" panose="02020603050405020304" pitchFamily="18" charset="0"/>
-              </a:rPr>
-              <a:t>“Инструментальный ящик”</a:t>
-            </a:r>
-            <a:endParaRPr lang="ru-RU" sz="1800" dirty="0">
-              <a:effectLst/>
-              <a:latin typeface="Times New Roman" panose="02020603050405020304" pitchFamily="18" charset="0"/>
-              <a:ea typeface="Times New Roman" panose="02020603050405020304" pitchFamily="18" charset="0"/>
-            </a:endParaRPr>
-          </a:p>
-          <a:p>
-            <a:r>
-              <a:rPr lang="ru-RU" sz="1800" b="1" dirty="0">
-                <a:solidFill>
-                  <a:srgbClr val="000000"/>
-                </a:solidFill>
-                <a:effectLst/>
-                <a:latin typeface="Times New Roman" panose="02020603050405020304" pitchFamily="18" charset="0"/>
-                <a:ea typeface="Times New Roman" panose="02020603050405020304" pitchFamily="18" charset="0"/>
-              </a:rPr>
-              <a:t>“MEL </a:t>
-            </a:r>
-            <a:r>
-              <a:rPr lang="ru-RU" sz="1800" b="1" dirty="0" err="1">
-                <a:solidFill>
-                  <a:srgbClr val="000000"/>
-                </a:solidFill>
-                <a:effectLst/>
-                <a:latin typeface="Times New Roman" panose="02020603050405020304" pitchFamily="18" charset="0"/>
-                <a:ea typeface="Times New Roman" panose="02020603050405020304" pitchFamily="18" charset="0"/>
-              </a:rPr>
-              <a:t>Chemistry</a:t>
-            </a:r>
-            <a:r>
-              <a:rPr lang="ru-RU" sz="1800" b="1" dirty="0">
-                <a:solidFill>
-                  <a:srgbClr val="000000"/>
-                </a:solidFill>
-                <a:effectLst/>
-                <a:latin typeface="Times New Roman" panose="02020603050405020304" pitchFamily="18" charset="0"/>
-                <a:ea typeface="Times New Roman" panose="02020603050405020304" pitchFamily="18" charset="0"/>
-              </a:rPr>
-              <a:t>”</a:t>
-            </a:r>
-            <a:endParaRPr lang="ru-RU" sz="1800" dirty="0">
-              <a:effectLst/>
-              <a:latin typeface="Times New Roman" panose="02020603050405020304" pitchFamily="18" charset="0"/>
-              <a:ea typeface="Times New Roman" panose="02020603050405020304" pitchFamily="18" charset="0"/>
-            </a:endParaRPr>
-          </a:p>
-          <a:p>
-            <a:r>
-              <a:rPr lang="ru-RU" sz="1800" b="1" dirty="0">
-                <a:solidFill>
-                  <a:srgbClr val="000000"/>
-                </a:solidFill>
-                <a:effectLst/>
-                <a:latin typeface="Times New Roman" panose="02020603050405020304" pitchFamily="18" charset="0"/>
-              </a:rPr>
-              <a:t>“Химические вещества”</a:t>
-            </a:r>
-            <a:endParaRPr lang="ru-RU" sz="1800" b="1" dirty="0">
-              <a:solidFill>
-                <a:srgbClr val="666666"/>
-              </a:solidFill>
-              <a:effectLst/>
-              <a:latin typeface="Arial" panose="020B0604020202020204" pitchFamily="34" charset="0"/>
-            </a:endParaRPr>
-          </a:p>
-          <a:p>
-            <a:r>
-              <a:rPr lang="ru-RU" sz="1800" b="1" dirty="0">
-                <a:solidFill>
-                  <a:srgbClr val="000000"/>
-                </a:solidFill>
-                <a:effectLst/>
-                <a:latin typeface="Times New Roman" panose="02020603050405020304" pitchFamily="18" charset="0"/>
-              </a:rPr>
-              <a:t>“Неорганические кислоты и соли”</a:t>
-            </a:r>
-            <a:endParaRPr lang="ru-RU" sz="1800" b="1" dirty="0">
-              <a:solidFill>
-                <a:srgbClr val="666666"/>
-              </a:solidFill>
-              <a:effectLst/>
-              <a:latin typeface="Arial" panose="020B0604020202020204" pitchFamily="34" charset="0"/>
-            </a:endParaRPr>
-          </a:p>
-          <a:p>
-            <a:r>
-              <a:rPr lang="en-US" sz="1800" b="1" dirty="0">
-                <a:solidFill>
-                  <a:srgbClr val="000000"/>
-                </a:solidFill>
-                <a:effectLst/>
-                <a:latin typeface="Times New Roman" panose="02020603050405020304" pitchFamily="18" charset="0"/>
-              </a:rPr>
-              <a:t>“</a:t>
-            </a:r>
-            <a:r>
-              <a:rPr lang="ru-RU" sz="1800" b="1" dirty="0">
-                <a:solidFill>
-                  <a:srgbClr val="000000"/>
-                </a:solidFill>
-                <a:effectLst/>
-                <a:latin typeface="Times New Roman" panose="02020603050405020304" pitchFamily="18" charset="0"/>
-              </a:rPr>
-              <a:t>Химические элементы</a:t>
-            </a:r>
-            <a:r>
-              <a:rPr lang="en-US" sz="1800" b="1" dirty="0">
-                <a:solidFill>
-                  <a:srgbClr val="000000"/>
-                </a:solidFill>
-                <a:effectLst/>
-                <a:latin typeface="Times New Roman" panose="02020603050405020304" pitchFamily="18" charset="0"/>
-              </a:rPr>
-              <a:t>”</a:t>
-            </a:r>
-            <a:endParaRPr lang="ru-RU" sz="1800" b="1" dirty="0">
-              <a:solidFill>
-                <a:srgbClr val="666666"/>
-              </a:solidFill>
-              <a:effectLst/>
-              <a:latin typeface="Arial" panose="020B0604020202020204" pitchFamily="34" charset="0"/>
-            </a:endParaRPr>
-          </a:p>
-          <a:p>
-            <a:endParaRPr lang="ru-RU" dirty="0"/>
           </a:p>
         </p:txBody>
       </p:sp>
-      <p:sp>
-        <p:nvSpPr>
-          <p:cNvPr id="4" name="Объект 2">
-            <a:extLst>
-              <a:ext uri="{FF2B5EF4-FFF2-40B4-BE49-F238E27FC236}">
-                <a16:creationId xmlns:a16="http://schemas.microsoft.com/office/drawing/2014/main" id="{C362BEDD-206D-42AF-AE02-87198FAB878B}"/>
-              </a:ext>
-            </a:extLst>
-          </p:cNvPr>
-          <p:cNvSpPr txBox="1">
-            <a:spLocks/>
-          </p:cNvSpPr>
+      <p:pic>
+        <p:nvPicPr>
+          <p:cNvPr id="5" name="Рисунок 4">
+            <a:extLst>
+              <a:ext uri="{FF2B5EF4-FFF2-40B4-BE49-F238E27FC236}">
+                <a16:creationId xmlns:a16="http://schemas.microsoft.com/office/drawing/2014/main" id="{AC2EDC52-E0C9-4586-A3FF-A19D4B7FCBA3}"/>
+              </a:ext>
+            </a:extLst>
+          </p:cNvPr>
+          <p:cNvPicPr>
+            <a:picLocks noChangeAspect="1"/>
+          </p:cNvPicPr>
           <p:nvPr/>
-        </p:nvSpPr>
+        </p:nvPicPr>
+        <p:blipFill>
+          <a:blip r:embed="rId2">
+            <a:extLst>
+              <a:ext uri="{28A0092B-C50C-407E-A947-70E740481C1C}">
+                <a14:useLocalDpi xmlns:a14="http://schemas.microsoft.com/office/drawing/2010/main" val="0"/>
+              </a:ext>
+            </a:extLst>
+          </a:blip>
+          <a:stretch>
+            <a:fillRect/>
+          </a:stretch>
+        </p:blipFill>
         <p:spPr>
           <a:xfrm>
-            <a:off x="6096000" y="2369693"/>
-            <a:ext cx="6363451" cy="4351338"/>
+            <a:off x="7350710" y="531075"/>
+            <a:ext cx="4329300" cy="3208776"/>
           </a:xfrm>
           <a:prstGeom prst="rect">
             <a:avLst/>
           </a:prstGeom>
         </p:spPr>
-        <p:txBody>
-          <a:bodyPr vert="horz" lIns="91440" tIns="45720" rIns="91440" bIns="45720" rtlCol="0">
-            <a:normAutofit/>
-          </a:bodyPr>
-          <a:lstStyle>
-            <a:lvl1pPr marL="228600" indent="-228600" algn="l" defTabSz="914400" rtl="0" eaLnBrk="1" latinLnBrk="0" hangingPunct="1">
-              <a:lnSpc>
-                <a:spcPct val="90000"/>
-              </a:lnSpc>
-              <a:spcBef>
-                <a:spcPts val="1000"/>
-              </a:spcBef>
-              <a:buFont typeface="Arial" panose="020B0604020202020204" pitchFamily="34" charset="0"/>
-              <a:buChar char="•"/>
-              <a:defRPr sz="2800" kern="1200">
-                <a:solidFill>
-                  <a:schemeClr val="tx1"/>
-                </a:solidFill>
-                <a:latin typeface="+mn-lt"/>
-                <a:ea typeface="+mn-ea"/>
-                <a:cs typeface="+mn-cs"/>
-              </a:defRPr>
-            </a:lvl1pPr>
-            <a:lvl2pPr marL="685800" indent="-228600" algn="l" defTabSz="914400" rtl="0" eaLnBrk="1" latinLnBrk="0" hangingPunct="1">
-              <a:lnSpc>
-                <a:spcPct val="90000"/>
-              </a:lnSpc>
-              <a:spcBef>
-                <a:spcPts val="500"/>
-              </a:spcBef>
-              <a:buFont typeface="Arial" panose="020B0604020202020204" pitchFamily="34" charset="0"/>
-              <a:buChar char="•"/>
-              <a:defRPr sz="2400" kern="1200">
-                <a:solidFill>
-                  <a:schemeClr val="tx1"/>
-                </a:solidFill>
-                <a:latin typeface="+mn-lt"/>
-                <a:ea typeface="+mn-ea"/>
-                <a:cs typeface="+mn-cs"/>
-              </a:defRPr>
-            </a:lvl2pPr>
-            <a:lvl3pPr marL="1143000" indent="-228600" algn="l" defTabSz="914400" rtl="0" eaLnBrk="1" latinLnBrk="0" hangingPunct="1">
-              <a:lnSpc>
-                <a:spcPct val="90000"/>
-              </a:lnSpc>
-              <a:spcBef>
-                <a:spcPts val="500"/>
-              </a:spcBef>
-              <a:buFont typeface="Arial" panose="020B0604020202020204" pitchFamily="34" charset="0"/>
-              <a:buChar char="•"/>
-              <a:defRPr sz="2000" kern="1200">
-                <a:solidFill>
-                  <a:schemeClr val="tx1"/>
-                </a:solidFill>
-                <a:latin typeface="+mn-lt"/>
-                <a:ea typeface="+mn-ea"/>
-                <a:cs typeface="+mn-cs"/>
-              </a:defRPr>
-            </a:lvl3pPr>
-            <a:lvl4pPr marL="1600200" indent="-228600" algn="l" defTabSz="914400" rtl="0" eaLnBrk="1" latinLnBrk="0" hangingPunct="1">
-              <a:lnSpc>
-                <a:spcPct val="90000"/>
-              </a:lnSpc>
-              <a:spcBef>
-                <a:spcPts val="500"/>
-              </a:spcBef>
-              <a:buFont typeface="Arial" panose="020B0604020202020204" pitchFamily="34" charset="0"/>
-              <a:buChar char="•"/>
-              <a:defRPr sz="1800" kern="1200">
-                <a:solidFill>
-                  <a:schemeClr val="tx1"/>
-                </a:solidFill>
-                <a:latin typeface="+mn-lt"/>
-                <a:ea typeface="+mn-ea"/>
-                <a:cs typeface="+mn-cs"/>
-              </a:defRPr>
-            </a:lvl4pPr>
-            <a:lvl5pPr marL="2057400" indent="-228600" algn="l" defTabSz="914400" rtl="0" eaLnBrk="1" latinLnBrk="0" hangingPunct="1">
-              <a:lnSpc>
-                <a:spcPct val="90000"/>
-              </a:lnSpc>
-              <a:spcBef>
-                <a:spcPts val="500"/>
-              </a:spcBef>
-              <a:buFont typeface="Arial" panose="020B0604020202020204" pitchFamily="34" charset="0"/>
-              <a:buChar char="•"/>
-              <a:defRPr sz="1800" kern="1200">
-                <a:solidFill>
-                  <a:schemeClr val="tx1"/>
-                </a:solidFill>
-                <a:latin typeface="+mn-lt"/>
-                <a:ea typeface="+mn-ea"/>
-                <a:cs typeface="+mn-cs"/>
-              </a:defRPr>
-            </a:lvl5pPr>
-            <a:lvl6pPr marL="2514600" indent="-228600" algn="l" defTabSz="914400" rtl="0" eaLnBrk="1" latinLnBrk="0" hangingPunct="1">
-              <a:lnSpc>
-                <a:spcPct val="90000"/>
-              </a:lnSpc>
-              <a:spcBef>
-                <a:spcPts val="500"/>
-              </a:spcBef>
-              <a:buFont typeface="Arial" panose="020B0604020202020204" pitchFamily="34" charset="0"/>
-              <a:buChar char="•"/>
-              <a:defRPr sz="1800" kern="1200">
-                <a:solidFill>
-                  <a:schemeClr val="tx1"/>
-                </a:solidFill>
-                <a:latin typeface="+mn-lt"/>
-                <a:ea typeface="+mn-ea"/>
-                <a:cs typeface="+mn-cs"/>
-              </a:defRPr>
-            </a:lvl6pPr>
-            <a:lvl7pPr marL="2971800" indent="-228600" algn="l" defTabSz="914400" rtl="0" eaLnBrk="1" latinLnBrk="0" hangingPunct="1">
-              <a:lnSpc>
-                <a:spcPct val="90000"/>
-              </a:lnSpc>
-              <a:spcBef>
-                <a:spcPts val="500"/>
-              </a:spcBef>
-              <a:buFont typeface="Arial" panose="020B0604020202020204" pitchFamily="34" charset="0"/>
-              <a:buChar char="•"/>
-              <a:defRPr sz="1800" kern="1200">
-                <a:solidFill>
-                  <a:schemeClr val="tx1"/>
-                </a:solidFill>
-                <a:latin typeface="+mn-lt"/>
-                <a:ea typeface="+mn-ea"/>
-                <a:cs typeface="+mn-cs"/>
-              </a:defRPr>
-            </a:lvl7pPr>
-            <a:lvl8pPr marL="3429000" indent="-228600" algn="l" defTabSz="914400" rtl="0" eaLnBrk="1" latinLnBrk="0" hangingPunct="1">
-              <a:lnSpc>
-                <a:spcPct val="90000"/>
-              </a:lnSpc>
-              <a:spcBef>
-                <a:spcPts val="500"/>
-              </a:spcBef>
-              <a:buFont typeface="Arial" panose="020B0604020202020204" pitchFamily="34" charset="0"/>
-              <a:buChar char="•"/>
-              <a:defRPr sz="1800" kern="1200">
-                <a:solidFill>
-                  <a:schemeClr val="tx1"/>
-                </a:solidFill>
-                <a:latin typeface="+mn-lt"/>
-                <a:ea typeface="+mn-ea"/>
-                <a:cs typeface="+mn-cs"/>
-              </a:defRPr>
-            </a:lvl8pPr>
-            <a:lvl9pPr marL="3886200" indent="-228600" algn="l" defTabSz="914400" rtl="0" eaLnBrk="1" latinLnBrk="0" hangingPunct="1">
-              <a:lnSpc>
-                <a:spcPct val="90000"/>
-              </a:lnSpc>
-              <a:spcBef>
-                <a:spcPts val="500"/>
-              </a:spcBef>
-              <a:buFont typeface="Arial" panose="020B0604020202020204" pitchFamily="34" charset="0"/>
-              <a:buChar char="•"/>
-              <a:defRPr sz="1800" kern="1200">
-                <a:solidFill>
-                  <a:schemeClr val="tx1"/>
-                </a:solidFill>
-                <a:latin typeface="+mn-lt"/>
-                <a:ea typeface="+mn-ea"/>
-                <a:cs typeface="+mn-cs"/>
-              </a:defRPr>
-            </a:lvl9pPr>
-          </a:lstStyle>
-          <a:p>
-            <a:r>
-              <a:rPr lang="ru-RU" sz="1800" b="1" dirty="0">
-                <a:solidFill>
-                  <a:srgbClr val="000000"/>
-                </a:solidFill>
-                <a:effectLst/>
-                <a:latin typeface="Times New Roman" panose="02020603050405020304" pitchFamily="18" charset="0"/>
-              </a:rPr>
-              <a:t>“Углеводороды и их Формулы”</a:t>
-            </a:r>
-          </a:p>
-          <a:p>
-            <a:r>
-              <a:rPr lang="ru-RU" sz="1800" b="1" dirty="0">
-                <a:solidFill>
-                  <a:srgbClr val="000000"/>
-                </a:solidFill>
-                <a:effectLst/>
-                <a:latin typeface="Times New Roman" panose="02020603050405020304" pitchFamily="18" charset="0"/>
-              </a:rPr>
-              <a:t>“Карбоновые кислоты и их эфиры”</a:t>
-            </a:r>
-            <a:endParaRPr lang="ru-RU" sz="1800" b="1" dirty="0">
-              <a:solidFill>
-                <a:srgbClr val="666666"/>
-              </a:solidFill>
-              <a:effectLst/>
-              <a:latin typeface="Arial" panose="020B0604020202020204" pitchFamily="34" charset="0"/>
-            </a:endParaRPr>
-          </a:p>
-          <a:p>
-            <a:r>
-              <a:rPr lang="ru-RU" sz="1800" b="1" dirty="0">
-                <a:solidFill>
-                  <a:srgbClr val="000000"/>
-                </a:solidFill>
-                <a:effectLst/>
-                <a:latin typeface="Times New Roman" panose="02020603050405020304" pitchFamily="18" charset="0"/>
-              </a:rPr>
-              <a:t>“Таблица Менделеева 2023”</a:t>
-            </a:r>
-            <a:endParaRPr lang="ru-RU" sz="1800" b="1" dirty="0">
-              <a:solidFill>
-                <a:srgbClr val="666666"/>
-              </a:solidFill>
-              <a:effectLst/>
-              <a:latin typeface="Arial" panose="020B0604020202020204" pitchFamily="34" charset="0"/>
-            </a:endParaRPr>
-          </a:p>
-          <a:p>
-            <a:r>
-              <a:rPr lang="ru-RU" sz="1800" b="1" dirty="0">
-                <a:solidFill>
-                  <a:srgbClr val="000000"/>
-                </a:solidFill>
-                <a:effectLst/>
-                <a:latin typeface="Times New Roman" panose="02020603050405020304" pitchFamily="18" charset="0"/>
-              </a:rPr>
-              <a:t>“Химия от </a:t>
-            </a:r>
-            <a:r>
-              <a:rPr lang="ru-RU" sz="1800" b="1" dirty="0" err="1">
-                <a:solidFill>
-                  <a:srgbClr val="000000"/>
-                </a:solidFill>
-                <a:effectLst/>
-                <a:latin typeface="Times New Roman" panose="02020603050405020304" pitchFamily="18" charset="0"/>
-              </a:rPr>
-              <a:t>Denis</a:t>
-            </a:r>
-            <a:r>
-              <a:rPr lang="ru-RU" sz="1800" b="1" dirty="0">
-                <a:solidFill>
-                  <a:srgbClr val="000000"/>
-                </a:solidFill>
-                <a:effectLst/>
-                <a:latin typeface="Times New Roman" panose="02020603050405020304" pitchFamily="18" charset="0"/>
-              </a:rPr>
-              <a:t> </a:t>
-            </a:r>
-            <a:r>
-              <a:rPr lang="ru-RU" sz="1800" b="1" dirty="0" err="1">
-                <a:solidFill>
-                  <a:srgbClr val="000000"/>
-                </a:solidFill>
-                <a:effectLst/>
-                <a:latin typeface="Times New Roman" panose="02020603050405020304" pitchFamily="18" charset="0"/>
-              </a:rPr>
-              <a:t>Chaschin</a:t>
-            </a:r>
-            <a:r>
-              <a:rPr lang="ru-RU" sz="1800" b="1" dirty="0">
-                <a:solidFill>
-                  <a:srgbClr val="000000"/>
-                </a:solidFill>
-                <a:effectLst/>
-                <a:latin typeface="Times New Roman" panose="02020603050405020304" pitchFamily="18" charset="0"/>
-              </a:rPr>
-              <a:t>”</a:t>
-            </a:r>
-          </a:p>
-          <a:p>
-            <a:r>
-              <a:rPr lang="ru-RU" sz="1800" b="1" dirty="0">
-                <a:solidFill>
-                  <a:srgbClr val="000000"/>
-                </a:solidFill>
-                <a:effectLst/>
-                <a:latin typeface="Times New Roman" panose="02020603050405020304" pitchFamily="18" charset="0"/>
-              </a:rPr>
-              <a:t>“Химия от А до Я. Подготовка к ЕГЭ 2022”</a:t>
-            </a:r>
-            <a:endParaRPr lang="ru-RU" sz="1800" b="1" dirty="0">
-              <a:effectLst/>
-              <a:latin typeface="Arial" panose="020B0604020202020204" pitchFamily="34" charset="0"/>
-            </a:endParaRPr>
-          </a:p>
-          <a:p>
-            <a:r>
-              <a:rPr lang="ru-RU" sz="1800" b="1" dirty="0">
-                <a:solidFill>
-                  <a:srgbClr val="000000"/>
-                </a:solidFill>
-                <a:effectLst/>
-                <a:latin typeface="Times New Roman" panose="02020603050405020304" pitchFamily="18" charset="0"/>
-              </a:rPr>
-              <a:t>“</a:t>
-            </a:r>
-            <a:r>
-              <a:rPr lang="ru-RU" sz="1800" b="1" dirty="0" err="1">
-                <a:solidFill>
-                  <a:srgbClr val="000000"/>
-                </a:solidFill>
-                <a:effectLst/>
-                <a:latin typeface="Times New Roman" panose="02020603050405020304" pitchFamily="18" charset="0"/>
-              </a:rPr>
-              <a:t>Химикэт</a:t>
-            </a:r>
-            <a:r>
-              <a:rPr lang="ru-RU" sz="1800" b="1" dirty="0">
-                <a:solidFill>
-                  <a:srgbClr val="000000"/>
-                </a:solidFill>
-                <a:effectLst/>
-                <a:latin typeface="Times New Roman" panose="02020603050405020304" pitchFamily="18" charset="0"/>
-              </a:rPr>
-              <a:t> Химия”</a:t>
-            </a:r>
-            <a:endParaRPr lang="ru-RU" sz="1800" b="1" dirty="0">
-              <a:effectLst/>
-              <a:latin typeface="Arial" panose="020B0604020202020204" pitchFamily="34" charset="0"/>
-            </a:endParaRPr>
-          </a:p>
-          <a:p>
-            <a:r>
-              <a:rPr lang="ru-RU" sz="1800" b="1" dirty="0">
-                <a:solidFill>
-                  <a:srgbClr val="000000"/>
-                </a:solidFill>
-                <a:effectLst/>
-                <a:latin typeface="Times New Roman" panose="02020603050405020304" pitchFamily="18" charset="0"/>
-              </a:rPr>
-              <a:t>“Химия на отлично!”</a:t>
-            </a:r>
-            <a:endParaRPr lang="ru-RU" sz="1800" b="1" dirty="0">
-              <a:effectLst/>
-              <a:latin typeface="Arial" panose="020B0604020202020204" pitchFamily="34" charset="0"/>
-            </a:endParaRPr>
-          </a:p>
-          <a:p>
-            <a:endParaRPr lang="ru-RU" sz="1800" b="1" dirty="0">
-              <a:effectLst/>
-              <a:latin typeface="Arial" panose="020B0604020202020204" pitchFamily="34" charset="0"/>
-            </a:endParaRPr>
-          </a:p>
-          <a:p>
-            <a:endParaRPr lang="ru-RU" dirty="0"/>
-          </a:p>
-        </p:txBody>
-      </p:sp>
+      </p:pic>
+      <p:pic>
+        <p:nvPicPr>
+          <p:cNvPr id="7" name="Рисунок 6">
+            <a:extLst>
+              <a:ext uri="{FF2B5EF4-FFF2-40B4-BE49-F238E27FC236}">
+                <a16:creationId xmlns:a16="http://schemas.microsoft.com/office/drawing/2014/main" id="{968123B6-418B-4748-8C23-E8DBED63F9A4}"/>
+              </a:ext>
+            </a:extLst>
+          </p:cNvPr>
+          <p:cNvPicPr>
+            <a:picLocks noChangeAspect="1"/>
+          </p:cNvPicPr>
+          <p:nvPr/>
+        </p:nvPicPr>
+        <p:blipFill>
+          <a:blip r:embed="rId3">
+            <a:extLst>
+              <a:ext uri="{28A0092B-C50C-407E-A947-70E740481C1C}">
+                <a14:useLocalDpi xmlns:a14="http://schemas.microsoft.com/office/drawing/2010/main" val="0"/>
+              </a:ext>
+            </a:extLst>
+          </a:blip>
+          <a:stretch>
+            <a:fillRect/>
+          </a:stretch>
+        </p:blipFill>
+        <p:spPr>
+          <a:xfrm>
+            <a:off x="7350710" y="3764729"/>
+            <a:ext cx="4329300" cy="2526311"/>
+          </a:xfrm>
+          <a:prstGeom prst="rect">
+            <a:avLst/>
+          </a:prstGeom>
+        </p:spPr>
+      </p:pic>
     </p:spTree>
     <p:extLst>
       <p:ext uri="{BB962C8B-B14F-4D97-AF65-F5344CB8AC3E}">
-        <p14:creationId xmlns:p14="http://schemas.microsoft.com/office/powerpoint/2010/main" val="4273884771"/>
+        <p14:creationId xmlns:p14="http://schemas.microsoft.com/office/powerpoint/2010/main" val="4203685321"/>
       </p:ext>
     </p:extLst>
   </p:cSld>
@@ -5262,7 +8477,7 @@
           <p:cNvPr id="2" name="Заголовок 1">
             <a:extLst>
               <a:ext uri="{FF2B5EF4-FFF2-40B4-BE49-F238E27FC236}">
-                <a16:creationId xmlns:a16="http://schemas.microsoft.com/office/drawing/2014/main" id="{0CECD2DA-6A46-42EC-9507-E23E53B29EBD}"/>
+                <a16:creationId xmlns:a16="http://schemas.microsoft.com/office/drawing/2014/main" id="{C67F3A78-966C-48AC-8612-01DDF9B66A47}"/>
               </a:ext>
             </a:extLst>
           </p:cNvPr>
@@ -5273,47 +8488,534 @@
             <p:ph type="title"/>
           </p:nvPr>
         </p:nvSpPr>
-        <p:spPr/>
+        <p:spPr>
+          <a:xfrm>
+            <a:off x="838200" y="-68751"/>
+            <a:ext cx="10515600" cy="662782"/>
+          </a:xfrm>
+        </p:spPr>
         <p:txBody>
-          <a:bodyPr/>
+          <a:bodyPr>
+            <a:normAutofit/>
+          </a:bodyPr>
           <a:lstStyle/>
           <a:p>
-            <a:r>
-              <a:rPr lang="ru-RU" dirty="0"/>
-              <a:t>Практическая часть</a:t>
-            </a:r>
+            <a:pPr algn="ctr"/>
+            <a:r>
+              <a:rPr lang="ru-RU" sz="3600" dirty="0">
+                <a:effectLst/>
+                <a:latin typeface="Times New Roman" panose="02020603050405020304" pitchFamily="18" charset="0"/>
+                <a:ea typeface="Arial" panose="020B0604020202020204" pitchFamily="34" charset="0"/>
+                <a:cs typeface="Times New Roman" panose="02020603050405020304" pitchFamily="18" charset="0"/>
+              </a:rPr>
+              <a:t>Обзор основных приложений по химии</a:t>
+            </a:r>
+            <a:endParaRPr lang="ru-RU" sz="3600" dirty="0">
+              <a:latin typeface="Times New Roman" panose="02020603050405020304" pitchFamily="18" charset="0"/>
+              <a:cs typeface="Times New Roman" panose="02020603050405020304" pitchFamily="18" charset="0"/>
+            </a:endParaRPr>
           </a:p>
         </p:txBody>
       </p:sp>
       <p:sp>
         <p:nvSpPr>
-          <p:cNvPr id="3" name="Объект 2">
-            <a:extLst>
-              <a:ext uri="{FF2B5EF4-FFF2-40B4-BE49-F238E27FC236}">
-                <a16:creationId xmlns:a16="http://schemas.microsoft.com/office/drawing/2014/main" id="{EA38FEFE-6FD1-4B32-A548-D84CE26EEE99}"/>
-              </a:ext>
-            </a:extLst>
-          </p:cNvPr>
-          <p:cNvSpPr>
-            <a:spLocks noGrp="1"/>
-          </p:cNvSpPr>
-          <p:nvPr>
-            <p:ph idx="1"/>
-          </p:nvPr>
+          <p:cNvPr id="6" name="TextBox 5">
+            <a:extLst>
+              <a:ext uri="{FF2B5EF4-FFF2-40B4-BE49-F238E27FC236}">
+                <a16:creationId xmlns:a16="http://schemas.microsoft.com/office/drawing/2014/main" id="{EE6CAC7A-9DB3-4AC9-A258-9BB850876637}"/>
+              </a:ext>
+            </a:extLst>
+          </p:cNvPr>
+          <p:cNvSpPr txBox="1"/>
+          <p:nvPr/>
         </p:nvSpPr>
-        <p:spPr/>
+        <p:spPr>
+          <a:xfrm>
+            <a:off x="8540080" y="907364"/>
+            <a:ext cx="3175987" cy="415498"/>
+          </a:xfrm>
+          <a:prstGeom prst="rect">
+            <a:avLst/>
+          </a:prstGeom>
+          <a:noFill/>
+        </p:spPr>
         <p:txBody>
-          <a:bodyPr/>
+          <a:bodyPr wrap="square">
+            <a:spAutoFit/>
+          </a:bodyPr>
           <a:lstStyle/>
           <a:p>
-            <a:endParaRPr lang="ru-RU" dirty="0"/>
+            <a:pPr>
+              <a:lnSpc>
+                <a:spcPct val="100000"/>
+              </a:lnSpc>
+            </a:pPr>
+            <a:r>
+              <a:rPr lang="ru-RU" sz="2100" b="1" dirty="0">
+                <a:solidFill>
+                  <a:srgbClr val="000000"/>
+                </a:solidFill>
+                <a:effectLst/>
+                <a:latin typeface="Times New Roman" panose="02020603050405020304" pitchFamily="18" charset="0"/>
+                <a:cs typeface="Times New Roman" panose="02020603050405020304" pitchFamily="18" charset="0"/>
+              </a:rPr>
+              <a:t>“Химические вещества”</a:t>
+            </a:r>
+            <a:endParaRPr lang="ru-RU" sz="2100" b="1" dirty="0">
+              <a:solidFill>
+                <a:srgbClr val="666666"/>
+              </a:solidFill>
+              <a:effectLst/>
+              <a:latin typeface="Times New Roman" panose="02020603050405020304" pitchFamily="18" charset="0"/>
+              <a:cs typeface="Times New Roman" panose="02020603050405020304" pitchFamily="18" charset="0"/>
+            </a:endParaRPr>
           </a:p>
         </p:txBody>
       </p:sp>
+      <p:pic>
+        <p:nvPicPr>
+          <p:cNvPr id="8" name="Рисунок 7">
+            <a:extLst>
+              <a:ext uri="{FF2B5EF4-FFF2-40B4-BE49-F238E27FC236}">
+                <a16:creationId xmlns:a16="http://schemas.microsoft.com/office/drawing/2014/main" id="{641C404F-7D54-402C-A035-231798D709B3}"/>
+              </a:ext>
+            </a:extLst>
+          </p:cNvPr>
+          <p:cNvPicPr>
+            <a:picLocks noChangeAspect="1"/>
+          </p:cNvPicPr>
+          <p:nvPr/>
+        </p:nvPicPr>
+        <p:blipFill>
+          <a:blip r:embed="rId2">
+            <a:extLst>
+              <a:ext uri="{28A0092B-C50C-407E-A947-70E740481C1C}">
+                <a14:useLocalDpi xmlns:a14="http://schemas.microsoft.com/office/drawing/2010/main" val="0"/>
+              </a:ext>
+            </a:extLst>
+          </a:blip>
+          <a:stretch>
+            <a:fillRect/>
+          </a:stretch>
+        </p:blipFill>
+        <p:spPr>
+          <a:xfrm>
+            <a:off x="8028032" y="1386455"/>
+            <a:ext cx="2008128" cy="4274245"/>
+          </a:xfrm>
+          <a:prstGeom prst="rect">
+            <a:avLst/>
+          </a:prstGeom>
+        </p:spPr>
+      </p:pic>
+      <p:pic>
+        <p:nvPicPr>
+          <p:cNvPr id="10" name="Рисунок 9">
+            <a:extLst>
+              <a:ext uri="{FF2B5EF4-FFF2-40B4-BE49-F238E27FC236}">
+                <a16:creationId xmlns:a16="http://schemas.microsoft.com/office/drawing/2014/main" id="{E8B48E10-2CDC-458B-9506-A7082F3D3713}"/>
+              </a:ext>
+            </a:extLst>
+          </p:cNvPr>
+          <p:cNvPicPr>
+            <a:picLocks noChangeAspect="1"/>
+          </p:cNvPicPr>
+          <p:nvPr/>
+        </p:nvPicPr>
+        <p:blipFill>
+          <a:blip r:embed="rId3">
+            <a:extLst>
+              <a:ext uri="{28A0092B-C50C-407E-A947-70E740481C1C}">
+                <a14:useLocalDpi xmlns:a14="http://schemas.microsoft.com/office/drawing/2010/main" val="0"/>
+              </a:ext>
+            </a:extLst>
+          </a:blip>
+          <a:stretch>
+            <a:fillRect/>
+          </a:stretch>
+        </p:blipFill>
+        <p:spPr>
+          <a:xfrm>
+            <a:off x="10037028" y="1386456"/>
+            <a:ext cx="2009767" cy="4274244"/>
+          </a:xfrm>
+          <a:prstGeom prst="rect">
+            <a:avLst/>
+          </a:prstGeom>
+        </p:spPr>
+      </p:pic>
+      <p:sp>
+        <p:nvSpPr>
+          <p:cNvPr id="12" name="TextBox 11">
+            <a:extLst>
+              <a:ext uri="{FF2B5EF4-FFF2-40B4-BE49-F238E27FC236}">
+                <a16:creationId xmlns:a16="http://schemas.microsoft.com/office/drawing/2014/main" id="{5D5FA95E-9456-4103-A53F-4090B7264C1D}"/>
+              </a:ext>
+            </a:extLst>
+          </p:cNvPr>
+          <p:cNvSpPr txBox="1"/>
+          <p:nvPr/>
+        </p:nvSpPr>
+        <p:spPr>
+          <a:xfrm>
+            <a:off x="5000652" y="713172"/>
+            <a:ext cx="2340736" cy="415498"/>
+          </a:xfrm>
+          <a:prstGeom prst="rect">
+            <a:avLst/>
+          </a:prstGeom>
+          <a:noFill/>
+        </p:spPr>
+        <p:txBody>
+          <a:bodyPr wrap="square">
+            <a:spAutoFit/>
+          </a:bodyPr>
+          <a:lstStyle/>
+          <a:p>
+            <a:pPr>
+              <a:lnSpc>
+                <a:spcPct val="100000"/>
+              </a:lnSpc>
+            </a:pPr>
+            <a:r>
+              <a:rPr lang="ru-RU" sz="2100" b="1" dirty="0">
+                <a:solidFill>
+                  <a:srgbClr val="000000"/>
+                </a:solidFill>
+                <a:effectLst/>
+                <a:latin typeface="Times New Roman" panose="02020603050405020304" pitchFamily="18" charset="0"/>
+                <a:ea typeface="Times New Roman" panose="02020603050405020304" pitchFamily="18" charset="0"/>
+                <a:cs typeface="Times New Roman" panose="02020603050405020304" pitchFamily="18" charset="0"/>
+              </a:rPr>
+              <a:t>“MEL </a:t>
+            </a:r>
+            <a:r>
+              <a:rPr lang="ru-RU" sz="2100" b="1" dirty="0" err="1">
+                <a:solidFill>
+                  <a:srgbClr val="000000"/>
+                </a:solidFill>
+                <a:effectLst/>
+                <a:latin typeface="Times New Roman" panose="02020603050405020304" pitchFamily="18" charset="0"/>
+                <a:ea typeface="Times New Roman" panose="02020603050405020304" pitchFamily="18" charset="0"/>
+                <a:cs typeface="Times New Roman" panose="02020603050405020304" pitchFamily="18" charset="0"/>
+              </a:rPr>
+              <a:t>Chemistry</a:t>
+            </a:r>
+            <a:r>
+              <a:rPr lang="ru-RU" sz="2100" b="1" dirty="0">
+                <a:solidFill>
+                  <a:srgbClr val="000000"/>
+                </a:solidFill>
+                <a:effectLst/>
+                <a:latin typeface="Times New Roman" panose="02020603050405020304" pitchFamily="18" charset="0"/>
+                <a:ea typeface="Times New Roman" panose="02020603050405020304" pitchFamily="18" charset="0"/>
+                <a:cs typeface="Times New Roman" panose="02020603050405020304" pitchFamily="18" charset="0"/>
+              </a:rPr>
+              <a:t>”</a:t>
+            </a:r>
+            <a:endParaRPr lang="ru-RU" sz="2100" dirty="0">
+              <a:effectLst/>
+              <a:latin typeface="Times New Roman" panose="02020603050405020304" pitchFamily="18" charset="0"/>
+              <a:ea typeface="Times New Roman" panose="02020603050405020304" pitchFamily="18" charset="0"/>
+              <a:cs typeface="Times New Roman" panose="02020603050405020304" pitchFamily="18" charset="0"/>
+            </a:endParaRPr>
+          </a:p>
+        </p:txBody>
+      </p:sp>
+      <p:pic>
+        <p:nvPicPr>
+          <p:cNvPr id="14" name="Рисунок 13">
+            <a:extLst>
+              <a:ext uri="{FF2B5EF4-FFF2-40B4-BE49-F238E27FC236}">
+                <a16:creationId xmlns:a16="http://schemas.microsoft.com/office/drawing/2014/main" id="{77125ACB-22CF-43EB-8321-BF91A6BF2B1C}"/>
+              </a:ext>
+            </a:extLst>
+          </p:cNvPr>
+          <p:cNvPicPr>
+            <a:picLocks noChangeAspect="1"/>
+          </p:cNvPicPr>
+          <p:nvPr/>
+        </p:nvPicPr>
+        <p:blipFill>
+          <a:blip r:embed="rId4">
+            <a:extLst>
+              <a:ext uri="{28A0092B-C50C-407E-A947-70E740481C1C}">
+                <a14:useLocalDpi xmlns:a14="http://schemas.microsoft.com/office/drawing/2010/main" val="0"/>
+              </a:ext>
+            </a:extLst>
+          </a:blip>
+          <a:stretch>
+            <a:fillRect/>
+          </a:stretch>
+        </p:blipFill>
+        <p:spPr>
+          <a:xfrm>
+            <a:off x="4610863" y="1179270"/>
+            <a:ext cx="2970270" cy="1670777"/>
+          </a:xfrm>
+          <a:prstGeom prst="rect">
+            <a:avLst/>
+          </a:prstGeom>
+        </p:spPr>
+      </p:pic>
+      <p:pic>
+        <p:nvPicPr>
+          <p:cNvPr id="26" name="Рисунок 25">
+            <a:extLst>
+              <a:ext uri="{FF2B5EF4-FFF2-40B4-BE49-F238E27FC236}">
+                <a16:creationId xmlns:a16="http://schemas.microsoft.com/office/drawing/2014/main" id="{CDE5128B-5E23-4B95-B97D-09EBD5908544}"/>
+              </a:ext>
+            </a:extLst>
+          </p:cNvPr>
+          <p:cNvPicPr>
+            <a:picLocks noChangeAspect="1"/>
+          </p:cNvPicPr>
+          <p:nvPr/>
+        </p:nvPicPr>
+        <p:blipFill>
+          <a:blip r:embed="rId5">
+            <a:extLst>
+              <a:ext uri="{28A0092B-C50C-407E-A947-70E740481C1C}">
+                <a14:useLocalDpi xmlns:a14="http://schemas.microsoft.com/office/drawing/2010/main" val="0"/>
+              </a:ext>
+            </a:extLst>
+          </a:blip>
+          <a:stretch>
+            <a:fillRect/>
+          </a:stretch>
+        </p:blipFill>
+        <p:spPr>
+          <a:xfrm>
+            <a:off x="5311503" y="2900647"/>
+            <a:ext cx="1568991" cy="3369516"/>
+          </a:xfrm>
+          <a:prstGeom prst="rect">
+            <a:avLst/>
+          </a:prstGeom>
+        </p:spPr>
+      </p:pic>
+      <p:sp>
+        <p:nvSpPr>
+          <p:cNvPr id="27" name="TextBox 26">
+            <a:extLst>
+              <a:ext uri="{FF2B5EF4-FFF2-40B4-BE49-F238E27FC236}">
+                <a16:creationId xmlns:a16="http://schemas.microsoft.com/office/drawing/2014/main" id="{859B9475-A1EE-4D45-9BD2-C8DA66D02E03}"/>
+              </a:ext>
+            </a:extLst>
+          </p:cNvPr>
+          <p:cNvSpPr txBox="1"/>
+          <p:nvPr/>
+        </p:nvSpPr>
+        <p:spPr>
+          <a:xfrm>
+            <a:off x="4340070" y="6270163"/>
+            <a:ext cx="3511859" cy="415498"/>
+          </a:xfrm>
+          <a:prstGeom prst="rect">
+            <a:avLst/>
+          </a:prstGeom>
+          <a:noFill/>
+        </p:spPr>
+        <p:txBody>
+          <a:bodyPr wrap="square">
+            <a:spAutoFit/>
+          </a:bodyPr>
+          <a:lstStyle/>
+          <a:p>
+            <a:pPr>
+              <a:lnSpc>
+                <a:spcPct val="100000"/>
+              </a:lnSpc>
+            </a:pPr>
+            <a:r>
+              <a:rPr lang="ru-RU" sz="2100" b="1" dirty="0">
+                <a:solidFill>
+                  <a:srgbClr val="000000"/>
+                </a:solidFill>
+                <a:effectLst/>
+                <a:latin typeface="Times New Roman" panose="02020603050405020304" pitchFamily="18" charset="0"/>
+                <a:cs typeface="Times New Roman" panose="02020603050405020304" pitchFamily="18" charset="0"/>
+              </a:rPr>
+              <a:t>“Химия от </a:t>
+            </a:r>
+            <a:r>
+              <a:rPr lang="ru-RU" sz="2100" b="1" dirty="0" err="1">
+                <a:solidFill>
+                  <a:srgbClr val="000000"/>
+                </a:solidFill>
+                <a:effectLst/>
+                <a:latin typeface="Times New Roman" panose="02020603050405020304" pitchFamily="18" charset="0"/>
+                <a:cs typeface="Times New Roman" panose="02020603050405020304" pitchFamily="18" charset="0"/>
+              </a:rPr>
+              <a:t>Denis</a:t>
+            </a:r>
+            <a:r>
+              <a:rPr lang="ru-RU" sz="2100" b="1" dirty="0">
+                <a:solidFill>
+                  <a:srgbClr val="000000"/>
+                </a:solidFill>
+                <a:effectLst/>
+                <a:latin typeface="Times New Roman" panose="02020603050405020304" pitchFamily="18" charset="0"/>
+                <a:cs typeface="Times New Roman" panose="02020603050405020304" pitchFamily="18" charset="0"/>
+              </a:rPr>
+              <a:t> </a:t>
+            </a:r>
+            <a:r>
+              <a:rPr lang="ru-RU" sz="2100" b="1" dirty="0" err="1">
+                <a:solidFill>
+                  <a:srgbClr val="000000"/>
+                </a:solidFill>
+                <a:effectLst/>
+                <a:latin typeface="Times New Roman" panose="02020603050405020304" pitchFamily="18" charset="0"/>
+                <a:cs typeface="Times New Roman" panose="02020603050405020304" pitchFamily="18" charset="0"/>
+              </a:rPr>
+              <a:t>Chaschin</a:t>
+            </a:r>
+            <a:r>
+              <a:rPr lang="ru-RU" sz="2100" b="1" dirty="0">
+                <a:solidFill>
+                  <a:srgbClr val="000000"/>
+                </a:solidFill>
+                <a:effectLst/>
+                <a:latin typeface="Times New Roman" panose="02020603050405020304" pitchFamily="18" charset="0"/>
+                <a:cs typeface="Times New Roman" panose="02020603050405020304" pitchFamily="18" charset="0"/>
+              </a:rPr>
+              <a:t>”</a:t>
+            </a:r>
+          </a:p>
+        </p:txBody>
+      </p:sp>
+      <p:sp>
+        <p:nvSpPr>
+          <p:cNvPr id="28" name="TextBox 27">
+            <a:extLst>
+              <a:ext uri="{FF2B5EF4-FFF2-40B4-BE49-F238E27FC236}">
+                <a16:creationId xmlns:a16="http://schemas.microsoft.com/office/drawing/2014/main" id="{DF6CBBB1-FECA-4F9F-A19A-1D96BB96E11C}"/>
+              </a:ext>
+            </a:extLst>
+          </p:cNvPr>
+          <p:cNvSpPr txBox="1"/>
+          <p:nvPr/>
+        </p:nvSpPr>
+        <p:spPr>
+          <a:xfrm>
+            <a:off x="267303" y="5578708"/>
+            <a:ext cx="3593237" cy="415498"/>
+          </a:xfrm>
+          <a:prstGeom prst="rect">
+            <a:avLst/>
+          </a:prstGeom>
+          <a:noFill/>
+        </p:spPr>
+        <p:txBody>
+          <a:bodyPr wrap="square">
+            <a:spAutoFit/>
+          </a:bodyPr>
+          <a:lstStyle/>
+          <a:p>
+            <a:pPr>
+              <a:lnSpc>
+                <a:spcPct val="100000"/>
+              </a:lnSpc>
+            </a:pPr>
+            <a:r>
+              <a:rPr lang="ru-RU" sz="2100" b="1" dirty="0">
+                <a:solidFill>
+                  <a:srgbClr val="000000"/>
+                </a:solidFill>
+                <a:effectLst/>
+                <a:latin typeface="Times New Roman" panose="02020603050405020304" pitchFamily="18" charset="0"/>
+                <a:cs typeface="Times New Roman" panose="02020603050405020304" pitchFamily="18" charset="0"/>
+              </a:rPr>
+              <a:t>“Таблица Менделеева 2023”</a:t>
+            </a:r>
+            <a:endParaRPr lang="ru-RU" sz="2100" b="1" dirty="0">
+              <a:solidFill>
+                <a:srgbClr val="666666"/>
+              </a:solidFill>
+              <a:effectLst/>
+              <a:latin typeface="Times New Roman" panose="02020603050405020304" pitchFamily="18" charset="0"/>
+              <a:cs typeface="Times New Roman" panose="02020603050405020304" pitchFamily="18" charset="0"/>
+            </a:endParaRPr>
+          </a:p>
+        </p:txBody>
+      </p:sp>
+      <p:pic>
+        <p:nvPicPr>
+          <p:cNvPr id="29" name="Рисунок 28">
+            <a:extLst>
+              <a:ext uri="{FF2B5EF4-FFF2-40B4-BE49-F238E27FC236}">
+                <a16:creationId xmlns:a16="http://schemas.microsoft.com/office/drawing/2014/main" id="{CFFE1AB3-FD29-419E-B7F7-F7D22AA53A0F}"/>
+              </a:ext>
+            </a:extLst>
+          </p:cNvPr>
+          <p:cNvPicPr>
+            <a:picLocks noChangeAspect="1"/>
+          </p:cNvPicPr>
+          <p:nvPr/>
+        </p:nvPicPr>
+        <p:blipFill>
+          <a:blip r:embed="rId6">
+            <a:extLst>
+              <a:ext uri="{28A0092B-C50C-407E-A947-70E740481C1C}">
+                <a14:useLocalDpi xmlns:a14="http://schemas.microsoft.com/office/drawing/2010/main" val="0"/>
+              </a:ext>
+            </a:extLst>
+          </a:blip>
+          <a:stretch>
+            <a:fillRect/>
+          </a:stretch>
+        </p:blipFill>
+        <p:spPr>
+          <a:xfrm>
+            <a:off x="87868" y="1386455"/>
+            <a:ext cx="1976054" cy="4192253"/>
+          </a:xfrm>
+          <a:prstGeom prst="rect">
+            <a:avLst/>
+          </a:prstGeom>
+        </p:spPr>
+      </p:pic>
+      <p:pic>
+        <p:nvPicPr>
+          <p:cNvPr id="30" name="Рисунок 29">
+            <a:extLst>
+              <a:ext uri="{FF2B5EF4-FFF2-40B4-BE49-F238E27FC236}">
+                <a16:creationId xmlns:a16="http://schemas.microsoft.com/office/drawing/2014/main" id="{D7F6144D-DD01-4DA3-9DC2-83D71AF3C27B}"/>
+              </a:ext>
+            </a:extLst>
+          </p:cNvPr>
+          <p:cNvPicPr>
+            <a:picLocks noChangeAspect="1"/>
+          </p:cNvPicPr>
+          <p:nvPr/>
+        </p:nvPicPr>
+        <p:blipFill>
+          <a:blip r:embed="rId7">
+            <a:extLst>
+              <a:ext uri="{28A0092B-C50C-407E-A947-70E740481C1C}">
+                <a14:useLocalDpi xmlns:a14="http://schemas.microsoft.com/office/drawing/2010/main" val="0"/>
+              </a:ext>
+            </a:extLst>
+          </a:blip>
+          <a:stretch>
+            <a:fillRect/>
+          </a:stretch>
+        </p:blipFill>
+        <p:spPr>
+          <a:xfrm>
+            <a:off x="2063922" y="1386456"/>
+            <a:ext cx="1995650" cy="4192252"/>
+          </a:xfrm>
+          <a:prstGeom prst="rect">
+            <a:avLst/>
+          </a:prstGeom>
+        </p:spPr>
+      </p:pic>
     </p:spTree>
     <p:extLst>
       <p:ext uri="{BB962C8B-B14F-4D97-AF65-F5344CB8AC3E}">
-        <p14:creationId xmlns:p14="http://schemas.microsoft.com/office/powerpoint/2010/main" val="63376055"/>
+        <p14:creationId xmlns:p14="http://schemas.microsoft.com/office/powerpoint/2010/main" val="4273884771"/>
       </p:ext>
     </p:extLst>
   </p:cSld>
@@ -5340,12 +9042,1113 @@
           <a:chExt cx="0" cy="0"/>
         </a:xfrm>
       </p:grpSpPr>
+      <p:sp>
+        <p:nvSpPr>
+          <p:cNvPr id="2" name="Заголовок 1">
+            <a:extLst>
+              <a:ext uri="{FF2B5EF4-FFF2-40B4-BE49-F238E27FC236}">
+                <a16:creationId xmlns:a16="http://schemas.microsoft.com/office/drawing/2014/main" id="{24826AE5-E6C7-479F-BAF1-0F576D5B42D0}"/>
+              </a:ext>
+            </a:extLst>
+          </p:cNvPr>
+          <p:cNvSpPr>
+            <a:spLocks noGrp="1"/>
+          </p:cNvSpPr>
+          <p:nvPr>
+            <p:ph type="title"/>
+          </p:nvPr>
+        </p:nvSpPr>
+        <p:spPr>
+          <a:xfrm>
+            <a:off x="838200" y="106533"/>
+            <a:ext cx="10515600" cy="763480"/>
+          </a:xfrm>
+        </p:spPr>
+        <p:txBody>
+          <a:bodyPr>
+            <a:normAutofit/>
+          </a:bodyPr>
+          <a:lstStyle/>
+          <a:p>
+            <a:pPr algn="ctr"/>
+            <a:r>
+              <a:rPr lang="ru-RU" sz="3600" dirty="0">
+                <a:effectLst/>
+                <a:latin typeface="Times New Roman" panose="02020603050405020304" pitchFamily="18" charset="0"/>
+                <a:ea typeface="Arial" panose="020B0604020202020204" pitchFamily="34" charset="0"/>
+                <a:cs typeface="Times New Roman" panose="02020603050405020304" pitchFamily="18" charset="0"/>
+              </a:rPr>
+              <a:t>Обзор остальных приложений по химии</a:t>
+            </a:r>
+            <a:endParaRPr lang="ru-RU" sz="3600" dirty="0"/>
+          </a:p>
+        </p:txBody>
+      </p:sp>
+      <p:sp>
+        <p:nvSpPr>
+          <p:cNvPr id="15" name="Объект 2">
+            <a:extLst>
+              <a:ext uri="{FF2B5EF4-FFF2-40B4-BE49-F238E27FC236}">
+                <a16:creationId xmlns:a16="http://schemas.microsoft.com/office/drawing/2014/main" id="{D7F71BEB-CCB4-4086-AC55-793F0608075A}"/>
+              </a:ext>
+            </a:extLst>
+          </p:cNvPr>
+          <p:cNvSpPr>
+            <a:spLocks noGrp="1"/>
+          </p:cNvSpPr>
+          <p:nvPr>
+            <p:ph idx="1"/>
+          </p:nvPr>
+        </p:nvSpPr>
+        <p:spPr>
+          <a:xfrm>
+            <a:off x="1433004" y="2298646"/>
+            <a:ext cx="3931397" cy="3183152"/>
+          </a:xfrm>
+        </p:spPr>
+        <p:txBody>
+          <a:bodyPr>
+            <a:normAutofit/>
+          </a:bodyPr>
+          <a:lstStyle/>
+          <a:p>
+            <a:pPr>
+              <a:lnSpc>
+                <a:spcPct val="100000"/>
+              </a:lnSpc>
+            </a:pPr>
+            <a:r>
+              <a:rPr lang="ru-RU" sz="2100" b="1" dirty="0">
+                <a:solidFill>
+                  <a:srgbClr val="000000"/>
+                </a:solidFill>
+                <a:effectLst/>
+                <a:latin typeface="Times New Roman" panose="02020603050405020304" pitchFamily="18" charset="0"/>
+                <a:ea typeface="Arial" panose="020B0604020202020204" pitchFamily="34" charset="0"/>
+                <a:cs typeface="Times New Roman" panose="02020603050405020304" pitchFamily="18" charset="0"/>
+              </a:rPr>
+              <a:t>“</a:t>
+            </a:r>
+            <a:r>
+              <a:rPr lang="ru-RU" sz="2100" b="1" dirty="0" err="1">
+                <a:solidFill>
+                  <a:srgbClr val="000000"/>
+                </a:solidFill>
+                <a:effectLst/>
+                <a:latin typeface="Times New Roman" panose="02020603050405020304" pitchFamily="18" charset="0"/>
+                <a:ea typeface="Arial" panose="020B0604020202020204" pitchFamily="34" charset="0"/>
+                <a:cs typeface="Times New Roman" panose="02020603050405020304" pitchFamily="18" charset="0"/>
+              </a:rPr>
+              <a:t>Molecules</a:t>
+            </a:r>
+            <a:r>
+              <a:rPr lang="ru-RU" sz="2100" b="1" dirty="0">
+                <a:solidFill>
+                  <a:srgbClr val="000000"/>
+                </a:solidFill>
+                <a:effectLst/>
+                <a:latin typeface="Times New Roman" panose="02020603050405020304" pitchFamily="18" charset="0"/>
+                <a:ea typeface="Arial" panose="020B0604020202020204" pitchFamily="34" charset="0"/>
+                <a:cs typeface="Times New Roman" panose="02020603050405020304" pitchFamily="18" charset="0"/>
+              </a:rPr>
+              <a:t>”</a:t>
+            </a:r>
+            <a:endParaRPr lang="ru-RU" sz="2100" dirty="0">
+              <a:effectLst/>
+              <a:latin typeface="Times New Roman" panose="02020603050405020304" pitchFamily="18" charset="0"/>
+              <a:ea typeface="Arial" panose="020B0604020202020204" pitchFamily="34" charset="0"/>
+              <a:cs typeface="Times New Roman" panose="02020603050405020304" pitchFamily="18" charset="0"/>
+            </a:endParaRPr>
+          </a:p>
+          <a:p>
+            <a:pPr>
+              <a:lnSpc>
+                <a:spcPct val="100000"/>
+              </a:lnSpc>
+            </a:pPr>
+            <a:r>
+              <a:rPr lang="ru-RU" sz="2100" dirty="0">
+                <a:solidFill>
+                  <a:srgbClr val="000000"/>
+                </a:solidFill>
+                <a:effectLst/>
+                <a:latin typeface="Times New Roman" panose="02020603050405020304" pitchFamily="18" charset="0"/>
+                <a:ea typeface="Arial" panose="020B0604020202020204" pitchFamily="34" charset="0"/>
+                <a:cs typeface="Times New Roman" panose="02020603050405020304" pitchFamily="18" charset="0"/>
+              </a:rPr>
+              <a:t>“</a:t>
+            </a:r>
+            <a:r>
+              <a:rPr lang="ru-RU" sz="2100" b="1" dirty="0" err="1">
+                <a:solidFill>
+                  <a:srgbClr val="000000"/>
+                </a:solidFill>
+                <a:effectLst/>
+                <a:latin typeface="Times New Roman" panose="02020603050405020304" pitchFamily="18" charset="0"/>
+                <a:ea typeface="Arial" panose="020B0604020202020204" pitchFamily="34" charset="0"/>
+                <a:cs typeface="Times New Roman" panose="02020603050405020304" pitchFamily="18" charset="0"/>
+              </a:rPr>
+              <a:t>Chemist</a:t>
+            </a:r>
+            <a:r>
+              <a:rPr lang="ru-RU" sz="2100" dirty="0">
+                <a:solidFill>
+                  <a:srgbClr val="000000"/>
+                </a:solidFill>
+                <a:effectLst/>
+                <a:latin typeface="Times New Roman" panose="02020603050405020304" pitchFamily="18" charset="0"/>
+                <a:ea typeface="Arial" panose="020B0604020202020204" pitchFamily="34" charset="0"/>
+                <a:cs typeface="Times New Roman" panose="02020603050405020304" pitchFamily="18" charset="0"/>
+              </a:rPr>
+              <a:t>”</a:t>
+            </a:r>
+            <a:endParaRPr lang="ru-RU" sz="2100" dirty="0">
+              <a:effectLst/>
+              <a:latin typeface="Times New Roman" panose="02020603050405020304" pitchFamily="18" charset="0"/>
+              <a:ea typeface="Arial" panose="020B0604020202020204" pitchFamily="34" charset="0"/>
+              <a:cs typeface="Times New Roman" panose="02020603050405020304" pitchFamily="18" charset="0"/>
+            </a:endParaRPr>
+          </a:p>
+          <a:p>
+            <a:pPr>
+              <a:lnSpc>
+                <a:spcPct val="100000"/>
+              </a:lnSpc>
+            </a:pPr>
+            <a:r>
+              <a:rPr lang="ru-RU" sz="2100" b="1" dirty="0">
+                <a:solidFill>
+                  <a:srgbClr val="000000"/>
+                </a:solidFill>
+                <a:effectLst/>
+                <a:latin typeface="Times New Roman" panose="02020603050405020304" pitchFamily="18" charset="0"/>
+                <a:ea typeface="Arial" panose="020B0604020202020204" pitchFamily="34" charset="0"/>
+                <a:cs typeface="Times New Roman" panose="02020603050405020304" pitchFamily="18" charset="0"/>
+              </a:rPr>
+              <a:t>“Chemical </a:t>
+            </a:r>
+            <a:r>
+              <a:rPr lang="ru-RU" sz="2100" b="1" dirty="0" err="1">
+                <a:solidFill>
+                  <a:srgbClr val="000000"/>
+                </a:solidFill>
+                <a:effectLst/>
+                <a:latin typeface="Times New Roman" panose="02020603050405020304" pitchFamily="18" charset="0"/>
+                <a:ea typeface="Arial" panose="020B0604020202020204" pitchFamily="34" charset="0"/>
+                <a:cs typeface="Times New Roman" panose="02020603050405020304" pitchFamily="18" charset="0"/>
+              </a:rPr>
+              <a:t>Valence</a:t>
+            </a:r>
+            <a:r>
+              <a:rPr lang="ru-RU" sz="2100" b="1" dirty="0">
+                <a:solidFill>
+                  <a:srgbClr val="000000"/>
+                </a:solidFill>
+                <a:effectLst/>
+                <a:latin typeface="Times New Roman" panose="02020603050405020304" pitchFamily="18" charset="0"/>
+                <a:ea typeface="Arial" panose="020B0604020202020204" pitchFamily="34" charset="0"/>
+                <a:cs typeface="Times New Roman" panose="02020603050405020304" pitchFamily="18" charset="0"/>
+              </a:rPr>
+              <a:t>”</a:t>
+            </a:r>
+            <a:endParaRPr lang="ru-RU" sz="2100" dirty="0">
+              <a:effectLst/>
+              <a:latin typeface="Times New Roman" panose="02020603050405020304" pitchFamily="18" charset="0"/>
+              <a:ea typeface="Arial" panose="020B0604020202020204" pitchFamily="34" charset="0"/>
+              <a:cs typeface="Times New Roman" panose="02020603050405020304" pitchFamily="18" charset="0"/>
+            </a:endParaRPr>
+          </a:p>
+          <a:p>
+            <a:pPr>
+              <a:lnSpc>
+                <a:spcPct val="100000"/>
+              </a:lnSpc>
+            </a:pPr>
+            <a:r>
+              <a:rPr lang="ru-RU" sz="2100" b="1" dirty="0">
+                <a:solidFill>
+                  <a:srgbClr val="000000"/>
+                </a:solidFill>
+                <a:effectLst/>
+                <a:latin typeface="Times New Roman" panose="02020603050405020304" pitchFamily="18" charset="0"/>
+                <a:ea typeface="Arial" panose="020B0604020202020204" pitchFamily="34" charset="0"/>
+                <a:cs typeface="Times New Roman" panose="02020603050405020304" pitchFamily="18" charset="0"/>
+              </a:rPr>
+              <a:t>“Химия X10”</a:t>
+            </a:r>
+            <a:endParaRPr lang="ru-RU" sz="2100" dirty="0">
+              <a:effectLst/>
+              <a:latin typeface="Times New Roman" panose="02020603050405020304" pitchFamily="18" charset="0"/>
+              <a:ea typeface="Arial" panose="020B0604020202020204" pitchFamily="34" charset="0"/>
+              <a:cs typeface="Times New Roman" panose="02020603050405020304" pitchFamily="18" charset="0"/>
+            </a:endParaRPr>
+          </a:p>
+          <a:p>
+            <a:pPr>
+              <a:lnSpc>
+                <a:spcPct val="100000"/>
+              </a:lnSpc>
+            </a:pPr>
+            <a:r>
+              <a:rPr lang="ru-RU" sz="2100" b="1" dirty="0">
+                <a:solidFill>
+                  <a:srgbClr val="000000"/>
+                </a:solidFill>
+                <a:effectLst/>
+                <a:latin typeface="Times New Roman" panose="02020603050405020304" pitchFamily="18" charset="0"/>
+                <a:ea typeface="Times New Roman" panose="02020603050405020304" pitchFamily="18" charset="0"/>
+                <a:cs typeface="Times New Roman" panose="02020603050405020304" pitchFamily="18" charset="0"/>
+              </a:rPr>
+              <a:t>“</a:t>
+            </a:r>
+            <a:r>
+              <a:rPr lang="ru-RU" sz="2100" b="1" dirty="0" err="1">
+                <a:solidFill>
+                  <a:srgbClr val="000000"/>
+                </a:solidFill>
+                <a:effectLst/>
+                <a:latin typeface="Times New Roman" panose="02020603050405020304" pitchFamily="18" charset="0"/>
+                <a:ea typeface="Times New Roman" panose="02020603050405020304" pitchFamily="18" charset="0"/>
+                <a:cs typeface="Times New Roman" panose="02020603050405020304" pitchFamily="18" charset="0"/>
+              </a:rPr>
+              <a:t>Chemik</a:t>
+            </a:r>
+            <a:r>
+              <a:rPr lang="ru-RU" sz="2100" b="1" dirty="0">
+                <a:solidFill>
+                  <a:srgbClr val="000000"/>
+                </a:solidFill>
+                <a:effectLst/>
+                <a:latin typeface="Times New Roman" panose="02020603050405020304" pitchFamily="18" charset="0"/>
+                <a:ea typeface="Times New Roman" panose="02020603050405020304" pitchFamily="18" charset="0"/>
+                <a:cs typeface="Times New Roman" panose="02020603050405020304" pitchFamily="18" charset="0"/>
+              </a:rPr>
+              <a:t>”</a:t>
+            </a:r>
+            <a:endParaRPr lang="ru-RU" sz="2100" dirty="0">
+              <a:effectLst/>
+              <a:latin typeface="Times New Roman" panose="02020603050405020304" pitchFamily="18" charset="0"/>
+              <a:ea typeface="Times New Roman" panose="02020603050405020304" pitchFamily="18" charset="0"/>
+              <a:cs typeface="Times New Roman" panose="02020603050405020304" pitchFamily="18" charset="0"/>
+            </a:endParaRPr>
+          </a:p>
+          <a:p>
+            <a:pPr>
+              <a:lnSpc>
+                <a:spcPct val="100000"/>
+              </a:lnSpc>
+            </a:pPr>
+            <a:r>
+              <a:rPr lang="ru-RU" sz="2100" b="1" dirty="0">
+                <a:solidFill>
+                  <a:srgbClr val="000000"/>
+                </a:solidFill>
+                <a:effectLst/>
+                <a:latin typeface="Times New Roman" panose="02020603050405020304" pitchFamily="18" charset="0"/>
+                <a:ea typeface="Times New Roman" panose="02020603050405020304" pitchFamily="18" charset="0"/>
+                <a:cs typeface="Times New Roman" panose="02020603050405020304" pitchFamily="18" charset="0"/>
+              </a:rPr>
+              <a:t>“</a:t>
+            </a:r>
+            <a:r>
+              <a:rPr lang="ru-RU" sz="2100" b="1" dirty="0" err="1">
+                <a:solidFill>
+                  <a:srgbClr val="000000"/>
+                </a:solidFill>
+                <a:effectLst/>
+                <a:latin typeface="Times New Roman" panose="02020603050405020304" pitchFamily="18" charset="0"/>
+                <a:ea typeface="Times New Roman" panose="02020603050405020304" pitchFamily="18" charset="0"/>
+                <a:cs typeface="Times New Roman" panose="02020603050405020304" pitchFamily="18" charset="0"/>
+              </a:rPr>
+              <a:t>Chem</a:t>
+            </a:r>
+            <a:r>
+              <a:rPr lang="ru-RU" sz="2100" b="1" dirty="0">
+                <a:solidFill>
+                  <a:srgbClr val="000000"/>
+                </a:solidFill>
+                <a:effectLst/>
+                <a:latin typeface="Times New Roman" panose="02020603050405020304" pitchFamily="18" charset="0"/>
+                <a:ea typeface="Times New Roman" panose="02020603050405020304" pitchFamily="18" charset="0"/>
+                <a:cs typeface="Times New Roman" panose="02020603050405020304" pitchFamily="18" charset="0"/>
+              </a:rPr>
+              <a:t> By Design”</a:t>
+            </a:r>
+            <a:endParaRPr lang="ru-RU" sz="2100" dirty="0">
+              <a:effectLst/>
+              <a:latin typeface="Times New Roman" panose="02020603050405020304" pitchFamily="18" charset="0"/>
+              <a:ea typeface="Times New Roman" panose="02020603050405020304" pitchFamily="18" charset="0"/>
+              <a:cs typeface="Times New Roman" panose="02020603050405020304" pitchFamily="18" charset="0"/>
+            </a:endParaRPr>
+          </a:p>
+          <a:p>
+            <a:pPr>
+              <a:lnSpc>
+                <a:spcPct val="100000"/>
+              </a:lnSpc>
+            </a:pPr>
+            <a:r>
+              <a:rPr lang="ru-RU" sz="2100" b="1" dirty="0">
+                <a:solidFill>
+                  <a:srgbClr val="000000"/>
+                </a:solidFill>
+                <a:effectLst/>
+                <a:latin typeface="Times New Roman" panose="02020603050405020304" pitchFamily="18" charset="0"/>
+                <a:ea typeface="Times New Roman" panose="02020603050405020304" pitchFamily="18" charset="0"/>
+                <a:cs typeface="Times New Roman" panose="02020603050405020304" pitchFamily="18" charset="0"/>
+              </a:rPr>
+              <a:t>“Инструментальный ящик”</a:t>
+            </a:r>
+            <a:endParaRPr lang="ru-RU" sz="2100" dirty="0">
+              <a:effectLst/>
+              <a:latin typeface="Times New Roman" panose="02020603050405020304" pitchFamily="18" charset="0"/>
+              <a:ea typeface="Times New Roman" panose="02020603050405020304" pitchFamily="18" charset="0"/>
+              <a:cs typeface="Times New Roman" panose="02020603050405020304" pitchFamily="18" charset="0"/>
+            </a:endParaRPr>
+          </a:p>
+        </p:txBody>
+      </p:sp>
+      <p:sp>
+        <p:nvSpPr>
+          <p:cNvPr id="16" name="Объект 2">
+            <a:extLst>
+              <a:ext uri="{FF2B5EF4-FFF2-40B4-BE49-F238E27FC236}">
+                <a16:creationId xmlns:a16="http://schemas.microsoft.com/office/drawing/2014/main" id="{0688F2D2-BA59-4370-A8E1-A6BFF106FA1B}"/>
+              </a:ext>
+            </a:extLst>
+          </p:cNvPr>
+          <p:cNvSpPr txBox="1">
+            <a:spLocks/>
+          </p:cNvSpPr>
+          <p:nvPr/>
+        </p:nvSpPr>
+        <p:spPr>
+          <a:xfrm>
+            <a:off x="6503401" y="2471151"/>
+            <a:ext cx="4850399" cy="2691051"/>
+          </a:xfrm>
+          <a:prstGeom prst="rect">
+            <a:avLst/>
+          </a:prstGeom>
+        </p:spPr>
+        <p:txBody>
+          <a:bodyPr vert="horz" lIns="91440" tIns="45720" rIns="91440" bIns="45720" rtlCol="0">
+            <a:noAutofit/>
+          </a:bodyPr>
+          <a:lstStyle>
+            <a:lvl1pPr marL="228600" indent="-228600" algn="l" defTabSz="914400" rtl="0" eaLnBrk="1" latinLnBrk="0" hangingPunct="1">
+              <a:lnSpc>
+                <a:spcPct val="90000"/>
+              </a:lnSpc>
+              <a:spcBef>
+                <a:spcPts val="1000"/>
+              </a:spcBef>
+              <a:buFont typeface="Arial" panose="020B0604020202020204" pitchFamily="34" charset="0"/>
+              <a:buChar char="•"/>
+              <a:defRPr sz="2800" kern="1200">
+                <a:solidFill>
+                  <a:schemeClr val="tx1"/>
+                </a:solidFill>
+                <a:latin typeface="+mn-lt"/>
+                <a:ea typeface="+mn-ea"/>
+                <a:cs typeface="+mn-cs"/>
+              </a:defRPr>
+            </a:lvl1pPr>
+            <a:lvl2pPr marL="685800" indent="-228600" algn="l" defTabSz="914400" rtl="0" eaLnBrk="1" latinLnBrk="0" hangingPunct="1">
+              <a:lnSpc>
+                <a:spcPct val="90000"/>
+              </a:lnSpc>
+              <a:spcBef>
+                <a:spcPts val="500"/>
+              </a:spcBef>
+              <a:buFont typeface="Arial" panose="020B0604020202020204" pitchFamily="34" charset="0"/>
+              <a:buChar char="•"/>
+              <a:defRPr sz="2400" kern="1200">
+                <a:solidFill>
+                  <a:schemeClr val="tx1"/>
+                </a:solidFill>
+                <a:latin typeface="+mn-lt"/>
+                <a:ea typeface="+mn-ea"/>
+                <a:cs typeface="+mn-cs"/>
+              </a:defRPr>
+            </a:lvl2pPr>
+            <a:lvl3pPr marL="1143000" indent="-228600" algn="l" defTabSz="914400" rtl="0" eaLnBrk="1" latinLnBrk="0" hangingPunct="1">
+              <a:lnSpc>
+                <a:spcPct val="90000"/>
+              </a:lnSpc>
+              <a:spcBef>
+                <a:spcPts val="500"/>
+              </a:spcBef>
+              <a:buFont typeface="Arial" panose="020B0604020202020204" pitchFamily="34" charset="0"/>
+              <a:buChar char="•"/>
+              <a:defRPr sz="2000" kern="1200">
+                <a:solidFill>
+                  <a:schemeClr val="tx1"/>
+                </a:solidFill>
+                <a:latin typeface="+mn-lt"/>
+                <a:ea typeface="+mn-ea"/>
+                <a:cs typeface="+mn-cs"/>
+              </a:defRPr>
+            </a:lvl3pPr>
+            <a:lvl4pPr marL="1600200" indent="-228600" algn="l" defTabSz="914400" rtl="0" eaLnBrk="1" latinLnBrk="0" hangingPunct="1">
+              <a:lnSpc>
+                <a:spcPct val="90000"/>
+              </a:lnSpc>
+              <a:spcBef>
+                <a:spcPts val="500"/>
+              </a:spcBef>
+              <a:buFont typeface="Arial" panose="020B0604020202020204" pitchFamily="34" charset="0"/>
+              <a:buChar char="•"/>
+              <a:defRPr sz="1800" kern="1200">
+                <a:solidFill>
+                  <a:schemeClr val="tx1"/>
+                </a:solidFill>
+                <a:latin typeface="+mn-lt"/>
+                <a:ea typeface="+mn-ea"/>
+                <a:cs typeface="+mn-cs"/>
+              </a:defRPr>
+            </a:lvl4pPr>
+            <a:lvl5pPr marL="2057400" indent="-228600" algn="l" defTabSz="914400" rtl="0" eaLnBrk="1" latinLnBrk="0" hangingPunct="1">
+              <a:lnSpc>
+                <a:spcPct val="90000"/>
+              </a:lnSpc>
+              <a:spcBef>
+                <a:spcPts val="500"/>
+              </a:spcBef>
+              <a:buFont typeface="Arial" panose="020B0604020202020204" pitchFamily="34" charset="0"/>
+              <a:buChar char="•"/>
+              <a:defRPr sz="1800" kern="1200">
+                <a:solidFill>
+                  <a:schemeClr val="tx1"/>
+                </a:solidFill>
+                <a:latin typeface="+mn-lt"/>
+                <a:ea typeface="+mn-ea"/>
+                <a:cs typeface="+mn-cs"/>
+              </a:defRPr>
+            </a:lvl5pPr>
+            <a:lvl6pPr marL="2514600" indent="-228600" algn="l" defTabSz="914400" rtl="0" eaLnBrk="1" latinLnBrk="0" hangingPunct="1">
+              <a:lnSpc>
+                <a:spcPct val="90000"/>
+              </a:lnSpc>
+              <a:spcBef>
+                <a:spcPts val="500"/>
+              </a:spcBef>
+              <a:buFont typeface="Arial" panose="020B0604020202020204" pitchFamily="34" charset="0"/>
+              <a:buChar char="•"/>
+              <a:defRPr sz="1800" kern="1200">
+                <a:solidFill>
+                  <a:schemeClr val="tx1"/>
+                </a:solidFill>
+                <a:latin typeface="+mn-lt"/>
+                <a:ea typeface="+mn-ea"/>
+                <a:cs typeface="+mn-cs"/>
+              </a:defRPr>
+            </a:lvl6pPr>
+            <a:lvl7pPr marL="2971800" indent="-228600" algn="l" defTabSz="914400" rtl="0" eaLnBrk="1" latinLnBrk="0" hangingPunct="1">
+              <a:lnSpc>
+                <a:spcPct val="90000"/>
+              </a:lnSpc>
+              <a:spcBef>
+                <a:spcPts val="500"/>
+              </a:spcBef>
+              <a:buFont typeface="Arial" panose="020B0604020202020204" pitchFamily="34" charset="0"/>
+              <a:buChar char="•"/>
+              <a:defRPr sz="1800" kern="1200">
+                <a:solidFill>
+                  <a:schemeClr val="tx1"/>
+                </a:solidFill>
+                <a:latin typeface="+mn-lt"/>
+                <a:ea typeface="+mn-ea"/>
+                <a:cs typeface="+mn-cs"/>
+              </a:defRPr>
+            </a:lvl7pPr>
+            <a:lvl8pPr marL="3429000" indent="-228600" algn="l" defTabSz="914400" rtl="0" eaLnBrk="1" latinLnBrk="0" hangingPunct="1">
+              <a:lnSpc>
+                <a:spcPct val="90000"/>
+              </a:lnSpc>
+              <a:spcBef>
+                <a:spcPts val="500"/>
+              </a:spcBef>
+              <a:buFont typeface="Arial" panose="020B0604020202020204" pitchFamily="34" charset="0"/>
+              <a:buChar char="•"/>
+              <a:defRPr sz="1800" kern="1200">
+                <a:solidFill>
+                  <a:schemeClr val="tx1"/>
+                </a:solidFill>
+                <a:latin typeface="+mn-lt"/>
+                <a:ea typeface="+mn-ea"/>
+                <a:cs typeface="+mn-cs"/>
+              </a:defRPr>
+            </a:lvl8pPr>
+            <a:lvl9pPr marL="3886200" indent="-228600" algn="l" defTabSz="914400" rtl="0" eaLnBrk="1" latinLnBrk="0" hangingPunct="1">
+              <a:lnSpc>
+                <a:spcPct val="90000"/>
+              </a:lnSpc>
+              <a:spcBef>
+                <a:spcPts val="500"/>
+              </a:spcBef>
+              <a:buFont typeface="Arial" panose="020B0604020202020204" pitchFamily="34" charset="0"/>
+              <a:buChar char="•"/>
+              <a:defRPr sz="1800" kern="1200">
+                <a:solidFill>
+                  <a:schemeClr val="tx1"/>
+                </a:solidFill>
+                <a:latin typeface="+mn-lt"/>
+                <a:ea typeface="+mn-ea"/>
+                <a:cs typeface="+mn-cs"/>
+              </a:defRPr>
+            </a:lvl9pPr>
+          </a:lstStyle>
+          <a:p>
+            <a:pPr>
+              <a:lnSpc>
+                <a:spcPct val="100000"/>
+              </a:lnSpc>
+            </a:pPr>
+            <a:r>
+              <a:rPr lang="ru-RU" sz="2100" b="1" dirty="0">
+                <a:solidFill>
+                  <a:srgbClr val="000000"/>
+                </a:solidFill>
+                <a:effectLst/>
+                <a:latin typeface="Times New Roman" panose="02020603050405020304" pitchFamily="18" charset="0"/>
+                <a:cs typeface="Times New Roman" panose="02020603050405020304" pitchFamily="18" charset="0"/>
+              </a:rPr>
+              <a:t>“Неорганические кислоты и соли”</a:t>
+            </a:r>
+            <a:endParaRPr lang="en-US" sz="2100" b="1" dirty="0">
+              <a:solidFill>
+                <a:srgbClr val="000000"/>
+              </a:solidFill>
+              <a:effectLst/>
+              <a:latin typeface="Times New Roman" panose="02020603050405020304" pitchFamily="18" charset="0"/>
+              <a:cs typeface="Times New Roman" panose="02020603050405020304" pitchFamily="18" charset="0"/>
+            </a:endParaRPr>
+          </a:p>
+          <a:p>
+            <a:pPr>
+              <a:lnSpc>
+                <a:spcPct val="100000"/>
+              </a:lnSpc>
+            </a:pPr>
+            <a:r>
+              <a:rPr lang="en-US" sz="2100" b="1" dirty="0">
+                <a:solidFill>
+                  <a:srgbClr val="000000"/>
+                </a:solidFill>
+                <a:effectLst/>
+                <a:latin typeface="Times New Roman" panose="02020603050405020304" pitchFamily="18" charset="0"/>
+                <a:cs typeface="Times New Roman" panose="02020603050405020304" pitchFamily="18" charset="0"/>
+              </a:rPr>
+              <a:t>“</a:t>
+            </a:r>
+            <a:r>
+              <a:rPr lang="ru-RU" sz="2100" b="1" dirty="0">
+                <a:solidFill>
+                  <a:srgbClr val="000000"/>
+                </a:solidFill>
+                <a:effectLst/>
+                <a:latin typeface="Times New Roman" panose="02020603050405020304" pitchFamily="18" charset="0"/>
+                <a:cs typeface="Times New Roman" panose="02020603050405020304" pitchFamily="18" charset="0"/>
+              </a:rPr>
+              <a:t>Химические элементы</a:t>
+            </a:r>
+            <a:r>
+              <a:rPr lang="en-US" sz="2100" b="1" dirty="0">
+                <a:solidFill>
+                  <a:srgbClr val="000000"/>
+                </a:solidFill>
+                <a:effectLst/>
+                <a:latin typeface="Times New Roman" panose="02020603050405020304" pitchFamily="18" charset="0"/>
+                <a:cs typeface="Times New Roman" panose="02020603050405020304" pitchFamily="18" charset="0"/>
+              </a:rPr>
+              <a:t>”</a:t>
+            </a:r>
+          </a:p>
+          <a:p>
+            <a:pPr>
+              <a:lnSpc>
+                <a:spcPct val="100000"/>
+              </a:lnSpc>
+            </a:pPr>
+            <a:r>
+              <a:rPr lang="ru-RU" sz="2100" b="1" dirty="0">
+                <a:solidFill>
+                  <a:srgbClr val="000000"/>
+                </a:solidFill>
+                <a:effectLst/>
+                <a:latin typeface="Times New Roman" panose="02020603050405020304" pitchFamily="18" charset="0"/>
+                <a:cs typeface="Times New Roman" panose="02020603050405020304" pitchFamily="18" charset="0"/>
+              </a:rPr>
+              <a:t>“Углеводороды и их Формулы”</a:t>
+            </a:r>
+          </a:p>
+          <a:p>
+            <a:pPr>
+              <a:lnSpc>
+                <a:spcPct val="100000"/>
+              </a:lnSpc>
+            </a:pPr>
+            <a:r>
+              <a:rPr lang="ru-RU" sz="2100" b="1" dirty="0">
+                <a:solidFill>
+                  <a:srgbClr val="000000"/>
+                </a:solidFill>
+                <a:effectLst/>
+                <a:latin typeface="Times New Roman" panose="02020603050405020304" pitchFamily="18" charset="0"/>
+                <a:cs typeface="Times New Roman" panose="02020603050405020304" pitchFamily="18" charset="0"/>
+              </a:rPr>
+              <a:t>“Карбоновые кислоты и их эфиры”</a:t>
+            </a:r>
+            <a:endParaRPr lang="ru-RU" sz="2100" b="1" dirty="0">
+              <a:solidFill>
+                <a:srgbClr val="666666"/>
+              </a:solidFill>
+              <a:effectLst/>
+              <a:latin typeface="Times New Roman" panose="02020603050405020304" pitchFamily="18" charset="0"/>
+              <a:cs typeface="Times New Roman" panose="02020603050405020304" pitchFamily="18" charset="0"/>
+            </a:endParaRPr>
+          </a:p>
+          <a:p>
+            <a:pPr>
+              <a:lnSpc>
+                <a:spcPct val="100000"/>
+              </a:lnSpc>
+            </a:pPr>
+            <a:r>
+              <a:rPr lang="ru-RU" sz="2100" b="1" dirty="0">
+                <a:solidFill>
+                  <a:srgbClr val="000000"/>
+                </a:solidFill>
+                <a:effectLst/>
+                <a:latin typeface="Times New Roman" panose="02020603050405020304" pitchFamily="18" charset="0"/>
+                <a:cs typeface="Times New Roman" panose="02020603050405020304" pitchFamily="18" charset="0"/>
+              </a:rPr>
+              <a:t>“</a:t>
+            </a:r>
+            <a:r>
+              <a:rPr lang="ru-RU" sz="2100" b="1" dirty="0" err="1">
+                <a:solidFill>
+                  <a:srgbClr val="000000"/>
+                </a:solidFill>
+                <a:effectLst/>
+                <a:latin typeface="Times New Roman" panose="02020603050405020304" pitchFamily="18" charset="0"/>
+                <a:cs typeface="Times New Roman" panose="02020603050405020304" pitchFamily="18" charset="0"/>
+              </a:rPr>
+              <a:t>Химикэт</a:t>
+            </a:r>
+            <a:r>
+              <a:rPr lang="ru-RU" sz="2100" b="1" dirty="0">
+                <a:solidFill>
+                  <a:srgbClr val="000000"/>
+                </a:solidFill>
+                <a:effectLst/>
+                <a:latin typeface="Times New Roman" panose="02020603050405020304" pitchFamily="18" charset="0"/>
+                <a:cs typeface="Times New Roman" panose="02020603050405020304" pitchFamily="18" charset="0"/>
+              </a:rPr>
+              <a:t> Химия”</a:t>
+            </a:r>
+            <a:endParaRPr lang="ru-RU" sz="2100" b="1" dirty="0">
+              <a:effectLst/>
+              <a:latin typeface="Times New Roman" panose="02020603050405020304" pitchFamily="18" charset="0"/>
+              <a:cs typeface="Times New Roman" panose="02020603050405020304" pitchFamily="18" charset="0"/>
+            </a:endParaRPr>
+          </a:p>
+          <a:p>
+            <a:pPr>
+              <a:lnSpc>
+                <a:spcPct val="100000"/>
+              </a:lnSpc>
+            </a:pPr>
+            <a:r>
+              <a:rPr lang="ru-RU" sz="2100" b="1" dirty="0">
+                <a:solidFill>
+                  <a:srgbClr val="000000"/>
+                </a:solidFill>
+                <a:effectLst/>
+                <a:latin typeface="Times New Roman" panose="02020603050405020304" pitchFamily="18" charset="0"/>
+                <a:cs typeface="Times New Roman" panose="02020603050405020304" pitchFamily="18" charset="0"/>
+              </a:rPr>
+              <a:t>“Химия на отлично!”</a:t>
+            </a:r>
+            <a:endParaRPr lang="ru-RU" sz="2100" b="1" dirty="0">
+              <a:effectLst/>
+              <a:latin typeface="Times New Roman" panose="02020603050405020304" pitchFamily="18" charset="0"/>
+              <a:cs typeface="Times New Roman" panose="02020603050405020304" pitchFamily="18" charset="0"/>
+            </a:endParaRPr>
+          </a:p>
+        </p:txBody>
+      </p:sp>
+    </p:spTree>
+    <p:extLst>
+      <p:ext uri="{BB962C8B-B14F-4D97-AF65-F5344CB8AC3E}">
+        <p14:creationId xmlns:p14="http://schemas.microsoft.com/office/powerpoint/2010/main" val="3654048630"/>
+      </p:ext>
+    </p:extLst>
+  </p:cSld>
+  <p:clrMapOvr>
+    <a:masterClrMapping/>
+  </p:clrMapOvr>
+</p:sld>
+</file>
+
+<file path=ppt/slides/slide9.xml><?xml version="1.0" encoding="utf-8"?>
+<p:sld xmlns:a="http://schemas.openxmlformats.org/drawingml/2006/main" xmlns:r="http://schemas.openxmlformats.org/officeDocument/2006/relationships" xmlns:p="http://schemas.openxmlformats.org/presentationml/2006/main">
+  <p:cSld>
+    <p:spTree>
+      <p:nvGrpSpPr>
+        <p:cNvPr id="1" name=""/>
+        <p:cNvGrpSpPr/>
+        <p:nvPr/>
+      </p:nvGrpSpPr>
+      <p:grpSpPr>
+        <a:xfrm>
+          <a:off x="0" y="0"/>
+          <a:ext cx="0" cy="0"/>
+          <a:chOff x="0" y="0"/>
+          <a:chExt cx="0" cy="0"/>
+        </a:xfrm>
+      </p:grpSpPr>
+      <p:sp>
+        <p:nvSpPr>
+          <p:cNvPr id="2" name="Заголовок 1">
+            <a:extLst>
+              <a:ext uri="{FF2B5EF4-FFF2-40B4-BE49-F238E27FC236}">
+                <a16:creationId xmlns:a16="http://schemas.microsoft.com/office/drawing/2014/main" id="{0CECD2DA-6A46-42EC-9507-E23E53B29EBD}"/>
+              </a:ext>
+            </a:extLst>
+          </p:cNvPr>
+          <p:cNvSpPr>
+            <a:spLocks noGrp="1"/>
+          </p:cNvSpPr>
+          <p:nvPr>
+            <p:ph type="title"/>
+          </p:nvPr>
+        </p:nvSpPr>
+        <p:spPr>
+          <a:xfrm>
+            <a:off x="838200" y="341720"/>
+            <a:ext cx="10515600" cy="678634"/>
+          </a:xfrm>
+        </p:spPr>
+        <p:txBody>
+          <a:bodyPr>
+            <a:normAutofit/>
+          </a:bodyPr>
+          <a:lstStyle/>
+          <a:p>
+            <a:pPr algn="ctr"/>
+            <a:r>
+              <a:rPr lang="ru-RU" sz="3600" dirty="0">
+                <a:latin typeface="Times New Roman" panose="02020603050405020304" pitchFamily="18" charset="0"/>
+                <a:cs typeface="Times New Roman" panose="02020603050405020304" pitchFamily="18" charset="0"/>
+              </a:rPr>
+              <a:t>Практическая часть. Создание окна приложения</a:t>
+            </a:r>
+          </a:p>
+        </p:txBody>
+      </p:sp>
+      <p:sp>
+        <p:nvSpPr>
+          <p:cNvPr id="3" name="Объект 2">
+            <a:extLst>
+              <a:ext uri="{FF2B5EF4-FFF2-40B4-BE49-F238E27FC236}">
+                <a16:creationId xmlns:a16="http://schemas.microsoft.com/office/drawing/2014/main" id="{EA38FEFE-6FD1-4B32-A548-D84CE26EEE99}"/>
+              </a:ext>
+            </a:extLst>
+          </p:cNvPr>
+          <p:cNvSpPr>
+            <a:spLocks noGrp="1"/>
+          </p:cNvSpPr>
+          <p:nvPr>
+            <p:ph idx="1"/>
+          </p:nvPr>
+        </p:nvSpPr>
+        <p:spPr>
+          <a:xfrm>
+            <a:off x="722790" y="1626213"/>
+            <a:ext cx="6548021" cy="4351338"/>
+          </a:xfrm>
+        </p:spPr>
+        <p:txBody>
+          <a:bodyPr>
+            <a:normAutofit/>
+          </a:bodyPr>
+          <a:lstStyle/>
+          <a:p>
+            <a:pPr>
+              <a:lnSpc>
+                <a:spcPct val="100000"/>
+              </a:lnSpc>
+            </a:pPr>
+            <a:r>
+              <a:rPr lang="ru-RU" sz="2200" dirty="0">
+                <a:effectLst/>
+                <a:latin typeface="Times New Roman" panose="02020603050405020304" pitchFamily="18" charset="0"/>
+                <a:ea typeface="Arial" panose="020B0604020202020204" pitchFamily="34" charset="0"/>
+                <a:cs typeface="Times New Roman" panose="02020603050405020304" pitchFamily="18" charset="0"/>
+              </a:rPr>
+              <a:t>Созданный инструмент (программа) в данном проекте будет написан на языке программирования </a:t>
+            </a:r>
+            <a:r>
+              <a:rPr lang="ru-RU" sz="2200" dirty="0" err="1">
+                <a:effectLst/>
+                <a:latin typeface="Times New Roman" panose="02020603050405020304" pitchFamily="18" charset="0"/>
+                <a:ea typeface="Arial" panose="020B0604020202020204" pitchFamily="34" charset="0"/>
+                <a:cs typeface="Times New Roman" panose="02020603050405020304" pitchFamily="18" charset="0"/>
+              </a:rPr>
+              <a:t>python</a:t>
+            </a:r>
+            <a:r>
+              <a:rPr lang="ru-RU" sz="2200" dirty="0">
+                <a:effectLst/>
+                <a:latin typeface="Times New Roman" panose="02020603050405020304" pitchFamily="18" charset="0"/>
+                <a:ea typeface="Arial" panose="020B0604020202020204" pitchFamily="34" charset="0"/>
+                <a:cs typeface="Times New Roman" panose="02020603050405020304" pitchFamily="18" charset="0"/>
+              </a:rPr>
+              <a:t> с использованием таких библиотек как: PyQt5, </a:t>
+            </a:r>
+            <a:r>
+              <a:rPr lang="ru-RU" sz="2200" dirty="0" err="1">
+                <a:effectLst/>
+                <a:latin typeface="Times New Roman" panose="02020603050405020304" pitchFamily="18" charset="0"/>
+                <a:ea typeface="Arial" panose="020B0604020202020204" pitchFamily="34" charset="0"/>
+                <a:cs typeface="Times New Roman" panose="02020603050405020304" pitchFamily="18" charset="0"/>
+              </a:rPr>
+              <a:t>random</a:t>
+            </a:r>
+            <a:r>
+              <a:rPr lang="ru-RU" sz="2200" dirty="0">
+                <a:effectLst/>
+                <a:latin typeface="Times New Roman" panose="02020603050405020304" pitchFamily="18" charset="0"/>
+                <a:ea typeface="Arial" panose="020B0604020202020204" pitchFamily="34" charset="0"/>
+                <a:cs typeface="Times New Roman" panose="02020603050405020304" pitchFamily="18" charset="0"/>
+              </a:rPr>
+              <a:t>. Также при разработке в некоторых местах использовалась программа </a:t>
+            </a:r>
+            <a:r>
+              <a:rPr lang="ru-RU" sz="2200" dirty="0" err="1">
+                <a:effectLst/>
+                <a:latin typeface="Times New Roman" panose="02020603050405020304" pitchFamily="18" charset="0"/>
+                <a:ea typeface="Arial" panose="020B0604020202020204" pitchFamily="34" charset="0"/>
+                <a:cs typeface="Times New Roman" panose="02020603050405020304" pitchFamily="18" charset="0"/>
+              </a:rPr>
+              <a:t>QtDesigner</a:t>
+            </a:r>
+            <a:r>
+              <a:rPr lang="ru-RU" sz="2200" dirty="0">
+                <a:effectLst/>
+                <a:latin typeface="Times New Roman" panose="02020603050405020304" pitchFamily="18" charset="0"/>
+                <a:ea typeface="Arial" panose="020B0604020202020204" pitchFamily="34" charset="0"/>
+                <a:cs typeface="Times New Roman" panose="02020603050405020304" pitchFamily="18" charset="0"/>
+              </a:rPr>
+              <a:t>.</a:t>
+            </a:r>
+          </a:p>
+          <a:p>
+            <a:pPr>
+              <a:lnSpc>
+                <a:spcPct val="100000"/>
+              </a:lnSpc>
+            </a:pPr>
+            <a:r>
+              <a:rPr lang="ru-RU" sz="2200" dirty="0">
+                <a:solidFill>
+                  <a:srgbClr val="000000"/>
+                </a:solidFill>
+                <a:effectLst/>
+                <a:latin typeface="Times New Roman" panose="02020603050405020304" pitchFamily="18" charset="0"/>
+                <a:ea typeface="Times New Roman" panose="02020603050405020304" pitchFamily="18" charset="0"/>
+                <a:cs typeface="Times New Roman" panose="02020603050405020304" pitchFamily="18" charset="0"/>
+              </a:rPr>
+              <a:t>Сначала пропишем для нашей программы начальные настройки</a:t>
+            </a:r>
+            <a:r>
+              <a:rPr lang="en-US" sz="2200" dirty="0">
+                <a:solidFill>
+                  <a:srgbClr val="000000"/>
+                </a:solidFill>
+                <a:effectLst/>
+                <a:latin typeface="Times New Roman" panose="02020603050405020304" pitchFamily="18" charset="0"/>
+                <a:ea typeface="Times New Roman" panose="02020603050405020304" pitchFamily="18" charset="0"/>
+                <a:cs typeface="Times New Roman" panose="02020603050405020304" pitchFamily="18" charset="0"/>
+              </a:rPr>
+              <a:t> </a:t>
+            </a:r>
+            <a:r>
+              <a:rPr lang="ru-RU" sz="2200" dirty="0">
+                <a:solidFill>
+                  <a:srgbClr val="000000"/>
+                </a:solidFill>
+                <a:effectLst/>
+                <a:latin typeface="Times New Roman" panose="02020603050405020304" pitchFamily="18" charset="0"/>
+                <a:ea typeface="Arial" panose="020B0604020202020204" pitchFamily="34" charset="0"/>
+                <a:cs typeface="Times New Roman" panose="02020603050405020304" pitchFamily="18" charset="0"/>
+              </a:rPr>
+              <a:t>функцией </a:t>
+            </a:r>
+            <a:r>
+              <a:rPr lang="ru-RU" sz="2200" i="1" dirty="0">
+                <a:solidFill>
+                  <a:srgbClr val="000000"/>
+                </a:solidFill>
+                <a:effectLst/>
+                <a:latin typeface="Times New Roman" panose="02020603050405020304" pitchFamily="18" charset="0"/>
+                <a:ea typeface="Arial" panose="020B0604020202020204" pitchFamily="34" charset="0"/>
+                <a:cs typeface="Times New Roman" panose="02020603050405020304" pitchFamily="18" charset="0"/>
+              </a:rPr>
+              <a:t>“</a:t>
+            </a:r>
+            <a:r>
+              <a:rPr lang="ru-RU" sz="2200" i="1" dirty="0" err="1">
+                <a:solidFill>
+                  <a:srgbClr val="000000"/>
+                </a:solidFill>
+                <a:effectLst/>
+                <a:latin typeface="Times New Roman" panose="02020603050405020304" pitchFamily="18" charset="0"/>
+                <a:ea typeface="Arial" panose="020B0604020202020204" pitchFamily="34" charset="0"/>
+                <a:cs typeface="Times New Roman" panose="02020603050405020304" pitchFamily="18" charset="0"/>
+              </a:rPr>
+              <a:t>setupUi</a:t>
+            </a:r>
+            <a:r>
+              <a:rPr lang="ru-RU" sz="2200" i="1" dirty="0">
+                <a:solidFill>
+                  <a:srgbClr val="000000"/>
+                </a:solidFill>
+                <a:effectLst/>
+                <a:latin typeface="Times New Roman" panose="02020603050405020304" pitchFamily="18" charset="0"/>
+                <a:ea typeface="Arial" panose="020B0604020202020204" pitchFamily="34" charset="0"/>
+                <a:cs typeface="Times New Roman" panose="02020603050405020304" pitchFamily="18" charset="0"/>
+              </a:rPr>
+              <a:t>”</a:t>
+            </a:r>
+            <a:r>
+              <a:rPr lang="ru-RU" sz="2200" dirty="0">
+                <a:solidFill>
+                  <a:srgbClr val="000000"/>
+                </a:solidFill>
+                <a:effectLst/>
+                <a:latin typeface="Times New Roman" panose="02020603050405020304" pitchFamily="18" charset="0"/>
+                <a:ea typeface="Arial" panose="020B0604020202020204" pitchFamily="34" charset="0"/>
+                <a:cs typeface="Times New Roman" panose="02020603050405020304" pitchFamily="18" charset="0"/>
+              </a:rPr>
+              <a:t>: </a:t>
+            </a:r>
+            <a:r>
+              <a:rPr lang="ru-RU" sz="2200" dirty="0">
+                <a:solidFill>
+                  <a:srgbClr val="000000"/>
+                </a:solidFill>
+                <a:effectLst/>
+                <a:latin typeface="Times New Roman" panose="02020603050405020304" pitchFamily="18" charset="0"/>
+                <a:ea typeface="Times New Roman" panose="02020603050405020304" pitchFamily="18" charset="0"/>
+                <a:cs typeface="Times New Roman" panose="02020603050405020304" pitchFamily="18" charset="0"/>
+              </a:rPr>
+              <a:t> фиксированный размер, иконку, цвет заднего фона.</a:t>
+            </a:r>
+            <a:endParaRPr lang="en-US" sz="2200" dirty="0">
+              <a:solidFill>
+                <a:srgbClr val="000000"/>
+              </a:solidFill>
+              <a:effectLst/>
+              <a:latin typeface="Times New Roman" panose="02020603050405020304" pitchFamily="18" charset="0"/>
+              <a:ea typeface="Times New Roman" panose="02020603050405020304" pitchFamily="18" charset="0"/>
+              <a:cs typeface="Times New Roman" panose="02020603050405020304" pitchFamily="18" charset="0"/>
+            </a:endParaRPr>
+          </a:p>
+          <a:p>
+            <a:pPr>
+              <a:lnSpc>
+                <a:spcPct val="100000"/>
+              </a:lnSpc>
+            </a:pPr>
+            <a:r>
+              <a:rPr lang="ru-RU" sz="2200" dirty="0">
+                <a:solidFill>
+                  <a:srgbClr val="000000"/>
+                </a:solidFill>
+                <a:effectLst/>
+                <a:latin typeface="Times New Roman" panose="02020603050405020304" pitchFamily="18" charset="0"/>
+                <a:ea typeface="Arial" panose="020B0604020202020204" pitchFamily="34" charset="0"/>
+                <a:cs typeface="Times New Roman" panose="02020603050405020304" pitchFamily="18" charset="0"/>
+              </a:rPr>
+              <a:t>Далее добавим функцию </a:t>
+            </a:r>
+            <a:r>
+              <a:rPr lang="ru-RU" sz="2200" i="1" dirty="0">
+                <a:solidFill>
+                  <a:srgbClr val="000000"/>
+                </a:solidFill>
+                <a:effectLst/>
+                <a:latin typeface="Times New Roman" panose="02020603050405020304" pitchFamily="18" charset="0"/>
+                <a:ea typeface="Arial" panose="020B0604020202020204" pitchFamily="34" charset="0"/>
+                <a:cs typeface="Times New Roman" panose="02020603050405020304" pitchFamily="18" charset="0"/>
+              </a:rPr>
+              <a:t>“</a:t>
+            </a:r>
+            <a:r>
+              <a:rPr lang="ru-RU" sz="2200" i="1" dirty="0" err="1">
+                <a:solidFill>
+                  <a:srgbClr val="000000"/>
+                </a:solidFill>
+                <a:effectLst/>
+                <a:latin typeface="Times New Roman" panose="02020603050405020304" pitchFamily="18" charset="0"/>
+                <a:ea typeface="Arial" panose="020B0604020202020204" pitchFamily="34" charset="0"/>
+                <a:cs typeface="Times New Roman" panose="02020603050405020304" pitchFamily="18" charset="0"/>
+              </a:rPr>
+              <a:t>createElements</a:t>
+            </a:r>
+            <a:r>
+              <a:rPr lang="ru-RU" sz="2200" i="1" dirty="0">
+                <a:solidFill>
+                  <a:srgbClr val="000000"/>
+                </a:solidFill>
+                <a:effectLst/>
+                <a:latin typeface="Times New Roman" panose="02020603050405020304" pitchFamily="18" charset="0"/>
+                <a:ea typeface="Arial" panose="020B0604020202020204" pitchFamily="34" charset="0"/>
+                <a:cs typeface="Times New Roman" panose="02020603050405020304" pitchFamily="18" charset="0"/>
+              </a:rPr>
+              <a:t>”</a:t>
+            </a:r>
+            <a:r>
+              <a:rPr lang="ru-RU" sz="2200" dirty="0">
+                <a:solidFill>
+                  <a:srgbClr val="000000"/>
+                </a:solidFill>
+                <a:effectLst/>
+                <a:latin typeface="Times New Roman" panose="02020603050405020304" pitchFamily="18" charset="0"/>
+                <a:ea typeface="Arial" panose="020B0604020202020204" pitchFamily="34" charset="0"/>
+                <a:cs typeface="Times New Roman" panose="02020603050405020304" pitchFamily="18" charset="0"/>
+              </a:rPr>
+              <a:t>, которая будет создавать различные элементы нашей программы(кнопки, поля и т.п.)</a:t>
+            </a:r>
+            <a:r>
+              <a:rPr lang="ru-RU" sz="2200" dirty="0">
+                <a:solidFill>
+                  <a:srgbClr val="000000"/>
+                </a:solidFill>
+                <a:latin typeface="Times New Roman" panose="02020603050405020304" pitchFamily="18" charset="0"/>
+                <a:ea typeface="Arial" panose="020B0604020202020204" pitchFamily="34" charset="0"/>
+                <a:cs typeface="Times New Roman" panose="02020603050405020304" pitchFamily="18" charset="0"/>
+              </a:rPr>
+              <a:t>.</a:t>
+            </a:r>
+            <a:endParaRPr lang="ru-RU" sz="2200" dirty="0">
+              <a:effectLst/>
+              <a:latin typeface="Times New Roman" panose="02020603050405020304" pitchFamily="18" charset="0"/>
+              <a:ea typeface="Times New Roman" panose="02020603050405020304" pitchFamily="18" charset="0"/>
+              <a:cs typeface="Times New Roman" panose="02020603050405020304" pitchFamily="18" charset="0"/>
+            </a:endParaRPr>
+          </a:p>
+        </p:txBody>
+      </p:sp>
       <p:pic>
         <p:nvPicPr>
-          <p:cNvPr id="3" name="Рисунок 2">
-            <a:extLst>
-              <a:ext uri="{FF2B5EF4-FFF2-40B4-BE49-F238E27FC236}">
-                <a16:creationId xmlns:a16="http://schemas.microsoft.com/office/drawing/2014/main" id="{AC243AA2-F200-426F-91EF-82F52932B851}"/>
+          <p:cNvPr id="5" name="Рисунок 4">
+            <a:extLst>
+              <a:ext uri="{FF2B5EF4-FFF2-40B4-BE49-F238E27FC236}">
+                <a16:creationId xmlns:a16="http://schemas.microsoft.com/office/drawing/2014/main" id="{5B8E4624-55FA-4021-9BD6-151E392A183A}"/>
               </a:ext>
             </a:extLst>
           </p:cNvPr>
@@ -5368,116 +10171,8 @@
         </p:blipFill>
         <p:spPr>
           <a:xfrm>
-            <a:off x="0" y="2384763"/>
-            <a:ext cx="3308800" cy="3642245"/>
-          </a:xfrm>
-          <a:prstGeom prst="rect">
-            <a:avLst/>
-          </a:prstGeom>
-        </p:spPr>
-      </p:pic>
-      <p:pic>
-        <p:nvPicPr>
-          <p:cNvPr id="5" name="Рисунок 4">
-            <a:extLst>
-              <a:ext uri="{FF2B5EF4-FFF2-40B4-BE49-F238E27FC236}">
-                <a16:creationId xmlns:a16="http://schemas.microsoft.com/office/drawing/2014/main" id="{6BC5EB9A-80F1-4CE3-BDA4-E97A44F0EE3C}"/>
-              </a:ext>
-            </a:extLst>
-          </p:cNvPr>
-          <p:cNvPicPr>
-            <a:picLocks noChangeAspect="1"/>
-          </p:cNvPicPr>
-          <p:nvPr/>
-        </p:nvPicPr>
-        <p:blipFill>
-          <a:blip r:embed="rId3">
-            <a:extLst>
-              <a:ext uri="{28A0092B-C50C-407E-A947-70E740481C1C}">
-                <a14:useLocalDpi xmlns:a14="http://schemas.microsoft.com/office/drawing/2010/main" val="0"/>
-              </a:ext>
-            </a:extLst>
-          </a:blip>
-          <a:stretch>
-            <a:fillRect/>
-          </a:stretch>
-        </p:blipFill>
-        <p:spPr>
-          <a:xfrm>
-            <a:off x="8739211" y="1297121"/>
-            <a:ext cx="3343000" cy="3633696"/>
-          </a:xfrm>
-          <a:prstGeom prst="rect">
-            <a:avLst/>
-          </a:prstGeom>
-        </p:spPr>
-      </p:pic>
-      <p:pic>
-        <p:nvPicPr>
-          <p:cNvPr id="7" name="Рисунок 6">
-            <a:extLst>
-              <a:ext uri="{FF2B5EF4-FFF2-40B4-BE49-F238E27FC236}">
-                <a16:creationId xmlns:a16="http://schemas.microsoft.com/office/drawing/2014/main" id="{33F8EE1E-8A80-4F75-BE58-6789B2CE3145}"/>
-              </a:ext>
-            </a:extLst>
-          </p:cNvPr>
-          <p:cNvPicPr>
-            <a:picLocks noChangeAspect="1"/>
-          </p:cNvPicPr>
-          <p:nvPr/>
-        </p:nvPicPr>
-        <p:blipFill>
-          <a:blip r:embed="rId4">
-            <a:extLst>
-              <a:ext uri="{28A0092B-C50C-407E-A947-70E740481C1C}">
-                <a14:useLocalDpi xmlns:a14="http://schemas.microsoft.com/office/drawing/2010/main" val="0"/>
-              </a:ext>
-            </a:extLst>
-          </a:blip>
-          <a:stretch>
-            <a:fillRect/>
-          </a:stretch>
-        </p:blipFill>
-        <p:spPr>
-          <a:xfrm>
-            <a:off x="5264458" y="3429000"/>
-            <a:ext cx="3071139" cy="3304982"/>
-          </a:xfrm>
-          <a:prstGeom prst="rect">
-            <a:avLst/>
-          </a:prstGeom>
-        </p:spPr>
-      </p:pic>
-      <p:pic>
-        <p:nvPicPr>
-          <p:cNvPr id="9" name="Рисунок 8">
-            <a:extLst>
-              <a:ext uri="{FF2B5EF4-FFF2-40B4-BE49-F238E27FC236}">
-                <a16:creationId xmlns:a16="http://schemas.microsoft.com/office/drawing/2014/main" id="{77DB2312-D0A4-4395-B239-9B116BE4A685}"/>
-              </a:ext>
-            </a:extLst>
-          </p:cNvPr>
-          <p:cNvPicPr>
-            <a:picLocks noChangeAspect="1"/>
-          </p:cNvPicPr>
-          <p:nvPr/>
-        </p:nvPicPr>
-        <p:blipFill>
-          <a:blip r:embed="rId5">
-            <a:extLst>
-              <a:ext uri="{28A0092B-C50C-407E-A947-70E740481C1C}">
-                <a14:useLocalDpi xmlns:a14="http://schemas.microsoft.com/office/drawing/2010/main" val="0"/>
-              </a:ext>
-            </a:extLst>
-          </a:blip>
-          <a:stretch>
-            <a:fillRect/>
-          </a:stretch>
-        </p:blipFill>
-        <p:spPr>
-          <a:xfrm>
-            <a:off x="3619317" y="0"/>
-            <a:ext cx="2993192" cy="3304983"/>
+            <a:off x="7528260" y="1434753"/>
+            <a:ext cx="4457135" cy="4841760"/>
           </a:xfrm>
           <a:prstGeom prst="rect">
             <a:avLst/>
@@ -5487,7 +10182,7 @@
     </p:spTree>
     <p:extLst>
       <p:ext uri="{BB962C8B-B14F-4D97-AF65-F5344CB8AC3E}">
-        <p14:creationId xmlns:p14="http://schemas.microsoft.com/office/powerpoint/2010/main" val="2534318730"/>
+        <p14:creationId xmlns:p14="http://schemas.microsoft.com/office/powerpoint/2010/main" val="63376055"/>
       </p:ext>
     </p:extLst>
   </p:cSld>
